--- a/tzjqc37h0bnimw7.pptx
+++ b/tzjqc37h0bnimw7.pptx
@@ -4,6 +4,9 @@
   <p:sldMasterIdLst>
     <p:sldMasterId id="2147483648" r:id="rId1"/>
   </p:sldMasterIdLst>
+  <p:notesMasterIdLst>
+    <p:notesMasterId r:id="rId11"/>
+  </p:notesMasterIdLst>
   <p:sldIdLst>
     <p:sldId id="256" r:id="rId2"/>
     <p:sldId id="257" r:id="rId3"/>
@@ -15,11 +18,108 @@
     <p:sldId id="263" r:id="rId9"/>
     <p:sldId id="264" r:id="rId10"/>
   </p:sldIdLst>
-  <p:notesMasterIdLst>
-    <p:notesMasterId r:id="rId11"/>
-  </p:notesMasterIdLst>
   <p:sldSz cx="14630400" cy="8229600"/>
   <p:notesSz cx="8229600" cy="14630400"/>
+  <p:defaultTextStyle>
+    <a:defPPr>
+      <a:defRPr lang="ko-KR"/>
+    </a:defPPr>
+    <a:lvl1pPr marL="0" algn="l" defTabSz="914400" rtl="0" eaLnBrk="1" latinLnBrk="1" hangingPunct="1">
+      <a:defRPr sz="1800" kern="1200">
+        <a:solidFill>
+          <a:schemeClr val="tx1"/>
+        </a:solidFill>
+        <a:latin typeface="+mn-lt"/>
+        <a:ea typeface="+mn-ea"/>
+        <a:cs typeface="+mn-cs"/>
+      </a:defRPr>
+    </a:lvl1pPr>
+    <a:lvl2pPr marL="457200" algn="l" defTabSz="914400" rtl="0" eaLnBrk="1" latinLnBrk="1" hangingPunct="1">
+      <a:defRPr sz="1800" kern="1200">
+        <a:solidFill>
+          <a:schemeClr val="tx1"/>
+        </a:solidFill>
+        <a:latin typeface="+mn-lt"/>
+        <a:ea typeface="+mn-ea"/>
+        <a:cs typeface="+mn-cs"/>
+      </a:defRPr>
+    </a:lvl2pPr>
+    <a:lvl3pPr marL="914400" algn="l" defTabSz="914400" rtl="0" eaLnBrk="1" latinLnBrk="1" hangingPunct="1">
+      <a:defRPr sz="1800" kern="1200">
+        <a:solidFill>
+          <a:schemeClr val="tx1"/>
+        </a:solidFill>
+        <a:latin typeface="+mn-lt"/>
+        <a:ea typeface="+mn-ea"/>
+        <a:cs typeface="+mn-cs"/>
+      </a:defRPr>
+    </a:lvl3pPr>
+    <a:lvl4pPr marL="1371600" algn="l" defTabSz="914400" rtl="0" eaLnBrk="1" latinLnBrk="1" hangingPunct="1">
+      <a:defRPr sz="1800" kern="1200">
+        <a:solidFill>
+          <a:schemeClr val="tx1"/>
+        </a:solidFill>
+        <a:latin typeface="+mn-lt"/>
+        <a:ea typeface="+mn-ea"/>
+        <a:cs typeface="+mn-cs"/>
+      </a:defRPr>
+    </a:lvl4pPr>
+    <a:lvl5pPr marL="1828800" algn="l" defTabSz="914400" rtl="0" eaLnBrk="1" latinLnBrk="1" hangingPunct="1">
+      <a:defRPr sz="1800" kern="1200">
+        <a:solidFill>
+          <a:schemeClr val="tx1"/>
+        </a:solidFill>
+        <a:latin typeface="+mn-lt"/>
+        <a:ea typeface="+mn-ea"/>
+        <a:cs typeface="+mn-cs"/>
+      </a:defRPr>
+    </a:lvl5pPr>
+    <a:lvl6pPr marL="2286000" algn="l" defTabSz="914400" rtl="0" eaLnBrk="1" latinLnBrk="1" hangingPunct="1">
+      <a:defRPr sz="1800" kern="1200">
+        <a:solidFill>
+          <a:schemeClr val="tx1"/>
+        </a:solidFill>
+        <a:latin typeface="+mn-lt"/>
+        <a:ea typeface="+mn-ea"/>
+        <a:cs typeface="+mn-cs"/>
+      </a:defRPr>
+    </a:lvl6pPr>
+    <a:lvl7pPr marL="2743200" algn="l" defTabSz="914400" rtl="0" eaLnBrk="1" latinLnBrk="1" hangingPunct="1">
+      <a:defRPr sz="1800" kern="1200">
+        <a:solidFill>
+          <a:schemeClr val="tx1"/>
+        </a:solidFill>
+        <a:latin typeface="+mn-lt"/>
+        <a:ea typeface="+mn-ea"/>
+        <a:cs typeface="+mn-cs"/>
+      </a:defRPr>
+    </a:lvl7pPr>
+    <a:lvl8pPr marL="3200400" algn="l" defTabSz="914400" rtl="0" eaLnBrk="1" latinLnBrk="1" hangingPunct="1">
+      <a:defRPr sz="1800" kern="1200">
+        <a:solidFill>
+          <a:schemeClr val="tx1"/>
+        </a:solidFill>
+        <a:latin typeface="+mn-lt"/>
+        <a:ea typeface="+mn-ea"/>
+        <a:cs typeface="+mn-cs"/>
+      </a:defRPr>
+    </a:lvl8pPr>
+    <a:lvl9pPr marL="3657600" algn="l" defTabSz="914400" rtl="0" eaLnBrk="1" latinLnBrk="1" hangingPunct="1">
+      <a:defRPr sz="1800" kern="1200">
+        <a:solidFill>
+          <a:schemeClr val="tx1"/>
+        </a:solidFill>
+        <a:latin typeface="+mn-lt"/>
+        <a:ea typeface="+mn-ea"/>
+        <a:cs typeface="+mn-cs"/>
+      </a:defRPr>
+    </a:lvl9pPr>
+  </p:defaultTextStyle>
+  <p:extLst>
+    <p:ext uri="{EFAFB233-063F-42B5-8137-9DF3F51BA10A}">
+      <p15:sldGuideLst xmlns:p15="http://schemas.microsoft.com/office/powerpoint/2012/main"/>
+    </p:ext>
+  </p:extLst>
 </p:presentation>
 </file>
 
@@ -45,240 +145,16 @@
           <a:chExt cx="0" cy="0"/>
         </a:xfrm>
       </p:grpSpPr>
-      <p:sp>
-        <p:nvSpPr>
-          <p:cNvPr id="2" name="Header Placeholder 1"/>
-          <p:cNvSpPr>
-            <a:spLocks noGrp="1"/>
-          </p:cNvSpPr>
-          <p:nvPr>
-            <p:ph type="hdr" sz="quarter"/>
-          </p:nvPr>
-        </p:nvSpPr>
-        <p:spPr>
-          <a:xfrm>
-            <a:off x="0" y="0"/>
-            <a:ext cx="2971800" cy="458788"/>
-          </a:xfrm>
-          <a:prstGeom prst="rect">
-            <a:avLst/>
-          </a:prstGeom>
-        </p:spPr>
-        <p:txBody>
-          <a:bodyPr vert="horz" lIns="91440" tIns="45720" rIns="91440" bIns="45720" rtlCol="0"/>
-          <a:lstStyle>
-            <a:lvl1pPr algn="l">
-              <a:defRPr sz="1200"/>
-            </a:lvl1pPr>
-          </a:lstStyle>
-          <a:p>
-            <a:endParaRPr lang="en-US"/>
-          </a:p>
-        </p:txBody>
-      </p:sp>
-      <p:sp>
-        <p:nvSpPr>
-          <p:cNvPr id="3" name="Date Placeholder 2"/>
-          <p:cNvSpPr>
-            <a:spLocks noGrp="1"/>
-          </p:cNvSpPr>
-          <p:nvPr>
-            <p:ph type="dt" idx="1"/>
-          </p:nvPr>
-        </p:nvSpPr>
-        <p:spPr>
-          <a:xfrm>
-            <a:off x="3884613" y="0"/>
-            <a:ext cx="2971800" cy="458788"/>
-          </a:xfrm>
-          <a:prstGeom prst="rect">
-            <a:avLst/>
-          </a:prstGeom>
-        </p:spPr>
-        <p:txBody>
-          <a:bodyPr vert="horz" lIns="91440" tIns="45720" rIns="91440" bIns="45720" rtlCol="0"/>
-          <a:lstStyle>
-            <a:lvl1pPr algn="r">
-              <a:defRPr sz="1200"/>
-            </a:lvl1pPr>
-          </a:lstStyle>
-          <a:p>
-            <a:fld id="{5282F153-3F37-0F45-9E97-73ACFA13230C}" type="datetimeFigureOut">
-              <a:rPr lang="en-US"/>
-              <a:t>7/23/19</a:t>
-            </a:fld>
-            <a:endParaRPr lang="en-US"/>
-          </a:p>
-        </p:txBody>
-      </p:sp>
-      <p:sp>
-        <p:nvSpPr>
-          <p:cNvPr id="4" name="Slide Image Placeholder 3"/>
-          <p:cNvSpPr>
-            <a:spLocks noGrp="1" noRot="1" noChangeAspect="1"/>
-          </p:cNvSpPr>
-          <p:nvPr>
-            <p:ph type="sldImg" idx="2"/>
-          </p:nvPr>
-        </p:nvSpPr>
-        <p:spPr>
-          <a:xfrm>
-            <a:off x="685800" y="1143000"/>
-            <a:ext cx="5486400" cy="3086100"/>
-          </a:xfrm>
-          <a:prstGeom prst="rect">
-            <a:avLst/>
-          </a:prstGeom>
-          <a:noFill/>
-          <a:ln w="12700">
-            <a:solidFill>
-              <a:prstClr val="black"/>
-            </a:solidFill>
-          </a:ln>
-        </p:spPr>
-        <p:txBody>
-          <a:bodyPr vert="horz" lIns="91440" tIns="45720" rIns="91440" bIns="45720" rtlCol="0" anchor="ctr"/>
-          <a:lstStyle/>
-          <a:p>
-            <a:endParaRPr lang="en-US"/>
-          </a:p>
-        </p:txBody>
-      </p:sp>
-      <p:sp>
-        <p:nvSpPr>
-          <p:cNvPr id="5" name="Notes Placeholder 4"/>
-          <p:cNvSpPr>
-            <a:spLocks noGrp="1"/>
-          </p:cNvSpPr>
-          <p:nvPr>
-            <p:ph type="body" sz="quarter" idx="3"/>
-          </p:nvPr>
-        </p:nvSpPr>
-        <p:spPr>
-          <a:xfrm>
-            <a:off x="685800" y="4400550"/>
-            <a:ext cx="5486400" cy="3600450"/>
-          </a:xfrm>
-          <a:prstGeom prst="rect">
-            <a:avLst/>
-          </a:prstGeom>
-        </p:spPr>
-        <p:txBody>
-          <a:bodyPr vert="horz" lIns="91440" tIns="45720" rIns="91440" bIns="45720" rtlCol="0"/>
-          <a:lstStyle/>
-          <a:p>
-            <a:pPr lvl="0"/>
-            <a:r>
-              <a:rPr lang="en-US"/>
-              <a:t>Click to edit Master text styles</a:t>
-            </a:r>
-          </a:p>
-          <a:p>
-            <a:pPr lvl="1"/>
-            <a:r>
-              <a:rPr lang="en-US"/>
-              <a:t>Second level</a:t>
-            </a:r>
-          </a:p>
-          <a:p>
-            <a:pPr lvl="2"/>
-            <a:r>
-              <a:rPr lang="en-US"/>
-              <a:t>Third level</a:t>
-            </a:r>
-          </a:p>
-          <a:p>
-            <a:pPr lvl="3"/>
-            <a:r>
-              <a:rPr lang="en-US"/>
-              <a:t>Fourth level</a:t>
-            </a:r>
-          </a:p>
-          <a:p>
-            <a:pPr lvl="4"/>
-            <a:r>
-              <a:rPr lang="en-US"/>
-              <a:t>Fifth level</a:t>
-            </a:r>
-          </a:p>
-        </p:txBody>
-      </p:sp>
-      <p:sp>
-        <p:nvSpPr>
-          <p:cNvPr id="6" name="Footer Placeholder 5"/>
-          <p:cNvSpPr>
-            <a:spLocks noGrp="1"/>
-          </p:cNvSpPr>
-          <p:nvPr>
-            <p:ph type="ftr" sz="quarter" idx="4"/>
-          </p:nvPr>
-        </p:nvSpPr>
-        <p:spPr>
-          <a:xfrm>
-            <a:off x="0" y="8685213"/>
-            <a:ext cx="2971800" cy="458787"/>
-          </a:xfrm>
-          <a:prstGeom prst="rect">
-            <a:avLst/>
-          </a:prstGeom>
-        </p:spPr>
-        <p:txBody>
-          <a:bodyPr vert="horz" lIns="91440" tIns="45720" rIns="91440" bIns="45720" rtlCol="0" anchor="b"/>
-          <a:lstStyle>
-            <a:lvl1pPr algn="l">
-              <a:defRPr sz="1200"/>
-            </a:lvl1pPr>
-          </a:lstStyle>
-          <a:p>
-            <a:endParaRPr lang="en-US"/>
-          </a:p>
-        </p:txBody>
-      </p:sp>
-      <p:sp>
-        <p:nvSpPr>
-          <p:cNvPr id="7" name="Slide Number Placeholder 6"/>
-          <p:cNvSpPr>
-            <a:spLocks noGrp="1"/>
-          </p:cNvSpPr>
-          <p:nvPr>
-            <p:ph type="sldNum" sz="quarter" idx="5"/>
-          </p:nvPr>
-        </p:nvSpPr>
-        <p:spPr>
-          <a:xfrm>
-            <a:off x="3884613" y="8685213"/>
-            <a:ext cx="2971800" cy="458787"/>
-          </a:xfrm>
-          <a:prstGeom prst="rect">
-            <a:avLst/>
-          </a:prstGeom>
-        </p:spPr>
-        <p:txBody>
-          <a:bodyPr vert="horz" lIns="91440" tIns="45720" rIns="91440" bIns="45720" rtlCol="0" anchor="b"/>
-          <a:lstStyle>
-            <a:lvl1pPr algn="r">
-              <a:defRPr sz="1200"/>
-            </a:lvl1pPr>
-          </a:lstStyle>
-          <a:p>
-            <a:fld id="{CE5E9CC1-C706-0F49-92D6-E571CC5EEA8F}" type="slidenum">
-              <a:rPr lang="en-US"/>
-              <a:t>‹#›</a:t>
-            </a:fld>
-            <a:endParaRPr lang="en-US"/>
-          </a:p>
-        </p:txBody>
-      </p:sp>
     </p:spTree>
     <p:extLst>
       <p:ext uri="{BB962C8B-B14F-4D97-AF65-F5344CB8AC3E}">
-        <p14:creationId xmlns:p14="http://schemas.microsoft.com/office/powerpoint/2010/main" val="1024086991"/>
+        <p14:creationId xmlns:p14="http://schemas.microsoft.com/office/powerpoint/2010/main" val="893971008"/>
       </p:ext>
     </p:extLst>
   </p:cSld>
   <p:clrMap bg1="lt1" tx1="dk1" bg2="lt2" tx2="dk2" accent1="accent1" accent2="accent2" accent3="accent3" accent4="accent4" accent5="accent5" accent6="accent6" hlink="hlink" folHlink="folHlink"/>
   <p:notesStyle>
-    <a:lvl1pPr marL="0" algn="l" defTabSz="914400" rtl="0" eaLnBrk="1" latinLnBrk="0" hangingPunct="1">
+    <a:lvl1pPr marL="0" algn="l" defTabSz="914400" rtl="0" eaLnBrk="1" latinLnBrk="1" hangingPunct="1">
       <a:defRPr sz="1200" kern="1200">
         <a:solidFill>
           <a:schemeClr val="tx1"/>
@@ -288,7 +164,7 @@
         <a:cs typeface="+mn-cs"/>
       </a:defRPr>
     </a:lvl1pPr>
-    <a:lvl2pPr marL="457200" algn="l" defTabSz="914400" rtl="0" eaLnBrk="1" latinLnBrk="0" hangingPunct="1">
+    <a:lvl2pPr marL="457200" algn="l" defTabSz="914400" rtl="0" eaLnBrk="1" latinLnBrk="1" hangingPunct="1">
       <a:defRPr sz="1200" kern="1200">
         <a:solidFill>
           <a:schemeClr val="tx1"/>
@@ -298,7 +174,7 @@
         <a:cs typeface="+mn-cs"/>
       </a:defRPr>
     </a:lvl2pPr>
-    <a:lvl3pPr marL="914400" algn="l" defTabSz="914400" rtl="0" eaLnBrk="1" latinLnBrk="0" hangingPunct="1">
+    <a:lvl3pPr marL="914400" algn="l" defTabSz="914400" rtl="0" eaLnBrk="1" latinLnBrk="1" hangingPunct="1">
       <a:defRPr sz="1200" kern="1200">
         <a:solidFill>
           <a:schemeClr val="tx1"/>
@@ -308,7 +184,7 @@
         <a:cs typeface="+mn-cs"/>
       </a:defRPr>
     </a:lvl3pPr>
-    <a:lvl4pPr marL="1371600" algn="l" defTabSz="914400" rtl="0" eaLnBrk="1" latinLnBrk="0" hangingPunct="1">
+    <a:lvl4pPr marL="1371600" algn="l" defTabSz="914400" rtl="0" eaLnBrk="1" latinLnBrk="1" hangingPunct="1">
       <a:defRPr sz="1200" kern="1200">
         <a:solidFill>
           <a:schemeClr val="tx1"/>
@@ -318,7 +194,7 @@
         <a:cs typeface="+mn-cs"/>
       </a:defRPr>
     </a:lvl4pPr>
-    <a:lvl5pPr marL="1828800" algn="l" defTabSz="914400" rtl="0" eaLnBrk="1" latinLnBrk="0" hangingPunct="1">
+    <a:lvl5pPr marL="1828800" algn="l" defTabSz="914400" rtl="0" eaLnBrk="1" latinLnBrk="1" hangingPunct="1">
       <a:defRPr sz="1200" kern="1200">
         <a:solidFill>
           <a:schemeClr val="tx1"/>
@@ -328,7 +204,7 @@
         <a:cs typeface="+mn-cs"/>
       </a:defRPr>
     </a:lvl5pPr>
-    <a:lvl6pPr marL="2286000" algn="l" defTabSz="914400" rtl="0" eaLnBrk="1" latinLnBrk="0" hangingPunct="1">
+    <a:lvl6pPr marL="2286000" algn="l" defTabSz="914400" rtl="0" eaLnBrk="1" latinLnBrk="1" hangingPunct="1">
       <a:defRPr sz="1200" kern="1200">
         <a:solidFill>
           <a:schemeClr val="tx1"/>
@@ -338,7 +214,7 @@
         <a:cs typeface="+mn-cs"/>
       </a:defRPr>
     </a:lvl6pPr>
-    <a:lvl7pPr marL="2743200" algn="l" defTabSz="914400" rtl="0" eaLnBrk="1" latinLnBrk="0" hangingPunct="1">
+    <a:lvl7pPr marL="2743200" algn="l" defTabSz="914400" rtl="0" eaLnBrk="1" latinLnBrk="1" hangingPunct="1">
       <a:defRPr sz="1200" kern="1200">
         <a:solidFill>
           <a:schemeClr val="tx1"/>
@@ -348,7 +224,7 @@
         <a:cs typeface="+mn-cs"/>
       </a:defRPr>
     </a:lvl7pPr>
-    <a:lvl8pPr marL="3200400" algn="l" defTabSz="914400" rtl="0" eaLnBrk="1" latinLnBrk="0" hangingPunct="1">
+    <a:lvl8pPr marL="3200400" algn="l" defTabSz="914400" rtl="0" eaLnBrk="1" latinLnBrk="1" hangingPunct="1">
       <a:defRPr sz="1200" kern="1200">
         <a:solidFill>
           <a:schemeClr val="tx1"/>
@@ -358,7 +234,7 @@
         <a:cs typeface="+mn-cs"/>
       </a:defRPr>
     </a:lvl8pPr>
-    <a:lvl9pPr marL="3657600" algn="l" defTabSz="914400" rtl="0" eaLnBrk="1" latinLnBrk="0" hangingPunct="1">
+    <a:lvl9pPr marL="3657600" algn="l" defTabSz="914400" rtl="0" eaLnBrk="1" latinLnBrk="1" hangingPunct="1">
       <a:defRPr sz="1200" kern="1200">
         <a:solidFill>
           <a:schemeClr val="tx1"/>
@@ -416,10 +292,6 @@
           <a:bodyPr/>
           <a:lstStyle/>
           <a:p>
-            <a:r>
-              <a:rPr lang="en-US" dirty="0"/>
-              <a:t/>
-            </a:r>
             <a:endParaRPr lang="en-US" dirty="0"/>
           </a:p>
         </p:txBody>
@@ -504,10 +376,6 @@
           <a:bodyPr/>
           <a:lstStyle/>
           <a:p>
-            <a:r>
-              <a:rPr lang="en-US" dirty="0"/>
-              <a:t/>
-            </a:r>
             <a:endParaRPr lang="en-US" dirty="0"/>
           </a:p>
         </p:txBody>
@@ -592,10 +460,6 @@
           <a:bodyPr/>
           <a:lstStyle/>
           <a:p>
-            <a:r>
-              <a:rPr lang="en-US" dirty="0"/>
-              <a:t/>
-            </a:r>
             <a:endParaRPr lang="en-US" dirty="0"/>
           </a:p>
         </p:txBody>
@@ -680,10 +544,6 @@
           <a:bodyPr/>
           <a:lstStyle/>
           <a:p>
-            <a:r>
-              <a:rPr lang="en-US" dirty="0"/>
-              <a:t/>
-            </a:r>
             <a:endParaRPr lang="en-US" dirty="0"/>
           </a:p>
         </p:txBody>
@@ -768,10 +628,6 @@
           <a:bodyPr/>
           <a:lstStyle/>
           <a:p>
-            <a:r>
-              <a:rPr lang="en-US" dirty="0"/>
-              <a:t/>
-            </a:r>
             <a:endParaRPr lang="en-US" dirty="0"/>
           </a:p>
         </p:txBody>
@@ -856,10 +712,6 @@
           <a:bodyPr/>
           <a:lstStyle/>
           <a:p>
-            <a:r>
-              <a:rPr lang="en-US" dirty="0"/>
-              <a:t/>
-            </a:r>
             <a:endParaRPr lang="en-US" dirty="0"/>
           </a:p>
         </p:txBody>
@@ -944,10 +796,6 @@
           <a:bodyPr/>
           <a:lstStyle/>
           <a:p>
-            <a:r>
-              <a:rPr lang="en-US" dirty="0"/>
-              <a:t/>
-            </a:r>
             <a:endParaRPr lang="en-US" dirty="0"/>
           </a:p>
         </p:txBody>
@@ -1032,10 +880,6 @@
           <a:bodyPr/>
           <a:lstStyle/>
           <a:p>
-            <a:r>
-              <a:rPr lang="en-US" dirty="0"/>
-              <a:t/>
-            </a:r>
             <a:endParaRPr lang="en-US" dirty="0"/>
           </a:p>
         </p:txBody>
@@ -1120,10 +964,6 @@
           <a:bodyPr/>
           <a:lstStyle/>
           <a:p>
-            <a:r>
-              <a:rPr lang="en-US" dirty="0"/>
-              <a:t/>
-            </a:r>
             <a:endParaRPr lang="en-US" dirty="0"/>
           </a:p>
         </p:txBody>
@@ -1254,7 +1094,7 @@
       <p:pic>
         <p:nvPicPr>
           <p:cNvPr id="4" name="Image 0" descr="preencoded.png">
-            <a:hlinkClick r:id="rId2" tooltip=""/>
+            <a:hlinkClick r:id="rId2"/>
           </p:cNvPr>
           <p:cNvPicPr>
             <a:picLocks noChangeAspect="1"/>
@@ -1262,7 +1102,7 @@
           <p:nvPr/>
         </p:nvPicPr>
         <p:blipFill>
-          <a:blip r:embed="rId1"/>
+          <a:blip r:embed="rId3"/>
           <a:stretch>
             <a:fillRect/>
           </a:stretch>
@@ -1345,7 +1185,7 @@
       <p:pic>
         <p:nvPicPr>
           <p:cNvPr id="4" name="Image 0" descr="preencoded.png">
-            <a:hlinkClick r:id="rId2" tooltip=""/>
+            <a:hlinkClick r:id="rId2"/>
           </p:cNvPr>
           <p:cNvPicPr>
             <a:picLocks noChangeAspect="1"/>
@@ -1353,7 +1193,7 @@
           <p:nvPr/>
         </p:nvPicPr>
         <p:blipFill>
-          <a:blip r:embed="rId1"/>
+          <a:blip r:embed="rId3"/>
           <a:stretch>
             <a:fillRect/>
           </a:stretch>
@@ -1436,7 +1276,7 @@
       <p:pic>
         <p:nvPicPr>
           <p:cNvPr id="4" name="Image 0" descr="preencoded.png">
-            <a:hlinkClick r:id="rId2" tooltip=""/>
+            <a:hlinkClick r:id="rId2"/>
           </p:cNvPr>
           <p:cNvPicPr>
             <a:picLocks noChangeAspect="1"/>
@@ -1444,7 +1284,7 @@
           <p:nvPr/>
         </p:nvPicPr>
         <p:blipFill>
-          <a:blip r:embed="rId1"/>
+          <a:blip r:embed="rId3"/>
           <a:stretch>
             <a:fillRect/>
           </a:stretch>
@@ -1527,7 +1367,7 @@
       <p:pic>
         <p:nvPicPr>
           <p:cNvPr id="4" name="Image 0" descr="preencoded.png">
-            <a:hlinkClick r:id="rId2" tooltip=""/>
+            <a:hlinkClick r:id="rId2"/>
           </p:cNvPr>
           <p:cNvPicPr>
             <a:picLocks noChangeAspect="1"/>
@@ -1535,7 +1375,7 @@
           <p:nvPr/>
         </p:nvPicPr>
         <p:blipFill>
-          <a:blip r:embed="rId1"/>
+          <a:blip r:embed="rId3"/>
           <a:stretch>
             <a:fillRect/>
           </a:stretch>
@@ -1618,7 +1458,7 @@
       <p:pic>
         <p:nvPicPr>
           <p:cNvPr id="4" name="Image 0" descr="preencoded.png">
-            <a:hlinkClick r:id="rId2" tooltip=""/>
+            <a:hlinkClick r:id="rId2"/>
           </p:cNvPr>
           <p:cNvPicPr>
             <a:picLocks noChangeAspect="1"/>
@@ -1626,7 +1466,7 @@
           <p:nvPr/>
         </p:nvPicPr>
         <p:blipFill>
-          <a:blip r:embed="rId1"/>
+          <a:blip r:embed="rId3"/>
           <a:stretch>
             <a:fillRect/>
           </a:stretch>
@@ -1709,7 +1549,7 @@
       <p:pic>
         <p:nvPicPr>
           <p:cNvPr id="4" name="Image 0" descr="preencoded.png">
-            <a:hlinkClick r:id="rId2" tooltip=""/>
+            <a:hlinkClick r:id="rId2"/>
           </p:cNvPr>
           <p:cNvPicPr>
             <a:picLocks noChangeAspect="1"/>
@@ -1717,7 +1557,7 @@
           <p:nvPr/>
         </p:nvPicPr>
         <p:blipFill>
-          <a:blip r:embed="rId1"/>
+          <a:blip r:embed="rId3"/>
           <a:stretch>
             <a:fillRect/>
           </a:stretch>
@@ -1800,7 +1640,7 @@
       <p:pic>
         <p:nvPicPr>
           <p:cNvPr id="4" name="Image 0" descr="preencoded.png">
-            <a:hlinkClick r:id="rId2" tooltip=""/>
+            <a:hlinkClick r:id="rId2"/>
           </p:cNvPr>
           <p:cNvPicPr>
             <a:picLocks noChangeAspect="1"/>
@@ -1808,7 +1648,7 @@
           <p:nvPr/>
         </p:nvPicPr>
         <p:blipFill>
-          <a:blip r:embed="rId1"/>
+          <a:blip r:embed="rId3"/>
           <a:stretch>
             <a:fillRect/>
           </a:stretch>
@@ -1891,7 +1731,7 @@
       <p:pic>
         <p:nvPicPr>
           <p:cNvPr id="4" name="Image 0" descr="preencoded.png">
-            <a:hlinkClick r:id="rId2" tooltip=""/>
+            <a:hlinkClick r:id="rId2"/>
           </p:cNvPr>
           <p:cNvPicPr>
             <a:picLocks noChangeAspect="1"/>
@@ -1899,7 +1739,7 @@
           <p:nvPr/>
         </p:nvPicPr>
         <p:blipFill>
-          <a:blip r:embed="rId1"/>
+          <a:blip r:embed="rId3"/>
           <a:stretch>
             <a:fillRect/>
           </a:stretch>
@@ -1982,7 +1822,7 @@
       <p:pic>
         <p:nvPicPr>
           <p:cNvPr id="4" name="Image 0" descr="preencoded.png">
-            <a:hlinkClick r:id="rId2" tooltip=""/>
+            <a:hlinkClick r:id="rId2"/>
           </p:cNvPr>
           <p:cNvPicPr>
             <a:picLocks noChangeAspect="1"/>
@@ -1990,7 +1830,7 @@
           <p:nvPr/>
         </p:nvPicPr>
         <p:blipFill>
-          <a:blip r:embed="rId1"/>
+          <a:blip r:embed="rId3"/>
           <a:stretch>
             <a:fillRect/>
           </a:stretch>
@@ -2016,6 +1856,11 @@
 <file path=ppt/slideMasters/slideMaster1.xml><?xml version="1.0" encoding="utf-8"?>
 <p:sldMaster xmlns:a="http://schemas.openxmlformats.org/drawingml/2006/main" xmlns:r="http://schemas.openxmlformats.org/officeDocument/2006/relationships" xmlns:p="http://schemas.openxmlformats.org/presentationml/2006/main">
   <p:cSld>
+    <p:bg>
+      <p:bgRef idx="1001">
+        <a:schemeClr val="bg1"/>
+      </p:bgRef>
+    </p:bg>
     <p:spTree>
       <p:nvGrpSpPr>
         <p:cNvPr id="1" name=""/>
@@ -2300,7 +2145,7 @@
 </file>
 
 <file path=ppt/slides/slide1.xml><?xml version="1.0" encoding="utf-8"?>
-<p:sld xmlns:a="http://schemas.openxmlformats.org/drawingml/2006/main" xmlns:r="http://schemas.openxmlformats.org/officeDocument/2006/relationships" xmlns:p="http://schemas.openxmlformats.org/presentationml/2006/main">
+<p:sld xmlns:a="http://schemas.openxmlformats.org/drawingml/2006/main" xmlns:r="http://schemas.openxmlformats.org/officeDocument/2006/relationships" xmlns:p="http://schemas.openxmlformats.org/presentationml/2006/main" showMasterSp="0">
   <p:cSld name="Slide 1">
     <p:spTree>
       <p:nvGrpSpPr>
@@ -2335,17 +2180,24 @@
           </a:solidFill>
           <a:ln/>
         </p:spPr>
+        <p:txBody>
+          <a:bodyPr/>
+          <a:lstStyle/>
+          <a:p>
+            <a:endParaRPr lang="ko-KR" altLang="en-US"/>
+          </a:p>
+        </p:txBody>
       </p:sp>
       <p:pic>
         <p:nvPicPr>
-          <p:cNvPr id="3" name="Image 0" descr="preencoded.png">    </p:cNvPr>
+          <p:cNvPr id="3" name="Image 0" descr="preencoded.png"/>
           <p:cNvPicPr>
             <a:picLocks noChangeAspect="1"/>
           </p:cNvPicPr>
           <p:nvPr/>
         </p:nvPicPr>
         <p:blipFill>
-          <a:blip r:embed="rId1"/>
+          <a:blip r:embed="rId3"/>
           <a:stretch>
             <a:fillRect/>
           </a:stretch>
@@ -2381,7 +2233,7 @@
           <a:bodyPr wrap="none" lIns="0" tIns="0" rIns="0" bIns="0" rtlCol="0" anchor="t"/>
           <a:lstStyle/>
           <a:p>
-            <a:pPr algn="l" indent="0" marL="0">
+            <a:pPr marL="0" indent="0" algn="l">
               <a:lnSpc>
                 <a:spcPts val="5550"/>
               </a:lnSpc>
@@ -2423,7 +2275,7 @@
           <a:bodyPr wrap="none" lIns="0" tIns="0" rIns="0" bIns="0" rtlCol="0" anchor="t"/>
           <a:lstStyle/>
           <a:p>
-            <a:pPr algn="l" indent="0" marL="0">
+            <a:pPr marL="0" indent="0" algn="l">
               <a:lnSpc>
                 <a:spcPts val="2850"/>
               </a:lnSpc>
@@ -2465,7 +2317,7 @@
           <a:bodyPr wrap="none" lIns="0" tIns="0" rIns="0" bIns="0" rtlCol="0" anchor="t"/>
           <a:lstStyle/>
           <a:p>
-            <a:pPr algn="l" indent="0" marL="0">
+            <a:pPr marL="0" indent="0" algn="l">
               <a:lnSpc>
                 <a:spcPts val="2850"/>
               </a:lnSpc>
@@ -2507,7 +2359,7 @@
           <a:bodyPr wrap="none" lIns="0" tIns="0" rIns="0" bIns="0" rtlCol="0" anchor="t"/>
           <a:lstStyle/>
           <a:p>
-            <a:pPr algn="l" indent="0" marL="0">
+            <a:pPr marL="0" indent="0" algn="l">
               <a:lnSpc>
                 <a:spcPts val="2850"/>
               </a:lnSpc>
@@ -2526,7 +2378,7 @@
 </file>
 
 <file path=ppt/slides/slide2.xml><?xml version="1.0" encoding="utf-8"?>
-<p:sld xmlns:a="http://schemas.openxmlformats.org/drawingml/2006/main" xmlns:r="http://schemas.openxmlformats.org/officeDocument/2006/relationships" xmlns:p="http://schemas.openxmlformats.org/presentationml/2006/main">
+<p:sld xmlns:a="http://schemas.openxmlformats.org/drawingml/2006/main" xmlns:r="http://schemas.openxmlformats.org/officeDocument/2006/relationships" xmlns:p="http://schemas.openxmlformats.org/presentationml/2006/main" showMasterSp="0">
   <p:cSld name="Slide 2">
     <p:spTree>
       <p:nvGrpSpPr>
@@ -2563,7 +2415,7 @@
           <a:bodyPr wrap="none" lIns="0" tIns="0" rIns="0" bIns="0" rtlCol="0" anchor="t"/>
           <a:lstStyle/>
           <a:p>
-            <a:pPr algn="l" indent="0" marL="0">
+            <a:pPr marL="0" indent="0" algn="l">
               <a:lnSpc>
                 <a:spcPts val="5550"/>
               </a:lnSpc>
@@ -2610,6 +2462,13 @@
             <a:prstDash val="solid"/>
           </a:ln>
         </p:spPr>
+        <p:txBody>
+          <a:bodyPr/>
+          <a:lstStyle/>
+          <a:p>
+            <a:endParaRPr lang="ko-KR" altLang="en-US"/>
+          </a:p>
+        </p:txBody>
       </p:sp>
       <p:sp>
         <p:nvSpPr>
@@ -2632,7 +2491,7 @@
           <a:bodyPr wrap="none" lIns="0" tIns="0" rIns="0" bIns="0" rtlCol="0" anchor="t"/>
           <a:lstStyle/>
           <a:p>
-            <a:pPr algn="l" indent="0" marL="0">
+            <a:pPr marL="0" indent="0" algn="l">
               <a:lnSpc>
                 <a:spcPts val="2750"/>
               </a:lnSpc>
@@ -2679,6 +2538,13 @@
             <a:prstDash val="solid"/>
           </a:ln>
         </p:spPr>
+        <p:txBody>
+          <a:bodyPr/>
+          <a:lstStyle/>
+          <a:p>
+            <a:endParaRPr lang="ko-KR" altLang="en-US"/>
+          </a:p>
+        </p:txBody>
       </p:sp>
       <p:sp>
         <p:nvSpPr>
@@ -2701,7 +2567,7 @@
           <a:bodyPr wrap="none" lIns="0" tIns="0" rIns="0" bIns="0" rtlCol="0" anchor="t"/>
           <a:lstStyle/>
           <a:p>
-            <a:pPr algn="l" indent="0" marL="0">
+            <a:pPr marL="0" indent="0" algn="l">
               <a:lnSpc>
                 <a:spcPts val="2750"/>
               </a:lnSpc>
@@ -2748,6 +2614,13 @@
             <a:prstDash val="solid"/>
           </a:ln>
         </p:spPr>
+        <p:txBody>
+          <a:bodyPr/>
+          <a:lstStyle/>
+          <a:p>
+            <a:endParaRPr lang="ko-KR" altLang="en-US"/>
+          </a:p>
+        </p:txBody>
       </p:sp>
       <p:sp>
         <p:nvSpPr>
@@ -2770,7 +2643,7 @@
           <a:bodyPr wrap="none" lIns="0" tIns="0" rIns="0" bIns="0" rtlCol="0" anchor="t"/>
           <a:lstStyle/>
           <a:p>
-            <a:pPr algn="l" indent="0" marL="0">
+            <a:pPr marL="0" indent="0" algn="l">
               <a:lnSpc>
                 <a:spcPts val="2750"/>
               </a:lnSpc>
@@ -2817,6 +2690,13 @@
             <a:prstDash val="solid"/>
           </a:ln>
         </p:spPr>
+        <p:txBody>
+          <a:bodyPr/>
+          <a:lstStyle/>
+          <a:p>
+            <a:endParaRPr lang="ko-KR" altLang="en-US"/>
+          </a:p>
+        </p:txBody>
       </p:sp>
       <p:sp>
         <p:nvSpPr>
@@ -2839,7 +2719,7 @@
           <a:bodyPr wrap="none" lIns="0" tIns="0" rIns="0" bIns="0" rtlCol="0" anchor="t"/>
           <a:lstStyle/>
           <a:p>
-            <a:pPr algn="l" indent="0" marL="0">
+            <a:pPr marL="0" indent="0" algn="l">
               <a:lnSpc>
                 <a:spcPts val="2750"/>
               </a:lnSpc>
@@ -2869,7 +2749,7 @@
 </file>
 
 <file path=ppt/slides/slide3.xml><?xml version="1.0" encoding="utf-8"?>
-<p:sld xmlns:a="http://schemas.openxmlformats.org/drawingml/2006/main" xmlns:r="http://schemas.openxmlformats.org/officeDocument/2006/relationships" xmlns:p="http://schemas.openxmlformats.org/presentationml/2006/main">
+<p:sld xmlns:a="http://schemas.openxmlformats.org/drawingml/2006/main" xmlns:r="http://schemas.openxmlformats.org/officeDocument/2006/relationships" xmlns:p="http://schemas.openxmlformats.org/presentationml/2006/main" showMasterSp="0">
   <p:cSld name="Slide 3">
     <p:spTree>
       <p:nvGrpSpPr>
@@ -2904,17 +2784,24 @@
           </a:solidFill>
           <a:ln/>
         </p:spPr>
+        <p:txBody>
+          <a:bodyPr/>
+          <a:lstStyle/>
+          <a:p>
+            <a:endParaRPr lang="ko-KR" altLang="en-US"/>
+          </a:p>
+        </p:txBody>
       </p:sp>
       <p:pic>
         <p:nvPicPr>
-          <p:cNvPr id="3" name="Image 0" descr="preencoded.png">    </p:cNvPr>
+          <p:cNvPr id="3" name="Image 0" descr="preencoded.png"/>
           <p:cNvPicPr>
             <a:picLocks noChangeAspect="1"/>
           </p:cNvPicPr>
           <p:nvPr/>
         </p:nvPicPr>
         <p:blipFill>
-          <a:blip r:embed="rId1"/>
+          <a:blip r:embed="rId3"/>
           <a:stretch>
             <a:fillRect/>
           </a:stretch>
@@ -2950,7 +2837,7 @@
           <a:bodyPr wrap="none" lIns="0" tIns="0" rIns="0" bIns="0" rtlCol="0" anchor="t"/>
           <a:lstStyle/>
           <a:p>
-            <a:pPr algn="l" indent="0" marL="0">
+            <a:pPr marL="0" indent="0" algn="l">
               <a:lnSpc>
                 <a:spcPts val="5550"/>
               </a:lnSpc>
@@ -2992,7 +2879,7 @@
           <a:bodyPr wrap="none" lIns="0" tIns="0" rIns="0" bIns="0" rtlCol="0" anchor="t"/>
           <a:lstStyle/>
           <a:p>
-            <a:pPr algn="l" indent="0" marL="0">
+            <a:pPr marL="0" indent="0" algn="l">
               <a:lnSpc>
                 <a:spcPts val="2850"/>
               </a:lnSpc>
@@ -3022,7 +2909,7 @@
 </file>
 
 <file path=ppt/slides/slide4.xml><?xml version="1.0" encoding="utf-8"?>
-<p:sld xmlns:a="http://schemas.openxmlformats.org/drawingml/2006/main" xmlns:r="http://schemas.openxmlformats.org/officeDocument/2006/relationships" xmlns:p="http://schemas.openxmlformats.org/presentationml/2006/main">
+<p:sld xmlns:a="http://schemas.openxmlformats.org/drawingml/2006/main" xmlns:r="http://schemas.openxmlformats.org/officeDocument/2006/relationships" xmlns:p="http://schemas.openxmlformats.org/presentationml/2006/main" showMasterSp="0">
   <p:cSld name="Slide 4">
     <p:spTree>
       <p:nvGrpSpPr>
@@ -3059,7 +2946,7 @@
           <a:bodyPr wrap="none" lIns="0" tIns="0" rIns="0" bIns="0" rtlCol="0" anchor="t"/>
           <a:lstStyle/>
           <a:p>
-            <a:pPr algn="l" indent="0" marL="0">
+            <a:pPr marL="0" indent="0" algn="l">
               <a:lnSpc>
                 <a:spcPts val="5550"/>
               </a:lnSpc>
@@ -3082,14 +2969,14 @@
       </p:sp>
       <p:pic>
         <p:nvPicPr>
-          <p:cNvPr id="3" name="Image 0" descr="preencoded.png">    </p:cNvPr>
+          <p:cNvPr id="3" name="Image 0" descr="preencoded.png"/>
           <p:cNvPicPr>
             <a:picLocks noChangeAspect="1"/>
           </p:cNvPicPr>
           <p:nvPr/>
         </p:nvPicPr>
         <p:blipFill>
-          <a:blip r:embed="rId1"/>
+          <a:blip r:embed="rId3"/>
           <a:stretch>
             <a:fillRect/>
           </a:stretch>
@@ -3125,7 +3012,7 @@
           <a:bodyPr wrap="none" lIns="0" tIns="0" rIns="0" bIns="0" rtlCol="0" anchor="t"/>
           <a:lstStyle/>
           <a:p>
-            <a:pPr algn="l" indent="0" marL="0">
+            <a:pPr marL="0" indent="0" algn="l">
               <a:lnSpc>
                 <a:spcPts val="2850"/>
               </a:lnSpc>
@@ -3161,6 +3048,13 @@
             <a:prstDash val="solid"/>
           </a:ln>
         </p:spPr>
+        <p:txBody>
+          <a:bodyPr/>
+          <a:lstStyle/>
+          <a:p>
+            <a:endParaRPr lang="ko-KR" altLang="en-US"/>
+          </a:p>
+        </p:txBody>
       </p:sp>
       <p:sp>
         <p:nvSpPr>
@@ -3183,7 +3077,7 @@
           <a:bodyPr wrap="none" lIns="0" tIns="0" rIns="0" bIns="0" rtlCol="0" anchor="t"/>
           <a:lstStyle/>
           <a:p>
-            <a:pPr algn="l" indent="0" marL="0">
+            <a:pPr marL="0" indent="0" algn="l">
               <a:lnSpc>
                 <a:spcPts val="2750"/>
               </a:lnSpc>
@@ -3230,6 +3124,13 @@
             <a:prstDash val="solid"/>
           </a:ln>
         </p:spPr>
+        <p:txBody>
+          <a:bodyPr/>
+          <a:lstStyle/>
+          <a:p>
+            <a:endParaRPr lang="ko-KR" altLang="en-US"/>
+          </a:p>
+        </p:txBody>
       </p:sp>
       <p:sp>
         <p:nvSpPr>
@@ -3252,7 +3153,7 @@
           <a:bodyPr wrap="none" lIns="0" tIns="0" rIns="0" bIns="0" rtlCol="0" anchor="t"/>
           <a:lstStyle/>
           <a:p>
-            <a:pPr algn="l" indent="0" marL="0">
+            <a:pPr marL="0" indent="0" algn="l">
               <a:lnSpc>
                 <a:spcPts val="2750"/>
               </a:lnSpc>
@@ -3299,6 +3200,13 @@
             <a:prstDash val="solid"/>
           </a:ln>
         </p:spPr>
+        <p:txBody>
+          <a:bodyPr/>
+          <a:lstStyle/>
+          <a:p>
+            <a:endParaRPr lang="ko-KR" altLang="en-US"/>
+          </a:p>
+        </p:txBody>
       </p:sp>
       <p:sp>
         <p:nvSpPr>
@@ -3321,7 +3229,7 @@
           <a:bodyPr wrap="none" lIns="0" tIns="0" rIns="0" bIns="0" rtlCol="0" anchor="t"/>
           <a:lstStyle/>
           <a:p>
-            <a:pPr algn="l" indent="0" marL="0">
+            <a:pPr marL="0" indent="0" algn="l">
               <a:lnSpc>
                 <a:spcPts val="2750"/>
               </a:lnSpc>
@@ -3351,7 +3259,7 @@
 </file>
 
 <file path=ppt/slides/slide5.xml><?xml version="1.0" encoding="utf-8"?>
-<p:sld xmlns:a="http://schemas.openxmlformats.org/drawingml/2006/main" xmlns:r="http://schemas.openxmlformats.org/officeDocument/2006/relationships" xmlns:p="http://schemas.openxmlformats.org/presentationml/2006/main">
+<p:sld xmlns:a="http://schemas.openxmlformats.org/drawingml/2006/main" xmlns:r="http://schemas.openxmlformats.org/officeDocument/2006/relationships" xmlns:p="http://schemas.openxmlformats.org/presentationml/2006/main" showMasterSp="0">
   <p:cSld name="Slide 5">
     <p:spTree>
       <p:nvGrpSpPr>
@@ -3388,7 +3296,7 @@
           <a:bodyPr wrap="none" lIns="0" tIns="0" rIns="0" bIns="0" rtlCol="0" anchor="t"/>
           <a:lstStyle/>
           <a:p>
-            <a:pPr algn="l" indent="0" marL="0">
+            <a:pPr marL="0" indent="0" algn="l">
               <a:lnSpc>
                 <a:spcPts val="5550"/>
               </a:lnSpc>
@@ -3411,14 +3319,14 @@
       </p:sp>
       <p:pic>
         <p:nvPicPr>
-          <p:cNvPr id="3" name="Image 0" descr="preencoded.png">    </p:cNvPr>
+          <p:cNvPr id="3" name="Image 0" descr="preencoded.png"/>
           <p:cNvPicPr>
             <a:picLocks noChangeAspect="1"/>
           </p:cNvPicPr>
           <p:nvPr/>
         </p:nvPicPr>
         <p:blipFill>
-          <a:blip r:embed="rId1"/>
+          <a:blip r:embed="rId3"/>
           <a:stretch>
             <a:fillRect/>
           </a:stretch>
@@ -3454,7 +3362,7 @@
           <a:bodyPr wrap="none" lIns="0" tIns="0" rIns="0" bIns="0" rtlCol="0" anchor="t"/>
           <a:lstStyle/>
           <a:p>
-            <a:pPr algn="l" indent="0" marL="0">
+            <a:pPr marL="0" indent="0" algn="l">
               <a:lnSpc>
                 <a:spcPts val="2750"/>
               </a:lnSpc>
@@ -3496,7 +3404,7 @@
           <a:bodyPr wrap="square" lIns="0" tIns="0" rIns="0" bIns="0" rtlCol="0" anchor="t"/>
           <a:lstStyle/>
           <a:p>
-            <a:pPr algn="l" indent="0" marL="0">
+            <a:pPr marL="0" indent="0" algn="l">
               <a:lnSpc>
                 <a:spcPts val="2850"/>
               </a:lnSpc>
@@ -3519,14 +3427,14 @@
       </p:sp>
       <p:pic>
         <p:nvPicPr>
-          <p:cNvPr id="6" name="Image 1" descr="preencoded.png">    </p:cNvPr>
+          <p:cNvPr id="6" name="Image 1" descr="preencoded.png"/>
           <p:cNvPicPr>
             <a:picLocks noChangeAspect="1"/>
           </p:cNvPicPr>
           <p:nvPr/>
         </p:nvPicPr>
         <p:blipFill>
-          <a:blip r:embed="rId2"/>
+          <a:blip r:embed="rId4"/>
           <a:stretch>
             <a:fillRect/>
           </a:stretch>
@@ -3562,7 +3470,7 @@
           <a:bodyPr wrap="none" lIns="0" tIns="0" rIns="0" bIns="0" rtlCol="0" anchor="t"/>
           <a:lstStyle/>
           <a:p>
-            <a:pPr algn="l" indent="0" marL="0">
+            <a:pPr marL="0" indent="0" algn="l">
               <a:lnSpc>
                 <a:spcPts val="2750"/>
               </a:lnSpc>
@@ -3604,7 +3512,7 @@
           <a:bodyPr wrap="square" lIns="0" tIns="0" rIns="0" bIns="0" rtlCol="0" anchor="t"/>
           <a:lstStyle/>
           <a:p>
-            <a:pPr algn="l" indent="0" marL="0">
+            <a:pPr marL="0" indent="0" algn="l">
               <a:lnSpc>
                 <a:spcPts val="2850"/>
               </a:lnSpc>
@@ -3627,14 +3535,14 @@
       </p:sp>
       <p:pic>
         <p:nvPicPr>
-          <p:cNvPr id="9" name="Image 2" descr="preencoded.png">    </p:cNvPr>
+          <p:cNvPr id="9" name="Image 2" descr="preencoded.png"/>
           <p:cNvPicPr>
             <a:picLocks noChangeAspect="1"/>
           </p:cNvPicPr>
           <p:nvPr/>
         </p:nvPicPr>
         <p:blipFill>
-          <a:blip r:embed="rId3"/>
+          <a:blip r:embed="rId5"/>
           <a:stretch>
             <a:fillRect/>
           </a:stretch>
@@ -3670,7 +3578,7 @@
           <a:bodyPr wrap="none" lIns="0" tIns="0" rIns="0" bIns="0" rtlCol="0" anchor="t"/>
           <a:lstStyle/>
           <a:p>
-            <a:pPr algn="l" indent="0" marL="0">
+            <a:pPr marL="0" indent="0" algn="l">
               <a:lnSpc>
                 <a:spcPts val="2750"/>
               </a:lnSpc>
@@ -3712,7 +3620,7 @@
           <a:bodyPr wrap="none" lIns="0" tIns="0" rIns="0" bIns="0" rtlCol="0" anchor="t"/>
           <a:lstStyle/>
           <a:p>
-            <a:pPr algn="l" indent="0" marL="0">
+            <a:pPr marL="0" indent="0" algn="l">
               <a:lnSpc>
                 <a:spcPts val="2850"/>
               </a:lnSpc>
@@ -3742,7 +3650,7 @@
 </file>
 
 <file path=ppt/slides/slide6.xml><?xml version="1.0" encoding="utf-8"?>
-<p:sld xmlns:a="http://schemas.openxmlformats.org/drawingml/2006/main" xmlns:r="http://schemas.openxmlformats.org/officeDocument/2006/relationships" xmlns:p="http://schemas.openxmlformats.org/presentationml/2006/main">
+<p:sld xmlns:a="http://schemas.openxmlformats.org/drawingml/2006/main" xmlns:r="http://schemas.openxmlformats.org/officeDocument/2006/relationships" xmlns:p="http://schemas.openxmlformats.org/presentationml/2006/main" showMasterSp="0">
   <p:cSld name="Slide 6">
     <p:spTree>
       <p:nvGrpSpPr>
@@ -3779,7 +3687,7 @@
           <a:bodyPr wrap="none" lIns="0" tIns="0" rIns="0" bIns="0" rtlCol="0" anchor="t"/>
           <a:lstStyle/>
           <a:p>
-            <a:pPr algn="l" indent="0" marL="0">
+            <a:pPr marL="0" indent="0" algn="l">
               <a:lnSpc>
                 <a:spcPts val="7700"/>
               </a:lnSpc>
@@ -3802,14 +3710,14 @@
       </p:sp>
       <p:pic>
         <p:nvPicPr>
-          <p:cNvPr id="3" name="Image 0" descr="preencoded.png">    </p:cNvPr>
+          <p:cNvPr id="3" name="Image 0" descr="preencoded.png"/>
           <p:cNvPicPr>
             <a:picLocks noChangeAspect="1"/>
           </p:cNvPicPr>
           <p:nvPr/>
         </p:nvPicPr>
         <p:blipFill>
-          <a:blip r:embed="rId1"/>
+          <a:blip r:embed="rId3"/>
           <a:stretch>
             <a:fillRect/>
           </a:stretch>
@@ -3845,7 +3753,7 @@
           <a:bodyPr wrap="none" lIns="0" tIns="0" rIns="0" bIns="0" rtlCol="0" anchor="t"/>
           <a:lstStyle/>
           <a:p>
-            <a:pPr algn="l" indent="0" marL="0">
+            <a:pPr marL="0" indent="0" algn="l">
               <a:lnSpc>
                 <a:spcPts val="5550"/>
               </a:lnSpc>
@@ -3887,7 +3795,7 @@
           <a:bodyPr wrap="none" lIns="0" tIns="0" rIns="0" bIns="0" rtlCol="0" anchor="t"/>
           <a:lstStyle/>
           <a:p>
-            <a:pPr algn="l" indent="0" marL="0">
+            <a:pPr marL="0" indent="0" algn="l">
               <a:lnSpc>
                 <a:spcPts val="2850"/>
               </a:lnSpc>
@@ -3906,7 +3814,7 @@
 </file>
 
 <file path=ppt/slides/slide7.xml><?xml version="1.0" encoding="utf-8"?>
-<p:sld xmlns:a="http://schemas.openxmlformats.org/drawingml/2006/main" xmlns:r="http://schemas.openxmlformats.org/officeDocument/2006/relationships" xmlns:p="http://schemas.openxmlformats.org/presentationml/2006/main">
+<p:sld xmlns:a="http://schemas.openxmlformats.org/drawingml/2006/main" xmlns:r="http://schemas.openxmlformats.org/officeDocument/2006/relationships" xmlns:p="http://schemas.openxmlformats.org/presentationml/2006/main" showMasterSp="0">
   <p:cSld name="Slide 7">
     <p:spTree>
       <p:nvGrpSpPr>
@@ -3943,7 +3851,7 @@
           <a:bodyPr wrap="none" lIns="0" tIns="0" rIns="0" bIns="0" rtlCol="0" anchor="t"/>
           <a:lstStyle/>
           <a:p>
-            <a:pPr algn="l" indent="0" marL="0">
+            <a:pPr marL="0" indent="0" algn="l">
               <a:lnSpc>
                 <a:spcPts val="7700"/>
               </a:lnSpc>
@@ -3966,14 +3874,14 @@
       </p:sp>
       <p:pic>
         <p:nvPicPr>
-          <p:cNvPr id="3" name="Image 0" descr="preencoded.png">    </p:cNvPr>
+          <p:cNvPr id="3" name="Image 0" descr="preencoded.png"/>
           <p:cNvPicPr>
             <a:picLocks noChangeAspect="1"/>
           </p:cNvPicPr>
           <p:nvPr/>
         </p:nvPicPr>
         <p:blipFill>
-          <a:blip r:embed="rId1"/>
+          <a:blip r:embed="rId3"/>
           <a:stretch>
             <a:fillRect/>
           </a:stretch>
@@ -4009,7 +3917,7 @@
           <a:bodyPr wrap="none" lIns="0" tIns="0" rIns="0" bIns="0" rtlCol="0" anchor="t"/>
           <a:lstStyle/>
           <a:p>
-            <a:pPr algn="l" indent="0" marL="0">
+            <a:pPr marL="0" indent="0" algn="l">
               <a:lnSpc>
                 <a:spcPts val="5550"/>
               </a:lnSpc>
@@ -4051,7 +3959,7 @@
           <a:bodyPr wrap="none" lIns="0" tIns="0" rIns="0" bIns="0" rtlCol="0" anchor="t"/>
           <a:lstStyle/>
           <a:p>
-            <a:pPr algn="l" indent="0" marL="0">
+            <a:pPr marL="0" indent="0" algn="l">
               <a:lnSpc>
                 <a:spcPts val="2850"/>
               </a:lnSpc>
@@ -4070,7 +3978,7 @@
 </file>
 
 <file path=ppt/slides/slide8.xml><?xml version="1.0" encoding="utf-8"?>
-<p:sld xmlns:a="http://schemas.openxmlformats.org/drawingml/2006/main" xmlns:r="http://schemas.openxmlformats.org/officeDocument/2006/relationships" xmlns:p="http://schemas.openxmlformats.org/presentationml/2006/main">
+<p:sld xmlns:a="http://schemas.openxmlformats.org/drawingml/2006/main" xmlns:r="http://schemas.openxmlformats.org/officeDocument/2006/relationships" xmlns:p="http://schemas.openxmlformats.org/presentationml/2006/main" showMasterSp="0">
   <p:cSld name="Slide 8">
     <p:spTree>
       <p:nvGrpSpPr>
@@ -4107,7 +4015,7 @@
           <a:bodyPr wrap="none" lIns="0" tIns="0" rIns="0" bIns="0" rtlCol="0" anchor="t"/>
           <a:lstStyle/>
           <a:p>
-            <a:pPr algn="l" indent="0" marL="0">
+            <a:pPr marL="0" indent="0" algn="l">
               <a:lnSpc>
                 <a:spcPts val="5550"/>
               </a:lnSpc>
@@ -4130,14 +4038,14 @@
       </p:sp>
       <p:pic>
         <p:nvPicPr>
-          <p:cNvPr id="3" name="Image 0" descr="preencoded.png">    </p:cNvPr>
+          <p:cNvPr id="3" name="Image 0" descr="preencoded.png"/>
           <p:cNvPicPr>
             <a:picLocks noChangeAspect="1"/>
           </p:cNvPicPr>
           <p:nvPr/>
         </p:nvPicPr>
         <p:blipFill>
-          <a:blip r:embed="rId1"/>
+          <a:blip r:embed="rId3"/>
           <a:stretch>
             <a:fillRect/>
           </a:stretch>
@@ -4178,6 +4086,13 @@
             <a:prstDash val="solid"/>
           </a:ln>
         </p:spPr>
+        <p:txBody>
+          <a:bodyPr/>
+          <a:lstStyle/>
+          <a:p>
+            <a:endParaRPr lang="ko-KR" altLang="en-US"/>
+          </a:p>
+        </p:txBody>
       </p:sp>
       <p:sp>
         <p:nvSpPr>
@@ -4200,6 +4115,13 @@
           </a:solidFill>
           <a:ln/>
         </p:spPr>
+        <p:txBody>
+          <a:bodyPr/>
+          <a:lstStyle/>
+          <a:p>
+            <a:endParaRPr lang="ko-KR" altLang="en-US"/>
+          </a:p>
+        </p:txBody>
       </p:sp>
       <p:sp>
         <p:nvSpPr>
@@ -4222,7 +4144,7 @@
           <a:bodyPr wrap="none" lIns="0" tIns="0" rIns="0" bIns="0" rtlCol="0" anchor="t"/>
           <a:lstStyle/>
           <a:p>
-            <a:pPr algn="l" indent="0" marL="0">
+            <a:pPr marL="0" indent="0" algn="l">
               <a:lnSpc>
                 <a:spcPts val="2850"/>
               </a:lnSpc>
@@ -4264,7 +4186,7 @@
           <a:bodyPr wrap="none" lIns="0" tIns="0" rIns="0" bIns="0" rtlCol="0" anchor="t"/>
           <a:lstStyle/>
           <a:p>
-            <a:pPr algn="l" indent="0" marL="0">
+            <a:pPr marL="0" indent="0" algn="l">
               <a:lnSpc>
                 <a:spcPts val="2850"/>
               </a:lnSpc>
@@ -4306,6 +4228,13 @@
           </a:solidFill>
           <a:ln/>
         </p:spPr>
+        <p:txBody>
+          <a:bodyPr/>
+          <a:lstStyle/>
+          <a:p>
+            <a:endParaRPr lang="ko-KR" altLang="en-US"/>
+          </a:p>
+        </p:txBody>
       </p:sp>
       <p:sp>
         <p:nvSpPr>
@@ -4328,7 +4257,7 @@
           <a:bodyPr wrap="none" lIns="0" tIns="0" rIns="0" bIns="0" rtlCol="0" anchor="t"/>
           <a:lstStyle/>
           <a:p>
-            <a:pPr algn="l" indent="0" marL="0">
+            <a:pPr marL="0" indent="0" algn="l">
               <a:lnSpc>
                 <a:spcPts val="2850"/>
               </a:lnSpc>
@@ -4370,7 +4299,7 @@
           <a:bodyPr wrap="none" lIns="0" tIns="0" rIns="0" bIns="0" rtlCol="0" anchor="t"/>
           <a:lstStyle/>
           <a:p>
-            <a:pPr algn="l" indent="0" marL="0">
+            <a:pPr marL="0" indent="0" algn="l">
               <a:lnSpc>
                 <a:spcPts val="2850"/>
               </a:lnSpc>
@@ -4412,6 +4341,13 @@
           </a:solidFill>
           <a:ln/>
         </p:spPr>
+        <p:txBody>
+          <a:bodyPr/>
+          <a:lstStyle/>
+          <a:p>
+            <a:endParaRPr lang="ko-KR" altLang="en-US"/>
+          </a:p>
+        </p:txBody>
       </p:sp>
       <p:sp>
         <p:nvSpPr>
@@ -4434,7 +4370,7 @@
           <a:bodyPr wrap="none" lIns="0" tIns="0" rIns="0" bIns="0" rtlCol="0" anchor="t"/>
           <a:lstStyle/>
           <a:p>
-            <a:pPr algn="l" indent="0" marL="0">
+            <a:pPr marL="0" indent="0" algn="l">
               <a:lnSpc>
                 <a:spcPts val="2850"/>
               </a:lnSpc>
@@ -4476,7 +4412,7 @@
           <a:bodyPr wrap="none" lIns="0" tIns="0" rIns="0" bIns="0" rtlCol="0" anchor="t"/>
           <a:lstStyle/>
           <a:p>
-            <a:pPr algn="l" indent="0" marL="0">
+            <a:pPr marL="0" indent="0" algn="l">
               <a:lnSpc>
                 <a:spcPts val="2850"/>
               </a:lnSpc>
@@ -4518,6 +4454,13 @@
           </a:solidFill>
           <a:ln/>
         </p:spPr>
+        <p:txBody>
+          <a:bodyPr/>
+          <a:lstStyle/>
+          <a:p>
+            <a:endParaRPr lang="ko-KR" altLang="en-US"/>
+          </a:p>
+        </p:txBody>
       </p:sp>
       <p:sp>
         <p:nvSpPr>
@@ -4540,7 +4483,7 @@
           <a:bodyPr wrap="none" lIns="0" tIns="0" rIns="0" bIns="0" rtlCol="0" anchor="t"/>
           <a:lstStyle/>
           <a:p>
-            <a:pPr algn="l" indent="0" marL="0">
+            <a:pPr marL="0" indent="0" algn="l">
               <a:lnSpc>
                 <a:spcPts val="2850"/>
               </a:lnSpc>
@@ -4582,7 +4525,7 @@
           <a:bodyPr wrap="none" lIns="0" tIns="0" rIns="0" bIns="0" rtlCol="0" anchor="t"/>
           <a:lstStyle/>
           <a:p>
-            <a:pPr algn="l" indent="0" marL="0">
+            <a:pPr marL="0" indent="0" algn="l">
               <a:lnSpc>
                 <a:spcPts val="2850"/>
               </a:lnSpc>
@@ -4624,6 +4567,13 @@
           </a:solidFill>
           <a:ln/>
         </p:spPr>
+        <p:txBody>
+          <a:bodyPr/>
+          <a:lstStyle/>
+          <a:p>
+            <a:endParaRPr lang="ko-KR" altLang="en-US"/>
+          </a:p>
+        </p:txBody>
       </p:sp>
       <p:sp>
         <p:nvSpPr>
@@ -4646,7 +4596,7 @@
           <a:bodyPr wrap="none" lIns="0" tIns="0" rIns="0" bIns="0" rtlCol="0" anchor="t"/>
           <a:lstStyle/>
           <a:p>
-            <a:pPr algn="l" indent="0" marL="0">
+            <a:pPr marL="0" indent="0" algn="l">
               <a:lnSpc>
                 <a:spcPts val="2850"/>
               </a:lnSpc>
@@ -4688,7 +4638,7 @@
           <a:bodyPr wrap="none" lIns="0" tIns="0" rIns="0" bIns="0" rtlCol="0" anchor="t"/>
           <a:lstStyle/>
           <a:p>
-            <a:pPr algn="l" indent="0" marL="0">
+            <a:pPr marL="0" indent="0" algn="l">
               <a:lnSpc>
                 <a:spcPts val="2850"/>
               </a:lnSpc>
@@ -4718,7 +4668,7 @@
 </file>
 
 <file path=ppt/slides/slide9.xml><?xml version="1.0" encoding="utf-8"?>
-<p:sld xmlns:a="http://schemas.openxmlformats.org/drawingml/2006/main" xmlns:r="http://schemas.openxmlformats.org/officeDocument/2006/relationships" xmlns:p="http://schemas.openxmlformats.org/presentationml/2006/main">
+<p:sld xmlns:a="http://schemas.openxmlformats.org/drawingml/2006/main" xmlns:r="http://schemas.openxmlformats.org/officeDocument/2006/relationships" xmlns:p="http://schemas.openxmlformats.org/presentationml/2006/main" showMasterSp="0">
   <p:cSld name="Slide 9">
     <p:spTree>
       <p:nvGrpSpPr>
@@ -4736,14 +4686,14 @@
       </p:grpSpPr>
       <p:pic>
         <p:nvPicPr>
-          <p:cNvPr id="2" name="Image 0" descr="preencoded.png">    </p:cNvPr>
+          <p:cNvPr id="2" name="Image 0" descr="preencoded.png"/>
           <p:cNvPicPr>
             <a:picLocks noChangeAspect="1"/>
           </p:cNvPicPr>
           <p:nvPr/>
         </p:nvPicPr>
         <p:blipFill>
-          <a:blip r:embed="rId1"/>
+          <a:blip r:embed="rId3"/>
           <a:stretch>
             <a:fillRect/>
           </a:stretch>
@@ -4779,7 +4729,7 @@
           <a:bodyPr wrap="none" lIns="0" tIns="0" rIns="0" bIns="0" rtlCol="0" anchor="t"/>
           <a:lstStyle/>
           <a:p>
-            <a:pPr algn="l" indent="0" marL="0">
+            <a:pPr marL="0" indent="0" algn="l">
               <a:lnSpc>
                 <a:spcPts val="5550"/>
               </a:lnSpc>
@@ -5101,4 +5051,319 @@
     </a:ext>
   </a:extLst>
 </a:theme>
+</file>
+
+<file path=ppt/theme/theme2.xml><?xml version="1.0" encoding="utf-8"?>
+<a:theme xmlns:a="http://schemas.openxmlformats.org/drawingml/2006/main" name="Office 테마">
+  <a:themeElements>
+    <a:clrScheme name="Office">
+      <a:dk1>
+        <a:sysClr val="windowText" lastClr="000000"/>
+      </a:dk1>
+      <a:lt1>
+        <a:sysClr val="window" lastClr="FFFFFF"/>
+      </a:lt1>
+      <a:dk2>
+        <a:srgbClr val="0E2841"/>
+      </a:dk2>
+      <a:lt2>
+        <a:srgbClr val="E8E8E8"/>
+      </a:lt2>
+      <a:accent1>
+        <a:srgbClr val="156082"/>
+      </a:accent1>
+      <a:accent2>
+        <a:srgbClr val="E97132"/>
+      </a:accent2>
+      <a:accent3>
+        <a:srgbClr val="196B24"/>
+      </a:accent3>
+      <a:accent4>
+        <a:srgbClr val="0F9ED5"/>
+      </a:accent4>
+      <a:accent5>
+        <a:srgbClr val="A02B93"/>
+      </a:accent5>
+      <a:accent6>
+        <a:srgbClr val="4EA72E"/>
+      </a:accent6>
+      <a:hlink>
+        <a:srgbClr val="467886"/>
+      </a:hlink>
+      <a:folHlink>
+        <a:srgbClr val="96607D"/>
+      </a:folHlink>
+    </a:clrScheme>
+    <a:fontScheme name="Office">
+      <a:majorFont>
+        <a:latin typeface="맑은 고딕" panose="02110004020202020204"/>
+        <a:ea typeface=""/>
+        <a:cs typeface=""/>
+        <a:font script="Jpan" typeface="游ゴシック Light"/>
+        <a:font script="Hang" typeface="맑은 고딕"/>
+        <a:font script="Hans" typeface="等线 Light"/>
+        <a:font script="Hant" typeface="新細明體"/>
+        <a:font script="Arab" typeface="Times New Roman"/>
+        <a:font script="Hebr" typeface="Times New Roman"/>
+        <a:font script="Thai" typeface="Angsana New"/>
+        <a:font script="Ethi" typeface="Nyala"/>
+        <a:font script="Beng" typeface="Vrinda"/>
+        <a:font script="Gujr" typeface="Shruti"/>
+        <a:font script="Khmr" typeface="MoolBoran"/>
+        <a:font script="Knda" typeface="Tunga"/>
+        <a:font script="Guru" typeface="Raavi"/>
+        <a:font script="Cans" typeface="Euphemia"/>
+        <a:font script="Cher" typeface="Plantagenet Cherokee"/>
+        <a:font script="Yiii" typeface="Microsoft Yi Baiti"/>
+        <a:font script="Tibt" typeface="Microsoft Himalaya"/>
+        <a:font script="Thaa" typeface="MV Boli"/>
+        <a:font script="Deva" typeface="Mangal"/>
+        <a:font script="Telu" typeface="Gautami"/>
+        <a:font script="Taml" typeface="Latha"/>
+        <a:font script="Syrc" typeface="Estrangelo Edessa"/>
+        <a:font script="Orya" typeface="Kalinga"/>
+        <a:font script="Mlym" typeface="Kartika"/>
+        <a:font script="Laoo" typeface="DokChampa"/>
+        <a:font script="Sinh" typeface="Iskoola Pota"/>
+        <a:font script="Mong" typeface="Mongolian Baiti"/>
+        <a:font script="Viet" typeface="Times New Roman"/>
+        <a:font script="Uigh" typeface="Microsoft Uighur"/>
+        <a:font script="Geor" typeface="Sylfaen"/>
+        <a:font script="Armn" typeface="Arial"/>
+        <a:font script="Bugi" typeface="Leelawadee UI"/>
+        <a:font script="Bopo" typeface="Microsoft JhengHei"/>
+        <a:font script="Java" typeface="Javanese Text"/>
+        <a:font script="Lisu" typeface="Segoe UI"/>
+        <a:font script="Mymr" typeface="Myanmar Text"/>
+        <a:font script="Nkoo" typeface="Ebrima"/>
+        <a:font script="Olck" typeface="Nirmala UI"/>
+        <a:font script="Osma" typeface="Ebrima"/>
+        <a:font script="Phag" typeface="Phagspa"/>
+        <a:font script="Syrn" typeface="Estrangelo Edessa"/>
+        <a:font script="Syrj" typeface="Estrangelo Edessa"/>
+        <a:font script="Syre" typeface="Estrangelo Edessa"/>
+        <a:font script="Sora" typeface="Nirmala UI"/>
+        <a:font script="Tale" typeface="Microsoft Tai Le"/>
+        <a:font script="Talu" typeface="Microsoft New Tai Lue"/>
+        <a:font script="Tfng" typeface="Ebrima"/>
+      </a:majorFont>
+      <a:minorFont>
+        <a:latin typeface="맑은 고딕" panose="02110004020202020204"/>
+        <a:ea typeface=""/>
+        <a:cs typeface=""/>
+        <a:font script="Jpan" typeface="游ゴシック"/>
+        <a:font script="Hang" typeface="맑은 고딕"/>
+        <a:font script="Hans" typeface="等线"/>
+        <a:font script="Hant" typeface="新細明體"/>
+        <a:font script="Arab" typeface="Arial"/>
+        <a:font script="Hebr" typeface="Arial"/>
+        <a:font script="Thai" typeface="Cordia New"/>
+        <a:font script="Ethi" typeface="Nyala"/>
+        <a:font script="Beng" typeface="Vrinda"/>
+        <a:font script="Gujr" typeface="Shruti"/>
+        <a:font script="Khmr" typeface="DaunPenh"/>
+        <a:font script="Knda" typeface="Tunga"/>
+        <a:font script="Guru" typeface="Raavi"/>
+        <a:font script="Cans" typeface="Euphemia"/>
+        <a:font script="Cher" typeface="Plantagenet Cherokee"/>
+        <a:font script="Yiii" typeface="Microsoft Yi Baiti"/>
+        <a:font script="Tibt" typeface="Microsoft Himalaya"/>
+        <a:font script="Thaa" typeface="MV Boli"/>
+        <a:font script="Deva" typeface="Mangal"/>
+        <a:font script="Telu" typeface="Gautami"/>
+        <a:font script="Taml" typeface="Latha"/>
+        <a:font script="Syrc" typeface="Estrangelo Edessa"/>
+        <a:font script="Orya" typeface="Kalinga"/>
+        <a:font script="Mlym" typeface="Kartika"/>
+        <a:font script="Laoo" typeface="DokChampa"/>
+        <a:font script="Sinh" typeface="Iskoola Pota"/>
+        <a:font script="Mong" typeface="Mongolian Baiti"/>
+        <a:font script="Viet" typeface="Arial"/>
+        <a:font script="Uigh" typeface="Microsoft Uighur"/>
+        <a:font script="Geor" typeface="Sylfaen"/>
+        <a:font script="Armn" typeface="Arial"/>
+        <a:font script="Bugi" typeface="Leelawadee UI"/>
+        <a:font script="Bopo" typeface="Microsoft JhengHei"/>
+        <a:font script="Java" typeface="Javanese Text"/>
+        <a:font script="Lisu" typeface="Segoe UI"/>
+        <a:font script="Mymr" typeface="Myanmar Text"/>
+        <a:font script="Nkoo" typeface="Ebrima"/>
+        <a:font script="Olck" typeface="Nirmala UI"/>
+        <a:font script="Osma" typeface="Ebrima"/>
+        <a:font script="Phag" typeface="Phagspa"/>
+        <a:font script="Syrn" typeface="Estrangelo Edessa"/>
+        <a:font script="Syrj" typeface="Estrangelo Edessa"/>
+        <a:font script="Syre" typeface="Estrangelo Edessa"/>
+        <a:font script="Sora" typeface="Nirmala UI"/>
+        <a:font script="Tale" typeface="Microsoft Tai Le"/>
+        <a:font script="Talu" typeface="Microsoft New Tai Lue"/>
+        <a:font script="Tfng" typeface="Ebrima"/>
+      </a:minorFont>
+    </a:fontScheme>
+    <a:fmtScheme name="Office">
+      <a:fillStyleLst>
+        <a:solidFill>
+          <a:schemeClr val="phClr"/>
+        </a:solidFill>
+        <a:gradFill rotWithShape="1">
+          <a:gsLst>
+            <a:gs pos="0">
+              <a:schemeClr val="phClr">
+                <a:lumMod val="110000"/>
+                <a:satMod val="105000"/>
+                <a:tint val="67000"/>
+              </a:schemeClr>
+            </a:gs>
+            <a:gs pos="50000">
+              <a:schemeClr val="phClr">
+                <a:lumMod val="105000"/>
+                <a:satMod val="103000"/>
+                <a:tint val="73000"/>
+              </a:schemeClr>
+            </a:gs>
+            <a:gs pos="100000">
+              <a:schemeClr val="phClr">
+                <a:lumMod val="105000"/>
+                <a:satMod val="109000"/>
+                <a:tint val="81000"/>
+              </a:schemeClr>
+            </a:gs>
+          </a:gsLst>
+          <a:lin ang="5400000" scaled="0"/>
+        </a:gradFill>
+        <a:gradFill rotWithShape="1">
+          <a:gsLst>
+            <a:gs pos="0">
+              <a:schemeClr val="phClr">
+                <a:satMod val="103000"/>
+                <a:lumMod val="102000"/>
+                <a:tint val="94000"/>
+              </a:schemeClr>
+            </a:gs>
+            <a:gs pos="50000">
+              <a:schemeClr val="phClr">
+                <a:satMod val="110000"/>
+                <a:lumMod val="100000"/>
+                <a:shade val="100000"/>
+              </a:schemeClr>
+            </a:gs>
+            <a:gs pos="100000">
+              <a:schemeClr val="phClr">
+                <a:lumMod val="99000"/>
+                <a:satMod val="120000"/>
+                <a:shade val="78000"/>
+              </a:schemeClr>
+            </a:gs>
+          </a:gsLst>
+          <a:lin ang="5400000" scaled="0"/>
+        </a:gradFill>
+      </a:fillStyleLst>
+      <a:lnStyleLst>
+        <a:ln w="12700" cap="flat" cmpd="sng" algn="ctr">
+          <a:solidFill>
+            <a:schemeClr val="phClr"/>
+          </a:solidFill>
+          <a:prstDash val="solid"/>
+          <a:miter lim="800000"/>
+        </a:ln>
+        <a:ln w="19050" cap="flat" cmpd="sng" algn="ctr">
+          <a:solidFill>
+            <a:schemeClr val="phClr"/>
+          </a:solidFill>
+          <a:prstDash val="solid"/>
+          <a:miter lim="800000"/>
+        </a:ln>
+        <a:ln w="25400" cap="flat" cmpd="sng" algn="ctr">
+          <a:solidFill>
+            <a:schemeClr val="phClr"/>
+          </a:solidFill>
+          <a:prstDash val="solid"/>
+          <a:miter lim="800000"/>
+        </a:ln>
+      </a:lnStyleLst>
+      <a:effectStyleLst>
+        <a:effectStyle>
+          <a:effectLst/>
+        </a:effectStyle>
+        <a:effectStyle>
+          <a:effectLst/>
+        </a:effectStyle>
+        <a:effectStyle>
+          <a:effectLst>
+            <a:outerShdw blurRad="57150" dist="19050" dir="5400000" algn="ctr" rotWithShape="0">
+              <a:srgbClr val="000000">
+                <a:alpha val="63000"/>
+              </a:srgbClr>
+            </a:outerShdw>
+          </a:effectLst>
+        </a:effectStyle>
+      </a:effectStyleLst>
+      <a:bgFillStyleLst>
+        <a:solidFill>
+          <a:schemeClr val="phClr"/>
+        </a:solidFill>
+        <a:solidFill>
+          <a:schemeClr val="phClr">
+            <a:tint val="95000"/>
+            <a:satMod val="170000"/>
+          </a:schemeClr>
+        </a:solidFill>
+        <a:gradFill rotWithShape="1">
+          <a:gsLst>
+            <a:gs pos="0">
+              <a:schemeClr val="phClr">
+                <a:tint val="93000"/>
+                <a:satMod val="150000"/>
+                <a:shade val="98000"/>
+                <a:lumMod val="102000"/>
+              </a:schemeClr>
+            </a:gs>
+            <a:gs pos="50000">
+              <a:schemeClr val="phClr">
+                <a:tint val="98000"/>
+                <a:satMod val="130000"/>
+                <a:shade val="90000"/>
+                <a:lumMod val="103000"/>
+              </a:schemeClr>
+            </a:gs>
+            <a:gs pos="100000">
+              <a:schemeClr val="phClr">
+                <a:shade val="63000"/>
+                <a:satMod val="120000"/>
+              </a:schemeClr>
+            </a:gs>
+          </a:gsLst>
+          <a:lin ang="5400000" scaled="0"/>
+        </a:gradFill>
+      </a:bgFillStyleLst>
+    </a:fmtScheme>
+  </a:themeElements>
+  <a:objectDefaults>
+    <a:lnDef>
+      <a:spPr/>
+      <a:bodyPr/>
+      <a:lstStyle/>
+      <a:style>
+        <a:lnRef idx="2">
+          <a:schemeClr val="accent1"/>
+        </a:lnRef>
+        <a:fillRef idx="0">
+          <a:schemeClr val="accent1"/>
+        </a:fillRef>
+        <a:effectRef idx="1">
+          <a:schemeClr val="accent1"/>
+        </a:effectRef>
+        <a:fontRef idx="minor">
+          <a:schemeClr val="tx1"/>
+        </a:fontRef>
+      </a:style>
+    </a:lnDef>
+  </a:objectDefaults>
+  <a:extraClrSchemeLst/>
+  <a:extLst>
+    <a:ext uri="{05A4C25C-085E-4340-85A3-A5531E510DB2}">
+      <thm15:themeFamily xmlns:thm15="http://schemas.microsoft.com/office/thememl/2012/main" name="Office Theme" id="{2E142A2C-CD16-42D6-873A-C26D2A0506FA}" vid="{1BDDFF52-6CD6-40A5-AB3C-68EB2F1E4D0A}"/>
+    </a:ext>
+  </a:extLst>
+</a:theme>
 </file>
--- a/tzjqc37h0bnimw7.pptx
+++ b/tzjqc37h0bnimw7.pptx
@@ -4,6 +4,9 @@
   <p:sldMasterIdLst>
     <p:sldMasterId id="2147483648" r:id="rId1"/>
   </p:sldMasterIdLst>
+  <p:notesMasterIdLst>
+    <p:notesMasterId r:id="rId11"/>
+  </p:notesMasterIdLst>
   <p:sldIdLst>
     <p:sldId id="256" r:id="rId2"/>
     <p:sldId id="257" r:id="rId3"/>
@@ -15,11 +18,108 @@
     <p:sldId id="263" r:id="rId9"/>
     <p:sldId id="264" r:id="rId10"/>
   </p:sldIdLst>
-  <p:notesMasterIdLst>
-    <p:notesMasterId r:id="rId11"/>
-  </p:notesMasterIdLst>
   <p:sldSz cx="14630400" cy="8229600"/>
   <p:notesSz cx="8229600" cy="14630400"/>
+  <p:defaultTextStyle>
+    <a:defPPr>
+      <a:defRPr lang="ko-KR"/>
+    </a:defPPr>
+    <a:lvl1pPr marL="0" algn="l" defTabSz="914400" rtl="0" eaLnBrk="1" latinLnBrk="1" hangingPunct="1">
+      <a:defRPr sz="1800" kern="1200">
+        <a:solidFill>
+          <a:schemeClr val="tx1"/>
+        </a:solidFill>
+        <a:latin typeface="+mn-lt"/>
+        <a:ea typeface="+mn-ea"/>
+        <a:cs typeface="+mn-cs"/>
+      </a:defRPr>
+    </a:lvl1pPr>
+    <a:lvl2pPr marL="457200" algn="l" defTabSz="914400" rtl="0" eaLnBrk="1" latinLnBrk="1" hangingPunct="1">
+      <a:defRPr sz="1800" kern="1200">
+        <a:solidFill>
+          <a:schemeClr val="tx1"/>
+        </a:solidFill>
+        <a:latin typeface="+mn-lt"/>
+        <a:ea typeface="+mn-ea"/>
+        <a:cs typeface="+mn-cs"/>
+      </a:defRPr>
+    </a:lvl2pPr>
+    <a:lvl3pPr marL="914400" algn="l" defTabSz="914400" rtl="0" eaLnBrk="1" latinLnBrk="1" hangingPunct="1">
+      <a:defRPr sz="1800" kern="1200">
+        <a:solidFill>
+          <a:schemeClr val="tx1"/>
+        </a:solidFill>
+        <a:latin typeface="+mn-lt"/>
+        <a:ea typeface="+mn-ea"/>
+        <a:cs typeface="+mn-cs"/>
+      </a:defRPr>
+    </a:lvl3pPr>
+    <a:lvl4pPr marL="1371600" algn="l" defTabSz="914400" rtl="0" eaLnBrk="1" latinLnBrk="1" hangingPunct="1">
+      <a:defRPr sz="1800" kern="1200">
+        <a:solidFill>
+          <a:schemeClr val="tx1"/>
+        </a:solidFill>
+        <a:latin typeface="+mn-lt"/>
+        <a:ea typeface="+mn-ea"/>
+        <a:cs typeface="+mn-cs"/>
+      </a:defRPr>
+    </a:lvl4pPr>
+    <a:lvl5pPr marL="1828800" algn="l" defTabSz="914400" rtl="0" eaLnBrk="1" latinLnBrk="1" hangingPunct="1">
+      <a:defRPr sz="1800" kern="1200">
+        <a:solidFill>
+          <a:schemeClr val="tx1"/>
+        </a:solidFill>
+        <a:latin typeface="+mn-lt"/>
+        <a:ea typeface="+mn-ea"/>
+        <a:cs typeface="+mn-cs"/>
+      </a:defRPr>
+    </a:lvl5pPr>
+    <a:lvl6pPr marL="2286000" algn="l" defTabSz="914400" rtl="0" eaLnBrk="1" latinLnBrk="1" hangingPunct="1">
+      <a:defRPr sz="1800" kern="1200">
+        <a:solidFill>
+          <a:schemeClr val="tx1"/>
+        </a:solidFill>
+        <a:latin typeface="+mn-lt"/>
+        <a:ea typeface="+mn-ea"/>
+        <a:cs typeface="+mn-cs"/>
+      </a:defRPr>
+    </a:lvl6pPr>
+    <a:lvl7pPr marL="2743200" algn="l" defTabSz="914400" rtl="0" eaLnBrk="1" latinLnBrk="1" hangingPunct="1">
+      <a:defRPr sz="1800" kern="1200">
+        <a:solidFill>
+          <a:schemeClr val="tx1"/>
+        </a:solidFill>
+        <a:latin typeface="+mn-lt"/>
+        <a:ea typeface="+mn-ea"/>
+        <a:cs typeface="+mn-cs"/>
+      </a:defRPr>
+    </a:lvl7pPr>
+    <a:lvl8pPr marL="3200400" algn="l" defTabSz="914400" rtl="0" eaLnBrk="1" latinLnBrk="1" hangingPunct="1">
+      <a:defRPr sz="1800" kern="1200">
+        <a:solidFill>
+          <a:schemeClr val="tx1"/>
+        </a:solidFill>
+        <a:latin typeface="+mn-lt"/>
+        <a:ea typeface="+mn-ea"/>
+        <a:cs typeface="+mn-cs"/>
+      </a:defRPr>
+    </a:lvl8pPr>
+    <a:lvl9pPr marL="3657600" algn="l" defTabSz="914400" rtl="0" eaLnBrk="1" latinLnBrk="1" hangingPunct="1">
+      <a:defRPr sz="1800" kern="1200">
+        <a:solidFill>
+          <a:schemeClr val="tx1"/>
+        </a:solidFill>
+        <a:latin typeface="+mn-lt"/>
+        <a:ea typeface="+mn-ea"/>
+        <a:cs typeface="+mn-cs"/>
+      </a:defRPr>
+    </a:lvl9pPr>
+  </p:defaultTextStyle>
+  <p:extLst>
+    <p:ext uri="{EFAFB233-063F-42B5-8137-9DF3F51BA10A}">
+      <p15:sldGuideLst xmlns:p15="http://schemas.microsoft.com/office/powerpoint/2012/main"/>
+    </p:ext>
+  </p:extLst>
 </p:presentation>
 </file>
 
@@ -45,240 +145,16 @@
           <a:chExt cx="0" cy="0"/>
         </a:xfrm>
       </p:grpSpPr>
-      <p:sp>
-        <p:nvSpPr>
-          <p:cNvPr id="2" name="Header Placeholder 1"/>
-          <p:cNvSpPr>
-            <a:spLocks noGrp="1"/>
-          </p:cNvSpPr>
-          <p:nvPr>
-            <p:ph type="hdr" sz="quarter"/>
-          </p:nvPr>
-        </p:nvSpPr>
-        <p:spPr>
-          <a:xfrm>
-            <a:off x="0" y="0"/>
-            <a:ext cx="2971800" cy="458788"/>
-          </a:xfrm>
-          <a:prstGeom prst="rect">
-            <a:avLst/>
-          </a:prstGeom>
-        </p:spPr>
-        <p:txBody>
-          <a:bodyPr vert="horz" lIns="91440" tIns="45720" rIns="91440" bIns="45720" rtlCol="0"/>
-          <a:lstStyle>
-            <a:lvl1pPr algn="l">
-              <a:defRPr sz="1200"/>
-            </a:lvl1pPr>
-          </a:lstStyle>
-          <a:p>
-            <a:endParaRPr lang="en-US"/>
-          </a:p>
-        </p:txBody>
-      </p:sp>
-      <p:sp>
-        <p:nvSpPr>
-          <p:cNvPr id="3" name="Date Placeholder 2"/>
-          <p:cNvSpPr>
-            <a:spLocks noGrp="1"/>
-          </p:cNvSpPr>
-          <p:nvPr>
-            <p:ph type="dt" idx="1"/>
-          </p:nvPr>
-        </p:nvSpPr>
-        <p:spPr>
-          <a:xfrm>
-            <a:off x="3884613" y="0"/>
-            <a:ext cx="2971800" cy="458788"/>
-          </a:xfrm>
-          <a:prstGeom prst="rect">
-            <a:avLst/>
-          </a:prstGeom>
-        </p:spPr>
-        <p:txBody>
-          <a:bodyPr vert="horz" lIns="91440" tIns="45720" rIns="91440" bIns="45720" rtlCol="0"/>
-          <a:lstStyle>
-            <a:lvl1pPr algn="r">
-              <a:defRPr sz="1200"/>
-            </a:lvl1pPr>
-          </a:lstStyle>
-          <a:p>
-            <a:fld id="{5282F153-3F37-0F45-9E97-73ACFA13230C}" type="datetimeFigureOut">
-              <a:rPr lang="en-US"/>
-              <a:t>7/23/19</a:t>
-            </a:fld>
-            <a:endParaRPr lang="en-US"/>
-          </a:p>
-        </p:txBody>
-      </p:sp>
-      <p:sp>
-        <p:nvSpPr>
-          <p:cNvPr id="4" name="Slide Image Placeholder 3"/>
-          <p:cNvSpPr>
-            <a:spLocks noGrp="1" noRot="1" noChangeAspect="1"/>
-          </p:cNvSpPr>
-          <p:nvPr>
-            <p:ph type="sldImg" idx="2"/>
-          </p:nvPr>
-        </p:nvSpPr>
-        <p:spPr>
-          <a:xfrm>
-            <a:off x="685800" y="1143000"/>
-            <a:ext cx="5486400" cy="3086100"/>
-          </a:xfrm>
-          <a:prstGeom prst="rect">
-            <a:avLst/>
-          </a:prstGeom>
-          <a:noFill/>
-          <a:ln w="12700">
-            <a:solidFill>
-              <a:prstClr val="black"/>
-            </a:solidFill>
-          </a:ln>
-        </p:spPr>
-        <p:txBody>
-          <a:bodyPr vert="horz" lIns="91440" tIns="45720" rIns="91440" bIns="45720" rtlCol="0" anchor="ctr"/>
-          <a:lstStyle/>
-          <a:p>
-            <a:endParaRPr lang="en-US"/>
-          </a:p>
-        </p:txBody>
-      </p:sp>
-      <p:sp>
-        <p:nvSpPr>
-          <p:cNvPr id="5" name="Notes Placeholder 4"/>
-          <p:cNvSpPr>
-            <a:spLocks noGrp="1"/>
-          </p:cNvSpPr>
-          <p:nvPr>
-            <p:ph type="body" sz="quarter" idx="3"/>
-          </p:nvPr>
-        </p:nvSpPr>
-        <p:spPr>
-          <a:xfrm>
-            <a:off x="685800" y="4400550"/>
-            <a:ext cx="5486400" cy="3600450"/>
-          </a:xfrm>
-          <a:prstGeom prst="rect">
-            <a:avLst/>
-          </a:prstGeom>
-        </p:spPr>
-        <p:txBody>
-          <a:bodyPr vert="horz" lIns="91440" tIns="45720" rIns="91440" bIns="45720" rtlCol="0"/>
-          <a:lstStyle/>
-          <a:p>
-            <a:pPr lvl="0"/>
-            <a:r>
-              <a:rPr lang="en-US"/>
-              <a:t>Click to edit Master text styles</a:t>
-            </a:r>
-          </a:p>
-          <a:p>
-            <a:pPr lvl="1"/>
-            <a:r>
-              <a:rPr lang="en-US"/>
-              <a:t>Second level</a:t>
-            </a:r>
-          </a:p>
-          <a:p>
-            <a:pPr lvl="2"/>
-            <a:r>
-              <a:rPr lang="en-US"/>
-              <a:t>Third level</a:t>
-            </a:r>
-          </a:p>
-          <a:p>
-            <a:pPr lvl="3"/>
-            <a:r>
-              <a:rPr lang="en-US"/>
-              <a:t>Fourth level</a:t>
-            </a:r>
-          </a:p>
-          <a:p>
-            <a:pPr lvl="4"/>
-            <a:r>
-              <a:rPr lang="en-US"/>
-              <a:t>Fifth level</a:t>
-            </a:r>
-          </a:p>
-        </p:txBody>
-      </p:sp>
-      <p:sp>
-        <p:nvSpPr>
-          <p:cNvPr id="6" name="Footer Placeholder 5"/>
-          <p:cNvSpPr>
-            <a:spLocks noGrp="1"/>
-          </p:cNvSpPr>
-          <p:nvPr>
-            <p:ph type="ftr" sz="quarter" idx="4"/>
-          </p:nvPr>
-        </p:nvSpPr>
-        <p:spPr>
-          <a:xfrm>
-            <a:off x="0" y="8685213"/>
-            <a:ext cx="2971800" cy="458787"/>
-          </a:xfrm>
-          <a:prstGeom prst="rect">
-            <a:avLst/>
-          </a:prstGeom>
-        </p:spPr>
-        <p:txBody>
-          <a:bodyPr vert="horz" lIns="91440" tIns="45720" rIns="91440" bIns="45720" rtlCol="0" anchor="b"/>
-          <a:lstStyle>
-            <a:lvl1pPr algn="l">
-              <a:defRPr sz="1200"/>
-            </a:lvl1pPr>
-          </a:lstStyle>
-          <a:p>
-            <a:endParaRPr lang="en-US"/>
-          </a:p>
-        </p:txBody>
-      </p:sp>
-      <p:sp>
-        <p:nvSpPr>
-          <p:cNvPr id="7" name="Slide Number Placeholder 6"/>
-          <p:cNvSpPr>
-            <a:spLocks noGrp="1"/>
-          </p:cNvSpPr>
-          <p:nvPr>
-            <p:ph type="sldNum" sz="quarter" idx="5"/>
-          </p:nvPr>
-        </p:nvSpPr>
-        <p:spPr>
-          <a:xfrm>
-            <a:off x="3884613" y="8685213"/>
-            <a:ext cx="2971800" cy="458787"/>
-          </a:xfrm>
-          <a:prstGeom prst="rect">
-            <a:avLst/>
-          </a:prstGeom>
-        </p:spPr>
-        <p:txBody>
-          <a:bodyPr vert="horz" lIns="91440" tIns="45720" rIns="91440" bIns="45720" rtlCol="0" anchor="b"/>
-          <a:lstStyle>
-            <a:lvl1pPr algn="r">
-              <a:defRPr sz="1200"/>
-            </a:lvl1pPr>
-          </a:lstStyle>
-          <a:p>
-            <a:fld id="{CE5E9CC1-C706-0F49-92D6-E571CC5EEA8F}" type="slidenum">
-              <a:rPr lang="en-US"/>
-              <a:t>‹#›</a:t>
-            </a:fld>
-            <a:endParaRPr lang="en-US"/>
-          </a:p>
-        </p:txBody>
-      </p:sp>
     </p:spTree>
     <p:extLst>
       <p:ext uri="{BB962C8B-B14F-4D97-AF65-F5344CB8AC3E}">
-        <p14:creationId xmlns:p14="http://schemas.microsoft.com/office/powerpoint/2010/main" val="1024086991"/>
+        <p14:creationId xmlns:p14="http://schemas.microsoft.com/office/powerpoint/2010/main" val="3095011996"/>
       </p:ext>
     </p:extLst>
   </p:cSld>
   <p:clrMap bg1="lt1" tx1="dk1" bg2="lt2" tx2="dk2" accent1="accent1" accent2="accent2" accent3="accent3" accent4="accent4" accent5="accent5" accent6="accent6" hlink="hlink" folHlink="folHlink"/>
   <p:notesStyle>
-    <a:lvl1pPr marL="0" algn="l" defTabSz="914400" rtl="0" eaLnBrk="1" latinLnBrk="0" hangingPunct="1">
+    <a:lvl1pPr marL="0" algn="l" defTabSz="914400" rtl="0" eaLnBrk="1" latinLnBrk="1" hangingPunct="1">
       <a:defRPr sz="1200" kern="1200">
         <a:solidFill>
           <a:schemeClr val="tx1"/>
@@ -288,7 +164,7 @@
         <a:cs typeface="+mn-cs"/>
       </a:defRPr>
     </a:lvl1pPr>
-    <a:lvl2pPr marL="457200" algn="l" defTabSz="914400" rtl="0" eaLnBrk="1" latinLnBrk="0" hangingPunct="1">
+    <a:lvl2pPr marL="457200" algn="l" defTabSz="914400" rtl="0" eaLnBrk="1" latinLnBrk="1" hangingPunct="1">
       <a:defRPr sz="1200" kern="1200">
         <a:solidFill>
           <a:schemeClr val="tx1"/>
@@ -298,7 +174,7 @@
         <a:cs typeface="+mn-cs"/>
       </a:defRPr>
     </a:lvl2pPr>
-    <a:lvl3pPr marL="914400" algn="l" defTabSz="914400" rtl="0" eaLnBrk="1" latinLnBrk="0" hangingPunct="1">
+    <a:lvl3pPr marL="914400" algn="l" defTabSz="914400" rtl="0" eaLnBrk="1" latinLnBrk="1" hangingPunct="1">
       <a:defRPr sz="1200" kern="1200">
         <a:solidFill>
           <a:schemeClr val="tx1"/>
@@ -308,7 +184,7 @@
         <a:cs typeface="+mn-cs"/>
       </a:defRPr>
     </a:lvl3pPr>
-    <a:lvl4pPr marL="1371600" algn="l" defTabSz="914400" rtl="0" eaLnBrk="1" latinLnBrk="0" hangingPunct="1">
+    <a:lvl4pPr marL="1371600" algn="l" defTabSz="914400" rtl="0" eaLnBrk="1" latinLnBrk="1" hangingPunct="1">
       <a:defRPr sz="1200" kern="1200">
         <a:solidFill>
           <a:schemeClr val="tx1"/>
@@ -318,7 +194,7 @@
         <a:cs typeface="+mn-cs"/>
       </a:defRPr>
     </a:lvl4pPr>
-    <a:lvl5pPr marL="1828800" algn="l" defTabSz="914400" rtl="0" eaLnBrk="1" latinLnBrk="0" hangingPunct="1">
+    <a:lvl5pPr marL="1828800" algn="l" defTabSz="914400" rtl="0" eaLnBrk="1" latinLnBrk="1" hangingPunct="1">
       <a:defRPr sz="1200" kern="1200">
         <a:solidFill>
           <a:schemeClr val="tx1"/>
@@ -328,7 +204,7 @@
         <a:cs typeface="+mn-cs"/>
       </a:defRPr>
     </a:lvl5pPr>
-    <a:lvl6pPr marL="2286000" algn="l" defTabSz="914400" rtl="0" eaLnBrk="1" latinLnBrk="0" hangingPunct="1">
+    <a:lvl6pPr marL="2286000" algn="l" defTabSz="914400" rtl="0" eaLnBrk="1" latinLnBrk="1" hangingPunct="1">
       <a:defRPr sz="1200" kern="1200">
         <a:solidFill>
           <a:schemeClr val="tx1"/>
@@ -338,7 +214,7 @@
         <a:cs typeface="+mn-cs"/>
       </a:defRPr>
     </a:lvl6pPr>
-    <a:lvl7pPr marL="2743200" algn="l" defTabSz="914400" rtl="0" eaLnBrk="1" latinLnBrk="0" hangingPunct="1">
+    <a:lvl7pPr marL="2743200" algn="l" defTabSz="914400" rtl="0" eaLnBrk="1" latinLnBrk="1" hangingPunct="1">
       <a:defRPr sz="1200" kern="1200">
         <a:solidFill>
           <a:schemeClr val="tx1"/>
@@ -348,7 +224,7 @@
         <a:cs typeface="+mn-cs"/>
       </a:defRPr>
     </a:lvl7pPr>
-    <a:lvl8pPr marL="3200400" algn="l" defTabSz="914400" rtl="0" eaLnBrk="1" latinLnBrk="0" hangingPunct="1">
+    <a:lvl8pPr marL="3200400" algn="l" defTabSz="914400" rtl="0" eaLnBrk="1" latinLnBrk="1" hangingPunct="1">
       <a:defRPr sz="1200" kern="1200">
         <a:solidFill>
           <a:schemeClr val="tx1"/>
@@ -358,7 +234,7 @@
         <a:cs typeface="+mn-cs"/>
       </a:defRPr>
     </a:lvl8pPr>
-    <a:lvl9pPr marL="3657600" algn="l" defTabSz="914400" rtl="0" eaLnBrk="1" latinLnBrk="0" hangingPunct="1">
+    <a:lvl9pPr marL="3657600" algn="l" defTabSz="914400" rtl="0" eaLnBrk="1" latinLnBrk="1" hangingPunct="1">
       <a:defRPr sz="1200" kern="1200">
         <a:solidFill>
           <a:schemeClr val="tx1"/>
@@ -416,10 +292,6 @@
           <a:bodyPr/>
           <a:lstStyle/>
           <a:p>
-            <a:r>
-              <a:rPr lang="en-US" dirty="0"/>
-              <a:t/>
-            </a:r>
             <a:endParaRPr lang="en-US" dirty="0"/>
           </a:p>
         </p:txBody>
@@ -504,10 +376,6 @@
           <a:bodyPr/>
           <a:lstStyle/>
           <a:p>
-            <a:r>
-              <a:rPr lang="en-US" dirty="0"/>
-              <a:t/>
-            </a:r>
             <a:endParaRPr lang="en-US" dirty="0"/>
           </a:p>
         </p:txBody>
@@ -592,10 +460,6 @@
           <a:bodyPr/>
           <a:lstStyle/>
           <a:p>
-            <a:r>
-              <a:rPr lang="en-US" dirty="0"/>
-              <a:t/>
-            </a:r>
             <a:endParaRPr lang="en-US" dirty="0"/>
           </a:p>
         </p:txBody>
@@ -680,10 +544,6 @@
           <a:bodyPr/>
           <a:lstStyle/>
           <a:p>
-            <a:r>
-              <a:rPr lang="en-US" dirty="0"/>
-              <a:t/>
-            </a:r>
             <a:endParaRPr lang="en-US" dirty="0"/>
           </a:p>
         </p:txBody>
@@ -768,10 +628,6 @@
           <a:bodyPr/>
           <a:lstStyle/>
           <a:p>
-            <a:r>
-              <a:rPr lang="en-US" dirty="0"/>
-              <a:t/>
-            </a:r>
             <a:endParaRPr lang="en-US" dirty="0"/>
           </a:p>
         </p:txBody>
@@ -856,10 +712,6 @@
           <a:bodyPr/>
           <a:lstStyle/>
           <a:p>
-            <a:r>
-              <a:rPr lang="en-US" dirty="0"/>
-              <a:t/>
-            </a:r>
             <a:endParaRPr lang="en-US" dirty="0"/>
           </a:p>
         </p:txBody>
@@ -944,10 +796,6 @@
           <a:bodyPr/>
           <a:lstStyle/>
           <a:p>
-            <a:r>
-              <a:rPr lang="en-US" dirty="0"/>
-              <a:t/>
-            </a:r>
             <a:endParaRPr lang="en-US" dirty="0"/>
           </a:p>
         </p:txBody>
@@ -1032,10 +880,6 @@
           <a:bodyPr/>
           <a:lstStyle/>
           <a:p>
-            <a:r>
-              <a:rPr lang="en-US" dirty="0"/>
-              <a:t/>
-            </a:r>
             <a:endParaRPr lang="en-US" dirty="0"/>
           </a:p>
         </p:txBody>
@@ -1120,10 +964,6 @@
           <a:bodyPr/>
           <a:lstStyle/>
           <a:p>
-            <a:r>
-              <a:rPr lang="en-US" dirty="0"/>
-              <a:t/>
-            </a:r>
             <a:endParaRPr lang="en-US" dirty="0"/>
           </a:p>
         </p:txBody>
@@ -1254,7 +1094,7 @@
       <p:pic>
         <p:nvPicPr>
           <p:cNvPr id="4" name="Image 0" descr="preencoded.png">
-            <a:hlinkClick r:id="rId2" tooltip=""/>
+            <a:hlinkClick r:id="rId2"/>
           </p:cNvPr>
           <p:cNvPicPr>
             <a:picLocks noChangeAspect="1"/>
@@ -1262,7 +1102,7 @@
           <p:nvPr/>
         </p:nvPicPr>
         <p:blipFill>
-          <a:blip r:embed="rId1"/>
+          <a:blip r:embed="rId3"/>
           <a:stretch>
             <a:fillRect/>
           </a:stretch>
@@ -1345,7 +1185,7 @@
       <p:pic>
         <p:nvPicPr>
           <p:cNvPr id="4" name="Image 0" descr="preencoded.png">
-            <a:hlinkClick r:id="rId2" tooltip=""/>
+            <a:hlinkClick r:id="rId2"/>
           </p:cNvPr>
           <p:cNvPicPr>
             <a:picLocks noChangeAspect="1"/>
@@ -1353,7 +1193,7 @@
           <p:nvPr/>
         </p:nvPicPr>
         <p:blipFill>
-          <a:blip r:embed="rId1"/>
+          <a:blip r:embed="rId3"/>
           <a:stretch>
             <a:fillRect/>
           </a:stretch>
@@ -1436,7 +1276,7 @@
       <p:pic>
         <p:nvPicPr>
           <p:cNvPr id="4" name="Image 0" descr="preencoded.png">
-            <a:hlinkClick r:id="rId2" tooltip=""/>
+            <a:hlinkClick r:id="rId2"/>
           </p:cNvPr>
           <p:cNvPicPr>
             <a:picLocks noChangeAspect="1"/>
@@ -1444,7 +1284,7 @@
           <p:nvPr/>
         </p:nvPicPr>
         <p:blipFill>
-          <a:blip r:embed="rId1"/>
+          <a:blip r:embed="rId3"/>
           <a:stretch>
             <a:fillRect/>
           </a:stretch>
@@ -1527,7 +1367,7 @@
       <p:pic>
         <p:nvPicPr>
           <p:cNvPr id="4" name="Image 0" descr="preencoded.png">
-            <a:hlinkClick r:id="rId2" tooltip=""/>
+            <a:hlinkClick r:id="rId2"/>
           </p:cNvPr>
           <p:cNvPicPr>
             <a:picLocks noChangeAspect="1"/>
@@ -1535,7 +1375,7 @@
           <p:nvPr/>
         </p:nvPicPr>
         <p:blipFill>
-          <a:blip r:embed="rId1"/>
+          <a:blip r:embed="rId3"/>
           <a:stretch>
             <a:fillRect/>
           </a:stretch>
@@ -1618,7 +1458,7 @@
       <p:pic>
         <p:nvPicPr>
           <p:cNvPr id="4" name="Image 0" descr="preencoded.png">
-            <a:hlinkClick r:id="rId2" tooltip=""/>
+            <a:hlinkClick r:id="rId2"/>
           </p:cNvPr>
           <p:cNvPicPr>
             <a:picLocks noChangeAspect="1"/>
@@ -1626,7 +1466,7 @@
           <p:nvPr/>
         </p:nvPicPr>
         <p:blipFill>
-          <a:blip r:embed="rId1"/>
+          <a:blip r:embed="rId3"/>
           <a:stretch>
             <a:fillRect/>
           </a:stretch>
@@ -1709,7 +1549,7 @@
       <p:pic>
         <p:nvPicPr>
           <p:cNvPr id="4" name="Image 0" descr="preencoded.png">
-            <a:hlinkClick r:id="rId2" tooltip=""/>
+            <a:hlinkClick r:id="rId2"/>
           </p:cNvPr>
           <p:cNvPicPr>
             <a:picLocks noChangeAspect="1"/>
@@ -1717,7 +1557,7 @@
           <p:nvPr/>
         </p:nvPicPr>
         <p:blipFill>
-          <a:blip r:embed="rId1"/>
+          <a:blip r:embed="rId3"/>
           <a:stretch>
             <a:fillRect/>
           </a:stretch>
@@ -1800,7 +1640,7 @@
       <p:pic>
         <p:nvPicPr>
           <p:cNvPr id="4" name="Image 0" descr="preencoded.png">
-            <a:hlinkClick r:id="rId2" tooltip=""/>
+            <a:hlinkClick r:id="rId2"/>
           </p:cNvPr>
           <p:cNvPicPr>
             <a:picLocks noChangeAspect="1"/>
@@ -1808,7 +1648,7 @@
           <p:nvPr/>
         </p:nvPicPr>
         <p:blipFill>
-          <a:blip r:embed="rId1"/>
+          <a:blip r:embed="rId3"/>
           <a:stretch>
             <a:fillRect/>
           </a:stretch>
@@ -1891,7 +1731,7 @@
       <p:pic>
         <p:nvPicPr>
           <p:cNvPr id="4" name="Image 0" descr="preencoded.png">
-            <a:hlinkClick r:id="rId2" tooltip=""/>
+            <a:hlinkClick r:id="rId2"/>
           </p:cNvPr>
           <p:cNvPicPr>
             <a:picLocks noChangeAspect="1"/>
@@ -1899,7 +1739,7 @@
           <p:nvPr/>
         </p:nvPicPr>
         <p:blipFill>
-          <a:blip r:embed="rId1"/>
+          <a:blip r:embed="rId3"/>
           <a:stretch>
             <a:fillRect/>
           </a:stretch>
@@ -1982,7 +1822,7 @@
       <p:pic>
         <p:nvPicPr>
           <p:cNvPr id="4" name="Image 0" descr="preencoded.png">
-            <a:hlinkClick r:id="rId2" tooltip=""/>
+            <a:hlinkClick r:id="rId2"/>
           </p:cNvPr>
           <p:cNvPicPr>
             <a:picLocks noChangeAspect="1"/>
@@ -1990,7 +1830,7 @@
           <p:nvPr/>
         </p:nvPicPr>
         <p:blipFill>
-          <a:blip r:embed="rId1"/>
+          <a:blip r:embed="rId3"/>
           <a:stretch>
             <a:fillRect/>
           </a:stretch>
@@ -2016,6 +1856,11 @@
 <file path=ppt/slideMasters/slideMaster1.xml><?xml version="1.0" encoding="utf-8"?>
 <p:sldMaster xmlns:a="http://schemas.openxmlformats.org/drawingml/2006/main" xmlns:r="http://schemas.openxmlformats.org/officeDocument/2006/relationships" xmlns:p="http://schemas.openxmlformats.org/presentationml/2006/main">
   <p:cSld>
+    <p:bg>
+      <p:bgRef idx="1001">
+        <a:schemeClr val="bg1"/>
+      </p:bgRef>
+    </p:bg>
     <p:spTree>
       <p:nvGrpSpPr>
         <p:cNvPr id="1" name=""/>
@@ -2338,14 +2183,14 @@
       </p:sp>
       <p:pic>
         <p:nvPicPr>
-          <p:cNvPr id="3" name="Image 0" descr="preencoded.png">    </p:cNvPr>
+          <p:cNvPr id="3" name="Image 0" descr="preencoded.png"/>
           <p:cNvPicPr>
             <a:picLocks noChangeAspect="1"/>
           </p:cNvPicPr>
           <p:nvPr/>
         </p:nvPicPr>
         <p:blipFill>
-          <a:blip r:embed="rId1"/>
+          <a:blip r:embed="rId3"/>
           <a:stretch>
             <a:fillRect/>
           </a:stretch>
@@ -2381,7 +2226,7 @@
           <a:bodyPr wrap="none" lIns="0" tIns="0" rIns="0" bIns="0" rtlCol="0" anchor="t"/>
           <a:lstStyle/>
           <a:p>
-            <a:pPr algn="l" indent="0" marL="0">
+            <a:pPr marL="0" indent="0" algn="l">
               <a:lnSpc>
                 <a:spcPts val="5550"/>
               </a:lnSpc>
@@ -2423,7 +2268,7 @@
           <a:bodyPr wrap="none" lIns="0" tIns="0" rIns="0" bIns="0" rtlCol="0" anchor="t"/>
           <a:lstStyle/>
           <a:p>
-            <a:pPr algn="l" indent="0" marL="0">
+            <a:pPr marL="0" indent="0" algn="l">
               <a:lnSpc>
                 <a:spcPts val="2850"/>
               </a:lnSpc>
@@ -2465,7 +2310,7 @@
           <a:bodyPr wrap="none" lIns="0" tIns="0" rIns="0" bIns="0" rtlCol="0" anchor="t"/>
           <a:lstStyle/>
           <a:p>
-            <a:pPr algn="l" indent="0" marL="0">
+            <a:pPr marL="0" indent="0" algn="l">
               <a:lnSpc>
                 <a:spcPts val="2850"/>
               </a:lnSpc>
@@ -2507,13 +2352,67 @@
           <a:bodyPr wrap="none" lIns="0" tIns="0" rIns="0" bIns="0" rtlCol="0" anchor="t"/>
           <a:lstStyle/>
           <a:p>
-            <a:pPr algn="l" indent="0" marL="0">
+            <a:pPr marL="0" indent="0" algn="l">
               <a:lnSpc>
                 <a:spcPts val="2850"/>
               </a:lnSpc>
               <a:buNone/>
             </a:pPr>
             <a:endParaRPr lang="en-US" sz="1750" dirty="0"/>
+          </a:p>
+        </p:txBody>
+      </p:sp>
+      <p:sp>
+        <p:nvSpPr>
+          <p:cNvPr id="11" name="직사각형 10">
+            <a:extLst>
+              <a:ext uri="{FF2B5EF4-FFF2-40B4-BE49-F238E27FC236}">
+                <a16:creationId xmlns:a16="http://schemas.microsoft.com/office/drawing/2014/main" id="{45174D22-F0A6-0928-DDAA-5FA74D80602B}"/>
+              </a:ext>
+            </a:extLst>
+          </p:cNvPr>
+          <p:cNvSpPr/>
+          <p:nvPr/>
+        </p:nvSpPr>
+        <p:spPr>
+          <a:xfrm>
+            <a:off x="12852400" y="7680960"/>
+            <a:ext cx="1696720" cy="457200"/>
+          </a:xfrm>
+          <a:prstGeom prst="rect">
+            <a:avLst/>
+          </a:prstGeom>
+          <a:solidFill>
+            <a:schemeClr val="bg1"/>
+          </a:solidFill>
+          <a:ln>
+            <a:solidFill>
+              <a:schemeClr val="bg1"/>
+            </a:solidFill>
+          </a:ln>
+        </p:spPr>
+        <p:style>
+          <a:lnRef idx="2">
+            <a:schemeClr val="accent1">
+              <a:shade val="15000"/>
+            </a:schemeClr>
+          </a:lnRef>
+          <a:fillRef idx="1">
+            <a:schemeClr val="accent1"/>
+          </a:fillRef>
+          <a:effectRef idx="0">
+            <a:schemeClr val="accent1"/>
+          </a:effectRef>
+          <a:fontRef idx="minor">
+            <a:schemeClr val="lt1"/>
+          </a:fontRef>
+        </p:style>
+        <p:txBody>
+          <a:bodyPr rtlCol="0" anchor="ctr"/>
+          <a:lstStyle/>
+          <a:p>
+            <a:pPr algn="ctr"/>
+            <a:endParaRPr lang="ko-KR" altLang="en-US"/>
           </a:p>
         </p:txBody>
       </p:sp>
@@ -2563,7 +2462,7 @@
           <a:bodyPr wrap="none" lIns="0" tIns="0" rIns="0" bIns="0" rtlCol="0" anchor="t"/>
           <a:lstStyle/>
           <a:p>
-            <a:pPr algn="l" indent="0" marL="0">
+            <a:pPr marL="0" indent="0" algn="l">
               <a:lnSpc>
                 <a:spcPts val="5550"/>
               </a:lnSpc>
@@ -2632,7 +2531,7 @@
           <a:bodyPr wrap="none" lIns="0" tIns="0" rIns="0" bIns="0" rtlCol="0" anchor="t"/>
           <a:lstStyle/>
           <a:p>
-            <a:pPr algn="l" indent="0" marL="0">
+            <a:pPr marL="0" indent="0" algn="l">
               <a:lnSpc>
                 <a:spcPts val="2750"/>
               </a:lnSpc>
@@ -2701,7 +2600,7 @@
           <a:bodyPr wrap="none" lIns="0" tIns="0" rIns="0" bIns="0" rtlCol="0" anchor="t"/>
           <a:lstStyle/>
           <a:p>
-            <a:pPr algn="l" indent="0" marL="0">
+            <a:pPr marL="0" indent="0" algn="l">
               <a:lnSpc>
                 <a:spcPts val="2750"/>
               </a:lnSpc>
@@ -2770,7 +2669,7 @@
           <a:bodyPr wrap="none" lIns="0" tIns="0" rIns="0" bIns="0" rtlCol="0" anchor="t"/>
           <a:lstStyle/>
           <a:p>
-            <a:pPr algn="l" indent="0" marL="0">
+            <a:pPr marL="0" indent="0" algn="l">
               <a:lnSpc>
                 <a:spcPts val="2750"/>
               </a:lnSpc>
@@ -2839,7 +2738,7 @@
           <a:bodyPr wrap="none" lIns="0" tIns="0" rIns="0" bIns="0" rtlCol="0" anchor="t"/>
           <a:lstStyle/>
           <a:p>
-            <a:pPr algn="l" indent="0" marL="0">
+            <a:pPr marL="0" indent="0" algn="l">
               <a:lnSpc>
                 <a:spcPts val="2750"/>
               </a:lnSpc>
@@ -2857,6 +2756,60 @@
               <a:t>팀원 소개</a:t>
             </a:r>
             <a:endParaRPr lang="en-US" sz="2200" dirty="0"/>
+          </a:p>
+        </p:txBody>
+      </p:sp>
+      <p:sp>
+        <p:nvSpPr>
+          <p:cNvPr id="11" name="직사각형 10">
+            <a:extLst>
+              <a:ext uri="{FF2B5EF4-FFF2-40B4-BE49-F238E27FC236}">
+                <a16:creationId xmlns:a16="http://schemas.microsoft.com/office/drawing/2014/main" id="{24014766-C6BC-6ACC-836F-6A01ADFD351D}"/>
+              </a:ext>
+            </a:extLst>
+          </p:cNvPr>
+          <p:cNvSpPr/>
+          <p:nvPr/>
+        </p:nvSpPr>
+        <p:spPr>
+          <a:xfrm>
+            <a:off x="12852400" y="7731760"/>
+            <a:ext cx="1686560" cy="406400"/>
+          </a:xfrm>
+          <a:prstGeom prst="rect">
+            <a:avLst/>
+          </a:prstGeom>
+          <a:solidFill>
+            <a:schemeClr val="bg1"/>
+          </a:solidFill>
+          <a:ln>
+            <a:solidFill>
+              <a:schemeClr val="bg1"/>
+            </a:solidFill>
+          </a:ln>
+        </p:spPr>
+        <p:style>
+          <a:lnRef idx="2">
+            <a:schemeClr val="accent1">
+              <a:shade val="15000"/>
+            </a:schemeClr>
+          </a:lnRef>
+          <a:fillRef idx="1">
+            <a:schemeClr val="accent1"/>
+          </a:fillRef>
+          <a:effectRef idx="0">
+            <a:schemeClr val="accent1"/>
+          </a:effectRef>
+          <a:fontRef idx="minor">
+            <a:schemeClr val="lt1"/>
+          </a:fontRef>
+        </p:style>
+        <p:txBody>
+          <a:bodyPr rtlCol="0" anchor="ctr"/>
+          <a:lstStyle/>
+          <a:p>
+            <a:pPr algn="ctr"/>
+            <a:endParaRPr lang="ko-KR" altLang="en-US"/>
           </a:p>
         </p:txBody>
       </p:sp>
@@ -2907,14 +2860,14 @@
       </p:sp>
       <p:pic>
         <p:nvPicPr>
-          <p:cNvPr id="3" name="Image 0" descr="preencoded.png">    </p:cNvPr>
+          <p:cNvPr id="3" name="Image 0" descr="preencoded.png"/>
           <p:cNvPicPr>
             <a:picLocks noChangeAspect="1"/>
           </p:cNvPicPr>
           <p:nvPr/>
         </p:nvPicPr>
         <p:blipFill>
-          <a:blip r:embed="rId1"/>
+          <a:blip r:embed="rId3"/>
           <a:stretch>
             <a:fillRect/>
           </a:stretch>
@@ -2950,7 +2903,7 @@
           <a:bodyPr wrap="none" lIns="0" tIns="0" rIns="0" bIns="0" rtlCol="0" anchor="t"/>
           <a:lstStyle/>
           <a:p>
-            <a:pPr algn="l" indent="0" marL="0">
+            <a:pPr marL="0" indent="0" algn="l">
               <a:lnSpc>
                 <a:spcPts val="5550"/>
               </a:lnSpc>
@@ -2992,7 +2945,7 @@
           <a:bodyPr wrap="none" lIns="0" tIns="0" rIns="0" bIns="0" rtlCol="0" anchor="t"/>
           <a:lstStyle/>
           <a:p>
-            <a:pPr algn="l" indent="0" marL="0">
+            <a:pPr marL="0" indent="0" algn="l">
               <a:lnSpc>
                 <a:spcPts val="2850"/>
               </a:lnSpc>
@@ -3010,6 +2963,60 @@
               <a:t>주요 장면: 퍼즐 배치 - 특수 블록 조합 - 스테이지 클리어</a:t>
             </a:r>
             <a:endParaRPr lang="en-US" sz="1750" dirty="0"/>
+          </a:p>
+        </p:txBody>
+      </p:sp>
+      <p:sp>
+        <p:nvSpPr>
+          <p:cNvPr id="6" name="직사각형 5">
+            <a:extLst>
+              <a:ext uri="{FF2B5EF4-FFF2-40B4-BE49-F238E27FC236}">
+                <a16:creationId xmlns:a16="http://schemas.microsoft.com/office/drawing/2014/main" id="{724CF834-4AE5-BBBC-47FD-7E5F9727C678}"/>
+              </a:ext>
+            </a:extLst>
+          </p:cNvPr>
+          <p:cNvSpPr/>
+          <p:nvPr/>
+        </p:nvSpPr>
+        <p:spPr>
+          <a:xfrm>
+            <a:off x="12865006" y="7787184"/>
+            <a:ext cx="1717040" cy="362903"/>
+          </a:xfrm>
+          <a:prstGeom prst="rect">
+            <a:avLst/>
+          </a:prstGeom>
+          <a:solidFill>
+            <a:schemeClr val="bg1"/>
+          </a:solidFill>
+          <a:ln>
+            <a:solidFill>
+              <a:schemeClr val="bg1"/>
+            </a:solidFill>
+          </a:ln>
+        </p:spPr>
+        <p:style>
+          <a:lnRef idx="2">
+            <a:schemeClr val="accent1">
+              <a:shade val="15000"/>
+            </a:schemeClr>
+          </a:lnRef>
+          <a:fillRef idx="1">
+            <a:schemeClr val="accent1"/>
+          </a:fillRef>
+          <a:effectRef idx="0">
+            <a:schemeClr val="accent1"/>
+          </a:effectRef>
+          <a:fontRef idx="minor">
+            <a:schemeClr val="lt1"/>
+          </a:fontRef>
+        </p:style>
+        <p:txBody>
+          <a:bodyPr rtlCol="0" anchor="ctr"/>
+          <a:lstStyle/>
+          <a:p>
+            <a:pPr algn="ctr"/>
+            <a:endParaRPr lang="ko-KR" altLang="en-US"/>
           </a:p>
         </p:txBody>
       </p:sp>
@@ -3059,7 +3066,7 @@
           <a:bodyPr wrap="none" lIns="0" tIns="0" rIns="0" bIns="0" rtlCol="0" anchor="t"/>
           <a:lstStyle/>
           <a:p>
-            <a:pPr algn="l" indent="0" marL="0">
+            <a:pPr marL="0" indent="0" algn="l">
               <a:lnSpc>
                 <a:spcPts val="5550"/>
               </a:lnSpc>
@@ -3082,14 +3089,14 @@
       </p:sp>
       <p:pic>
         <p:nvPicPr>
-          <p:cNvPr id="3" name="Image 0" descr="preencoded.png">    </p:cNvPr>
+          <p:cNvPr id="3" name="Image 0" descr="preencoded.png"/>
           <p:cNvPicPr>
             <a:picLocks noChangeAspect="1"/>
           </p:cNvPicPr>
           <p:nvPr/>
         </p:nvPicPr>
         <p:blipFill>
-          <a:blip r:embed="rId1"/>
+          <a:blip r:embed="rId3"/>
           <a:stretch>
             <a:fillRect/>
           </a:stretch>
@@ -3125,7 +3132,7 @@
           <a:bodyPr wrap="none" lIns="0" tIns="0" rIns="0" bIns="0" rtlCol="0" anchor="t"/>
           <a:lstStyle/>
           <a:p>
-            <a:pPr algn="l" indent="0" marL="0">
+            <a:pPr marL="0" indent="0" algn="l">
               <a:lnSpc>
                 <a:spcPts val="2850"/>
               </a:lnSpc>
@@ -3183,7 +3190,7 @@
           <a:bodyPr wrap="none" lIns="0" tIns="0" rIns="0" bIns="0" rtlCol="0" anchor="t"/>
           <a:lstStyle/>
           <a:p>
-            <a:pPr algn="l" indent="0" marL="0">
+            <a:pPr marL="0" indent="0" algn="l">
               <a:lnSpc>
                 <a:spcPts val="2750"/>
               </a:lnSpc>
@@ -3252,7 +3259,7 @@
           <a:bodyPr wrap="none" lIns="0" tIns="0" rIns="0" bIns="0" rtlCol="0" anchor="t"/>
           <a:lstStyle/>
           <a:p>
-            <a:pPr algn="l" indent="0" marL="0">
+            <a:pPr marL="0" indent="0" algn="l">
               <a:lnSpc>
                 <a:spcPts val="2750"/>
               </a:lnSpc>
@@ -3321,7 +3328,7 @@
           <a:bodyPr wrap="none" lIns="0" tIns="0" rIns="0" bIns="0" rtlCol="0" anchor="t"/>
           <a:lstStyle/>
           <a:p>
-            <a:pPr algn="l" indent="0" marL="0">
+            <a:pPr marL="0" indent="0" algn="l">
               <a:lnSpc>
                 <a:spcPts val="2750"/>
               </a:lnSpc>
@@ -3339,6 +3346,60 @@
               <a:t>목표: 간단한 게임 제작으로 협업 능력 개발</a:t>
             </a:r>
             <a:endParaRPr lang="en-US" sz="2200" dirty="0"/>
+          </a:p>
+        </p:txBody>
+      </p:sp>
+      <p:sp>
+        <p:nvSpPr>
+          <p:cNvPr id="11" name="직사각형 10">
+            <a:extLst>
+              <a:ext uri="{FF2B5EF4-FFF2-40B4-BE49-F238E27FC236}">
+                <a16:creationId xmlns:a16="http://schemas.microsoft.com/office/drawing/2014/main" id="{03092EC5-03A9-6DC4-1FFD-15339BCE9680}"/>
+              </a:ext>
+            </a:extLst>
+          </p:cNvPr>
+          <p:cNvSpPr/>
+          <p:nvPr/>
+        </p:nvSpPr>
+        <p:spPr>
+          <a:xfrm>
+            <a:off x="12821920" y="7762240"/>
+            <a:ext cx="1696720" cy="354330"/>
+          </a:xfrm>
+          <a:prstGeom prst="rect">
+            <a:avLst/>
+          </a:prstGeom>
+          <a:solidFill>
+            <a:schemeClr val="bg1"/>
+          </a:solidFill>
+          <a:ln>
+            <a:solidFill>
+              <a:schemeClr val="bg1"/>
+            </a:solidFill>
+          </a:ln>
+        </p:spPr>
+        <p:style>
+          <a:lnRef idx="2">
+            <a:schemeClr val="accent1">
+              <a:shade val="15000"/>
+            </a:schemeClr>
+          </a:lnRef>
+          <a:fillRef idx="1">
+            <a:schemeClr val="accent1"/>
+          </a:fillRef>
+          <a:effectRef idx="0">
+            <a:schemeClr val="accent1"/>
+          </a:effectRef>
+          <a:fontRef idx="minor">
+            <a:schemeClr val="lt1"/>
+          </a:fontRef>
+        </p:style>
+        <p:txBody>
+          <a:bodyPr rtlCol="0" anchor="ctr"/>
+          <a:lstStyle/>
+          <a:p>
+            <a:pPr algn="ctr"/>
+            <a:endParaRPr lang="ko-KR" altLang="en-US"/>
           </a:p>
         </p:txBody>
       </p:sp>
@@ -3388,7 +3449,7 @@
           <a:bodyPr wrap="none" lIns="0" tIns="0" rIns="0" bIns="0" rtlCol="0" anchor="t"/>
           <a:lstStyle/>
           <a:p>
-            <a:pPr algn="l" indent="0" marL="0">
+            <a:pPr marL="0" indent="0" algn="l">
               <a:lnSpc>
                 <a:spcPts val="5550"/>
               </a:lnSpc>
@@ -3411,14 +3472,14 @@
       </p:sp>
       <p:pic>
         <p:nvPicPr>
-          <p:cNvPr id="3" name="Image 0" descr="preencoded.png">    </p:cNvPr>
+          <p:cNvPr id="3" name="Image 0" descr="preencoded.png"/>
           <p:cNvPicPr>
             <a:picLocks noChangeAspect="1"/>
           </p:cNvPicPr>
           <p:nvPr/>
         </p:nvPicPr>
         <p:blipFill>
-          <a:blip r:embed="rId1"/>
+          <a:blip r:embed="rId3"/>
           <a:stretch>
             <a:fillRect/>
           </a:stretch>
@@ -3454,7 +3515,7 @@
           <a:bodyPr wrap="none" lIns="0" tIns="0" rIns="0" bIns="0" rtlCol="0" anchor="t"/>
           <a:lstStyle/>
           <a:p>
-            <a:pPr algn="l" indent="0" marL="0">
+            <a:pPr marL="0" indent="0" algn="l">
               <a:lnSpc>
                 <a:spcPts val="2750"/>
               </a:lnSpc>
@@ -3496,7 +3557,7 @@
           <a:bodyPr wrap="square" lIns="0" tIns="0" rIns="0" bIns="0" rtlCol="0" anchor="t"/>
           <a:lstStyle/>
           <a:p>
-            <a:pPr algn="l" indent="0" marL="0">
+            <a:pPr marL="0" indent="0" algn="l">
               <a:lnSpc>
                 <a:spcPts val="2850"/>
               </a:lnSpc>
@@ -3519,14 +3580,14 @@
       </p:sp>
       <p:pic>
         <p:nvPicPr>
-          <p:cNvPr id="6" name="Image 1" descr="preencoded.png">    </p:cNvPr>
+          <p:cNvPr id="6" name="Image 1" descr="preencoded.png"/>
           <p:cNvPicPr>
             <a:picLocks noChangeAspect="1"/>
           </p:cNvPicPr>
           <p:nvPr/>
         </p:nvPicPr>
         <p:blipFill>
-          <a:blip r:embed="rId2"/>
+          <a:blip r:embed="rId4"/>
           <a:stretch>
             <a:fillRect/>
           </a:stretch>
@@ -3562,7 +3623,7 @@
           <a:bodyPr wrap="none" lIns="0" tIns="0" rIns="0" bIns="0" rtlCol="0" anchor="t"/>
           <a:lstStyle/>
           <a:p>
-            <a:pPr algn="l" indent="0" marL="0">
+            <a:pPr marL="0" indent="0" algn="l">
               <a:lnSpc>
                 <a:spcPts val="2750"/>
               </a:lnSpc>
@@ -3604,7 +3665,7 @@
           <a:bodyPr wrap="square" lIns="0" tIns="0" rIns="0" bIns="0" rtlCol="0" anchor="t"/>
           <a:lstStyle/>
           <a:p>
-            <a:pPr algn="l" indent="0" marL="0">
+            <a:pPr marL="0" indent="0" algn="l">
               <a:lnSpc>
                 <a:spcPts val="2850"/>
               </a:lnSpc>
@@ -3627,14 +3688,14 @@
       </p:sp>
       <p:pic>
         <p:nvPicPr>
-          <p:cNvPr id="9" name="Image 2" descr="preencoded.png">    </p:cNvPr>
+          <p:cNvPr id="9" name="Image 2" descr="preencoded.png"/>
           <p:cNvPicPr>
             <a:picLocks noChangeAspect="1"/>
           </p:cNvPicPr>
           <p:nvPr/>
         </p:nvPicPr>
         <p:blipFill>
-          <a:blip r:embed="rId3"/>
+          <a:blip r:embed="rId5"/>
           <a:stretch>
             <a:fillRect/>
           </a:stretch>
@@ -3670,7 +3731,7 @@
           <a:bodyPr wrap="none" lIns="0" tIns="0" rIns="0" bIns="0" rtlCol="0" anchor="t"/>
           <a:lstStyle/>
           <a:p>
-            <a:pPr algn="l" indent="0" marL="0">
+            <a:pPr marL="0" indent="0" algn="l">
               <a:lnSpc>
                 <a:spcPts val="2750"/>
               </a:lnSpc>
@@ -3712,7 +3773,7 @@
           <a:bodyPr wrap="none" lIns="0" tIns="0" rIns="0" bIns="0" rtlCol="0" anchor="t"/>
           <a:lstStyle/>
           <a:p>
-            <a:pPr algn="l" indent="0" marL="0">
+            <a:pPr marL="0" indent="0" algn="l">
               <a:lnSpc>
                 <a:spcPts val="2850"/>
               </a:lnSpc>
@@ -3730,6 +3791,60 @@
               <a:t>한 손 조작에 최적화된 직관적 인터페이스</a:t>
             </a:r>
             <a:endParaRPr lang="en-US" sz="1750" dirty="0"/>
+          </a:p>
+        </p:txBody>
+      </p:sp>
+      <p:sp>
+        <p:nvSpPr>
+          <p:cNvPr id="12" name="직사각형 11">
+            <a:extLst>
+              <a:ext uri="{FF2B5EF4-FFF2-40B4-BE49-F238E27FC236}">
+                <a16:creationId xmlns:a16="http://schemas.microsoft.com/office/drawing/2014/main" id="{2A4DE088-DB8D-2B6C-5AD0-46DF6B38FA75}"/>
+              </a:ext>
+            </a:extLst>
+          </p:cNvPr>
+          <p:cNvSpPr/>
+          <p:nvPr/>
+        </p:nvSpPr>
+        <p:spPr>
+          <a:xfrm>
+            <a:off x="12852400" y="7752080"/>
+            <a:ext cx="1696720" cy="362903"/>
+          </a:xfrm>
+          <a:prstGeom prst="rect">
+            <a:avLst/>
+          </a:prstGeom>
+          <a:solidFill>
+            <a:schemeClr val="bg1"/>
+          </a:solidFill>
+          <a:ln>
+            <a:solidFill>
+              <a:schemeClr val="bg1"/>
+            </a:solidFill>
+          </a:ln>
+        </p:spPr>
+        <p:style>
+          <a:lnRef idx="2">
+            <a:schemeClr val="accent1">
+              <a:shade val="15000"/>
+            </a:schemeClr>
+          </a:lnRef>
+          <a:fillRef idx="1">
+            <a:schemeClr val="accent1"/>
+          </a:fillRef>
+          <a:effectRef idx="0">
+            <a:schemeClr val="accent1"/>
+          </a:effectRef>
+          <a:fontRef idx="minor">
+            <a:schemeClr val="lt1"/>
+          </a:fontRef>
+        </p:style>
+        <p:txBody>
+          <a:bodyPr rtlCol="0" anchor="ctr"/>
+          <a:lstStyle/>
+          <a:p>
+            <a:pPr algn="ctr"/>
+            <a:endParaRPr lang="ko-KR" altLang="en-US"/>
           </a:p>
         </p:txBody>
       </p:sp>
@@ -3779,7 +3894,7 @@
           <a:bodyPr wrap="none" lIns="0" tIns="0" rIns="0" bIns="0" rtlCol="0" anchor="t"/>
           <a:lstStyle/>
           <a:p>
-            <a:pPr algn="l" indent="0" marL="0">
+            <a:pPr marL="0" indent="0" algn="l">
               <a:lnSpc>
                 <a:spcPts val="7700"/>
               </a:lnSpc>
@@ -3802,14 +3917,14 @@
       </p:sp>
       <p:pic>
         <p:nvPicPr>
-          <p:cNvPr id="3" name="Image 0" descr="preencoded.png">    </p:cNvPr>
+          <p:cNvPr id="3" name="Image 0" descr="preencoded.png"/>
           <p:cNvPicPr>
             <a:picLocks noChangeAspect="1"/>
           </p:cNvPicPr>
           <p:nvPr/>
         </p:nvPicPr>
         <p:blipFill>
-          <a:blip r:embed="rId1"/>
+          <a:blip r:embed="rId3"/>
           <a:stretch>
             <a:fillRect/>
           </a:stretch>
@@ -3845,7 +3960,7 @@
           <a:bodyPr wrap="none" lIns="0" tIns="0" rIns="0" bIns="0" rtlCol="0" anchor="t"/>
           <a:lstStyle/>
           <a:p>
-            <a:pPr algn="l" indent="0" marL="0">
+            <a:pPr marL="0" indent="0" algn="l">
               <a:lnSpc>
                 <a:spcPts val="5550"/>
               </a:lnSpc>
@@ -3887,13 +4002,67 @@
           <a:bodyPr wrap="none" lIns="0" tIns="0" rIns="0" bIns="0" rtlCol="0" anchor="t"/>
           <a:lstStyle/>
           <a:p>
-            <a:pPr algn="l" indent="0" marL="0">
+            <a:pPr marL="0" indent="0" algn="l">
               <a:lnSpc>
                 <a:spcPts val="2850"/>
               </a:lnSpc>
               <a:buNone/>
             </a:pPr>
             <a:endParaRPr lang="en-US" sz="1750" dirty="0"/>
+          </a:p>
+        </p:txBody>
+      </p:sp>
+      <p:sp>
+        <p:nvSpPr>
+          <p:cNvPr id="6" name="직사각형 5">
+            <a:extLst>
+              <a:ext uri="{FF2B5EF4-FFF2-40B4-BE49-F238E27FC236}">
+                <a16:creationId xmlns:a16="http://schemas.microsoft.com/office/drawing/2014/main" id="{B2911857-9A81-CE57-0965-907B741ABD48}"/>
+              </a:ext>
+            </a:extLst>
+          </p:cNvPr>
+          <p:cNvSpPr/>
+          <p:nvPr/>
+        </p:nvSpPr>
+        <p:spPr>
+          <a:xfrm>
+            <a:off x="12801600" y="7742583"/>
+            <a:ext cx="1828800" cy="362903"/>
+          </a:xfrm>
+          <a:prstGeom prst="rect">
+            <a:avLst/>
+          </a:prstGeom>
+          <a:solidFill>
+            <a:schemeClr val="bg1"/>
+          </a:solidFill>
+          <a:ln>
+            <a:solidFill>
+              <a:schemeClr val="bg1"/>
+            </a:solidFill>
+          </a:ln>
+        </p:spPr>
+        <p:style>
+          <a:lnRef idx="2">
+            <a:schemeClr val="accent1">
+              <a:shade val="15000"/>
+            </a:schemeClr>
+          </a:lnRef>
+          <a:fillRef idx="1">
+            <a:schemeClr val="accent1"/>
+          </a:fillRef>
+          <a:effectRef idx="0">
+            <a:schemeClr val="accent1"/>
+          </a:effectRef>
+          <a:fontRef idx="minor">
+            <a:schemeClr val="lt1"/>
+          </a:fontRef>
+        </p:style>
+        <p:txBody>
+          <a:bodyPr rtlCol="0" anchor="ctr"/>
+          <a:lstStyle/>
+          <a:p>
+            <a:pPr algn="ctr"/>
+            <a:endParaRPr lang="ko-KR" altLang="en-US"/>
           </a:p>
         </p:txBody>
       </p:sp>
@@ -3943,7 +4112,7 @@
           <a:bodyPr wrap="none" lIns="0" tIns="0" rIns="0" bIns="0" rtlCol="0" anchor="t"/>
           <a:lstStyle/>
           <a:p>
-            <a:pPr algn="l" indent="0" marL="0">
+            <a:pPr marL="0" indent="0" algn="l">
               <a:lnSpc>
                 <a:spcPts val="7700"/>
               </a:lnSpc>
@@ -3966,14 +4135,14 @@
       </p:sp>
       <p:pic>
         <p:nvPicPr>
-          <p:cNvPr id="3" name="Image 0" descr="preencoded.png">    </p:cNvPr>
+          <p:cNvPr id="3" name="Image 0" descr="preencoded.png"/>
           <p:cNvPicPr>
             <a:picLocks noChangeAspect="1"/>
           </p:cNvPicPr>
           <p:nvPr/>
         </p:nvPicPr>
         <p:blipFill>
-          <a:blip r:embed="rId1"/>
+          <a:blip r:embed="rId3"/>
           <a:stretch>
             <a:fillRect/>
           </a:stretch>
@@ -4009,7 +4178,7 @@
           <a:bodyPr wrap="none" lIns="0" tIns="0" rIns="0" bIns="0" rtlCol="0" anchor="t"/>
           <a:lstStyle/>
           <a:p>
-            <a:pPr algn="l" indent="0" marL="0">
+            <a:pPr marL="0" indent="0" algn="l">
               <a:lnSpc>
                 <a:spcPts val="5550"/>
               </a:lnSpc>
@@ -4051,13 +4220,67 @@
           <a:bodyPr wrap="none" lIns="0" tIns="0" rIns="0" bIns="0" rtlCol="0" anchor="t"/>
           <a:lstStyle/>
           <a:p>
-            <a:pPr algn="l" indent="0" marL="0">
+            <a:pPr marL="0" indent="0" algn="l">
               <a:lnSpc>
                 <a:spcPts val="2850"/>
               </a:lnSpc>
               <a:buNone/>
             </a:pPr>
             <a:endParaRPr lang="en-US" sz="1750" dirty="0"/>
+          </a:p>
+        </p:txBody>
+      </p:sp>
+      <p:sp>
+        <p:nvSpPr>
+          <p:cNvPr id="6" name="직사각형 5">
+            <a:extLst>
+              <a:ext uri="{FF2B5EF4-FFF2-40B4-BE49-F238E27FC236}">
+                <a16:creationId xmlns:a16="http://schemas.microsoft.com/office/drawing/2014/main" id="{94D0CF56-C81D-E759-8B17-EC29D090C49C}"/>
+              </a:ext>
+            </a:extLst>
+          </p:cNvPr>
+          <p:cNvSpPr/>
+          <p:nvPr/>
+        </p:nvSpPr>
+        <p:spPr>
+          <a:xfrm>
+            <a:off x="12851296" y="7722704"/>
+            <a:ext cx="1779104" cy="462295"/>
+          </a:xfrm>
+          <a:prstGeom prst="rect">
+            <a:avLst/>
+          </a:prstGeom>
+          <a:solidFill>
+            <a:schemeClr val="bg1"/>
+          </a:solidFill>
+          <a:ln>
+            <a:solidFill>
+              <a:schemeClr val="bg1"/>
+            </a:solidFill>
+          </a:ln>
+        </p:spPr>
+        <p:style>
+          <a:lnRef idx="2">
+            <a:schemeClr val="accent1">
+              <a:shade val="15000"/>
+            </a:schemeClr>
+          </a:lnRef>
+          <a:fillRef idx="1">
+            <a:schemeClr val="accent1"/>
+          </a:fillRef>
+          <a:effectRef idx="0">
+            <a:schemeClr val="accent1"/>
+          </a:effectRef>
+          <a:fontRef idx="minor">
+            <a:schemeClr val="lt1"/>
+          </a:fontRef>
+        </p:style>
+        <p:txBody>
+          <a:bodyPr rtlCol="0" anchor="ctr"/>
+          <a:lstStyle/>
+          <a:p>
+            <a:pPr algn="ctr"/>
+            <a:endParaRPr lang="ko-KR" altLang="en-US"/>
           </a:p>
         </p:txBody>
       </p:sp>
@@ -4107,7 +4330,7 @@
           <a:bodyPr wrap="none" lIns="0" tIns="0" rIns="0" bIns="0" rtlCol="0" anchor="t"/>
           <a:lstStyle/>
           <a:p>
-            <a:pPr algn="l" indent="0" marL="0">
+            <a:pPr marL="0" indent="0" algn="l">
               <a:lnSpc>
                 <a:spcPts val="5550"/>
               </a:lnSpc>
@@ -4130,14 +4353,14 @@
       </p:sp>
       <p:pic>
         <p:nvPicPr>
-          <p:cNvPr id="3" name="Image 0" descr="preencoded.png">    </p:cNvPr>
+          <p:cNvPr id="3" name="Image 0" descr="preencoded.png"/>
           <p:cNvPicPr>
             <a:picLocks noChangeAspect="1"/>
           </p:cNvPicPr>
           <p:nvPr/>
         </p:nvPicPr>
         <p:blipFill>
-          <a:blip r:embed="rId1"/>
+          <a:blip r:embed="rId3"/>
           <a:stretch>
             <a:fillRect/>
           </a:stretch>
@@ -4222,7 +4445,7 @@
           <a:bodyPr wrap="none" lIns="0" tIns="0" rIns="0" bIns="0" rtlCol="0" anchor="t"/>
           <a:lstStyle/>
           <a:p>
-            <a:pPr algn="l" indent="0" marL="0">
+            <a:pPr marL="0" indent="0" algn="l">
               <a:lnSpc>
                 <a:spcPts val="2850"/>
               </a:lnSpc>
@@ -4264,7 +4487,7 @@
           <a:bodyPr wrap="none" lIns="0" tIns="0" rIns="0" bIns="0" rtlCol="0" anchor="t"/>
           <a:lstStyle/>
           <a:p>
-            <a:pPr algn="l" indent="0" marL="0">
+            <a:pPr marL="0" indent="0" algn="l">
               <a:lnSpc>
                 <a:spcPts val="2850"/>
               </a:lnSpc>
@@ -4328,7 +4551,7 @@
           <a:bodyPr wrap="none" lIns="0" tIns="0" rIns="0" bIns="0" rtlCol="0" anchor="t"/>
           <a:lstStyle/>
           <a:p>
-            <a:pPr algn="l" indent="0" marL="0">
+            <a:pPr marL="0" indent="0" algn="l">
               <a:lnSpc>
                 <a:spcPts val="2850"/>
               </a:lnSpc>
@@ -4370,7 +4593,7 @@
           <a:bodyPr wrap="none" lIns="0" tIns="0" rIns="0" bIns="0" rtlCol="0" anchor="t"/>
           <a:lstStyle/>
           <a:p>
-            <a:pPr algn="l" indent="0" marL="0">
+            <a:pPr marL="0" indent="0" algn="l">
               <a:lnSpc>
                 <a:spcPts val="2850"/>
               </a:lnSpc>
@@ -4434,7 +4657,7 @@
           <a:bodyPr wrap="none" lIns="0" tIns="0" rIns="0" bIns="0" rtlCol="0" anchor="t"/>
           <a:lstStyle/>
           <a:p>
-            <a:pPr algn="l" indent="0" marL="0">
+            <a:pPr marL="0" indent="0" algn="l">
               <a:lnSpc>
                 <a:spcPts val="2850"/>
               </a:lnSpc>
@@ -4476,7 +4699,7 @@
           <a:bodyPr wrap="none" lIns="0" tIns="0" rIns="0" bIns="0" rtlCol="0" anchor="t"/>
           <a:lstStyle/>
           <a:p>
-            <a:pPr algn="l" indent="0" marL="0">
+            <a:pPr marL="0" indent="0" algn="l">
               <a:lnSpc>
                 <a:spcPts val="2850"/>
               </a:lnSpc>
@@ -4540,7 +4763,7 @@
           <a:bodyPr wrap="none" lIns="0" tIns="0" rIns="0" bIns="0" rtlCol="0" anchor="t"/>
           <a:lstStyle/>
           <a:p>
-            <a:pPr algn="l" indent="0" marL="0">
+            <a:pPr marL="0" indent="0" algn="l">
               <a:lnSpc>
                 <a:spcPts val="2850"/>
               </a:lnSpc>
@@ -4582,7 +4805,7 @@
           <a:bodyPr wrap="none" lIns="0" tIns="0" rIns="0" bIns="0" rtlCol="0" anchor="t"/>
           <a:lstStyle/>
           <a:p>
-            <a:pPr algn="l" indent="0" marL="0">
+            <a:pPr marL="0" indent="0" algn="l">
               <a:lnSpc>
                 <a:spcPts val="2850"/>
               </a:lnSpc>
@@ -4646,7 +4869,7 @@
           <a:bodyPr wrap="none" lIns="0" tIns="0" rIns="0" bIns="0" rtlCol="0" anchor="t"/>
           <a:lstStyle/>
           <a:p>
-            <a:pPr algn="l" indent="0" marL="0">
+            <a:pPr marL="0" indent="0" algn="l">
               <a:lnSpc>
                 <a:spcPts val="2850"/>
               </a:lnSpc>
@@ -4688,7 +4911,7 @@
           <a:bodyPr wrap="none" lIns="0" tIns="0" rIns="0" bIns="0" rtlCol="0" anchor="t"/>
           <a:lstStyle/>
           <a:p>
-            <a:pPr algn="l" indent="0" marL="0">
+            <a:pPr marL="0" indent="0" algn="l">
               <a:lnSpc>
                 <a:spcPts val="2850"/>
               </a:lnSpc>
@@ -4706,6 +4929,60 @@
               <a:t>어</a:t>
             </a:r>
             <a:endParaRPr lang="en-US" sz="1750" dirty="0"/>
+          </a:p>
+        </p:txBody>
+      </p:sp>
+      <p:sp>
+        <p:nvSpPr>
+          <p:cNvPr id="20" name="직사각형 19">
+            <a:extLst>
+              <a:ext uri="{FF2B5EF4-FFF2-40B4-BE49-F238E27FC236}">
+                <a16:creationId xmlns:a16="http://schemas.microsoft.com/office/drawing/2014/main" id="{4F3FFEB8-4C88-23CB-45B3-9E7E0868CD94}"/>
+              </a:ext>
+            </a:extLst>
+          </p:cNvPr>
+          <p:cNvSpPr/>
+          <p:nvPr/>
+        </p:nvSpPr>
+        <p:spPr>
+          <a:xfrm>
+            <a:off x="12851296" y="7742583"/>
+            <a:ext cx="1679713" cy="367747"/>
+          </a:xfrm>
+          <a:prstGeom prst="rect">
+            <a:avLst/>
+          </a:prstGeom>
+          <a:solidFill>
+            <a:schemeClr val="bg1"/>
+          </a:solidFill>
+          <a:ln>
+            <a:solidFill>
+              <a:schemeClr val="bg1"/>
+            </a:solidFill>
+          </a:ln>
+        </p:spPr>
+        <p:style>
+          <a:lnRef idx="2">
+            <a:schemeClr val="accent1">
+              <a:shade val="15000"/>
+            </a:schemeClr>
+          </a:lnRef>
+          <a:fillRef idx="1">
+            <a:schemeClr val="accent1"/>
+          </a:fillRef>
+          <a:effectRef idx="0">
+            <a:schemeClr val="accent1"/>
+          </a:effectRef>
+          <a:fontRef idx="minor">
+            <a:schemeClr val="lt1"/>
+          </a:fontRef>
+        </p:style>
+        <p:txBody>
+          <a:bodyPr rtlCol="0" anchor="ctr"/>
+          <a:lstStyle/>
+          <a:p>
+            <a:pPr algn="ctr"/>
+            <a:endParaRPr lang="ko-KR" altLang="en-US"/>
           </a:p>
         </p:txBody>
       </p:sp>
@@ -4736,14 +5013,14 @@
       </p:grpSpPr>
       <p:pic>
         <p:nvPicPr>
-          <p:cNvPr id="2" name="Image 0" descr="preencoded.png">    </p:cNvPr>
+          <p:cNvPr id="2" name="Image 0" descr="preencoded.png"/>
           <p:cNvPicPr>
             <a:picLocks noChangeAspect="1"/>
           </p:cNvPicPr>
           <p:nvPr/>
         </p:nvPicPr>
         <p:blipFill>
-          <a:blip r:embed="rId1"/>
+          <a:blip r:embed="rId3"/>
           <a:stretch>
             <a:fillRect/>
           </a:stretch>
@@ -4779,7 +5056,7 @@
           <a:bodyPr wrap="none" lIns="0" tIns="0" rIns="0" bIns="0" rtlCol="0" anchor="t"/>
           <a:lstStyle/>
           <a:p>
-            <a:pPr algn="l" indent="0" marL="0">
+            <a:pPr marL="0" indent="0" algn="l">
               <a:lnSpc>
                 <a:spcPts val="5550"/>
               </a:lnSpc>
@@ -4797,6 +5074,60 @@
               <a:t>감사합니다</a:t>
             </a:r>
             <a:endParaRPr lang="en-US" sz="4450" dirty="0"/>
+          </a:p>
+        </p:txBody>
+      </p:sp>
+      <p:sp>
+        <p:nvSpPr>
+          <p:cNvPr id="4" name="직사각형 3">
+            <a:extLst>
+              <a:ext uri="{FF2B5EF4-FFF2-40B4-BE49-F238E27FC236}">
+                <a16:creationId xmlns:a16="http://schemas.microsoft.com/office/drawing/2014/main" id="{618F0E9F-725F-100C-9292-F9177FBFC3C6}"/>
+              </a:ext>
+            </a:extLst>
+          </p:cNvPr>
+          <p:cNvSpPr/>
+          <p:nvPr/>
+        </p:nvSpPr>
+        <p:spPr>
+          <a:xfrm>
+            <a:off x="12831417" y="7792278"/>
+            <a:ext cx="1798983" cy="357809"/>
+          </a:xfrm>
+          <a:prstGeom prst="rect">
+            <a:avLst/>
+          </a:prstGeom>
+          <a:solidFill>
+            <a:schemeClr val="bg1"/>
+          </a:solidFill>
+          <a:ln>
+            <a:solidFill>
+              <a:schemeClr val="bg1"/>
+            </a:solidFill>
+          </a:ln>
+        </p:spPr>
+        <p:style>
+          <a:lnRef idx="2">
+            <a:schemeClr val="accent1">
+              <a:shade val="15000"/>
+            </a:schemeClr>
+          </a:lnRef>
+          <a:fillRef idx="1">
+            <a:schemeClr val="accent1"/>
+          </a:fillRef>
+          <a:effectRef idx="0">
+            <a:schemeClr val="accent1"/>
+          </a:effectRef>
+          <a:fontRef idx="minor">
+            <a:schemeClr val="lt1"/>
+          </a:fontRef>
+        </p:style>
+        <p:txBody>
+          <a:bodyPr rtlCol="0" anchor="ctr"/>
+          <a:lstStyle/>
+          <a:p>
+            <a:pPr algn="ctr"/>
+            <a:endParaRPr lang="ko-KR" altLang="en-US"/>
           </a:p>
         </p:txBody>
       </p:sp>
@@ -5101,4 +5432,299 @@
     </a:ext>
   </a:extLst>
 </a:theme>
+</file>
+
+<file path=ppt/theme/theme2.xml><?xml version="1.0" encoding="utf-8"?>
+<a:theme xmlns:a="http://schemas.openxmlformats.org/drawingml/2006/main" name="Office 테마">
+  <a:themeElements>
+    <a:clrScheme name="Office">
+      <a:dk1>
+        <a:sysClr val="windowText" lastClr="000000"/>
+      </a:dk1>
+      <a:lt1>
+        <a:sysClr val="window" lastClr="FFFFFF"/>
+      </a:lt1>
+      <a:dk2>
+        <a:srgbClr val="44546A"/>
+      </a:dk2>
+      <a:lt2>
+        <a:srgbClr val="E7E6E6"/>
+      </a:lt2>
+      <a:accent1>
+        <a:srgbClr val="4472C4"/>
+      </a:accent1>
+      <a:accent2>
+        <a:srgbClr val="ED7D31"/>
+      </a:accent2>
+      <a:accent3>
+        <a:srgbClr val="A5A5A5"/>
+      </a:accent3>
+      <a:accent4>
+        <a:srgbClr val="FFC000"/>
+      </a:accent4>
+      <a:accent5>
+        <a:srgbClr val="5B9BD5"/>
+      </a:accent5>
+      <a:accent6>
+        <a:srgbClr val="70AD47"/>
+      </a:accent6>
+      <a:hlink>
+        <a:srgbClr val="0563C1"/>
+      </a:hlink>
+      <a:folHlink>
+        <a:srgbClr val="954F72"/>
+      </a:folHlink>
+    </a:clrScheme>
+    <a:fontScheme name="Office">
+      <a:majorFont>
+        <a:latin typeface="맑은 고딕" panose="020F0302020204030204"/>
+        <a:ea typeface=""/>
+        <a:cs typeface=""/>
+        <a:font script="Jpan" typeface="游ゴシック Light"/>
+        <a:font script="Hang" typeface="맑은 고딕"/>
+        <a:font script="Hans" typeface="等线 Light"/>
+        <a:font script="Hant" typeface="新細明體"/>
+        <a:font script="Arab" typeface="Times New Roman"/>
+        <a:font script="Hebr" typeface="Times New Roman"/>
+        <a:font script="Thai" typeface="Angsana New"/>
+        <a:font script="Ethi" typeface="Nyala"/>
+        <a:font script="Beng" typeface="Vrinda"/>
+        <a:font script="Gujr" typeface="Shruti"/>
+        <a:font script="Khmr" typeface="MoolBoran"/>
+        <a:font script="Knda" typeface="Tunga"/>
+        <a:font script="Guru" typeface="Raavi"/>
+        <a:font script="Cans" typeface="Euphemia"/>
+        <a:font script="Cher" typeface="Plantagenet Cherokee"/>
+        <a:font script="Yiii" typeface="Microsoft Yi Baiti"/>
+        <a:font script="Tibt" typeface="Microsoft Himalaya"/>
+        <a:font script="Thaa" typeface="MV Boli"/>
+        <a:font script="Deva" typeface="Mangal"/>
+        <a:font script="Telu" typeface="Gautami"/>
+        <a:font script="Taml" typeface="Latha"/>
+        <a:font script="Syrc" typeface="Estrangelo Edessa"/>
+        <a:font script="Orya" typeface="Kalinga"/>
+        <a:font script="Mlym" typeface="Kartika"/>
+        <a:font script="Laoo" typeface="DokChampa"/>
+        <a:font script="Sinh" typeface="Iskoola Pota"/>
+        <a:font script="Mong" typeface="Mongolian Baiti"/>
+        <a:font script="Viet" typeface="Times New Roman"/>
+        <a:font script="Uigh" typeface="Microsoft Uighur"/>
+        <a:font script="Geor" typeface="Sylfaen"/>
+        <a:font script="Armn" typeface="Arial"/>
+        <a:font script="Bugi" typeface="Leelawadee UI"/>
+        <a:font script="Bopo" typeface="Microsoft JhengHei"/>
+        <a:font script="Java" typeface="Javanese Text"/>
+        <a:font script="Lisu" typeface="Segoe UI"/>
+        <a:font script="Mymr" typeface="Myanmar Text"/>
+        <a:font script="Nkoo" typeface="Ebrima"/>
+        <a:font script="Olck" typeface="Nirmala UI"/>
+        <a:font script="Osma" typeface="Ebrima"/>
+        <a:font script="Phag" typeface="Phagspa"/>
+        <a:font script="Syrn" typeface="Estrangelo Edessa"/>
+        <a:font script="Syrj" typeface="Estrangelo Edessa"/>
+        <a:font script="Syre" typeface="Estrangelo Edessa"/>
+        <a:font script="Sora" typeface="Nirmala UI"/>
+        <a:font script="Tale" typeface="Microsoft Tai Le"/>
+        <a:font script="Talu" typeface="Microsoft New Tai Lue"/>
+        <a:font script="Tfng" typeface="Ebrima"/>
+      </a:majorFont>
+      <a:minorFont>
+        <a:latin typeface="맑은 고딕" panose="020F0502020204030204"/>
+        <a:ea typeface=""/>
+        <a:cs typeface=""/>
+        <a:font script="Jpan" typeface="游ゴシック"/>
+        <a:font script="Hang" typeface="맑은 고딕"/>
+        <a:font script="Hans" typeface="等线"/>
+        <a:font script="Hant" typeface="新細明體"/>
+        <a:font script="Arab" typeface="Arial"/>
+        <a:font script="Hebr" typeface="Arial"/>
+        <a:font script="Thai" typeface="Cordia New"/>
+        <a:font script="Ethi" typeface="Nyala"/>
+        <a:font script="Beng" typeface="Vrinda"/>
+        <a:font script="Gujr" typeface="Shruti"/>
+        <a:font script="Khmr" typeface="DaunPenh"/>
+        <a:font script="Knda" typeface="Tunga"/>
+        <a:font script="Guru" typeface="Raavi"/>
+        <a:font script="Cans" typeface="Euphemia"/>
+        <a:font script="Cher" typeface="Plantagenet Cherokee"/>
+        <a:font script="Yiii" typeface="Microsoft Yi Baiti"/>
+        <a:font script="Tibt" typeface="Microsoft Himalaya"/>
+        <a:font script="Thaa" typeface="MV Boli"/>
+        <a:font script="Deva" typeface="Mangal"/>
+        <a:font script="Telu" typeface="Gautami"/>
+        <a:font script="Taml" typeface="Latha"/>
+        <a:font script="Syrc" typeface="Estrangelo Edessa"/>
+        <a:font script="Orya" typeface="Kalinga"/>
+        <a:font script="Mlym" typeface="Kartika"/>
+        <a:font script="Laoo" typeface="DokChampa"/>
+        <a:font script="Sinh" typeface="Iskoola Pota"/>
+        <a:font script="Mong" typeface="Mongolian Baiti"/>
+        <a:font script="Viet" typeface="Arial"/>
+        <a:font script="Uigh" typeface="Microsoft Uighur"/>
+        <a:font script="Geor" typeface="Sylfaen"/>
+        <a:font script="Armn" typeface="Arial"/>
+        <a:font script="Bugi" typeface="Leelawadee UI"/>
+        <a:font script="Bopo" typeface="Microsoft JhengHei"/>
+        <a:font script="Java" typeface="Javanese Text"/>
+        <a:font script="Lisu" typeface="Segoe UI"/>
+        <a:font script="Mymr" typeface="Myanmar Text"/>
+        <a:font script="Nkoo" typeface="Ebrima"/>
+        <a:font script="Olck" typeface="Nirmala UI"/>
+        <a:font script="Osma" typeface="Ebrima"/>
+        <a:font script="Phag" typeface="Phagspa"/>
+        <a:font script="Syrn" typeface="Estrangelo Edessa"/>
+        <a:font script="Syrj" typeface="Estrangelo Edessa"/>
+        <a:font script="Syre" typeface="Estrangelo Edessa"/>
+        <a:font script="Sora" typeface="Nirmala UI"/>
+        <a:font script="Tale" typeface="Microsoft Tai Le"/>
+        <a:font script="Talu" typeface="Microsoft New Tai Lue"/>
+        <a:font script="Tfng" typeface="Ebrima"/>
+      </a:minorFont>
+    </a:fontScheme>
+    <a:fmtScheme name="Office">
+      <a:fillStyleLst>
+        <a:solidFill>
+          <a:schemeClr val="phClr"/>
+        </a:solidFill>
+        <a:gradFill rotWithShape="1">
+          <a:gsLst>
+            <a:gs pos="0">
+              <a:schemeClr val="phClr">
+                <a:lumMod val="110000"/>
+                <a:satMod val="105000"/>
+                <a:tint val="67000"/>
+              </a:schemeClr>
+            </a:gs>
+            <a:gs pos="50000">
+              <a:schemeClr val="phClr">
+                <a:lumMod val="105000"/>
+                <a:satMod val="103000"/>
+                <a:tint val="73000"/>
+              </a:schemeClr>
+            </a:gs>
+            <a:gs pos="100000">
+              <a:schemeClr val="phClr">
+                <a:lumMod val="105000"/>
+                <a:satMod val="109000"/>
+                <a:tint val="81000"/>
+              </a:schemeClr>
+            </a:gs>
+          </a:gsLst>
+          <a:lin ang="5400000" scaled="0"/>
+        </a:gradFill>
+        <a:gradFill rotWithShape="1">
+          <a:gsLst>
+            <a:gs pos="0">
+              <a:schemeClr val="phClr">
+                <a:satMod val="103000"/>
+                <a:lumMod val="102000"/>
+                <a:tint val="94000"/>
+              </a:schemeClr>
+            </a:gs>
+            <a:gs pos="50000">
+              <a:schemeClr val="phClr">
+                <a:satMod val="110000"/>
+                <a:lumMod val="100000"/>
+                <a:shade val="100000"/>
+              </a:schemeClr>
+            </a:gs>
+            <a:gs pos="100000">
+              <a:schemeClr val="phClr">
+                <a:lumMod val="99000"/>
+                <a:satMod val="120000"/>
+                <a:shade val="78000"/>
+              </a:schemeClr>
+            </a:gs>
+          </a:gsLst>
+          <a:lin ang="5400000" scaled="0"/>
+        </a:gradFill>
+      </a:fillStyleLst>
+      <a:lnStyleLst>
+        <a:ln w="6350" cap="flat" cmpd="sng" algn="ctr">
+          <a:solidFill>
+            <a:schemeClr val="phClr"/>
+          </a:solidFill>
+          <a:prstDash val="solid"/>
+          <a:miter lim="800000"/>
+        </a:ln>
+        <a:ln w="12700" cap="flat" cmpd="sng" algn="ctr">
+          <a:solidFill>
+            <a:schemeClr val="phClr"/>
+          </a:solidFill>
+          <a:prstDash val="solid"/>
+          <a:miter lim="800000"/>
+        </a:ln>
+        <a:ln w="19050" cap="flat" cmpd="sng" algn="ctr">
+          <a:solidFill>
+            <a:schemeClr val="phClr"/>
+          </a:solidFill>
+          <a:prstDash val="solid"/>
+          <a:miter lim="800000"/>
+        </a:ln>
+      </a:lnStyleLst>
+      <a:effectStyleLst>
+        <a:effectStyle>
+          <a:effectLst/>
+        </a:effectStyle>
+        <a:effectStyle>
+          <a:effectLst/>
+        </a:effectStyle>
+        <a:effectStyle>
+          <a:effectLst>
+            <a:outerShdw blurRad="57150" dist="19050" dir="5400000" algn="ctr" rotWithShape="0">
+              <a:srgbClr val="000000">
+                <a:alpha val="63000"/>
+              </a:srgbClr>
+            </a:outerShdw>
+          </a:effectLst>
+        </a:effectStyle>
+      </a:effectStyleLst>
+      <a:bgFillStyleLst>
+        <a:solidFill>
+          <a:schemeClr val="phClr"/>
+        </a:solidFill>
+        <a:solidFill>
+          <a:schemeClr val="phClr">
+            <a:tint val="95000"/>
+            <a:satMod val="170000"/>
+          </a:schemeClr>
+        </a:solidFill>
+        <a:gradFill rotWithShape="1">
+          <a:gsLst>
+            <a:gs pos="0">
+              <a:schemeClr val="phClr">
+                <a:tint val="93000"/>
+                <a:satMod val="150000"/>
+                <a:shade val="98000"/>
+                <a:lumMod val="102000"/>
+              </a:schemeClr>
+            </a:gs>
+            <a:gs pos="50000">
+              <a:schemeClr val="phClr">
+                <a:tint val="98000"/>
+                <a:satMod val="130000"/>
+                <a:shade val="90000"/>
+                <a:lumMod val="103000"/>
+              </a:schemeClr>
+            </a:gs>
+            <a:gs pos="100000">
+              <a:schemeClr val="phClr">
+                <a:shade val="63000"/>
+                <a:satMod val="120000"/>
+              </a:schemeClr>
+            </a:gs>
+          </a:gsLst>
+          <a:lin ang="5400000" scaled="0"/>
+        </a:gradFill>
+      </a:bgFillStyleLst>
+    </a:fmtScheme>
+  </a:themeElements>
+  <a:objectDefaults/>
+  <a:extraClrSchemeLst/>
+  <a:extLst>
+    <a:ext uri="{05A4C25C-085E-4340-85A3-A5531E510DB2}">
+      <thm15:themeFamily xmlns:thm15="http://schemas.microsoft.com/office/thememl/2012/main" name="Office Theme" id="{62F939B6-93AF-4DB8-9C6B-D6C7DFDC589F}" vid="{4A3C46E8-61CC-4603-A589-7422A47A8E4A}"/>
+    </a:ext>
+  </a:extLst>
+</a:theme>
 </file>
--- a/tzjqc37h0bnimw7.pptx
+++ b/tzjqc37h0bnimw7.pptx
@@ -5,7 +5,7 @@
     <p:sldMasterId id="2147483648" r:id="rId1"/>
   </p:sldMasterIdLst>
   <p:notesMasterIdLst>
-    <p:notesMasterId r:id="rId11"/>
+    <p:notesMasterId r:id="rId13"/>
   </p:notesMasterIdLst>
   <p:sldIdLst>
     <p:sldId id="256" r:id="rId2"/>
@@ -14,9 +14,11 @@
     <p:sldId id="259" r:id="rId5"/>
     <p:sldId id="260" r:id="rId6"/>
     <p:sldId id="261" r:id="rId7"/>
-    <p:sldId id="262" r:id="rId8"/>
-    <p:sldId id="263" r:id="rId9"/>
-    <p:sldId id="264" r:id="rId10"/>
+    <p:sldId id="265" r:id="rId8"/>
+    <p:sldId id="266" r:id="rId9"/>
+    <p:sldId id="262" r:id="rId10"/>
+    <p:sldId id="263" r:id="rId11"/>
+    <p:sldId id="264" r:id="rId12"/>
   </p:sldIdLst>
   <p:sldSz cx="14630400" cy="8229600"/>
   <p:notesSz cx="8229600" cy="14630400"/>
@@ -121,6 +123,18 @@
     </p:ext>
   </p:extLst>
 </p:presentation>
+</file>
+
+<file path=ppt/commentAuthors.xml><?xml version="1.0" encoding="utf-8"?>
+<p:cmAuthorLst xmlns:a="http://schemas.openxmlformats.org/drawingml/2006/main" xmlns:r="http://schemas.openxmlformats.org/officeDocument/2006/relationships" xmlns:p="http://schemas.openxmlformats.org/presentationml/2006/main">
+  <p:cmAuthor id="1" name="성민 김" initials="성김" lastIdx="1" clrIdx="0">
+    <p:extLst>
+      <p:ext uri="{19B8F6BF-5375-455C-9EA6-DF929625EA0E}">
+        <p15:presenceInfo xmlns:p15="http://schemas.microsoft.com/office/powerpoint/2012/main" userId="f1b3579fd87a53af" providerId="Windows Live"/>
+      </p:ext>
+    </p:extLst>
+  </p:cmAuthor>
+</p:cmAuthorLst>
 </file>
 
 <file path=ppt/notesMasters/notesMaster1.xml><?xml version="1.0" encoding="utf-8"?>
@@ -332,6 +346,174 @@
 </p:notes>
 </file>
 
+<file path=ppt/notesSlides/notesSlide10.xml><?xml version="1.0" encoding="utf-8"?>
+<p:notes xmlns:a="http://schemas.openxmlformats.org/drawingml/2006/main" xmlns:r="http://schemas.openxmlformats.org/officeDocument/2006/relationships" xmlns:p="http://schemas.openxmlformats.org/presentationml/2006/main">
+  <p:cSld>
+    <p:spTree>
+      <p:nvGrpSpPr>
+        <p:cNvPr id="1" name=""/>
+        <p:cNvGrpSpPr/>
+        <p:nvPr/>
+      </p:nvGrpSpPr>
+      <p:grpSpPr>
+        <a:xfrm>
+          <a:off x="0" y="0"/>
+          <a:ext cx="0" cy="0"/>
+          <a:chOff x="0" y="0"/>
+          <a:chExt cx="0" cy="0"/>
+        </a:xfrm>
+      </p:grpSpPr>
+      <p:sp>
+        <p:nvSpPr>
+          <p:cNvPr id="2" name="Slide Image Placeholder 1"/>
+          <p:cNvSpPr>
+            <a:spLocks noGrp="1" noRot="1" noChangeAspect="1"/>
+          </p:cNvSpPr>
+          <p:nvPr>
+            <p:ph type="sldImg"/>
+          </p:nvPr>
+        </p:nvSpPr>
+        <p:spPr/>
+      </p:sp>
+      <p:sp>
+        <p:nvSpPr>
+          <p:cNvPr id="3" name="Notes Placeholder 2"/>
+          <p:cNvSpPr>
+            <a:spLocks noGrp="1"/>
+          </p:cNvSpPr>
+          <p:nvPr>
+            <p:ph type="body" idx="1"/>
+          </p:nvPr>
+        </p:nvSpPr>
+        <p:spPr/>
+        <p:txBody>
+          <a:bodyPr/>
+          <a:lstStyle/>
+          <a:p>
+            <a:endParaRPr lang="en-US" dirty="0"/>
+          </a:p>
+        </p:txBody>
+      </p:sp>
+      <p:sp>
+        <p:nvSpPr>
+          <p:cNvPr id="4" name="Slide Number Placeholder 3"/>
+          <p:cNvSpPr>
+            <a:spLocks noGrp="1"/>
+          </p:cNvSpPr>
+          <p:nvPr>
+            <p:ph type="sldNum" sz="quarter" idx="10"/>
+          </p:nvPr>
+        </p:nvSpPr>
+        <p:spPr/>
+        <p:txBody>
+          <a:bodyPr/>
+          <a:lstStyle/>
+          <a:p>
+            <a:fld id="{F7021451-1387-4CA6-816F-3879F97B5CBC}" type="slidenum">
+              <a:rPr lang="en-US"/>
+              <a:t>10</a:t>
+            </a:fld>
+            <a:endParaRPr lang="en-US"/>
+          </a:p>
+        </p:txBody>
+      </p:sp>
+    </p:spTree>
+    <p:extLst>
+      <p:ext uri="{BB962C8B-B14F-4D97-AF65-F5344CB8AC3E}">
+        <p14:creationId xmlns:p14="http://schemas.microsoft.com/office/powerpoint/2010/main" val="1024086991"/>
+      </p:ext>
+    </p:extLst>
+  </p:cSld>
+  <p:clrMapOvr>
+    <a:masterClrMapping/>
+  </p:clrMapOvr>
+</p:notes>
+</file>
+
+<file path=ppt/notesSlides/notesSlide11.xml><?xml version="1.0" encoding="utf-8"?>
+<p:notes xmlns:a="http://schemas.openxmlformats.org/drawingml/2006/main" xmlns:r="http://schemas.openxmlformats.org/officeDocument/2006/relationships" xmlns:p="http://schemas.openxmlformats.org/presentationml/2006/main">
+  <p:cSld>
+    <p:spTree>
+      <p:nvGrpSpPr>
+        <p:cNvPr id="1" name=""/>
+        <p:cNvGrpSpPr/>
+        <p:nvPr/>
+      </p:nvGrpSpPr>
+      <p:grpSpPr>
+        <a:xfrm>
+          <a:off x="0" y="0"/>
+          <a:ext cx="0" cy="0"/>
+          <a:chOff x="0" y="0"/>
+          <a:chExt cx="0" cy="0"/>
+        </a:xfrm>
+      </p:grpSpPr>
+      <p:sp>
+        <p:nvSpPr>
+          <p:cNvPr id="2" name="Slide Image Placeholder 1"/>
+          <p:cNvSpPr>
+            <a:spLocks noGrp="1" noRot="1" noChangeAspect="1"/>
+          </p:cNvSpPr>
+          <p:nvPr>
+            <p:ph type="sldImg"/>
+          </p:nvPr>
+        </p:nvSpPr>
+        <p:spPr/>
+      </p:sp>
+      <p:sp>
+        <p:nvSpPr>
+          <p:cNvPr id="3" name="Notes Placeholder 2"/>
+          <p:cNvSpPr>
+            <a:spLocks noGrp="1"/>
+          </p:cNvSpPr>
+          <p:nvPr>
+            <p:ph type="body" idx="1"/>
+          </p:nvPr>
+        </p:nvSpPr>
+        <p:spPr/>
+        <p:txBody>
+          <a:bodyPr/>
+          <a:lstStyle/>
+          <a:p>
+            <a:endParaRPr lang="en-US" dirty="0"/>
+          </a:p>
+        </p:txBody>
+      </p:sp>
+      <p:sp>
+        <p:nvSpPr>
+          <p:cNvPr id="4" name="Slide Number Placeholder 3"/>
+          <p:cNvSpPr>
+            <a:spLocks noGrp="1"/>
+          </p:cNvSpPr>
+          <p:nvPr>
+            <p:ph type="sldNum" sz="quarter" idx="10"/>
+          </p:nvPr>
+        </p:nvSpPr>
+        <p:spPr/>
+        <p:txBody>
+          <a:bodyPr/>
+          <a:lstStyle/>
+          <a:p>
+            <a:fld id="{F7021451-1387-4CA6-816F-3879F97B5CBC}" type="slidenum">
+              <a:rPr lang="en-US"/>
+              <a:t>11</a:t>
+            </a:fld>
+            <a:endParaRPr lang="en-US"/>
+          </a:p>
+        </p:txBody>
+      </p:sp>
+    </p:spTree>
+    <p:extLst>
+      <p:ext uri="{BB962C8B-B14F-4D97-AF65-F5344CB8AC3E}">
+        <p14:creationId xmlns:p14="http://schemas.microsoft.com/office/powerpoint/2010/main" val="1024086991"/>
+      </p:ext>
+    </p:extLst>
+  </p:cSld>
+  <p:clrMapOvr>
+    <a:masterClrMapping/>
+  </p:clrMapOvr>
+</p:notes>
+</file>
+
 <file path=ppt/notesSlides/notesSlide2.xml><?xml version="1.0" encoding="utf-8"?>
 <p:notes xmlns:a="http://schemas.openxmlformats.org/drawingml/2006/main" xmlns:r="http://schemas.openxmlformats.org/officeDocument/2006/relationships" xmlns:p="http://schemas.openxmlformats.org/presentationml/2006/main">
   <p:cSld>
@@ -757,7 +939,13 @@
   <p:cSld>
     <p:spTree>
       <p:nvGrpSpPr>
-        <p:cNvPr id="1" name=""/>
+        <p:cNvPr id="1" name="">
+          <a:extLst>
+            <a:ext uri="{FF2B5EF4-FFF2-40B4-BE49-F238E27FC236}">
+              <a16:creationId xmlns:a16="http://schemas.microsoft.com/office/drawing/2014/main" id="{FE767F69-6D53-C8AC-2C93-3747F4FA2F53}"/>
+            </a:ext>
+          </a:extLst>
+        </p:cNvPr>
         <p:cNvGrpSpPr/>
         <p:nvPr/>
       </p:nvGrpSpPr>
@@ -771,7 +959,13 @@
       </p:grpSpPr>
       <p:sp>
         <p:nvSpPr>
-          <p:cNvPr id="2" name="Slide Image Placeholder 1"/>
+          <p:cNvPr id="2" name="Slide Image Placeholder 1">
+            <a:extLst>
+              <a:ext uri="{FF2B5EF4-FFF2-40B4-BE49-F238E27FC236}">
+                <a16:creationId xmlns:a16="http://schemas.microsoft.com/office/drawing/2014/main" id="{6EBF2B01-BF4C-AB91-2A9D-09173564051D}"/>
+              </a:ext>
+            </a:extLst>
+          </p:cNvPr>
           <p:cNvSpPr>
             <a:spLocks noGrp="1" noRot="1" noChangeAspect="1"/>
           </p:cNvSpPr>
@@ -783,7 +977,13 @@
       </p:sp>
       <p:sp>
         <p:nvSpPr>
-          <p:cNvPr id="3" name="Notes Placeholder 2"/>
+          <p:cNvPr id="3" name="Notes Placeholder 2">
+            <a:extLst>
+              <a:ext uri="{FF2B5EF4-FFF2-40B4-BE49-F238E27FC236}">
+                <a16:creationId xmlns:a16="http://schemas.microsoft.com/office/drawing/2014/main" id="{3455E453-2CC7-8A75-55D0-2E3C9E1370AE}"/>
+              </a:ext>
+            </a:extLst>
+          </p:cNvPr>
           <p:cNvSpPr>
             <a:spLocks noGrp="1"/>
           </p:cNvSpPr>
@@ -802,7 +1002,13 @@
       </p:sp>
       <p:sp>
         <p:nvSpPr>
-          <p:cNvPr id="4" name="Slide Number Placeholder 3"/>
+          <p:cNvPr id="4" name="Slide Number Placeholder 3">
+            <a:extLst>
+              <a:ext uri="{FF2B5EF4-FFF2-40B4-BE49-F238E27FC236}">
+                <a16:creationId xmlns:a16="http://schemas.microsoft.com/office/drawing/2014/main" id="{39D8BB7A-B478-9445-6D1A-901572EF5C07}"/>
+              </a:ext>
+            </a:extLst>
+          </p:cNvPr>
           <p:cNvSpPr>
             <a:spLocks noGrp="1"/>
           </p:cNvSpPr>
@@ -826,7 +1032,7 @@
     </p:spTree>
     <p:extLst>
       <p:ext uri="{BB962C8B-B14F-4D97-AF65-F5344CB8AC3E}">
-        <p14:creationId xmlns:p14="http://schemas.microsoft.com/office/powerpoint/2010/main" val="1024086991"/>
+        <p14:creationId xmlns:p14="http://schemas.microsoft.com/office/powerpoint/2010/main" val="3062331386"/>
       </p:ext>
     </p:extLst>
   </p:cSld>
@@ -841,7 +1047,13 @@
   <p:cSld>
     <p:spTree>
       <p:nvGrpSpPr>
-        <p:cNvPr id="1" name=""/>
+        <p:cNvPr id="1" name="">
+          <a:extLst>
+            <a:ext uri="{FF2B5EF4-FFF2-40B4-BE49-F238E27FC236}">
+              <a16:creationId xmlns:a16="http://schemas.microsoft.com/office/drawing/2014/main" id="{3B7A6B28-3F30-B825-F873-21F55754E456}"/>
+            </a:ext>
+          </a:extLst>
+        </p:cNvPr>
         <p:cNvGrpSpPr/>
         <p:nvPr/>
       </p:nvGrpSpPr>
@@ -855,7 +1067,13 @@
       </p:grpSpPr>
       <p:sp>
         <p:nvSpPr>
-          <p:cNvPr id="2" name="Slide Image Placeholder 1"/>
+          <p:cNvPr id="2" name="Slide Image Placeholder 1">
+            <a:extLst>
+              <a:ext uri="{FF2B5EF4-FFF2-40B4-BE49-F238E27FC236}">
+                <a16:creationId xmlns:a16="http://schemas.microsoft.com/office/drawing/2014/main" id="{FEAEC610-6E5D-1647-3CEC-D62B83628E6A}"/>
+              </a:ext>
+            </a:extLst>
+          </p:cNvPr>
           <p:cNvSpPr>
             <a:spLocks noGrp="1" noRot="1" noChangeAspect="1"/>
           </p:cNvSpPr>
@@ -867,7 +1085,13 @@
       </p:sp>
       <p:sp>
         <p:nvSpPr>
-          <p:cNvPr id="3" name="Notes Placeholder 2"/>
+          <p:cNvPr id="3" name="Notes Placeholder 2">
+            <a:extLst>
+              <a:ext uri="{FF2B5EF4-FFF2-40B4-BE49-F238E27FC236}">
+                <a16:creationId xmlns:a16="http://schemas.microsoft.com/office/drawing/2014/main" id="{7F0CE87A-C7D8-EFC7-0DB6-509A9D8F5E04}"/>
+              </a:ext>
+            </a:extLst>
+          </p:cNvPr>
           <p:cNvSpPr>
             <a:spLocks noGrp="1"/>
           </p:cNvSpPr>
@@ -886,7 +1110,13 @@
       </p:sp>
       <p:sp>
         <p:nvSpPr>
-          <p:cNvPr id="4" name="Slide Number Placeholder 3"/>
+          <p:cNvPr id="4" name="Slide Number Placeholder 3">
+            <a:extLst>
+              <a:ext uri="{FF2B5EF4-FFF2-40B4-BE49-F238E27FC236}">
+                <a16:creationId xmlns:a16="http://schemas.microsoft.com/office/drawing/2014/main" id="{3FD52A4C-3848-D551-96E0-A029558AE6E4}"/>
+              </a:ext>
+            </a:extLst>
+          </p:cNvPr>
           <p:cNvSpPr>
             <a:spLocks noGrp="1"/>
           </p:cNvSpPr>
@@ -910,7 +1140,7 @@
     </p:spTree>
     <p:extLst>
       <p:ext uri="{BB962C8B-B14F-4D97-AF65-F5344CB8AC3E}">
-        <p14:creationId xmlns:p14="http://schemas.microsoft.com/office/powerpoint/2010/main" val="1024086991"/>
+        <p14:creationId xmlns:p14="http://schemas.microsoft.com/office/powerpoint/2010/main" val="273386671"/>
       </p:ext>
     </p:extLst>
   </p:cSld>
@@ -2424,6 +2654,853 @@
 </p:sld>
 </file>
 
+<file path=ppt/slides/slide10.xml><?xml version="1.0" encoding="utf-8"?>
+<p:sld xmlns:a="http://schemas.openxmlformats.org/drawingml/2006/main" xmlns:r="http://schemas.openxmlformats.org/officeDocument/2006/relationships" xmlns:p="http://schemas.openxmlformats.org/presentationml/2006/main">
+  <p:cSld name="Slide 8">
+    <p:spTree>
+      <p:nvGrpSpPr>
+        <p:cNvPr id="1" name=""/>
+        <p:cNvGrpSpPr/>
+        <p:nvPr/>
+      </p:nvGrpSpPr>
+      <p:grpSpPr>
+        <a:xfrm>
+          <a:off x="0" y="0"/>
+          <a:ext cx="0" cy="0"/>
+          <a:chOff x="0" y="0"/>
+          <a:chExt cx="0" cy="0"/>
+        </a:xfrm>
+      </p:grpSpPr>
+      <p:sp>
+        <p:nvSpPr>
+          <p:cNvPr id="2" name="Text 0"/>
+          <p:cNvSpPr/>
+          <p:nvPr/>
+        </p:nvSpPr>
+        <p:spPr>
+          <a:xfrm>
+            <a:off x="793790" y="1253609"/>
+            <a:ext cx="5670590" cy="708779"/>
+          </a:xfrm>
+          <a:prstGeom prst="rect">
+            <a:avLst/>
+          </a:prstGeom>
+          <a:noFill/>
+          <a:ln/>
+        </p:spPr>
+        <p:txBody>
+          <a:bodyPr wrap="none" lIns="0" tIns="0" rIns="0" bIns="0" rtlCol="0" anchor="t"/>
+          <a:lstStyle/>
+          <a:p>
+            <a:pPr marL="0" indent="0" algn="l">
+              <a:lnSpc>
+                <a:spcPts val="5550"/>
+              </a:lnSpc>
+              <a:buNone/>
+            </a:pPr>
+            <a:r>
+              <a:rPr lang="en-US" sz="4450" b="1" dirty="0">
+                <a:solidFill>
+                  <a:srgbClr val="000000"/>
+                </a:solidFill>
+                <a:latin typeface="Inter Bold" pitchFamily="34" charset="0"/>
+                <a:ea typeface="Inter Bold" pitchFamily="34" charset="-122"/>
+                <a:cs typeface="Inter Bold" pitchFamily="34" charset="-120"/>
+              </a:rPr>
+              <a:t>팀원 소개</a:t>
+            </a:r>
+            <a:endParaRPr lang="en-US" sz="4450" dirty="0"/>
+          </a:p>
+        </p:txBody>
+      </p:sp>
+      <p:pic>
+        <p:nvPicPr>
+          <p:cNvPr id="3" name="Image 0" descr="preencoded.png"/>
+          <p:cNvPicPr>
+            <a:picLocks noChangeAspect="1"/>
+          </p:cNvPicPr>
+          <p:nvPr/>
+        </p:nvPicPr>
+        <p:blipFill>
+          <a:blip r:embed="rId3"/>
+          <a:stretch>
+            <a:fillRect/>
+          </a:stretch>
+        </p:blipFill>
+        <p:spPr>
+          <a:xfrm>
+            <a:off x="793790" y="2557701"/>
+            <a:ext cx="6244709" cy="4163139"/>
+          </a:xfrm>
+          <a:prstGeom prst="rect">
+            <a:avLst/>
+          </a:prstGeom>
+        </p:spPr>
+      </p:pic>
+      <p:sp>
+        <p:nvSpPr>
+          <p:cNvPr id="4" name="Shape 1"/>
+          <p:cNvSpPr/>
+          <p:nvPr/>
+        </p:nvSpPr>
+        <p:spPr>
+          <a:xfrm>
+            <a:off x="7599521" y="2557701"/>
+            <a:ext cx="6244709" cy="3266837"/>
+          </a:xfrm>
+          <a:prstGeom prst="roundRect">
+            <a:avLst>
+              <a:gd name="adj" fmla="val 2916"/>
+            </a:avLst>
+          </a:prstGeom>
+          <a:noFill/>
+          <a:ln w="7620">
+            <a:solidFill>
+              <a:srgbClr val="000000">
+                <a:alpha val="8000"/>
+              </a:srgbClr>
+            </a:solidFill>
+            <a:prstDash val="solid"/>
+          </a:ln>
+        </p:spPr>
+      </p:sp>
+      <p:sp>
+        <p:nvSpPr>
+          <p:cNvPr id="5" name="Shape 2"/>
+          <p:cNvSpPr/>
+          <p:nvPr/>
+        </p:nvSpPr>
+        <p:spPr>
+          <a:xfrm>
+            <a:off x="7607141" y="2565321"/>
+            <a:ext cx="6229469" cy="650319"/>
+          </a:xfrm>
+          <a:prstGeom prst="rect">
+            <a:avLst/>
+          </a:prstGeom>
+          <a:solidFill>
+            <a:srgbClr val="FFFFFF">
+              <a:alpha val="4000"/>
+            </a:srgbClr>
+          </a:solidFill>
+          <a:ln/>
+        </p:spPr>
+      </p:sp>
+      <p:sp>
+        <p:nvSpPr>
+          <p:cNvPr id="6" name="Text 3"/>
+          <p:cNvSpPr/>
+          <p:nvPr/>
+        </p:nvSpPr>
+        <p:spPr>
+          <a:xfrm>
+            <a:off x="7834074" y="2709029"/>
+            <a:ext cx="2657237" cy="362903"/>
+          </a:xfrm>
+          <a:prstGeom prst="rect">
+            <a:avLst/>
+          </a:prstGeom>
+          <a:noFill/>
+          <a:ln/>
+        </p:spPr>
+        <p:txBody>
+          <a:bodyPr wrap="none" lIns="0" tIns="0" rIns="0" bIns="0" rtlCol="0" anchor="t"/>
+          <a:lstStyle/>
+          <a:p>
+            <a:pPr marL="0" indent="0" algn="l">
+              <a:lnSpc>
+                <a:spcPts val="2850"/>
+              </a:lnSpc>
+              <a:buNone/>
+            </a:pPr>
+            <a:r>
+              <a:rPr lang="en-US" sz="1750" dirty="0">
+                <a:solidFill>
+                  <a:srgbClr val="272525"/>
+                </a:solidFill>
+                <a:latin typeface="Inter" pitchFamily="34" charset="0"/>
+                <a:ea typeface="Inter" pitchFamily="34" charset="-122"/>
+                <a:cs typeface="Inter" pitchFamily="34" charset="-120"/>
+              </a:rPr>
+              <a:t>류동균</a:t>
+            </a:r>
+            <a:endParaRPr lang="en-US" sz="1750" dirty="0"/>
+          </a:p>
+        </p:txBody>
+      </p:sp>
+      <p:sp>
+        <p:nvSpPr>
+          <p:cNvPr id="7" name="Text 4"/>
+          <p:cNvSpPr/>
+          <p:nvPr/>
+        </p:nvSpPr>
+        <p:spPr>
+          <a:xfrm>
+            <a:off x="10952559" y="2709029"/>
+            <a:ext cx="2657237" cy="362903"/>
+          </a:xfrm>
+          <a:prstGeom prst="rect">
+            <a:avLst/>
+          </a:prstGeom>
+          <a:noFill/>
+          <a:ln/>
+        </p:spPr>
+        <p:txBody>
+          <a:bodyPr wrap="none" lIns="0" tIns="0" rIns="0" bIns="0" rtlCol="0" anchor="t"/>
+          <a:lstStyle/>
+          <a:p>
+            <a:pPr marL="0" indent="0" algn="l">
+              <a:lnSpc>
+                <a:spcPts val="2850"/>
+              </a:lnSpc>
+              <a:buNone/>
+            </a:pPr>
+            <a:r>
+              <a:rPr lang="en-US" sz="1750" dirty="0">
+                <a:solidFill>
+                  <a:srgbClr val="272525"/>
+                </a:solidFill>
+                <a:latin typeface="Inter" pitchFamily="34" charset="0"/>
+                <a:ea typeface="Inter" pitchFamily="34" charset="-122"/>
+                <a:cs typeface="Inter" pitchFamily="34" charset="-120"/>
+              </a:rPr>
+              <a:t>PM, QA</a:t>
+            </a:r>
+            <a:endParaRPr lang="en-US" sz="1750" dirty="0"/>
+          </a:p>
+        </p:txBody>
+      </p:sp>
+      <p:sp>
+        <p:nvSpPr>
+          <p:cNvPr id="8" name="Shape 5"/>
+          <p:cNvSpPr/>
+          <p:nvPr/>
+        </p:nvSpPr>
+        <p:spPr>
+          <a:xfrm>
+            <a:off x="7607141" y="3215640"/>
+            <a:ext cx="6229469" cy="650319"/>
+          </a:xfrm>
+          <a:prstGeom prst="rect">
+            <a:avLst/>
+          </a:prstGeom>
+          <a:solidFill>
+            <a:srgbClr val="000000">
+              <a:alpha val="4000"/>
+            </a:srgbClr>
+          </a:solidFill>
+          <a:ln/>
+        </p:spPr>
+      </p:sp>
+      <p:sp>
+        <p:nvSpPr>
+          <p:cNvPr id="9" name="Text 6"/>
+          <p:cNvSpPr/>
+          <p:nvPr/>
+        </p:nvSpPr>
+        <p:spPr>
+          <a:xfrm>
+            <a:off x="7834074" y="3359348"/>
+            <a:ext cx="2657237" cy="362903"/>
+          </a:xfrm>
+          <a:prstGeom prst="rect">
+            <a:avLst/>
+          </a:prstGeom>
+          <a:noFill/>
+          <a:ln/>
+        </p:spPr>
+        <p:txBody>
+          <a:bodyPr wrap="none" lIns="0" tIns="0" rIns="0" bIns="0" rtlCol="0" anchor="t"/>
+          <a:lstStyle/>
+          <a:p>
+            <a:pPr marL="0" indent="0" algn="l">
+              <a:lnSpc>
+                <a:spcPts val="2850"/>
+              </a:lnSpc>
+              <a:buNone/>
+            </a:pPr>
+            <a:r>
+              <a:rPr lang="en-US" sz="1750" dirty="0">
+                <a:solidFill>
+                  <a:srgbClr val="272525"/>
+                </a:solidFill>
+                <a:latin typeface="Inter" pitchFamily="34" charset="0"/>
+                <a:ea typeface="Inter" pitchFamily="34" charset="-122"/>
+                <a:cs typeface="Inter" pitchFamily="34" charset="-120"/>
+              </a:rPr>
+              <a:t>김호경</a:t>
+            </a:r>
+            <a:endParaRPr lang="en-US" sz="1750" dirty="0"/>
+          </a:p>
+        </p:txBody>
+      </p:sp>
+      <p:sp>
+        <p:nvSpPr>
+          <p:cNvPr id="10" name="Text 7"/>
+          <p:cNvSpPr/>
+          <p:nvPr/>
+        </p:nvSpPr>
+        <p:spPr>
+          <a:xfrm>
+            <a:off x="10952559" y="3359348"/>
+            <a:ext cx="2657237" cy="362903"/>
+          </a:xfrm>
+          <a:prstGeom prst="rect">
+            <a:avLst/>
+          </a:prstGeom>
+          <a:noFill/>
+          <a:ln/>
+        </p:spPr>
+        <p:txBody>
+          <a:bodyPr wrap="none" lIns="0" tIns="0" rIns="0" bIns="0" rtlCol="0" anchor="t"/>
+          <a:lstStyle/>
+          <a:p>
+            <a:pPr marL="0" indent="0" algn="l">
+              <a:lnSpc>
+                <a:spcPts val="2850"/>
+              </a:lnSpc>
+              <a:buNone/>
+            </a:pPr>
+            <a:r>
+              <a:rPr lang="en-US" sz="1750" dirty="0">
+                <a:solidFill>
+                  <a:srgbClr val="272525"/>
+                </a:solidFill>
+                <a:latin typeface="Inter" pitchFamily="34" charset="0"/>
+                <a:ea typeface="Inter" pitchFamily="34" charset="-122"/>
+                <a:cs typeface="Inter" pitchFamily="34" charset="-120"/>
+              </a:rPr>
+              <a:t>엔지니어</a:t>
+            </a:r>
+            <a:endParaRPr lang="en-US" sz="1750" dirty="0"/>
+          </a:p>
+        </p:txBody>
+      </p:sp>
+      <p:sp>
+        <p:nvSpPr>
+          <p:cNvPr id="11" name="Shape 8"/>
+          <p:cNvSpPr/>
+          <p:nvPr/>
+        </p:nvSpPr>
+        <p:spPr>
+          <a:xfrm>
+            <a:off x="7607141" y="3865959"/>
+            <a:ext cx="6229469" cy="650319"/>
+          </a:xfrm>
+          <a:prstGeom prst="rect">
+            <a:avLst/>
+          </a:prstGeom>
+          <a:solidFill>
+            <a:srgbClr val="FFFFFF">
+              <a:alpha val="4000"/>
+            </a:srgbClr>
+          </a:solidFill>
+          <a:ln/>
+        </p:spPr>
+      </p:sp>
+      <p:sp>
+        <p:nvSpPr>
+          <p:cNvPr id="12" name="Text 9"/>
+          <p:cNvSpPr/>
+          <p:nvPr/>
+        </p:nvSpPr>
+        <p:spPr>
+          <a:xfrm>
+            <a:off x="7834074" y="4009668"/>
+            <a:ext cx="2657237" cy="362903"/>
+          </a:xfrm>
+          <a:prstGeom prst="rect">
+            <a:avLst/>
+          </a:prstGeom>
+          <a:noFill/>
+          <a:ln/>
+        </p:spPr>
+        <p:txBody>
+          <a:bodyPr wrap="none" lIns="0" tIns="0" rIns="0" bIns="0" rtlCol="0" anchor="t"/>
+          <a:lstStyle/>
+          <a:p>
+            <a:pPr marL="0" indent="0" algn="l">
+              <a:lnSpc>
+                <a:spcPts val="2850"/>
+              </a:lnSpc>
+              <a:buNone/>
+            </a:pPr>
+            <a:r>
+              <a:rPr lang="en-US" sz="1750" dirty="0">
+                <a:solidFill>
+                  <a:srgbClr val="272525"/>
+                </a:solidFill>
+                <a:latin typeface="Inter" pitchFamily="34" charset="0"/>
+                <a:ea typeface="Inter" pitchFamily="34" charset="-122"/>
+                <a:cs typeface="Inter" pitchFamily="34" charset="-120"/>
+              </a:rPr>
+              <a:t>강인구</a:t>
+            </a:r>
+            <a:endParaRPr lang="en-US" sz="1750" dirty="0"/>
+          </a:p>
+        </p:txBody>
+      </p:sp>
+      <p:sp>
+        <p:nvSpPr>
+          <p:cNvPr id="13" name="Text 10"/>
+          <p:cNvSpPr/>
+          <p:nvPr/>
+        </p:nvSpPr>
+        <p:spPr>
+          <a:xfrm>
+            <a:off x="10952559" y="4009668"/>
+            <a:ext cx="2657237" cy="362903"/>
+          </a:xfrm>
+          <a:prstGeom prst="rect">
+            <a:avLst/>
+          </a:prstGeom>
+          <a:noFill/>
+          <a:ln/>
+        </p:spPr>
+        <p:txBody>
+          <a:bodyPr wrap="none" lIns="0" tIns="0" rIns="0" bIns="0" rtlCol="0" anchor="t"/>
+          <a:lstStyle/>
+          <a:p>
+            <a:pPr marL="0" indent="0" algn="l">
+              <a:lnSpc>
+                <a:spcPts val="2850"/>
+              </a:lnSpc>
+              <a:buNone/>
+            </a:pPr>
+            <a:r>
+              <a:rPr lang="en-US" sz="1750" dirty="0">
+                <a:solidFill>
+                  <a:srgbClr val="272525"/>
+                </a:solidFill>
+                <a:latin typeface="Inter" pitchFamily="34" charset="0"/>
+                <a:ea typeface="Inter" pitchFamily="34" charset="-122"/>
+                <a:cs typeface="Inter" pitchFamily="34" charset="-120"/>
+              </a:rPr>
+              <a:t>아트 디렉터</a:t>
+            </a:r>
+            <a:endParaRPr lang="en-US" sz="1750" dirty="0"/>
+          </a:p>
+        </p:txBody>
+      </p:sp>
+      <p:sp>
+        <p:nvSpPr>
+          <p:cNvPr id="14" name="Shape 11"/>
+          <p:cNvSpPr/>
+          <p:nvPr/>
+        </p:nvSpPr>
+        <p:spPr>
+          <a:xfrm>
+            <a:off x="7607141" y="4516279"/>
+            <a:ext cx="6229469" cy="650319"/>
+          </a:xfrm>
+          <a:prstGeom prst="rect">
+            <a:avLst/>
+          </a:prstGeom>
+          <a:solidFill>
+            <a:srgbClr val="000000">
+              <a:alpha val="4000"/>
+            </a:srgbClr>
+          </a:solidFill>
+          <a:ln/>
+        </p:spPr>
+      </p:sp>
+      <p:sp>
+        <p:nvSpPr>
+          <p:cNvPr id="15" name="Text 12"/>
+          <p:cNvSpPr/>
+          <p:nvPr/>
+        </p:nvSpPr>
+        <p:spPr>
+          <a:xfrm>
+            <a:off x="7834074" y="4659987"/>
+            <a:ext cx="2657237" cy="362903"/>
+          </a:xfrm>
+          <a:prstGeom prst="rect">
+            <a:avLst/>
+          </a:prstGeom>
+          <a:noFill/>
+          <a:ln/>
+        </p:spPr>
+        <p:txBody>
+          <a:bodyPr wrap="none" lIns="0" tIns="0" rIns="0" bIns="0" rtlCol="0" anchor="t"/>
+          <a:lstStyle/>
+          <a:p>
+            <a:pPr marL="0" indent="0" algn="l">
+              <a:lnSpc>
+                <a:spcPts val="2850"/>
+              </a:lnSpc>
+              <a:buNone/>
+            </a:pPr>
+            <a:r>
+              <a:rPr lang="en-US" sz="1750" dirty="0">
+                <a:solidFill>
+                  <a:srgbClr val="272525"/>
+                </a:solidFill>
+                <a:latin typeface="Inter" pitchFamily="34" charset="0"/>
+                <a:ea typeface="Inter" pitchFamily="34" charset="-122"/>
+                <a:cs typeface="Inter" pitchFamily="34" charset="-120"/>
+              </a:rPr>
+              <a:t>김성민</a:t>
+            </a:r>
+            <a:endParaRPr lang="en-US" sz="1750" dirty="0"/>
+          </a:p>
+        </p:txBody>
+      </p:sp>
+      <p:sp>
+        <p:nvSpPr>
+          <p:cNvPr id="16" name="Text 13"/>
+          <p:cNvSpPr/>
+          <p:nvPr/>
+        </p:nvSpPr>
+        <p:spPr>
+          <a:xfrm>
+            <a:off x="10952559" y="4659987"/>
+            <a:ext cx="2657237" cy="362903"/>
+          </a:xfrm>
+          <a:prstGeom prst="rect">
+            <a:avLst/>
+          </a:prstGeom>
+          <a:noFill/>
+          <a:ln/>
+        </p:spPr>
+        <p:txBody>
+          <a:bodyPr wrap="none" lIns="0" tIns="0" rIns="0" bIns="0" rtlCol="0" anchor="t"/>
+          <a:lstStyle/>
+          <a:p>
+            <a:pPr marL="0" indent="0" algn="l">
+              <a:lnSpc>
+                <a:spcPts val="2850"/>
+              </a:lnSpc>
+              <a:buNone/>
+            </a:pPr>
+            <a:r>
+              <a:rPr lang="en-US" sz="1750" dirty="0">
+                <a:solidFill>
+                  <a:srgbClr val="272525"/>
+                </a:solidFill>
+                <a:latin typeface="Inter" pitchFamily="34" charset="0"/>
+                <a:ea typeface="Inter" pitchFamily="34" charset="-122"/>
+                <a:cs typeface="Inter" pitchFamily="34" charset="-120"/>
+              </a:rPr>
+              <a:t>사운드 디렉터</a:t>
+            </a:r>
+            <a:endParaRPr lang="en-US" sz="1750" dirty="0"/>
+          </a:p>
+        </p:txBody>
+      </p:sp>
+      <p:sp>
+        <p:nvSpPr>
+          <p:cNvPr id="17" name="Shape 14"/>
+          <p:cNvSpPr/>
+          <p:nvPr/>
+        </p:nvSpPr>
+        <p:spPr>
+          <a:xfrm>
+            <a:off x="7607141" y="5166598"/>
+            <a:ext cx="6229469" cy="650319"/>
+          </a:xfrm>
+          <a:prstGeom prst="rect">
+            <a:avLst/>
+          </a:prstGeom>
+          <a:solidFill>
+            <a:srgbClr val="FFFFFF">
+              <a:alpha val="4000"/>
+            </a:srgbClr>
+          </a:solidFill>
+          <a:ln/>
+        </p:spPr>
+      </p:sp>
+      <p:sp>
+        <p:nvSpPr>
+          <p:cNvPr id="18" name="Text 15"/>
+          <p:cNvSpPr/>
+          <p:nvPr/>
+        </p:nvSpPr>
+        <p:spPr>
+          <a:xfrm>
+            <a:off x="7834074" y="5310307"/>
+            <a:ext cx="2657237" cy="362903"/>
+          </a:xfrm>
+          <a:prstGeom prst="rect">
+            <a:avLst/>
+          </a:prstGeom>
+          <a:noFill/>
+          <a:ln/>
+        </p:spPr>
+        <p:txBody>
+          <a:bodyPr wrap="none" lIns="0" tIns="0" rIns="0" bIns="0" rtlCol="0" anchor="t"/>
+          <a:lstStyle/>
+          <a:p>
+            <a:pPr marL="0" indent="0" algn="l">
+              <a:lnSpc>
+                <a:spcPts val="2850"/>
+              </a:lnSpc>
+              <a:buNone/>
+            </a:pPr>
+            <a:r>
+              <a:rPr lang="en-US" sz="1750" dirty="0">
+                <a:solidFill>
+                  <a:srgbClr val="272525"/>
+                </a:solidFill>
+                <a:latin typeface="Inter" pitchFamily="34" charset="0"/>
+                <a:ea typeface="Inter" pitchFamily="34" charset="-122"/>
+                <a:cs typeface="Inter" pitchFamily="34" charset="-120"/>
+              </a:rPr>
+              <a:t>이원진</a:t>
+            </a:r>
+            <a:endParaRPr lang="en-US" sz="1750" dirty="0"/>
+          </a:p>
+        </p:txBody>
+      </p:sp>
+      <p:sp>
+        <p:nvSpPr>
+          <p:cNvPr id="19" name="Text 16"/>
+          <p:cNvSpPr/>
+          <p:nvPr/>
+        </p:nvSpPr>
+        <p:spPr>
+          <a:xfrm>
+            <a:off x="10952559" y="5310307"/>
+            <a:ext cx="2657237" cy="362903"/>
+          </a:xfrm>
+          <a:prstGeom prst="rect">
+            <a:avLst/>
+          </a:prstGeom>
+          <a:noFill/>
+          <a:ln/>
+        </p:spPr>
+        <p:txBody>
+          <a:bodyPr wrap="none" lIns="0" tIns="0" rIns="0" bIns="0" rtlCol="0" anchor="t"/>
+          <a:lstStyle/>
+          <a:p>
+            <a:pPr marL="0" indent="0" algn="l">
+              <a:lnSpc>
+                <a:spcPts val="2850"/>
+              </a:lnSpc>
+              <a:buNone/>
+            </a:pPr>
+            <a:r>
+              <a:rPr lang="en-US" sz="1750" dirty="0">
+                <a:solidFill>
+                  <a:srgbClr val="272525"/>
+                </a:solidFill>
+                <a:latin typeface="Inter" pitchFamily="34" charset="0"/>
+                <a:ea typeface="Inter" pitchFamily="34" charset="-122"/>
+                <a:cs typeface="Inter" pitchFamily="34" charset="-120"/>
+              </a:rPr>
+              <a:t>어</a:t>
+            </a:r>
+            <a:endParaRPr lang="en-US" sz="1750" dirty="0"/>
+          </a:p>
+        </p:txBody>
+      </p:sp>
+      <p:sp>
+        <p:nvSpPr>
+          <p:cNvPr id="20" name="직사각형 19">
+            <a:extLst>
+              <a:ext uri="{FF2B5EF4-FFF2-40B4-BE49-F238E27FC236}">
+                <a16:creationId xmlns:a16="http://schemas.microsoft.com/office/drawing/2014/main" id="{4F3FFEB8-4C88-23CB-45B3-9E7E0868CD94}"/>
+              </a:ext>
+            </a:extLst>
+          </p:cNvPr>
+          <p:cNvSpPr/>
+          <p:nvPr/>
+        </p:nvSpPr>
+        <p:spPr>
+          <a:xfrm>
+            <a:off x="12851296" y="7742583"/>
+            <a:ext cx="1679713" cy="367747"/>
+          </a:xfrm>
+          <a:prstGeom prst="rect">
+            <a:avLst/>
+          </a:prstGeom>
+          <a:solidFill>
+            <a:schemeClr val="bg1"/>
+          </a:solidFill>
+          <a:ln>
+            <a:solidFill>
+              <a:schemeClr val="bg1"/>
+            </a:solidFill>
+          </a:ln>
+        </p:spPr>
+        <p:style>
+          <a:lnRef idx="2">
+            <a:schemeClr val="accent1">
+              <a:shade val="15000"/>
+            </a:schemeClr>
+          </a:lnRef>
+          <a:fillRef idx="1">
+            <a:schemeClr val="accent1"/>
+          </a:fillRef>
+          <a:effectRef idx="0">
+            <a:schemeClr val="accent1"/>
+          </a:effectRef>
+          <a:fontRef idx="minor">
+            <a:schemeClr val="lt1"/>
+          </a:fontRef>
+        </p:style>
+        <p:txBody>
+          <a:bodyPr rtlCol="0" anchor="ctr"/>
+          <a:lstStyle/>
+          <a:p>
+            <a:pPr algn="ctr"/>
+            <a:endParaRPr lang="ko-KR" altLang="en-US"/>
+          </a:p>
+        </p:txBody>
+      </p:sp>
+    </p:spTree>
+  </p:cSld>
+  <p:clrMapOvr>
+    <a:masterClrMapping/>
+  </p:clrMapOvr>
+</p:sld>
+</file>
+
+<file path=ppt/slides/slide11.xml><?xml version="1.0" encoding="utf-8"?>
+<p:sld xmlns:a="http://schemas.openxmlformats.org/drawingml/2006/main" xmlns:r="http://schemas.openxmlformats.org/officeDocument/2006/relationships" xmlns:p="http://schemas.openxmlformats.org/presentationml/2006/main">
+  <p:cSld name="Slide 9">
+    <p:spTree>
+      <p:nvGrpSpPr>
+        <p:cNvPr id="1" name=""/>
+        <p:cNvGrpSpPr/>
+        <p:nvPr/>
+      </p:nvGrpSpPr>
+      <p:grpSpPr>
+        <a:xfrm>
+          <a:off x="0" y="0"/>
+          <a:ext cx="0" cy="0"/>
+          <a:chOff x="0" y="0"/>
+          <a:chExt cx="0" cy="0"/>
+        </a:xfrm>
+      </p:grpSpPr>
+      <p:pic>
+        <p:nvPicPr>
+          <p:cNvPr id="2" name="Image 0" descr="preencoded.png"/>
+          <p:cNvPicPr>
+            <a:picLocks noChangeAspect="1"/>
+          </p:cNvPicPr>
+          <p:nvPr/>
+        </p:nvPicPr>
+        <p:blipFill>
+          <a:blip r:embed="rId3"/>
+          <a:stretch>
+            <a:fillRect/>
+          </a:stretch>
+        </p:blipFill>
+        <p:spPr>
+          <a:xfrm>
+            <a:off x="0" y="0"/>
+            <a:ext cx="5486400" cy="8229600"/>
+          </a:xfrm>
+          <a:prstGeom prst="rect">
+            <a:avLst/>
+          </a:prstGeom>
+        </p:spPr>
+      </p:pic>
+      <p:sp>
+        <p:nvSpPr>
+          <p:cNvPr id="3" name="Text 0"/>
+          <p:cNvSpPr/>
+          <p:nvPr/>
+        </p:nvSpPr>
+        <p:spPr>
+          <a:xfrm>
+            <a:off x="6280190" y="3760351"/>
+            <a:ext cx="5670590" cy="708779"/>
+          </a:xfrm>
+          <a:prstGeom prst="rect">
+            <a:avLst/>
+          </a:prstGeom>
+          <a:noFill/>
+          <a:ln/>
+        </p:spPr>
+        <p:txBody>
+          <a:bodyPr wrap="none" lIns="0" tIns="0" rIns="0" bIns="0" rtlCol="0" anchor="t"/>
+          <a:lstStyle/>
+          <a:p>
+            <a:pPr marL="0" indent="0" algn="l">
+              <a:lnSpc>
+                <a:spcPts val="5550"/>
+              </a:lnSpc>
+              <a:buNone/>
+            </a:pPr>
+            <a:r>
+              <a:rPr lang="en-US" sz="4450" b="1" dirty="0">
+                <a:solidFill>
+                  <a:srgbClr val="000000"/>
+                </a:solidFill>
+                <a:latin typeface="Inter Bold" pitchFamily="34" charset="0"/>
+                <a:ea typeface="Inter Bold" pitchFamily="34" charset="-122"/>
+                <a:cs typeface="Inter Bold" pitchFamily="34" charset="-120"/>
+              </a:rPr>
+              <a:t>감사합니다</a:t>
+            </a:r>
+            <a:endParaRPr lang="en-US" sz="4450" dirty="0"/>
+          </a:p>
+        </p:txBody>
+      </p:sp>
+      <p:sp>
+        <p:nvSpPr>
+          <p:cNvPr id="4" name="직사각형 3">
+            <a:extLst>
+              <a:ext uri="{FF2B5EF4-FFF2-40B4-BE49-F238E27FC236}">
+                <a16:creationId xmlns:a16="http://schemas.microsoft.com/office/drawing/2014/main" id="{618F0E9F-725F-100C-9292-F9177FBFC3C6}"/>
+              </a:ext>
+            </a:extLst>
+          </p:cNvPr>
+          <p:cNvSpPr/>
+          <p:nvPr/>
+        </p:nvSpPr>
+        <p:spPr>
+          <a:xfrm>
+            <a:off x="12831417" y="7792278"/>
+            <a:ext cx="1798983" cy="357809"/>
+          </a:xfrm>
+          <a:prstGeom prst="rect">
+            <a:avLst/>
+          </a:prstGeom>
+          <a:solidFill>
+            <a:schemeClr val="bg1"/>
+          </a:solidFill>
+          <a:ln>
+            <a:solidFill>
+              <a:schemeClr val="bg1"/>
+            </a:solidFill>
+          </a:ln>
+        </p:spPr>
+        <p:style>
+          <a:lnRef idx="2">
+            <a:schemeClr val="accent1">
+              <a:shade val="15000"/>
+            </a:schemeClr>
+          </a:lnRef>
+          <a:fillRef idx="1">
+            <a:schemeClr val="accent1"/>
+          </a:fillRef>
+          <a:effectRef idx="0">
+            <a:schemeClr val="accent1"/>
+          </a:effectRef>
+          <a:fontRef idx="minor">
+            <a:schemeClr val="lt1"/>
+          </a:fontRef>
+        </p:style>
+        <p:txBody>
+          <a:bodyPr rtlCol="0" anchor="ctr"/>
+          <a:lstStyle/>
+          <a:p>
+            <a:pPr algn="ctr"/>
+            <a:endParaRPr lang="ko-KR" altLang="en-US"/>
+          </a:p>
+        </p:txBody>
+      </p:sp>
+    </p:spTree>
+  </p:cSld>
+  <p:clrMapOvr>
+    <a:masterClrMapping/>
+  </p:clrMapOvr>
+</p:sld>
+</file>
+
 <file path=ppt/slides/slide2.xml><?xml version="1.0" encoding="utf-8"?>
 <p:sld xmlns:a="http://schemas.openxmlformats.org/drawingml/2006/main" xmlns:r="http://schemas.openxmlformats.org/officeDocument/2006/relationships" xmlns:p="http://schemas.openxmlformats.org/presentationml/2006/main">
   <p:cSld name="Slide 2">
@@ -3881,7 +4958,7 @@
         </p:nvSpPr>
         <p:spPr>
           <a:xfrm>
-            <a:off x="793790" y="2066330"/>
+            <a:off x="257077" y="353135"/>
             <a:ext cx="7825502" cy="978218"/>
           </a:xfrm>
           <a:prstGeom prst="rect">
@@ -3894,51 +4971,19 @@
           <a:bodyPr wrap="none" lIns="0" tIns="0" rIns="0" bIns="0" rtlCol="0" anchor="t"/>
           <a:lstStyle/>
           <a:p>
-            <a:pPr marL="0" indent="0" algn="l">
+            <a:pPr>
               <a:lnSpc>
                 <a:spcPts val="7700"/>
               </a:lnSpc>
-              <a:buNone/>
             </a:pPr>
             <a:r>
-              <a:rPr lang="en-US" sz="6150" b="1" dirty="0">
-                <a:solidFill>
-                  <a:srgbClr val="000000"/>
-                </a:solidFill>
-                <a:latin typeface="Inter Bold" pitchFamily="34" charset="0"/>
-                <a:ea typeface="Inter Bold" pitchFamily="34" charset="-122"/>
-                <a:cs typeface="Inter Bold" pitchFamily="34" charset="-120"/>
-              </a:rPr>
+              <a:rPr lang="ko-KR" altLang="en-US" sz="6150" dirty="0"/>
               <a:t>스크립트</a:t>
             </a:r>
-            <a:endParaRPr lang="en-US" sz="6150" dirty="0"/>
+            <a:endParaRPr lang="en-US" altLang="ko-KR" sz="6150" dirty="0"/>
           </a:p>
         </p:txBody>
       </p:sp>
-      <p:pic>
-        <p:nvPicPr>
-          <p:cNvPr id="3" name="Image 0" descr="preencoded.png"/>
-          <p:cNvPicPr>
-            <a:picLocks noChangeAspect="1"/>
-          </p:cNvPicPr>
-          <p:nvPr/>
-        </p:nvPicPr>
-        <p:blipFill>
-          <a:blip r:embed="rId3"/>
-          <a:stretch>
-            <a:fillRect/>
-          </a:stretch>
-        </p:blipFill>
-        <p:spPr>
-          <a:xfrm>
-            <a:off x="793790" y="3639860"/>
-            <a:ext cx="4082891" cy="2268260"/>
-          </a:xfrm>
-          <a:prstGeom prst="rect">
-            <a:avLst/>
-          </a:prstGeom>
-        </p:spPr>
-      </p:pic>
       <p:sp>
         <p:nvSpPr>
           <p:cNvPr id="4" name="Text 1"/>
@@ -3947,8 +4992,8 @@
         </p:nvSpPr>
         <p:spPr>
           <a:xfrm>
-            <a:off x="7599521" y="4136112"/>
-            <a:ext cx="5670590" cy="708779"/>
+            <a:off x="3673565" y="369680"/>
+            <a:ext cx="5670590" cy="1405952"/>
           </a:xfrm>
           <a:prstGeom prst="rect">
             <a:avLst/>
@@ -3960,22 +5005,26 @@
           <a:bodyPr wrap="none" lIns="0" tIns="0" rIns="0" bIns="0" rtlCol="0" anchor="t"/>
           <a:lstStyle/>
           <a:p>
-            <a:pPr marL="0" indent="0" algn="l">
+            <a:pPr>
               <a:lnSpc>
                 <a:spcPts val="5550"/>
               </a:lnSpc>
-              <a:buNone/>
             </a:pPr>
             <a:r>
-              <a:rPr lang="en-US" sz="4450" b="1" dirty="0">
-                <a:solidFill>
-                  <a:srgbClr val="000000"/>
-                </a:solidFill>
-                <a:latin typeface="Inter Bold" pitchFamily="34" charset="0"/>
-                <a:ea typeface="Inter Bold" pitchFamily="34" charset="-122"/>
-                <a:cs typeface="Inter Bold" pitchFamily="34" charset="-120"/>
-              </a:rPr>
+              <a:rPr lang="en-US" altLang="ko-KR" sz="4450" dirty="0" err="1"/>
               <a:t>GameManager</a:t>
+            </a:r>
+            <a:r>
+              <a:rPr lang="en-US" altLang="ko-KR" sz="4450" dirty="0"/>
+              <a:t>(</a:t>
+            </a:r>
+            <a:r>
+              <a:rPr lang="ko-KR" altLang="en-US" sz="4450" dirty="0"/>
+              <a:t>사운드</a:t>
+            </a:r>
+            <a:r>
+              <a:rPr lang="en-US" altLang="ko-KR" sz="4450" dirty="0"/>
+              <a:t>)</a:t>
             </a:r>
             <a:endParaRPr lang="en-US" sz="4450" dirty="0"/>
           </a:p>
@@ -4066,6 +5115,1330 @@
           </a:p>
         </p:txBody>
       </p:sp>
+      <p:sp>
+        <p:nvSpPr>
+          <p:cNvPr id="22" name="TextBox 21">
+            <a:extLst>
+              <a:ext uri="{FF2B5EF4-FFF2-40B4-BE49-F238E27FC236}">
+                <a16:creationId xmlns:a16="http://schemas.microsoft.com/office/drawing/2014/main" id="{5BD9CACA-3006-B68E-78E3-0723510A965F}"/>
+              </a:ext>
+            </a:extLst>
+          </p:cNvPr>
+          <p:cNvSpPr txBox="1"/>
+          <p:nvPr/>
+        </p:nvSpPr>
+        <p:spPr>
+          <a:xfrm>
+            <a:off x="8321118" y="2031860"/>
+            <a:ext cx="3361873" cy="369332"/>
+          </a:xfrm>
+          <a:prstGeom prst="rect">
+            <a:avLst/>
+          </a:prstGeom>
+          <a:noFill/>
+        </p:spPr>
+        <p:txBody>
+          <a:bodyPr wrap="square" rtlCol="0">
+            <a:spAutoFit/>
+          </a:bodyPr>
+          <a:lstStyle/>
+          <a:p>
+            <a:r>
+              <a:rPr lang="ko-KR" altLang="en-US" dirty="0"/>
+              <a:t>오디오 기본 </a:t>
+            </a:r>
+            <a:r>
+              <a:rPr lang="ko-KR" altLang="en-US" dirty="0" err="1"/>
+              <a:t>설정및</a:t>
+            </a:r>
+            <a:r>
+              <a:rPr lang="ko-KR" altLang="en-US" dirty="0"/>
+              <a:t> </a:t>
+            </a:r>
+            <a:r>
+              <a:rPr lang="en-US" altLang="ko-KR" dirty="0" err="1"/>
+              <a:t>Bgm</a:t>
+            </a:r>
+            <a:r>
+              <a:rPr lang="ko-KR" altLang="en-US" dirty="0"/>
+              <a:t>재생</a:t>
+            </a:r>
+          </a:p>
+        </p:txBody>
+      </p:sp>
+      <p:sp>
+        <p:nvSpPr>
+          <p:cNvPr id="24" name="TextBox 23">
+            <a:extLst>
+              <a:ext uri="{FF2B5EF4-FFF2-40B4-BE49-F238E27FC236}">
+                <a16:creationId xmlns:a16="http://schemas.microsoft.com/office/drawing/2014/main" id="{50F05A38-C27C-8862-F6BA-7513C03A6D9A}"/>
+              </a:ext>
+            </a:extLst>
+          </p:cNvPr>
+          <p:cNvSpPr txBox="1"/>
+          <p:nvPr/>
+        </p:nvSpPr>
+        <p:spPr>
+          <a:xfrm>
+            <a:off x="154210" y="1175879"/>
+            <a:ext cx="6860859" cy="3970318"/>
+          </a:xfrm>
+          <a:prstGeom prst="rect">
+            <a:avLst/>
+          </a:prstGeom>
+          <a:noFill/>
+        </p:spPr>
+        <p:txBody>
+          <a:bodyPr wrap="square">
+            <a:spAutoFit/>
+          </a:bodyPr>
+          <a:lstStyle/>
+          <a:p>
+            <a:r>
+              <a:rPr lang="en-US" altLang="ko-KR" sz="1800" dirty="0">
+                <a:solidFill>
+                  <a:srgbClr val="0000FF"/>
+                </a:solidFill>
+                <a:highlight>
+                  <a:srgbClr val="FFFFFF"/>
+                </a:highlight>
+                <a:latin typeface="돋움체" panose="020B0609000101010101" pitchFamily="49" charset="-127"/>
+                <a:ea typeface="돋움체" panose="020B0609000101010101" pitchFamily="49" charset="-127"/>
+              </a:rPr>
+              <a:t>if</a:t>
+            </a:r>
+            <a:r>
+              <a:rPr lang="en-US" altLang="ko-KR" sz="1800" dirty="0">
+                <a:solidFill>
+                  <a:srgbClr val="000000"/>
+                </a:solidFill>
+                <a:highlight>
+                  <a:srgbClr val="FFFFFF"/>
+                </a:highlight>
+                <a:latin typeface="돋움체" panose="020B0609000101010101" pitchFamily="49" charset="-127"/>
+                <a:ea typeface="돋움체" panose="020B0609000101010101" pitchFamily="49" charset="-127"/>
+              </a:rPr>
+              <a:t> (!</a:t>
+            </a:r>
+            <a:r>
+              <a:rPr lang="en-US" altLang="ko-KR" sz="1800" dirty="0" err="1">
+                <a:solidFill>
+                  <a:srgbClr val="000000"/>
+                </a:solidFill>
+                <a:highlight>
+                  <a:srgbClr val="FFFFFF"/>
+                </a:highlight>
+                <a:latin typeface="돋움체" panose="020B0609000101010101" pitchFamily="49" charset="-127"/>
+                <a:ea typeface="돋움체" panose="020B0609000101010101" pitchFamily="49" charset="-127"/>
+              </a:rPr>
+              <a:t>instance.bgmAudioSource.isPlaying</a:t>
+            </a:r>
+            <a:r>
+              <a:rPr lang="en-US" altLang="ko-KR" sz="1800" dirty="0">
+                <a:solidFill>
+                  <a:srgbClr val="000000"/>
+                </a:solidFill>
+                <a:highlight>
+                  <a:srgbClr val="FFFFFF"/>
+                </a:highlight>
+                <a:latin typeface="돋움체" panose="020B0609000101010101" pitchFamily="49" charset="-127"/>
+                <a:ea typeface="돋움체" panose="020B0609000101010101" pitchFamily="49" charset="-127"/>
+              </a:rPr>
+              <a:t>)</a:t>
+            </a:r>
+          </a:p>
+          <a:p>
+            <a:r>
+              <a:rPr lang="ko-KR" altLang="en-US" sz="1800" dirty="0">
+                <a:solidFill>
+                  <a:srgbClr val="000000"/>
+                </a:solidFill>
+                <a:highlight>
+                  <a:srgbClr val="FFFFFF"/>
+                </a:highlight>
+                <a:latin typeface="돋움체" panose="020B0609000101010101" pitchFamily="49" charset="-127"/>
+                <a:ea typeface="돋움체" panose="020B0609000101010101" pitchFamily="49" charset="-127"/>
+              </a:rPr>
+              <a:t>    </a:t>
+            </a:r>
+            <a:r>
+              <a:rPr lang="en-US" altLang="ko-KR" sz="1800" dirty="0">
+                <a:solidFill>
+                  <a:srgbClr val="000000"/>
+                </a:solidFill>
+                <a:highlight>
+                  <a:srgbClr val="FFFFFF"/>
+                </a:highlight>
+                <a:latin typeface="돋움체" panose="020B0609000101010101" pitchFamily="49" charset="-127"/>
+                <a:ea typeface="돋움체" panose="020B0609000101010101" pitchFamily="49" charset="-127"/>
+              </a:rPr>
+              <a:t>{</a:t>
+            </a:r>
+          </a:p>
+          <a:p>
+            <a:r>
+              <a:rPr lang="en-US" altLang="ko-KR" sz="1800" dirty="0">
+                <a:solidFill>
+                  <a:srgbClr val="000000"/>
+                </a:solidFill>
+                <a:highlight>
+                  <a:srgbClr val="FFFFFF"/>
+                </a:highlight>
+                <a:latin typeface="돋움체" panose="020B0609000101010101" pitchFamily="49" charset="-127"/>
+                <a:ea typeface="돋움체" panose="020B0609000101010101" pitchFamily="49" charset="-127"/>
+              </a:rPr>
+              <a:t>        </a:t>
+            </a:r>
+            <a:r>
+              <a:rPr lang="en-US" altLang="ko-KR" sz="1800" dirty="0" err="1">
+                <a:solidFill>
+                  <a:srgbClr val="000000"/>
+                </a:solidFill>
+                <a:highlight>
+                  <a:srgbClr val="FFFFFF"/>
+                </a:highlight>
+                <a:latin typeface="돋움체" panose="020B0609000101010101" pitchFamily="49" charset="-127"/>
+                <a:ea typeface="돋움체" panose="020B0609000101010101" pitchFamily="49" charset="-127"/>
+              </a:rPr>
+              <a:t>instance.bgmAudioSource.clip</a:t>
+            </a:r>
+            <a:r>
+              <a:rPr lang="en-US" altLang="ko-KR" sz="1800" dirty="0">
+                <a:solidFill>
+                  <a:srgbClr val="000000"/>
+                </a:solidFill>
+                <a:highlight>
+                  <a:srgbClr val="FFFFFF"/>
+                </a:highlight>
+                <a:latin typeface="돋움체" panose="020B0609000101010101" pitchFamily="49" charset="-127"/>
+                <a:ea typeface="돋움체" panose="020B0609000101010101" pitchFamily="49" charset="-127"/>
+              </a:rPr>
+              <a:t> = </a:t>
+            </a:r>
+            <a:r>
+              <a:rPr lang="en-US" altLang="ko-KR" sz="1800" dirty="0" err="1">
+                <a:solidFill>
+                  <a:srgbClr val="000000"/>
+                </a:solidFill>
+                <a:highlight>
+                  <a:srgbClr val="FFFFFF"/>
+                </a:highlight>
+                <a:latin typeface="돋움체" panose="020B0609000101010101" pitchFamily="49" charset="-127"/>
+                <a:ea typeface="돋움체" panose="020B0609000101010101" pitchFamily="49" charset="-127"/>
+              </a:rPr>
+              <a:t>normalBGM</a:t>
+            </a:r>
+            <a:r>
+              <a:rPr lang="en-US" altLang="ko-KR" sz="1800" dirty="0">
+                <a:solidFill>
+                  <a:srgbClr val="000000"/>
+                </a:solidFill>
+                <a:highlight>
+                  <a:srgbClr val="FFFFFF"/>
+                </a:highlight>
+                <a:latin typeface="돋움체" panose="020B0609000101010101" pitchFamily="49" charset="-127"/>
+                <a:ea typeface="돋움체" panose="020B0609000101010101" pitchFamily="49" charset="-127"/>
+              </a:rPr>
+              <a:t>;</a:t>
+            </a:r>
+          </a:p>
+          <a:p>
+            <a:r>
+              <a:rPr lang="en-US" altLang="ko-KR" sz="1800" dirty="0">
+                <a:solidFill>
+                  <a:srgbClr val="000000"/>
+                </a:solidFill>
+                <a:highlight>
+                  <a:srgbClr val="FFFFFF"/>
+                </a:highlight>
+                <a:latin typeface="돋움체" panose="020B0609000101010101" pitchFamily="49" charset="-127"/>
+                <a:ea typeface="돋움체" panose="020B0609000101010101" pitchFamily="49" charset="-127"/>
+              </a:rPr>
+              <a:t>        </a:t>
+            </a:r>
+            <a:r>
+              <a:rPr lang="en-US" altLang="ko-KR" sz="1800" dirty="0" err="1">
+                <a:solidFill>
+                  <a:srgbClr val="000000"/>
+                </a:solidFill>
+                <a:highlight>
+                  <a:srgbClr val="FFFFFF"/>
+                </a:highlight>
+                <a:latin typeface="돋움체" panose="020B0609000101010101" pitchFamily="49" charset="-127"/>
+                <a:ea typeface="돋움체" panose="020B0609000101010101" pitchFamily="49" charset="-127"/>
+              </a:rPr>
+              <a:t>instance.bgmAudioSource.loop</a:t>
+            </a:r>
+            <a:r>
+              <a:rPr lang="en-US" altLang="ko-KR" sz="1800" dirty="0">
+                <a:solidFill>
+                  <a:srgbClr val="000000"/>
+                </a:solidFill>
+                <a:highlight>
+                  <a:srgbClr val="FFFFFF"/>
+                </a:highlight>
+                <a:latin typeface="돋움체" panose="020B0609000101010101" pitchFamily="49" charset="-127"/>
+                <a:ea typeface="돋움체" panose="020B0609000101010101" pitchFamily="49" charset="-127"/>
+              </a:rPr>
+              <a:t> = </a:t>
+            </a:r>
+            <a:r>
+              <a:rPr lang="en-US" altLang="ko-KR" sz="1800" dirty="0">
+                <a:solidFill>
+                  <a:srgbClr val="0000FF"/>
+                </a:solidFill>
+                <a:highlight>
+                  <a:srgbClr val="FFFFFF"/>
+                </a:highlight>
+                <a:latin typeface="돋움체" panose="020B0609000101010101" pitchFamily="49" charset="-127"/>
+                <a:ea typeface="돋움체" panose="020B0609000101010101" pitchFamily="49" charset="-127"/>
+              </a:rPr>
+              <a:t>true</a:t>
+            </a:r>
+            <a:r>
+              <a:rPr lang="en-US" altLang="ko-KR" sz="1800" dirty="0">
+                <a:solidFill>
+                  <a:srgbClr val="000000"/>
+                </a:solidFill>
+                <a:highlight>
+                  <a:srgbClr val="FFFFFF"/>
+                </a:highlight>
+                <a:latin typeface="돋움체" panose="020B0609000101010101" pitchFamily="49" charset="-127"/>
+                <a:ea typeface="돋움체" panose="020B0609000101010101" pitchFamily="49" charset="-127"/>
+              </a:rPr>
+              <a:t>;</a:t>
+            </a:r>
+          </a:p>
+          <a:p>
+            <a:r>
+              <a:rPr lang="en-US" altLang="ko-KR" sz="1800" dirty="0">
+                <a:solidFill>
+                  <a:srgbClr val="000000"/>
+                </a:solidFill>
+                <a:highlight>
+                  <a:srgbClr val="FFFFFF"/>
+                </a:highlight>
+                <a:latin typeface="돋움체" panose="020B0609000101010101" pitchFamily="49" charset="-127"/>
+                <a:ea typeface="돋움체" panose="020B0609000101010101" pitchFamily="49" charset="-127"/>
+              </a:rPr>
+              <a:t>        </a:t>
+            </a:r>
+            <a:r>
+              <a:rPr lang="en-US" altLang="ko-KR" sz="1800" dirty="0" err="1">
+                <a:solidFill>
+                  <a:srgbClr val="000000"/>
+                </a:solidFill>
+                <a:highlight>
+                  <a:srgbClr val="FFFFFF"/>
+                </a:highlight>
+                <a:latin typeface="돋움체" panose="020B0609000101010101" pitchFamily="49" charset="-127"/>
+                <a:ea typeface="돋움체" panose="020B0609000101010101" pitchFamily="49" charset="-127"/>
+              </a:rPr>
+              <a:t>instance.bgmAudioSource.volume</a:t>
+            </a:r>
+            <a:r>
+              <a:rPr lang="en-US" altLang="ko-KR" sz="1800" dirty="0">
+                <a:solidFill>
+                  <a:srgbClr val="000000"/>
+                </a:solidFill>
+                <a:highlight>
+                  <a:srgbClr val="FFFFFF"/>
+                </a:highlight>
+                <a:latin typeface="돋움체" panose="020B0609000101010101" pitchFamily="49" charset="-127"/>
+                <a:ea typeface="돋움체" panose="020B0609000101010101" pitchFamily="49" charset="-127"/>
+              </a:rPr>
+              <a:t> = 0.3f;</a:t>
+            </a:r>
+          </a:p>
+          <a:p>
+            <a:r>
+              <a:rPr lang="en-US" altLang="ko-KR" sz="1800" dirty="0">
+                <a:solidFill>
+                  <a:srgbClr val="000000"/>
+                </a:solidFill>
+                <a:highlight>
+                  <a:srgbClr val="FFFFFF"/>
+                </a:highlight>
+                <a:latin typeface="돋움체" panose="020B0609000101010101" pitchFamily="49" charset="-127"/>
+                <a:ea typeface="돋움체" panose="020B0609000101010101" pitchFamily="49" charset="-127"/>
+              </a:rPr>
+              <a:t>        </a:t>
+            </a:r>
+            <a:r>
+              <a:rPr lang="en-US" altLang="ko-KR" sz="1800" dirty="0" err="1">
+                <a:solidFill>
+                  <a:srgbClr val="000000"/>
+                </a:solidFill>
+                <a:highlight>
+                  <a:srgbClr val="FFFFFF"/>
+                </a:highlight>
+                <a:latin typeface="돋움체" panose="020B0609000101010101" pitchFamily="49" charset="-127"/>
+                <a:ea typeface="돋움체" panose="020B0609000101010101" pitchFamily="49" charset="-127"/>
+              </a:rPr>
+              <a:t>instance.bgmAudioSource.Play</a:t>
+            </a:r>
+            <a:r>
+              <a:rPr lang="en-US" altLang="ko-KR" sz="1800" dirty="0">
+                <a:solidFill>
+                  <a:srgbClr val="000000"/>
+                </a:solidFill>
+                <a:highlight>
+                  <a:srgbClr val="FFFFFF"/>
+                </a:highlight>
+                <a:latin typeface="돋움체" panose="020B0609000101010101" pitchFamily="49" charset="-127"/>
+                <a:ea typeface="돋움체" panose="020B0609000101010101" pitchFamily="49" charset="-127"/>
+              </a:rPr>
+              <a:t>();</a:t>
+            </a:r>
+          </a:p>
+          <a:p>
+            <a:r>
+              <a:rPr lang="ko-KR" altLang="en-US" sz="1800" dirty="0">
+                <a:solidFill>
+                  <a:srgbClr val="000000"/>
+                </a:solidFill>
+                <a:highlight>
+                  <a:srgbClr val="FFFFFF"/>
+                </a:highlight>
+                <a:latin typeface="돋움체" panose="020B0609000101010101" pitchFamily="49" charset="-127"/>
+                <a:ea typeface="돋움체" panose="020B0609000101010101" pitchFamily="49" charset="-127"/>
+              </a:rPr>
+              <a:t>    </a:t>
+            </a:r>
+            <a:r>
+              <a:rPr lang="en-US" altLang="ko-KR" sz="1800" dirty="0">
+                <a:solidFill>
+                  <a:srgbClr val="000000"/>
+                </a:solidFill>
+                <a:highlight>
+                  <a:srgbClr val="FFFFFF"/>
+                </a:highlight>
+                <a:latin typeface="돋움체" panose="020B0609000101010101" pitchFamily="49" charset="-127"/>
+                <a:ea typeface="돋움체" panose="020B0609000101010101" pitchFamily="49" charset="-127"/>
+              </a:rPr>
+              <a:t>}</a:t>
+            </a:r>
+          </a:p>
+          <a:p>
+            <a:r>
+              <a:rPr lang="en-US" altLang="ko-KR" sz="1800" dirty="0">
+                <a:solidFill>
+                  <a:srgbClr val="000000"/>
+                </a:solidFill>
+                <a:highlight>
+                  <a:srgbClr val="FFFFFF"/>
+                </a:highlight>
+                <a:latin typeface="돋움체" panose="020B0609000101010101" pitchFamily="49" charset="-127"/>
+                <a:ea typeface="돋움체" panose="020B0609000101010101" pitchFamily="49" charset="-127"/>
+              </a:rPr>
+              <a:t>    </a:t>
+            </a:r>
+            <a:r>
+              <a:rPr lang="en-US" altLang="ko-KR" sz="1800" dirty="0">
+                <a:solidFill>
+                  <a:srgbClr val="0000FF"/>
+                </a:solidFill>
+                <a:highlight>
+                  <a:srgbClr val="FFFFFF"/>
+                </a:highlight>
+                <a:latin typeface="돋움체" panose="020B0609000101010101" pitchFamily="49" charset="-127"/>
+                <a:ea typeface="돋움체" panose="020B0609000101010101" pitchFamily="49" charset="-127"/>
+              </a:rPr>
+              <a:t>else</a:t>
+            </a:r>
+            <a:r>
+              <a:rPr lang="en-US" altLang="ko-KR" sz="1800" dirty="0">
+                <a:solidFill>
+                  <a:srgbClr val="000000"/>
+                </a:solidFill>
+                <a:highlight>
+                  <a:srgbClr val="FFFFFF"/>
+                </a:highlight>
+                <a:latin typeface="돋움체" panose="020B0609000101010101" pitchFamily="49" charset="-127"/>
+                <a:ea typeface="돋움체" panose="020B0609000101010101" pitchFamily="49" charset="-127"/>
+              </a:rPr>
+              <a:t> </a:t>
+            </a:r>
+            <a:r>
+              <a:rPr lang="en-US" altLang="ko-KR" sz="1800" dirty="0">
+                <a:solidFill>
+                  <a:srgbClr val="0000FF"/>
+                </a:solidFill>
+                <a:highlight>
+                  <a:srgbClr val="FFFFFF"/>
+                </a:highlight>
+                <a:latin typeface="돋움체" panose="020B0609000101010101" pitchFamily="49" charset="-127"/>
+                <a:ea typeface="돋움체" panose="020B0609000101010101" pitchFamily="49" charset="-127"/>
+              </a:rPr>
+              <a:t>if</a:t>
+            </a:r>
+            <a:r>
+              <a:rPr lang="en-US" altLang="ko-KR" sz="1800" dirty="0">
+                <a:solidFill>
+                  <a:srgbClr val="000000"/>
+                </a:solidFill>
+                <a:highlight>
+                  <a:srgbClr val="FFFFFF"/>
+                </a:highlight>
+                <a:latin typeface="돋움체" panose="020B0609000101010101" pitchFamily="49" charset="-127"/>
+                <a:ea typeface="돋움체" panose="020B0609000101010101" pitchFamily="49" charset="-127"/>
+              </a:rPr>
+              <a:t> (</a:t>
+            </a:r>
+            <a:r>
+              <a:rPr lang="en-US" altLang="ko-KR" sz="1800" dirty="0" err="1">
+                <a:solidFill>
+                  <a:srgbClr val="000000"/>
+                </a:solidFill>
+                <a:highlight>
+                  <a:srgbClr val="FFFFFF"/>
+                </a:highlight>
+                <a:latin typeface="돋움체" panose="020B0609000101010101" pitchFamily="49" charset="-127"/>
+                <a:ea typeface="돋움체" panose="020B0609000101010101" pitchFamily="49" charset="-127"/>
+              </a:rPr>
+              <a:t>instance.bgmAudioSource.clip</a:t>
+            </a:r>
+            <a:r>
+              <a:rPr lang="en-US" altLang="ko-KR" sz="1800" dirty="0">
+                <a:solidFill>
+                  <a:srgbClr val="000000"/>
+                </a:solidFill>
+                <a:highlight>
+                  <a:srgbClr val="FFFFFF"/>
+                </a:highlight>
+                <a:latin typeface="돋움체" panose="020B0609000101010101" pitchFamily="49" charset="-127"/>
+                <a:ea typeface="돋움체" panose="020B0609000101010101" pitchFamily="49" charset="-127"/>
+              </a:rPr>
+              <a:t> == </a:t>
+            </a:r>
+            <a:r>
+              <a:rPr lang="en-US" altLang="ko-KR" sz="1800" dirty="0" err="1">
+                <a:solidFill>
+                  <a:srgbClr val="000000"/>
+                </a:solidFill>
+                <a:highlight>
+                  <a:srgbClr val="FFFFFF"/>
+                </a:highlight>
+                <a:latin typeface="돋움체" panose="020B0609000101010101" pitchFamily="49" charset="-127"/>
+                <a:ea typeface="돋움체" panose="020B0609000101010101" pitchFamily="49" charset="-127"/>
+              </a:rPr>
+              <a:t>warningBGM</a:t>
+            </a:r>
+            <a:r>
+              <a:rPr lang="en-US" altLang="ko-KR" sz="1800" dirty="0">
+                <a:solidFill>
+                  <a:srgbClr val="000000"/>
+                </a:solidFill>
+                <a:highlight>
+                  <a:srgbClr val="FFFFFF"/>
+                </a:highlight>
+                <a:latin typeface="돋움체" panose="020B0609000101010101" pitchFamily="49" charset="-127"/>
+                <a:ea typeface="돋움체" panose="020B0609000101010101" pitchFamily="49" charset="-127"/>
+              </a:rPr>
+              <a:t>)</a:t>
+            </a:r>
+          </a:p>
+          <a:p>
+            <a:r>
+              <a:rPr lang="ko-KR" altLang="en-US" sz="1800" dirty="0">
+                <a:solidFill>
+                  <a:srgbClr val="000000"/>
+                </a:solidFill>
+                <a:highlight>
+                  <a:srgbClr val="FFFFFF"/>
+                </a:highlight>
+                <a:latin typeface="돋움체" panose="020B0609000101010101" pitchFamily="49" charset="-127"/>
+                <a:ea typeface="돋움체" panose="020B0609000101010101" pitchFamily="49" charset="-127"/>
+              </a:rPr>
+              <a:t>    </a:t>
+            </a:r>
+            <a:r>
+              <a:rPr lang="en-US" altLang="ko-KR" sz="1800" dirty="0">
+                <a:solidFill>
+                  <a:srgbClr val="000000"/>
+                </a:solidFill>
+                <a:highlight>
+                  <a:srgbClr val="FFFFFF"/>
+                </a:highlight>
+                <a:latin typeface="돋움체" panose="020B0609000101010101" pitchFamily="49" charset="-127"/>
+                <a:ea typeface="돋움체" panose="020B0609000101010101" pitchFamily="49" charset="-127"/>
+              </a:rPr>
+              <a:t>{</a:t>
+            </a:r>
+          </a:p>
+          <a:p>
+            <a:r>
+              <a:rPr lang="en-US" altLang="ko-KR" sz="1800" dirty="0">
+                <a:solidFill>
+                  <a:srgbClr val="000000"/>
+                </a:solidFill>
+                <a:highlight>
+                  <a:srgbClr val="FFFFFF"/>
+                </a:highlight>
+                <a:latin typeface="돋움체" panose="020B0609000101010101" pitchFamily="49" charset="-127"/>
+                <a:ea typeface="돋움체" panose="020B0609000101010101" pitchFamily="49" charset="-127"/>
+              </a:rPr>
+              <a:t>        </a:t>
+            </a:r>
+            <a:r>
+              <a:rPr lang="en-US" altLang="ko-KR" sz="1800" dirty="0" err="1">
+                <a:solidFill>
+                  <a:srgbClr val="000000"/>
+                </a:solidFill>
+                <a:highlight>
+                  <a:srgbClr val="FFFFFF"/>
+                </a:highlight>
+                <a:latin typeface="돋움체" panose="020B0609000101010101" pitchFamily="49" charset="-127"/>
+                <a:ea typeface="돋움체" panose="020B0609000101010101" pitchFamily="49" charset="-127"/>
+              </a:rPr>
+              <a:t>instance.bgmAudioSource.Stop</a:t>
+            </a:r>
+            <a:r>
+              <a:rPr lang="en-US" altLang="ko-KR" sz="1800" dirty="0">
+                <a:solidFill>
+                  <a:srgbClr val="000000"/>
+                </a:solidFill>
+                <a:highlight>
+                  <a:srgbClr val="FFFFFF"/>
+                </a:highlight>
+                <a:latin typeface="돋움체" panose="020B0609000101010101" pitchFamily="49" charset="-127"/>
+                <a:ea typeface="돋움체" panose="020B0609000101010101" pitchFamily="49" charset="-127"/>
+              </a:rPr>
+              <a:t>();</a:t>
+            </a:r>
+          </a:p>
+          <a:p>
+            <a:r>
+              <a:rPr lang="en-US" altLang="ko-KR" sz="1800" dirty="0">
+                <a:solidFill>
+                  <a:srgbClr val="000000"/>
+                </a:solidFill>
+                <a:highlight>
+                  <a:srgbClr val="FFFFFF"/>
+                </a:highlight>
+                <a:latin typeface="돋움체" panose="020B0609000101010101" pitchFamily="49" charset="-127"/>
+                <a:ea typeface="돋움체" panose="020B0609000101010101" pitchFamily="49" charset="-127"/>
+              </a:rPr>
+              <a:t>        </a:t>
+            </a:r>
+            <a:r>
+              <a:rPr lang="en-US" altLang="ko-KR" sz="1800" dirty="0" err="1">
+                <a:solidFill>
+                  <a:srgbClr val="000000"/>
+                </a:solidFill>
+                <a:highlight>
+                  <a:srgbClr val="FFFFFF"/>
+                </a:highlight>
+                <a:latin typeface="돋움체" panose="020B0609000101010101" pitchFamily="49" charset="-127"/>
+                <a:ea typeface="돋움체" panose="020B0609000101010101" pitchFamily="49" charset="-127"/>
+              </a:rPr>
+              <a:t>instance.bgmAudioSource.clip</a:t>
+            </a:r>
+            <a:r>
+              <a:rPr lang="en-US" altLang="ko-KR" sz="1800" dirty="0">
+                <a:solidFill>
+                  <a:srgbClr val="000000"/>
+                </a:solidFill>
+                <a:highlight>
+                  <a:srgbClr val="FFFFFF"/>
+                </a:highlight>
+                <a:latin typeface="돋움체" panose="020B0609000101010101" pitchFamily="49" charset="-127"/>
+                <a:ea typeface="돋움체" panose="020B0609000101010101" pitchFamily="49" charset="-127"/>
+              </a:rPr>
+              <a:t> = </a:t>
+            </a:r>
+            <a:r>
+              <a:rPr lang="en-US" altLang="ko-KR" sz="1800" dirty="0" err="1">
+                <a:solidFill>
+                  <a:srgbClr val="000000"/>
+                </a:solidFill>
+                <a:highlight>
+                  <a:srgbClr val="FFFFFF"/>
+                </a:highlight>
+                <a:latin typeface="돋움체" panose="020B0609000101010101" pitchFamily="49" charset="-127"/>
+                <a:ea typeface="돋움체" panose="020B0609000101010101" pitchFamily="49" charset="-127"/>
+              </a:rPr>
+              <a:t>normalBGM</a:t>
+            </a:r>
+            <a:r>
+              <a:rPr lang="en-US" altLang="ko-KR" sz="1800" dirty="0">
+                <a:solidFill>
+                  <a:srgbClr val="000000"/>
+                </a:solidFill>
+                <a:highlight>
+                  <a:srgbClr val="FFFFFF"/>
+                </a:highlight>
+                <a:latin typeface="돋움체" panose="020B0609000101010101" pitchFamily="49" charset="-127"/>
+                <a:ea typeface="돋움체" panose="020B0609000101010101" pitchFamily="49" charset="-127"/>
+              </a:rPr>
+              <a:t>;</a:t>
+            </a:r>
+          </a:p>
+          <a:p>
+            <a:r>
+              <a:rPr lang="en-US" altLang="ko-KR" sz="1800" dirty="0">
+                <a:solidFill>
+                  <a:srgbClr val="000000"/>
+                </a:solidFill>
+                <a:highlight>
+                  <a:srgbClr val="FFFFFF"/>
+                </a:highlight>
+                <a:latin typeface="돋움체" panose="020B0609000101010101" pitchFamily="49" charset="-127"/>
+                <a:ea typeface="돋움체" panose="020B0609000101010101" pitchFamily="49" charset="-127"/>
+              </a:rPr>
+              <a:t>        </a:t>
+            </a:r>
+            <a:r>
+              <a:rPr lang="en-US" altLang="ko-KR" sz="1800" dirty="0" err="1">
+                <a:solidFill>
+                  <a:srgbClr val="000000"/>
+                </a:solidFill>
+                <a:highlight>
+                  <a:srgbClr val="FFFFFF"/>
+                </a:highlight>
+                <a:latin typeface="돋움체" panose="020B0609000101010101" pitchFamily="49" charset="-127"/>
+                <a:ea typeface="돋움체" panose="020B0609000101010101" pitchFamily="49" charset="-127"/>
+              </a:rPr>
+              <a:t>instance.bgmAudioSource.loop</a:t>
+            </a:r>
+            <a:r>
+              <a:rPr lang="en-US" altLang="ko-KR" sz="1800" dirty="0">
+                <a:solidFill>
+                  <a:srgbClr val="000000"/>
+                </a:solidFill>
+                <a:highlight>
+                  <a:srgbClr val="FFFFFF"/>
+                </a:highlight>
+                <a:latin typeface="돋움체" panose="020B0609000101010101" pitchFamily="49" charset="-127"/>
+                <a:ea typeface="돋움체" panose="020B0609000101010101" pitchFamily="49" charset="-127"/>
+              </a:rPr>
+              <a:t> = </a:t>
+            </a:r>
+            <a:r>
+              <a:rPr lang="en-US" altLang="ko-KR" sz="1800" dirty="0">
+                <a:solidFill>
+                  <a:srgbClr val="0000FF"/>
+                </a:solidFill>
+                <a:highlight>
+                  <a:srgbClr val="FFFFFF"/>
+                </a:highlight>
+                <a:latin typeface="돋움체" panose="020B0609000101010101" pitchFamily="49" charset="-127"/>
+                <a:ea typeface="돋움체" panose="020B0609000101010101" pitchFamily="49" charset="-127"/>
+              </a:rPr>
+              <a:t>true</a:t>
+            </a:r>
+            <a:r>
+              <a:rPr lang="en-US" altLang="ko-KR" sz="1800" dirty="0">
+                <a:solidFill>
+                  <a:srgbClr val="000000"/>
+                </a:solidFill>
+                <a:highlight>
+                  <a:srgbClr val="FFFFFF"/>
+                </a:highlight>
+                <a:latin typeface="돋움체" panose="020B0609000101010101" pitchFamily="49" charset="-127"/>
+                <a:ea typeface="돋움체" panose="020B0609000101010101" pitchFamily="49" charset="-127"/>
+              </a:rPr>
+              <a:t>;</a:t>
+            </a:r>
+          </a:p>
+          <a:p>
+            <a:r>
+              <a:rPr lang="en-US" altLang="ko-KR" sz="1800" dirty="0">
+                <a:solidFill>
+                  <a:srgbClr val="000000"/>
+                </a:solidFill>
+                <a:highlight>
+                  <a:srgbClr val="FFFFFF"/>
+                </a:highlight>
+                <a:latin typeface="돋움체" panose="020B0609000101010101" pitchFamily="49" charset="-127"/>
+                <a:ea typeface="돋움체" panose="020B0609000101010101" pitchFamily="49" charset="-127"/>
+              </a:rPr>
+              <a:t>        </a:t>
+            </a:r>
+            <a:r>
+              <a:rPr lang="en-US" altLang="ko-KR" sz="1800" dirty="0" err="1">
+                <a:solidFill>
+                  <a:srgbClr val="000000"/>
+                </a:solidFill>
+                <a:highlight>
+                  <a:srgbClr val="FFFFFF"/>
+                </a:highlight>
+                <a:latin typeface="돋움체" panose="020B0609000101010101" pitchFamily="49" charset="-127"/>
+                <a:ea typeface="돋움체" panose="020B0609000101010101" pitchFamily="49" charset="-127"/>
+              </a:rPr>
+              <a:t>instance.bgmAudioSource.volume</a:t>
+            </a:r>
+            <a:r>
+              <a:rPr lang="en-US" altLang="ko-KR" sz="1800" dirty="0">
+                <a:solidFill>
+                  <a:srgbClr val="000000"/>
+                </a:solidFill>
+                <a:highlight>
+                  <a:srgbClr val="FFFFFF"/>
+                </a:highlight>
+                <a:latin typeface="돋움체" panose="020B0609000101010101" pitchFamily="49" charset="-127"/>
+                <a:ea typeface="돋움체" panose="020B0609000101010101" pitchFamily="49" charset="-127"/>
+              </a:rPr>
+              <a:t> = 0.3f;</a:t>
+            </a:r>
+          </a:p>
+          <a:p>
+            <a:r>
+              <a:rPr lang="en-US" altLang="ko-KR" sz="1800" dirty="0">
+                <a:solidFill>
+                  <a:srgbClr val="000000"/>
+                </a:solidFill>
+                <a:highlight>
+                  <a:srgbClr val="FFFFFF"/>
+                </a:highlight>
+                <a:latin typeface="돋움체" panose="020B0609000101010101" pitchFamily="49" charset="-127"/>
+                <a:ea typeface="돋움체" panose="020B0609000101010101" pitchFamily="49" charset="-127"/>
+              </a:rPr>
+              <a:t>        </a:t>
+            </a:r>
+            <a:r>
+              <a:rPr lang="en-US" altLang="ko-KR" sz="1800" dirty="0" err="1">
+                <a:solidFill>
+                  <a:srgbClr val="000000"/>
+                </a:solidFill>
+                <a:highlight>
+                  <a:srgbClr val="FFFFFF"/>
+                </a:highlight>
+                <a:latin typeface="돋움체" panose="020B0609000101010101" pitchFamily="49" charset="-127"/>
+                <a:ea typeface="돋움체" panose="020B0609000101010101" pitchFamily="49" charset="-127"/>
+              </a:rPr>
+              <a:t>instance.bgmAudioSource.Play</a:t>
+            </a:r>
+            <a:r>
+              <a:rPr lang="en-US" altLang="ko-KR" sz="1800" dirty="0">
+                <a:solidFill>
+                  <a:srgbClr val="000000"/>
+                </a:solidFill>
+                <a:highlight>
+                  <a:srgbClr val="FFFFFF"/>
+                </a:highlight>
+                <a:latin typeface="돋움체" panose="020B0609000101010101" pitchFamily="49" charset="-127"/>
+                <a:ea typeface="돋움체" panose="020B0609000101010101" pitchFamily="49" charset="-127"/>
+              </a:rPr>
+              <a:t>();</a:t>
+            </a:r>
+          </a:p>
+        </p:txBody>
+      </p:sp>
+      <p:sp>
+        <p:nvSpPr>
+          <p:cNvPr id="26" name="TextBox 25">
+            <a:extLst>
+              <a:ext uri="{FF2B5EF4-FFF2-40B4-BE49-F238E27FC236}">
+                <a16:creationId xmlns:a16="http://schemas.microsoft.com/office/drawing/2014/main" id="{76C41527-6FDA-BDDE-6EFF-46A175BC6969}"/>
+              </a:ext>
+            </a:extLst>
+          </p:cNvPr>
+          <p:cNvSpPr txBox="1"/>
+          <p:nvPr/>
+        </p:nvSpPr>
+        <p:spPr>
+          <a:xfrm>
+            <a:off x="0" y="5146197"/>
+            <a:ext cx="5719969" cy="2862322"/>
+          </a:xfrm>
+          <a:prstGeom prst="rect">
+            <a:avLst/>
+          </a:prstGeom>
+          <a:noFill/>
+        </p:spPr>
+        <p:txBody>
+          <a:bodyPr wrap="square">
+            <a:spAutoFit/>
+          </a:bodyPr>
+          <a:lstStyle/>
+          <a:p>
+            <a:r>
+              <a:rPr lang="en-US" altLang="ko-KR" sz="1800" dirty="0">
+                <a:solidFill>
+                  <a:srgbClr val="0000FF"/>
+                </a:solidFill>
+                <a:highlight>
+                  <a:srgbClr val="FFFFFF"/>
+                </a:highlight>
+                <a:latin typeface="돋움체" panose="020B0609000101010101" pitchFamily="49" charset="-127"/>
+                <a:ea typeface="돋움체" panose="020B0609000101010101" pitchFamily="49" charset="-127"/>
+              </a:rPr>
+              <a:t>void</a:t>
+            </a:r>
+            <a:r>
+              <a:rPr lang="en-US" altLang="ko-KR" sz="1800" dirty="0">
+                <a:solidFill>
+                  <a:srgbClr val="000000"/>
+                </a:solidFill>
+                <a:highlight>
+                  <a:srgbClr val="FFFFFF"/>
+                </a:highlight>
+                <a:latin typeface="돋움체" panose="020B0609000101010101" pitchFamily="49" charset="-127"/>
+                <a:ea typeface="돋움체" panose="020B0609000101010101" pitchFamily="49" charset="-127"/>
+              </a:rPr>
+              <a:t> Start()</a:t>
+            </a:r>
+          </a:p>
+          <a:p>
+            <a:r>
+              <a:rPr lang="en-US" altLang="ko-KR" sz="1800" dirty="0">
+                <a:solidFill>
+                  <a:srgbClr val="000000"/>
+                </a:solidFill>
+                <a:highlight>
+                  <a:srgbClr val="FFFFFF"/>
+                </a:highlight>
+                <a:latin typeface="돋움체" panose="020B0609000101010101" pitchFamily="49" charset="-127"/>
+                <a:ea typeface="돋움체" panose="020B0609000101010101" pitchFamily="49" charset="-127"/>
+              </a:rPr>
+              <a:t>{</a:t>
+            </a:r>
+          </a:p>
+          <a:p>
+            <a:r>
+              <a:rPr lang="en-US" altLang="ko-KR" sz="1800" dirty="0">
+                <a:solidFill>
+                  <a:srgbClr val="000000"/>
+                </a:solidFill>
+                <a:highlight>
+                  <a:srgbClr val="FFFFFF"/>
+                </a:highlight>
+                <a:latin typeface="돋움체" panose="020B0609000101010101" pitchFamily="49" charset="-127"/>
+                <a:ea typeface="돋움체" panose="020B0609000101010101" pitchFamily="49" charset="-127"/>
+              </a:rPr>
+              <a:t>    </a:t>
+            </a:r>
+            <a:r>
+              <a:rPr lang="en-US" altLang="ko-KR" sz="1800" dirty="0" err="1">
+                <a:solidFill>
+                  <a:srgbClr val="000000"/>
+                </a:solidFill>
+                <a:highlight>
+                  <a:srgbClr val="FFFFFF"/>
+                </a:highlight>
+                <a:latin typeface="돋움체" panose="020B0609000101010101" pitchFamily="49" charset="-127"/>
+                <a:ea typeface="돋움체" panose="020B0609000101010101" pitchFamily="49" charset="-127"/>
+              </a:rPr>
+              <a:t>bgmAudioSource</a:t>
+            </a:r>
+            <a:r>
+              <a:rPr lang="en-US" altLang="ko-KR" sz="1800" dirty="0">
+                <a:solidFill>
+                  <a:srgbClr val="000000"/>
+                </a:solidFill>
+                <a:highlight>
+                  <a:srgbClr val="FFFFFF"/>
+                </a:highlight>
+                <a:latin typeface="돋움체" panose="020B0609000101010101" pitchFamily="49" charset="-127"/>
+                <a:ea typeface="돋움체" panose="020B0609000101010101" pitchFamily="49" charset="-127"/>
+              </a:rPr>
+              <a:t> = </a:t>
+            </a:r>
+            <a:r>
+              <a:rPr lang="en-US" altLang="ko-KR" sz="1800" dirty="0" err="1">
+                <a:solidFill>
+                  <a:srgbClr val="000000"/>
+                </a:solidFill>
+                <a:highlight>
+                  <a:srgbClr val="FFFFFF"/>
+                </a:highlight>
+                <a:latin typeface="돋움체" panose="020B0609000101010101" pitchFamily="49" charset="-127"/>
+                <a:ea typeface="돋움체" panose="020B0609000101010101" pitchFamily="49" charset="-127"/>
+              </a:rPr>
+              <a:t>GetComponent</a:t>
+            </a:r>
+            <a:r>
+              <a:rPr lang="en-US" altLang="ko-KR" sz="1800" dirty="0">
+                <a:solidFill>
+                  <a:srgbClr val="000000"/>
+                </a:solidFill>
+                <a:highlight>
+                  <a:srgbClr val="FFFFFF"/>
+                </a:highlight>
+                <a:latin typeface="돋움체" panose="020B0609000101010101" pitchFamily="49" charset="-127"/>
+                <a:ea typeface="돋움체" panose="020B0609000101010101" pitchFamily="49" charset="-127"/>
+              </a:rPr>
+              <a:t>&lt;</a:t>
+            </a:r>
+            <a:r>
+              <a:rPr lang="en-US" altLang="ko-KR" sz="1800" dirty="0" err="1">
+                <a:solidFill>
+                  <a:srgbClr val="000000"/>
+                </a:solidFill>
+                <a:highlight>
+                  <a:srgbClr val="FFFFFF"/>
+                </a:highlight>
+                <a:latin typeface="돋움체" panose="020B0609000101010101" pitchFamily="49" charset="-127"/>
+                <a:ea typeface="돋움체" panose="020B0609000101010101" pitchFamily="49" charset="-127"/>
+              </a:rPr>
+              <a:t>AudioSource</a:t>
+            </a:r>
+            <a:r>
+              <a:rPr lang="en-US" altLang="ko-KR" sz="1800" dirty="0">
+                <a:solidFill>
+                  <a:srgbClr val="000000"/>
+                </a:solidFill>
+                <a:highlight>
+                  <a:srgbClr val="FFFFFF"/>
+                </a:highlight>
+                <a:latin typeface="돋움체" panose="020B0609000101010101" pitchFamily="49" charset="-127"/>
+                <a:ea typeface="돋움체" panose="020B0609000101010101" pitchFamily="49" charset="-127"/>
+              </a:rPr>
+              <a:t>&gt;();</a:t>
+            </a:r>
+          </a:p>
+          <a:p>
+            <a:endParaRPr lang="ko-KR" altLang="en-US" sz="1800" dirty="0">
+              <a:solidFill>
+                <a:srgbClr val="000000"/>
+              </a:solidFill>
+              <a:highlight>
+                <a:srgbClr val="FFFFFF"/>
+              </a:highlight>
+              <a:latin typeface="돋움체" panose="020B0609000101010101" pitchFamily="49" charset="-127"/>
+              <a:ea typeface="돋움체" panose="020B0609000101010101" pitchFamily="49" charset="-127"/>
+            </a:endParaRPr>
+          </a:p>
+          <a:p>
+            <a:r>
+              <a:rPr lang="en-US" altLang="ko-KR" sz="1800" dirty="0">
+                <a:solidFill>
+                  <a:srgbClr val="000000"/>
+                </a:solidFill>
+                <a:highlight>
+                  <a:srgbClr val="FFFFFF"/>
+                </a:highlight>
+                <a:latin typeface="돋움체" panose="020B0609000101010101" pitchFamily="49" charset="-127"/>
+                <a:ea typeface="돋움체" panose="020B0609000101010101" pitchFamily="49" charset="-127"/>
+              </a:rPr>
+              <a:t>    </a:t>
+            </a:r>
+            <a:r>
+              <a:rPr lang="en-US" altLang="ko-KR" sz="1800" dirty="0">
+                <a:solidFill>
+                  <a:srgbClr val="0000FF"/>
+                </a:solidFill>
+                <a:highlight>
+                  <a:srgbClr val="FFFFFF"/>
+                </a:highlight>
+                <a:latin typeface="돋움체" panose="020B0609000101010101" pitchFamily="49" charset="-127"/>
+                <a:ea typeface="돋움체" panose="020B0609000101010101" pitchFamily="49" charset="-127"/>
+              </a:rPr>
+              <a:t>if</a:t>
+            </a:r>
+            <a:r>
+              <a:rPr lang="en-US" altLang="ko-KR" sz="1800" dirty="0">
+                <a:solidFill>
+                  <a:srgbClr val="000000"/>
+                </a:solidFill>
+                <a:highlight>
+                  <a:srgbClr val="FFFFFF"/>
+                </a:highlight>
+                <a:latin typeface="돋움체" panose="020B0609000101010101" pitchFamily="49" charset="-127"/>
+                <a:ea typeface="돋움체" panose="020B0609000101010101" pitchFamily="49" charset="-127"/>
+              </a:rPr>
+              <a:t> (</a:t>
+            </a:r>
+            <a:r>
+              <a:rPr lang="en-US" altLang="ko-KR" sz="1800" dirty="0" err="1">
+                <a:solidFill>
+                  <a:srgbClr val="000000"/>
+                </a:solidFill>
+                <a:highlight>
+                  <a:srgbClr val="FFFFFF"/>
+                </a:highlight>
+                <a:latin typeface="돋움체" panose="020B0609000101010101" pitchFamily="49" charset="-127"/>
+                <a:ea typeface="돋움체" panose="020B0609000101010101" pitchFamily="49" charset="-127"/>
+              </a:rPr>
+              <a:t>bgmAudioSource</a:t>
+            </a:r>
+            <a:r>
+              <a:rPr lang="en-US" altLang="ko-KR" sz="1800" dirty="0">
+                <a:solidFill>
+                  <a:srgbClr val="000000"/>
+                </a:solidFill>
+                <a:highlight>
+                  <a:srgbClr val="FFFFFF"/>
+                </a:highlight>
+                <a:latin typeface="돋움체" panose="020B0609000101010101" pitchFamily="49" charset="-127"/>
+                <a:ea typeface="돋움체" panose="020B0609000101010101" pitchFamily="49" charset="-127"/>
+              </a:rPr>
+              <a:t> != </a:t>
+            </a:r>
+            <a:r>
+              <a:rPr lang="en-US" altLang="ko-KR" sz="1800" dirty="0">
+                <a:solidFill>
+                  <a:srgbClr val="0000FF"/>
+                </a:solidFill>
+                <a:highlight>
+                  <a:srgbClr val="FFFFFF"/>
+                </a:highlight>
+                <a:latin typeface="돋움체" panose="020B0609000101010101" pitchFamily="49" charset="-127"/>
+                <a:ea typeface="돋움체" panose="020B0609000101010101" pitchFamily="49" charset="-127"/>
+              </a:rPr>
+              <a:t>null</a:t>
+            </a:r>
+            <a:r>
+              <a:rPr lang="en-US" altLang="ko-KR" sz="1800" dirty="0">
+                <a:solidFill>
+                  <a:srgbClr val="000000"/>
+                </a:solidFill>
+                <a:highlight>
+                  <a:srgbClr val="FFFFFF"/>
+                </a:highlight>
+                <a:latin typeface="돋움체" panose="020B0609000101010101" pitchFamily="49" charset="-127"/>
+                <a:ea typeface="돋움체" panose="020B0609000101010101" pitchFamily="49" charset="-127"/>
+              </a:rPr>
+              <a:t>)</a:t>
+            </a:r>
+          </a:p>
+          <a:p>
+            <a:r>
+              <a:rPr lang="ko-KR" altLang="en-US" sz="1800" dirty="0">
+                <a:solidFill>
+                  <a:srgbClr val="000000"/>
+                </a:solidFill>
+                <a:highlight>
+                  <a:srgbClr val="FFFFFF"/>
+                </a:highlight>
+                <a:latin typeface="돋움체" panose="020B0609000101010101" pitchFamily="49" charset="-127"/>
+                <a:ea typeface="돋움체" panose="020B0609000101010101" pitchFamily="49" charset="-127"/>
+              </a:rPr>
+              <a:t>    </a:t>
+            </a:r>
+            <a:r>
+              <a:rPr lang="en-US" altLang="ko-KR" sz="1800" dirty="0">
+                <a:solidFill>
+                  <a:srgbClr val="000000"/>
+                </a:solidFill>
+                <a:highlight>
+                  <a:srgbClr val="FFFFFF"/>
+                </a:highlight>
+                <a:latin typeface="돋움체" panose="020B0609000101010101" pitchFamily="49" charset="-127"/>
+                <a:ea typeface="돋움체" panose="020B0609000101010101" pitchFamily="49" charset="-127"/>
+              </a:rPr>
+              <a:t>{</a:t>
+            </a:r>
+          </a:p>
+          <a:p>
+            <a:r>
+              <a:rPr lang="en-US" altLang="ko-KR" sz="1800" dirty="0">
+                <a:solidFill>
+                  <a:srgbClr val="000000"/>
+                </a:solidFill>
+                <a:highlight>
+                  <a:srgbClr val="FFFFFF"/>
+                </a:highlight>
+                <a:latin typeface="돋움체" panose="020B0609000101010101" pitchFamily="49" charset="-127"/>
+                <a:ea typeface="돋움체" panose="020B0609000101010101" pitchFamily="49" charset="-127"/>
+              </a:rPr>
+              <a:t>        </a:t>
+            </a:r>
+            <a:r>
+              <a:rPr lang="en-US" altLang="ko-KR" sz="1800" dirty="0" err="1">
+                <a:solidFill>
+                  <a:srgbClr val="000000"/>
+                </a:solidFill>
+                <a:highlight>
+                  <a:srgbClr val="FFFFFF"/>
+                </a:highlight>
+                <a:latin typeface="돋움체" panose="020B0609000101010101" pitchFamily="49" charset="-127"/>
+                <a:ea typeface="돋움체" panose="020B0609000101010101" pitchFamily="49" charset="-127"/>
+              </a:rPr>
+              <a:t>bgmAudioSource.clip</a:t>
+            </a:r>
+            <a:r>
+              <a:rPr lang="en-US" altLang="ko-KR" sz="1800" dirty="0">
+                <a:solidFill>
+                  <a:srgbClr val="000000"/>
+                </a:solidFill>
+                <a:highlight>
+                  <a:srgbClr val="FFFFFF"/>
+                </a:highlight>
+                <a:latin typeface="돋움체" panose="020B0609000101010101" pitchFamily="49" charset="-127"/>
+                <a:ea typeface="돋움체" panose="020B0609000101010101" pitchFamily="49" charset="-127"/>
+              </a:rPr>
+              <a:t> = </a:t>
+            </a:r>
+            <a:r>
+              <a:rPr lang="en-US" altLang="ko-KR" sz="1800" dirty="0" err="1">
+                <a:solidFill>
+                  <a:srgbClr val="000000"/>
+                </a:solidFill>
+                <a:highlight>
+                  <a:srgbClr val="FFFFFF"/>
+                </a:highlight>
+                <a:latin typeface="돋움체" panose="020B0609000101010101" pitchFamily="49" charset="-127"/>
+                <a:ea typeface="돋움체" panose="020B0609000101010101" pitchFamily="49" charset="-127"/>
+              </a:rPr>
+              <a:t>normalBGM</a:t>
+            </a:r>
+            <a:r>
+              <a:rPr lang="en-US" altLang="ko-KR" sz="1800" dirty="0">
+                <a:solidFill>
+                  <a:srgbClr val="000000"/>
+                </a:solidFill>
+                <a:highlight>
+                  <a:srgbClr val="FFFFFF"/>
+                </a:highlight>
+                <a:latin typeface="돋움체" panose="020B0609000101010101" pitchFamily="49" charset="-127"/>
+                <a:ea typeface="돋움체" panose="020B0609000101010101" pitchFamily="49" charset="-127"/>
+              </a:rPr>
+              <a:t>;</a:t>
+            </a:r>
+          </a:p>
+          <a:p>
+            <a:r>
+              <a:rPr lang="en-US" altLang="ko-KR" sz="1800" dirty="0">
+                <a:solidFill>
+                  <a:srgbClr val="000000"/>
+                </a:solidFill>
+                <a:highlight>
+                  <a:srgbClr val="FFFFFF"/>
+                </a:highlight>
+                <a:latin typeface="돋움체" panose="020B0609000101010101" pitchFamily="49" charset="-127"/>
+                <a:ea typeface="돋움체" panose="020B0609000101010101" pitchFamily="49" charset="-127"/>
+              </a:rPr>
+              <a:t>        </a:t>
+            </a:r>
+            <a:r>
+              <a:rPr lang="en-US" altLang="ko-KR" sz="1800" dirty="0" err="1">
+                <a:solidFill>
+                  <a:srgbClr val="000000"/>
+                </a:solidFill>
+                <a:highlight>
+                  <a:srgbClr val="FFFFFF"/>
+                </a:highlight>
+                <a:latin typeface="돋움체" panose="020B0609000101010101" pitchFamily="49" charset="-127"/>
+                <a:ea typeface="돋움체" panose="020B0609000101010101" pitchFamily="49" charset="-127"/>
+              </a:rPr>
+              <a:t>bgmAudioSource.loop</a:t>
+            </a:r>
+            <a:r>
+              <a:rPr lang="en-US" altLang="ko-KR" sz="1800" dirty="0">
+                <a:solidFill>
+                  <a:srgbClr val="000000"/>
+                </a:solidFill>
+                <a:highlight>
+                  <a:srgbClr val="FFFFFF"/>
+                </a:highlight>
+                <a:latin typeface="돋움체" panose="020B0609000101010101" pitchFamily="49" charset="-127"/>
+                <a:ea typeface="돋움체" panose="020B0609000101010101" pitchFamily="49" charset="-127"/>
+              </a:rPr>
+              <a:t> = </a:t>
+            </a:r>
+            <a:r>
+              <a:rPr lang="en-US" altLang="ko-KR" sz="1800" dirty="0">
+                <a:solidFill>
+                  <a:srgbClr val="0000FF"/>
+                </a:solidFill>
+                <a:highlight>
+                  <a:srgbClr val="FFFFFF"/>
+                </a:highlight>
+                <a:latin typeface="돋움체" panose="020B0609000101010101" pitchFamily="49" charset="-127"/>
+                <a:ea typeface="돋움체" panose="020B0609000101010101" pitchFamily="49" charset="-127"/>
+              </a:rPr>
+              <a:t>true</a:t>
+            </a:r>
+            <a:r>
+              <a:rPr lang="en-US" altLang="ko-KR" sz="1800" dirty="0">
+                <a:solidFill>
+                  <a:srgbClr val="000000"/>
+                </a:solidFill>
+                <a:highlight>
+                  <a:srgbClr val="FFFFFF"/>
+                </a:highlight>
+                <a:latin typeface="돋움체" panose="020B0609000101010101" pitchFamily="49" charset="-127"/>
+                <a:ea typeface="돋움체" panose="020B0609000101010101" pitchFamily="49" charset="-127"/>
+              </a:rPr>
+              <a:t>;</a:t>
+            </a:r>
+          </a:p>
+          <a:p>
+            <a:r>
+              <a:rPr lang="en-US" altLang="ko-KR" sz="1800" dirty="0">
+                <a:solidFill>
+                  <a:srgbClr val="000000"/>
+                </a:solidFill>
+                <a:highlight>
+                  <a:srgbClr val="FFFFFF"/>
+                </a:highlight>
+                <a:latin typeface="돋움체" panose="020B0609000101010101" pitchFamily="49" charset="-127"/>
+                <a:ea typeface="돋움체" panose="020B0609000101010101" pitchFamily="49" charset="-127"/>
+              </a:rPr>
+              <a:t>        </a:t>
+            </a:r>
+            <a:r>
+              <a:rPr lang="en-US" altLang="ko-KR" sz="1800" dirty="0" err="1">
+                <a:solidFill>
+                  <a:srgbClr val="000000"/>
+                </a:solidFill>
+                <a:highlight>
+                  <a:srgbClr val="FFFFFF"/>
+                </a:highlight>
+                <a:latin typeface="돋움체" panose="020B0609000101010101" pitchFamily="49" charset="-127"/>
+                <a:ea typeface="돋움체" panose="020B0609000101010101" pitchFamily="49" charset="-127"/>
+              </a:rPr>
+              <a:t>bgmAudioSource.volume</a:t>
+            </a:r>
+            <a:r>
+              <a:rPr lang="en-US" altLang="ko-KR" sz="1800" dirty="0">
+                <a:solidFill>
+                  <a:srgbClr val="000000"/>
+                </a:solidFill>
+                <a:highlight>
+                  <a:srgbClr val="FFFFFF"/>
+                </a:highlight>
+                <a:latin typeface="돋움체" panose="020B0609000101010101" pitchFamily="49" charset="-127"/>
+                <a:ea typeface="돋움체" panose="020B0609000101010101" pitchFamily="49" charset="-127"/>
+              </a:rPr>
+              <a:t> = 0.3f;</a:t>
+            </a:r>
+          </a:p>
+          <a:p>
+            <a:r>
+              <a:rPr lang="en-US" altLang="ko-KR" sz="1800" dirty="0">
+                <a:solidFill>
+                  <a:srgbClr val="000000"/>
+                </a:solidFill>
+                <a:highlight>
+                  <a:srgbClr val="FFFFFF"/>
+                </a:highlight>
+                <a:latin typeface="돋움체" panose="020B0609000101010101" pitchFamily="49" charset="-127"/>
+                <a:ea typeface="돋움체" panose="020B0609000101010101" pitchFamily="49" charset="-127"/>
+              </a:rPr>
+              <a:t>        </a:t>
+            </a:r>
+            <a:r>
+              <a:rPr lang="en-US" altLang="ko-KR" sz="1800" dirty="0" err="1">
+                <a:solidFill>
+                  <a:srgbClr val="000000"/>
+                </a:solidFill>
+                <a:highlight>
+                  <a:srgbClr val="FFFFFF"/>
+                </a:highlight>
+                <a:latin typeface="돋움체" panose="020B0609000101010101" pitchFamily="49" charset="-127"/>
+                <a:ea typeface="돋움체" panose="020B0609000101010101" pitchFamily="49" charset="-127"/>
+              </a:rPr>
+              <a:t>bgmAudioSource.Play</a:t>
+            </a:r>
+            <a:r>
+              <a:rPr lang="en-US" altLang="ko-KR" sz="1800" dirty="0">
+                <a:solidFill>
+                  <a:srgbClr val="000000"/>
+                </a:solidFill>
+                <a:highlight>
+                  <a:srgbClr val="FFFFFF"/>
+                </a:highlight>
+                <a:latin typeface="돋움체" panose="020B0609000101010101" pitchFamily="49" charset="-127"/>
+                <a:ea typeface="돋움체" panose="020B0609000101010101" pitchFamily="49" charset="-127"/>
+              </a:rPr>
+              <a:t>();</a:t>
+            </a:r>
+          </a:p>
+        </p:txBody>
+      </p:sp>
     </p:spTree>
   </p:cSld>
   <p:clrMapOvr>
@@ -4076,10 +6449,16 @@
 
 <file path=ppt/slides/slide7.xml><?xml version="1.0" encoding="utf-8"?>
 <p:sld xmlns:a="http://schemas.openxmlformats.org/drawingml/2006/main" xmlns:r="http://schemas.openxmlformats.org/officeDocument/2006/relationships" xmlns:p="http://schemas.openxmlformats.org/presentationml/2006/main">
-  <p:cSld name="Slide 7">
+  <p:cSld>
     <p:spTree>
       <p:nvGrpSpPr>
-        <p:cNvPr id="1" name=""/>
+        <p:cNvPr id="1" name="">
+          <a:extLst>
+            <a:ext uri="{FF2B5EF4-FFF2-40B4-BE49-F238E27FC236}">
+              <a16:creationId xmlns:a16="http://schemas.microsoft.com/office/drawing/2014/main" id="{E32E34EE-FAE3-5884-6136-BEF85A83DB23}"/>
+            </a:ext>
+          </a:extLst>
+        </p:cNvPr>
         <p:cNvGrpSpPr/>
         <p:nvPr/>
       </p:nvGrpSpPr>
@@ -4093,13 +6472,19 @@
       </p:grpSpPr>
       <p:sp>
         <p:nvSpPr>
-          <p:cNvPr id="2" name="Text 0"/>
+          <p:cNvPr id="2" name="Text 0">
+            <a:extLst>
+              <a:ext uri="{FF2B5EF4-FFF2-40B4-BE49-F238E27FC236}">
+                <a16:creationId xmlns:a16="http://schemas.microsoft.com/office/drawing/2014/main" id="{0DD764EF-E1FF-4D72-375C-3EEB61CE2ECE}"/>
+              </a:ext>
+            </a:extLst>
+          </p:cNvPr>
           <p:cNvSpPr/>
           <p:nvPr/>
         </p:nvSpPr>
         <p:spPr>
           <a:xfrm>
-            <a:off x="793790" y="2066330"/>
+            <a:off x="68234" y="94438"/>
             <a:ext cx="7825502" cy="978218"/>
           </a:xfrm>
           <a:prstGeom prst="rect">
@@ -4119,54 +6504,29 @@
               <a:buNone/>
             </a:pPr>
             <a:r>
-              <a:rPr lang="en-US" sz="6150" b="1" dirty="0">
-                <a:solidFill>
-                  <a:srgbClr val="000000"/>
-                </a:solidFill>
-                <a:latin typeface="Inter Bold" pitchFamily="34" charset="0"/>
-                <a:ea typeface="Inter Bold" pitchFamily="34" charset="-122"/>
-                <a:cs typeface="Inter Bold" pitchFamily="34" charset="-120"/>
-              </a:rPr>
+              <a:rPr lang="ko-KR" altLang="en-US" sz="6150" dirty="0"/>
               <a:t>스크립트</a:t>
             </a:r>
             <a:endParaRPr lang="en-US" sz="6150" dirty="0"/>
           </a:p>
         </p:txBody>
       </p:sp>
-      <p:pic>
-        <p:nvPicPr>
-          <p:cNvPr id="3" name="Image 0" descr="preencoded.png"/>
-          <p:cNvPicPr>
-            <a:picLocks noChangeAspect="1"/>
-          </p:cNvPicPr>
-          <p:nvPr/>
-        </p:nvPicPr>
-        <p:blipFill>
-          <a:blip r:embed="rId3"/>
-          <a:stretch>
-            <a:fillRect/>
-          </a:stretch>
-        </p:blipFill>
-        <p:spPr>
-          <a:xfrm>
-            <a:off x="793790" y="3639860"/>
-            <a:ext cx="4082891" cy="2268260"/>
-          </a:xfrm>
-          <a:prstGeom prst="rect">
-            <a:avLst/>
-          </a:prstGeom>
-        </p:spPr>
-      </p:pic>
-      <p:sp>
-        <p:nvSpPr>
-          <p:cNvPr id="4" name="Text 1"/>
+      <p:sp>
+        <p:nvSpPr>
+          <p:cNvPr id="4" name="Text 1">
+            <a:extLst>
+              <a:ext uri="{FF2B5EF4-FFF2-40B4-BE49-F238E27FC236}">
+                <a16:creationId xmlns:a16="http://schemas.microsoft.com/office/drawing/2014/main" id="{412EDD60-A7A8-ABEE-F6EA-92F0431029B8}"/>
+              </a:ext>
+            </a:extLst>
+          </p:cNvPr>
           <p:cNvSpPr/>
           <p:nvPr/>
         </p:nvSpPr>
         <p:spPr>
           <a:xfrm>
-            <a:off x="7599521" y="4136112"/>
-            <a:ext cx="5670590" cy="708779"/>
+            <a:off x="3264334" y="139268"/>
+            <a:ext cx="5670590" cy="1405952"/>
           </a:xfrm>
           <a:prstGeom prst="rect">
             <a:avLst/>
@@ -4185,23 +6545,42 @@
               <a:buNone/>
             </a:pPr>
             <a:r>
-              <a:rPr lang="en-US" sz="4450" b="1" dirty="0">
-                <a:solidFill>
-                  <a:srgbClr val="000000"/>
-                </a:solidFill>
-                <a:latin typeface="Inter Bold" pitchFamily="34" charset="0"/>
-                <a:ea typeface="Inter Bold" pitchFamily="34" charset="-122"/>
-                <a:cs typeface="Inter Bold" pitchFamily="34" charset="-120"/>
-              </a:rPr>
-              <a:t>Board</a:t>
-            </a:r>
+              <a:rPr lang="en-US" sz="4450" dirty="0" err="1"/>
+              <a:t>GameManager</a:t>
+            </a:r>
+            <a:r>
+              <a:rPr lang="en-US" sz="4450" dirty="0"/>
+              <a:t>(</a:t>
+            </a:r>
+            <a:r>
+              <a:rPr lang="ko-KR" altLang="en-US" sz="4450" dirty="0"/>
+              <a:t>사운드</a:t>
+            </a:r>
+            <a:r>
+              <a:rPr lang="en-US" altLang="ko-KR" sz="4450" dirty="0"/>
+              <a:t>)</a:t>
+            </a:r>
+          </a:p>
+          <a:p>
+            <a:pPr marL="0" indent="0" algn="l">
+              <a:lnSpc>
+                <a:spcPts val="5550"/>
+              </a:lnSpc>
+              <a:buNone/>
+            </a:pPr>
             <a:endParaRPr lang="en-US" sz="4450" dirty="0"/>
           </a:p>
         </p:txBody>
       </p:sp>
       <p:sp>
         <p:nvSpPr>
-          <p:cNvPr id="5" name="Text 2"/>
+          <p:cNvPr id="5" name="Text 2">
+            <a:extLst>
+              <a:ext uri="{FF2B5EF4-FFF2-40B4-BE49-F238E27FC236}">
+                <a16:creationId xmlns:a16="http://schemas.microsoft.com/office/drawing/2014/main" id="{509CAE8C-784B-E053-7E05-4A3A34638DA2}"/>
+              </a:ext>
+            </a:extLst>
+          </p:cNvPr>
           <p:cNvSpPr/>
           <p:nvPr/>
         </p:nvSpPr>
@@ -4235,7 +6614,7 @@
           <p:cNvPr id="6" name="직사각형 5">
             <a:extLst>
               <a:ext uri="{FF2B5EF4-FFF2-40B4-BE49-F238E27FC236}">
-                <a16:creationId xmlns:a16="http://schemas.microsoft.com/office/drawing/2014/main" id="{94D0CF56-C81D-E759-8B17-EC29D090C49C}"/>
+                <a16:creationId xmlns:a16="http://schemas.microsoft.com/office/drawing/2014/main" id="{7B413D43-DABD-F8EA-BD9F-8747E919E309}"/>
               </a:ext>
             </a:extLst>
           </p:cNvPr>
@@ -4244,8 +6623,8 @@
         </p:nvSpPr>
         <p:spPr>
           <a:xfrm>
-            <a:off x="12851296" y="7722704"/>
-            <a:ext cx="1779104" cy="462295"/>
+            <a:off x="12801600" y="7742583"/>
+            <a:ext cx="1828800" cy="362903"/>
           </a:xfrm>
           <a:prstGeom prst="rect">
             <a:avLst/>
@@ -4284,7 +6663,1293 @@
           </a:p>
         </p:txBody>
       </p:sp>
+      <p:sp>
+        <p:nvSpPr>
+          <p:cNvPr id="22" name="TextBox 21">
+            <a:extLst>
+              <a:ext uri="{FF2B5EF4-FFF2-40B4-BE49-F238E27FC236}">
+                <a16:creationId xmlns:a16="http://schemas.microsoft.com/office/drawing/2014/main" id="{AD52FAF4-6CBC-166F-6A0C-C97819B27594}"/>
+              </a:ext>
+            </a:extLst>
+          </p:cNvPr>
+          <p:cNvSpPr txBox="1"/>
+          <p:nvPr/>
+        </p:nvSpPr>
+        <p:spPr>
+          <a:xfrm>
+            <a:off x="8798197" y="2024035"/>
+            <a:ext cx="3361873" cy="646331"/>
+          </a:xfrm>
+          <a:prstGeom prst="rect">
+            <a:avLst/>
+          </a:prstGeom>
+          <a:noFill/>
+        </p:spPr>
+        <p:txBody>
+          <a:bodyPr wrap="square" rtlCol="0">
+            <a:spAutoFit/>
+          </a:bodyPr>
+          <a:lstStyle/>
+          <a:p>
+            <a:r>
+              <a:rPr lang="ko-KR" altLang="en-US" dirty="0"/>
+              <a:t>게임 시간에 따라 </a:t>
+            </a:r>
+            <a:r>
+              <a:rPr lang="en-US" altLang="ko-KR" dirty="0" err="1"/>
+              <a:t>Bgm</a:t>
+            </a:r>
+            <a:r>
+              <a:rPr lang="ko-KR" altLang="en-US" dirty="0"/>
+              <a:t>변화</a:t>
+            </a:r>
+            <a:endParaRPr lang="en-US" altLang="ko-KR" dirty="0"/>
+          </a:p>
+          <a:p>
+            <a:r>
+              <a:rPr lang="ko-KR" altLang="en-US" dirty="0"/>
+              <a:t>게임이 종료되면 </a:t>
+            </a:r>
+            <a:r>
+              <a:rPr lang="en-US" altLang="ko-KR" dirty="0" err="1"/>
+              <a:t>Bgm</a:t>
+            </a:r>
+            <a:r>
+              <a:rPr lang="en-US" altLang="ko-KR" dirty="0"/>
+              <a:t> </a:t>
+            </a:r>
+            <a:r>
+              <a:rPr lang="ko-KR" altLang="en-US" dirty="0"/>
+              <a:t>멈춤</a:t>
+            </a:r>
+          </a:p>
+        </p:txBody>
+      </p:sp>
+      <p:sp>
+        <p:nvSpPr>
+          <p:cNvPr id="7" name="TextBox 6">
+            <a:extLst>
+              <a:ext uri="{FF2B5EF4-FFF2-40B4-BE49-F238E27FC236}">
+                <a16:creationId xmlns:a16="http://schemas.microsoft.com/office/drawing/2014/main" id="{771ECBD8-98DE-0B70-49C1-D3A88BADEE48}"/>
+              </a:ext>
+            </a:extLst>
+          </p:cNvPr>
+          <p:cNvSpPr txBox="1"/>
+          <p:nvPr/>
+        </p:nvSpPr>
+        <p:spPr>
+          <a:xfrm>
+            <a:off x="68234" y="842244"/>
+            <a:ext cx="6809644" cy="7294305"/>
+          </a:xfrm>
+          <a:prstGeom prst="rect">
+            <a:avLst/>
+          </a:prstGeom>
+          <a:noFill/>
+        </p:spPr>
+        <p:txBody>
+          <a:bodyPr wrap="square">
+            <a:spAutoFit/>
+          </a:bodyPr>
+          <a:lstStyle/>
+          <a:p>
+            <a:r>
+              <a:rPr lang="en-US" altLang="ko-KR" sz="1800" dirty="0">
+                <a:solidFill>
+                  <a:srgbClr val="0000FF"/>
+                </a:solidFill>
+                <a:highlight>
+                  <a:srgbClr val="FFFFFF"/>
+                </a:highlight>
+                <a:latin typeface="돋움체" panose="020B0609000101010101" pitchFamily="49" charset="-127"/>
+                <a:ea typeface="돋움체" panose="020B0609000101010101" pitchFamily="49" charset="-127"/>
+              </a:rPr>
+              <a:t>void</a:t>
+            </a:r>
+            <a:r>
+              <a:rPr lang="en-US" altLang="ko-KR" sz="1800" dirty="0">
+                <a:solidFill>
+                  <a:srgbClr val="000000"/>
+                </a:solidFill>
+                <a:highlight>
+                  <a:srgbClr val="FFFFFF"/>
+                </a:highlight>
+                <a:latin typeface="돋움체" panose="020B0609000101010101" pitchFamily="49" charset="-127"/>
+                <a:ea typeface="돋움체" panose="020B0609000101010101" pitchFamily="49" charset="-127"/>
+              </a:rPr>
+              <a:t> Update()</a:t>
+            </a:r>
+          </a:p>
+          <a:p>
+            <a:r>
+              <a:rPr lang="en-US" altLang="ko-KR" sz="1800" dirty="0">
+                <a:solidFill>
+                  <a:srgbClr val="000000"/>
+                </a:solidFill>
+                <a:highlight>
+                  <a:srgbClr val="FFFFFF"/>
+                </a:highlight>
+                <a:latin typeface="돋움체" panose="020B0609000101010101" pitchFamily="49" charset="-127"/>
+                <a:ea typeface="돋움체" panose="020B0609000101010101" pitchFamily="49" charset="-127"/>
+              </a:rPr>
+              <a:t>{</a:t>
+            </a:r>
+          </a:p>
+          <a:p>
+            <a:r>
+              <a:rPr lang="en-US" altLang="ko-KR" sz="1800" dirty="0">
+                <a:solidFill>
+                  <a:srgbClr val="000000"/>
+                </a:solidFill>
+                <a:highlight>
+                  <a:srgbClr val="FFFFFF"/>
+                </a:highlight>
+                <a:latin typeface="돋움체" panose="020B0609000101010101" pitchFamily="49" charset="-127"/>
+                <a:ea typeface="돋움체" panose="020B0609000101010101" pitchFamily="49" charset="-127"/>
+              </a:rPr>
+              <a:t>    </a:t>
+            </a:r>
+            <a:r>
+              <a:rPr lang="en-US" altLang="ko-KR" sz="1800" dirty="0">
+                <a:solidFill>
+                  <a:srgbClr val="0000FF"/>
+                </a:solidFill>
+                <a:highlight>
+                  <a:srgbClr val="FFFFFF"/>
+                </a:highlight>
+                <a:latin typeface="돋움체" panose="020B0609000101010101" pitchFamily="49" charset="-127"/>
+                <a:ea typeface="돋움체" panose="020B0609000101010101" pitchFamily="49" charset="-127"/>
+              </a:rPr>
+              <a:t>switch</a:t>
+            </a:r>
+            <a:r>
+              <a:rPr lang="en-US" altLang="ko-KR" sz="1800" dirty="0">
+                <a:solidFill>
+                  <a:srgbClr val="000000"/>
+                </a:solidFill>
+                <a:highlight>
+                  <a:srgbClr val="FFFFFF"/>
+                </a:highlight>
+                <a:latin typeface="돋움체" panose="020B0609000101010101" pitchFamily="49" charset="-127"/>
+                <a:ea typeface="돋움체" panose="020B0609000101010101" pitchFamily="49" charset="-127"/>
+              </a:rPr>
+              <a:t> (progress)</a:t>
+            </a:r>
+          </a:p>
+          <a:p>
+            <a:r>
+              <a:rPr lang="ko-KR" altLang="en-US" sz="1800" dirty="0">
+                <a:solidFill>
+                  <a:srgbClr val="000000"/>
+                </a:solidFill>
+                <a:highlight>
+                  <a:srgbClr val="FFFFFF"/>
+                </a:highlight>
+                <a:latin typeface="돋움체" panose="020B0609000101010101" pitchFamily="49" charset="-127"/>
+                <a:ea typeface="돋움체" panose="020B0609000101010101" pitchFamily="49" charset="-127"/>
+              </a:rPr>
+              <a:t>    </a:t>
+            </a:r>
+            <a:r>
+              <a:rPr lang="en-US" altLang="ko-KR" sz="1800" dirty="0">
+                <a:solidFill>
+                  <a:srgbClr val="000000"/>
+                </a:solidFill>
+                <a:highlight>
+                  <a:srgbClr val="FFFFFF"/>
+                </a:highlight>
+                <a:latin typeface="돋움체" panose="020B0609000101010101" pitchFamily="49" charset="-127"/>
+                <a:ea typeface="돋움체" panose="020B0609000101010101" pitchFamily="49" charset="-127"/>
+              </a:rPr>
+              <a:t>{</a:t>
+            </a:r>
+          </a:p>
+          <a:p>
+            <a:r>
+              <a:rPr lang="en-US" altLang="ko-KR" sz="1800" dirty="0">
+                <a:solidFill>
+                  <a:srgbClr val="000000"/>
+                </a:solidFill>
+                <a:highlight>
+                  <a:srgbClr val="FFFFFF"/>
+                </a:highlight>
+                <a:latin typeface="돋움체" panose="020B0609000101010101" pitchFamily="49" charset="-127"/>
+                <a:ea typeface="돋움체" panose="020B0609000101010101" pitchFamily="49" charset="-127"/>
+              </a:rPr>
+              <a:t>        </a:t>
+            </a:r>
+            <a:r>
+              <a:rPr lang="en-US" altLang="ko-KR" sz="1800" dirty="0">
+                <a:solidFill>
+                  <a:srgbClr val="0000FF"/>
+                </a:solidFill>
+                <a:highlight>
+                  <a:srgbClr val="FFFFFF"/>
+                </a:highlight>
+                <a:latin typeface="돋움체" panose="020B0609000101010101" pitchFamily="49" charset="-127"/>
+                <a:ea typeface="돋움체" panose="020B0609000101010101" pitchFamily="49" charset="-127"/>
+              </a:rPr>
+              <a:t>case</a:t>
+            </a:r>
+            <a:r>
+              <a:rPr lang="en-US" altLang="ko-KR" sz="1800" dirty="0">
+                <a:solidFill>
+                  <a:srgbClr val="000000"/>
+                </a:solidFill>
+                <a:highlight>
+                  <a:srgbClr val="FFFFFF"/>
+                </a:highlight>
+                <a:latin typeface="돋움체" panose="020B0609000101010101" pitchFamily="49" charset="-127"/>
+                <a:ea typeface="돋움체" panose="020B0609000101010101" pitchFamily="49" charset="-127"/>
+              </a:rPr>
+              <a:t> </a:t>
+            </a:r>
+            <a:r>
+              <a:rPr lang="en-US" altLang="ko-KR" sz="1800" dirty="0" err="1">
+                <a:solidFill>
+                  <a:srgbClr val="000000"/>
+                </a:solidFill>
+                <a:highlight>
+                  <a:srgbClr val="FFFFFF"/>
+                </a:highlight>
+                <a:latin typeface="돋움체" panose="020B0609000101010101" pitchFamily="49" charset="-127"/>
+                <a:ea typeface="돋움체" panose="020B0609000101010101" pitchFamily="49" charset="-127"/>
+              </a:rPr>
+              <a:t>GameProgress.StartGame</a:t>
+            </a:r>
+            <a:r>
+              <a:rPr lang="en-US" altLang="ko-KR" sz="1800" dirty="0">
+                <a:solidFill>
+                  <a:srgbClr val="000000"/>
+                </a:solidFill>
+                <a:highlight>
+                  <a:srgbClr val="FFFFFF"/>
+                </a:highlight>
+                <a:latin typeface="돋움체" panose="020B0609000101010101" pitchFamily="49" charset="-127"/>
+                <a:ea typeface="돋움체" panose="020B0609000101010101" pitchFamily="49" charset="-127"/>
+              </a:rPr>
+              <a:t>:</a:t>
+            </a:r>
+          </a:p>
+          <a:p>
+            <a:endParaRPr lang="ko-KR" altLang="en-US" sz="1800" dirty="0">
+              <a:solidFill>
+                <a:srgbClr val="000000"/>
+              </a:solidFill>
+              <a:highlight>
+                <a:srgbClr val="FFFFFF"/>
+              </a:highlight>
+              <a:latin typeface="돋움체" panose="020B0609000101010101" pitchFamily="49" charset="-127"/>
+              <a:ea typeface="돋움체" panose="020B0609000101010101" pitchFamily="49" charset="-127"/>
+            </a:endParaRPr>
+          </a:p>
+          <a:p>
+            <a:r>
+              <a:rPr lang="en-US" altLang="ko-KR" sz="1800" dirty="0">
+                <a:solidFill>
+                  <a:srgbClr val="000000"/>
+                </a:solidFill>
+                <a:highlight>
+                  <a:srgbClr val="FFFFFF"/>
+                </a:highlight>
+                <a:latin typeface="돋움체" panose="020B0609000101010101" pitchFamily="49" charset="-127"/>
+                <a:ea typeface="돋움체" panose="020B0609000101010101" pitchFamily="49" charset="-127"/>
+              </a:rPr>
+              <a:t>            </a:t>
+            </a:r>
+            <a:r>
+              <a:rPr lang="en-US" altLang="ko-KR" sz="1800" dirty="0">
+                <a:solidFill>
+                  <a:srgbClr val="0000FF"/>
+                </a:solidFill>
+                <a:highlight>
+                  <a:srgbClr val="FFFFFF"/>
+                </a:highlight>
+                <a:latin typeface="돋움체" panose="020B0609000101010101" pitchFamily="49" charset="-127"/>
+                <a:ea typeface="돋움체" panose="020B0609000101010101" pitchFamily="49" charset="-127"/>
+              </a:rPr>
+              <a:t>if</a:t>
+            </a:r>
+            <a:r>
+              <a:rPr lang="en-US" altLang="ko-KR" sz="1800" dirty="0">
+                <a:solidFill>
+                  <a:srgbClr val="000000"/>
+                </a:solidFill>
+                <a:highlight>
+                  <a:srgbClr val="FFFFFF"/>
+                </a:highlight>
+                <a:latin typeface="돋움체" panose="020B0609000101010101" pitchFamily="49" charset="-127"/>
+                <a:ea typeface="돋움체" panose="020B0609000101010101" pitchFamily="49" charset="-127"/>
+              </a:rPr>
+              <a:t> (time &lt;= 10f &amp;&amp; !</a:t>
+            </a:r>
+            <a:r>
+              <a:rPr lang="en-US" altLang="ko-KR" sz="1800" dirty="0" err="1">
+                <a:solidFill>
+                  <a:srgbClr val="000000"/>
+                </a:solidFill>
+                <a:highlight>
+                  <a:srgbClr val="FFFFFF"/>
+                </a:highlight>
+                <a:latin typeface="돋움체" panose="020B0609000101010101" pitchFamily="49" charset="-127"/>
+                <a:ea typeface="돋움체" panose="020B0609000101010101" pitchFamily="49" charset="-127"/>
+              </a:rPr>
+              <a:t>isWarningBGMPlaying</a:t>
+            </a:r>
+            <a:r>
+              <a:rPr lang="en-US" altLang="ko-KR" sz="1800" dirty="0">
+                <a:solidFill>
+                  <a:srgbClr val="000000"/>
+                </a:solidFill>
+                <a:highlight>
+                  <a:srgbClr val="FFFFFF"/>
+                </a:highlight>
+                <a:latin typeface="돋움체" panose="020B0609000101010101" pitchFamily="49" charset="-127"/>
+                <a:ea typeface="돋움체" panose="020B0609000101010101" pitchFamily="49" charset="-127"/>
+              </a:rPr>
+              <a:t>)</a:t>
+            </a:r>
+          </a:p>
+          <a:p>
+            <a:r>
+              <a:rPr lang="ko-KR" altLang="en-US" sz="1800" dirty="0">
+                <a:solidFill>
+                  <a:srgbClr val="000000"/>
+                </a:solidFill>
+                <a:highlight>
+                  <a:srgbClr val="FFFFFF"/>
+                </a:highlight>
+                <a:latin typeface="돋움체" panose="020B0609000101010101" pitchFamily="49" charset="-127"/>
+                <a:ea typeface="돋움체" panose="020B0609000101010101" pitchFamily="49" charset="-127"/>
+              </a:rPr>
+              <a:t>            </a:t>
+            </a:r>
+            <a:r>
+              <a:rPr lang="en-US" altLang="ko-KR" sz="1800" dirty="0">
+                <a:solidFill>
+                  <a:srgbClr val="000000"/>
+                </a:solidFill>
+                <a:highlight>
+                  <a:srgbClr val="FFFFFF"/>
+                </a:highlight>
+                <a:latin typeface="돋움체" panose="020B0609000101010101" pitchFamily="49" charset="-127"/>
+                <a:ea typeface="돋움체" panose="020B0609000101010101" pitchFamily="49" charset="-127"/>
+              </a:rPr>
+              <a:t>{</a:t>
+            </a:r>
+          </a:p>
+          <a:p>
+            <a:r>
+              <a:rPr lang="en-US" altLang="ko-KR" sz="1800" dirty="0">
+                <a:solidFill>
+                  <a:srgbClr val="000000"/>
+                </a:solidFill>
+                <a:highlight>
+                  <a:srgbClr val="FFFFFF"/>
+                </a:highlight>
+                <a:latin typeface="돋움체" panose="020B0609000101010101" pitchFamily="49" charset="-127"/>
+                <a:ea typeface="돋움체" panose="020B0609000101010101" pitchFamily="49" charset="-127"/>
+              </a:rPr>
+              <a:t>                </a:t>
+            </a:r>
+            <a:r>
+              <a:rPr lang="en-US" altLang="ko-KR" sz="1800" dirty="0" err="1">
+                <a:solidFill>
+                  <a:srgbClr val="000000"/>
+                </a:solidFill>
+                <a:highlight>
+                  <a:srgbClr val="FFFFFF"/>
+                </a:highlight>
+                <a:latin typeface="돋움체" panose="020B0609000101010101" pitchFamily="49" charset="-127"/>
+                <a:ea typeface="돋움체" panose="020B0609000101010101" pitchFamily="49" charset="-127"/>
+              </a:rPr>
+              <a:t>bgmAudioSource.Stop</a:t>
+            </a:r>
+            <a:r>
+              <a:rPr lang="en-US" altLang="ko-KR" sz="1800" dirty="0">
+                <a:solidFill>
+                  <a:srgbClr val="000000"/>
+                </a:solidFill>
+                <a:highlight>
+                  <a:srgbClr val="FFFFFF"/>
+                </a:highlight>
+                <a:latin typeface="돋움체" panose="020B0609000101010101" pitchFamily="49" charset="-127"/>
+                <a:ea typeface="돋움체" panose="020B0609000101010101" pitchFamily="49" charset="-127"/>
+              </a:rPr>
+              <a:t>();</a:t>
+            </a:r>
+          </a:p>
+          <a:p>
+            <a:r>
+              <a:rPr lang="en-US" altLang="ko-KR" sz="1800" dirty="0">
+                <a:solidFill>
+                  <a:srgbClr val="000000"/>
+                </a:solidFill>
+                <a:highlight>
+                  <a:srgbClr val="FFFFFF"/>
+                </a:highlight>
+                <a:latin typeface="돋움체" panose="020B0609000101010101" pitchFamily="49" charset="-127"/>
+                <a:ea typeface="돋움체" panose="020B0609000101010101" pitchFamily="49" charset="-127"/>
+              </a:rPr>
+              <a:t>                </a:t>
+            </a:r>
+            <a:r>
+              <a:rPr lang="en-US" altLang="ko-KR" sz="1800" dirty="0" err="1">
+                <a:solidFill>
+                  <a:srgbClr val="000000"/>
+                </a:solidFill>
+                <a:highlight>
+                  <a:srgbClr val="FFFFFF"/>
+                </a:highlight>
+                <a:latin typeface="돋움체" panose="020B0609000101010101" pitchFamily="49" charset="-127"/>
+                <a:ea typeface="돋움체" panose="020B0609000101010101" pitchFamily="49" charset="-127"/>
+              </a:rPr>
+              <a:t>bgmAudioSource.clip</a:t>
+            </a:r>
+            <a:r>
+              <a:rPr lang="en-US" altLang="ko-KR" sz="1800" dirty="0">
+                <a:solidFill>
+                  <a:srgbClr val="000000"/>
+                </a:solidFill>
+                <a:highlight>
+                  <a:srgbClr val="FFFFFF"/>
+                </a:highlight>
+                <a:latin typeface="돋움체" panose="020B0609000101010101" pitchFamily="49" charset="-127"/>
+                <a:ea typeface="돋움체" panose="020B0609000101010101" pitchFamily="49" charset="-127"/>
+              </a:rPr>
+              <a:t> = </a:t>
+            </a:r>
+            <a:r>
+              <a:rPr lang="en-US" altLang="ko-KR" sz="1800" dirty="0" err="1">
+                <a:solidFill>
+                  <a:srgbClr val="000000"/>
+                </a:solidFill>
+                <a:highlight>
+                  <a:srgbClr val="FFFFFF"/>
+                </a:highlight>
+                <a:latin typeface="돋움체" panose="020B0609000101010101" pitchFamily="49" charset="-127"/>
+                <a:ea typeface="돋움체" panose="020B0609000101010101" pitchFamily="49" charset="-127"/>
+              </a:rPr>
+              <a:t>warningBGM</a:t>
+            </a:r>
+            <a:r>
+              <a:rPr lang="en-US" altLang="ko-KR" sz="1800" dirty="0">
+                <a:solidFill>
+                  <a:srgbClr val="000000"/>
+                </a:solidFill>
+                <a:highlight>
+                  <a:srgbClr val="FFFFFF"/>
+                </a:highlight>
+                <a:latin typeface="돋움체" panose="020B0609000101010101" pitchFamily="49" charset="-127"/>
+                <a:ea typeface="돋움체" panose="020B0609000101010101" pitchFamily="49" charset="-127"/>
+              </a:rPr>
+              <a:t>;</a:t>
+            </a:r>
+          </a:p>
+          <a:p>
+            <a:r>
+              <a:rPr lang="en-US" altLang="ko-KR" sz="1800" dirty="0">
+                <a:solidFill>
+                  <a:srgbClr val="000000"/>
+                </a:solidFill>
+                <a:highlight>
+                  <a:srgbClr val="FFFFFF"/>
+                </a:highlight>
+                <a:latin typeface="돋움체" panose="020B0609000101010101" pitchFamily="49" charset="-127"/>
+                <a:ea typeface="돋움체" panose="020B0609000101010101" pitchFamily="49" charset="-127"/>
+              </a:rPr>
+              <a:t>                </a:t>
+            </a:r>
+            <a:r>
+              <a:rPr lang="en-US" altLang="ko-KR" sz="1800" dirty="0" err="1">
+                <a:solidFill>
+                  <a:srgbClr val="000000"/>
+                </a:solidFill>
+                <a:highlight>
+                  <a:srgbClr val="FFFFFF"/>
+                </a:highlight>
+                <a:latin typeface="돋움체" panose="020B0609000101010101" pitchFamily="49" charset="-127"/>
+                <a:ea typeface="돋움체" panose="020B0609000101010101" pitchFamily="49" charset="-127"/>
+              </a:rPr>
+              <a:t>bgmAudioSource.volume</a:t>
+            </a:r>
+            <a:r>
+              <a:rPr lang="en-US" altLang="ko-KR" sz="1800" dirty="0">
+                <a:solidFill>
+                  <a:srgbClr val="000000"/>
+                </a:solidFill>
+                <a:highlight>
+                  <a:srgbClr val="FFFFFF"/>
+                </a:highlight>
+                <a:latin typeface="돋움체" panose="020B0609000101010101" pitchFamily="49" charset="-127"/>
+                <a:ea typeface="돋움체" panose="020B0609000101010101" pitchFamily="49" charset="-127"/>
+              </a:rPr>
+              <a:t> = 0.2f;</a:t>
+            </a:r>
+          </a:p>
+          <a:p>
+            <a:r>
+              <a:rPr lang="en-US" altLang="ko-KR" sz="1800" dirty="0">
+                <a:solidFill>
+                  <a:srgbClr val="000000"/>
+                </a:solidFill>
+                <a:highlight>
+                  <a:srgbClr val="FFFFFF"/>
+                </a:highlight>
+                <a:latin typeface="돋움체" panose="020B0609000101010101" pitchFamily="49" charset="-127"/>
+                <a:ea typeface="돋움체" panose="020B0609000101010101" pitchFamily="49" charset="-127"/>
+              </a:rPr>
+              <a:t>                </a:t>
+            </a:r>
+            <a:r>
+              <a:rPr lang="en-US" altLang="ko-KR" sz="1800" dirty="0" err="1">
+                <a:solidFill>
+                  <a:srgbClr val="000000"/>
+                </a:solidFill>
+                <a:highlight>
+                  <a:srgbClr val="FFFFFF"/>
+                </a:highlight>
+                <a:latin typeface="돋움체" panose="020B0609000101010101" pitchFamily="49" charset="-127"/>
+                <a:ea typeface="돋움체" panose="020B0609000101010101" pitchFamily="49" charset="-127"/>
+              </a:rPr>
+              <a:t>bgmAudioSource.Play</a:t>
+            </a:r>
+            <a:r>
+              <a:rPr lang="en-US" altLang="ko-KR" sz="1800" dirty="0">
+                <a:solidFill>
+                  <a:srgbClr val="000000"/>
+                </a:solidFill>
+                <a:highlight>
+                  <a:srgbClr val="FFFFFF"/>
+                </a:highlight>
+                <a:latin typeface="돋움체" panose="020B0609000101010101" pitchFamily="49" charset="-127"/>
+                <a:ea typeface="돋움체" panose="020B0609000101010101" pitchFamily="49" charset="-127"/>
+              </a:rPr>
+              <a:t>();</a:t>
+            </a:r>
+          </a:p>
+          <a:p>
+            <a:r>
+              <a:rPr lang="en-US" altLang="ko-KR" sz="1800" dirty="0">
+                <a:solidFill>
+                  <a:srgbClr val="000000"/>
+                </a:solidFill>
+                <a:highlight>
+                  <a:srgbClr val="FFFFFF"/>
+                </a:highlight>
+                <a:latin typeface="돋움체" panose="020B0609000101010101" pitchFamily="49" charset="-127"/>
+                <a:ea typeface="돋움체" panose="020B0609000101010101" pitchFamily="49" charset="-127"/>
+              </a:rPr>
+              <a:t>                </a:t>
+            </a:r>
+            <a:r>
+              <a:rPr lang="en-US" altLang="ko-KR" sz="1800" dirty="0" err="1">
+                <a:solidFill>
+                  <a:srgbClr val="000000"/>
+                </a:solidFill>
+                <a:highlight>
+                  <a:srgbClr val="FFFFFF"/>
+                </a:highlight>
+                <a:latin typeface="돋움체" panose="020B0609000101010101" pitchFamily="49" charset="-127"/>
+                <a:ea typeface="돋움체" panose="020B0609000101010101" pitchFamily="49" charset="-127"/>
+              </a:rPr>
+              <a:t>isWarningBGMPlaying</a:t>
+            </a:r>
+            <a:r>
+              <a:rPr lang="en-US" altLang="ko-KR" sz="1800" dirty="0">
+                <a:solidFill>
+                  <a:srgbClr val="000000"/>
+                </a:solidFill>
+                <a:highlight>
+                  <a:srgbClr val="FFFFFF"/>
+                </a:highlight>
+                <a:latin typeface="돋움체" panose="020B0609000101010101" pitchFamily="49" charset="-127"/>
+                <a:ea typeface="돋움체" panose="020B0609000101010101" pitchFamily="49" charset="-127"/>
+              </a:rPr>
+              <a:t> = </a:t>
+            </a:r>
+            <a:r>
+              <a:rPr lang="en-US" altLang="ko-KR" sz="1800" dirty="0">
+                <a:solidFill>
+                  <a:srgbClr val="0000FF"/>
+                </a:solidFill>
+                <a:highlight>
+                  <a:srgbClr val="FFFFFF"/>
+                </a:highlight>
+                <a:latin typeface="돋움체" panose="020B0609000101010101" pitchFamily="49" charset="-127"/>
+                <a:ea typeface="돋움체" panose="020B0609000101010101" pitchFamily="49" charset="-127"/>
+              </a:rPr>
+              <a:t>true</a:t>
+            </a:r>
+            <a:r>
+              <a:rPr lang="en-US" altLang="ko-KR" sz="1800" dirty="0">
+                <a:solidFill>
+                  <a:srgbClr val="000000"/>
+                </a:solidFill>
+                <a:highlight>
+                  <a:srgbClr val="FFFFFF"/>
+                </a:highlight>
+                <a:latin typeface="돋움체" panose="020B0609000101010101" pitchFamily="49" charset="-127"/>
+                <a:ea typeface="돋움체" panose="020B0609000101010101" pitchFamily="49" charset="-127"/>
+              </a:rPr>
+              <a:t>;</a:t>
+            </a:r>
+          </a:p>
+          <a:p>
+            <a:r>
+              <a:rPr lang="ko-KR" altLang="en-US" sz="1800" dirty="0">
+                <a:solidFill>
+                  <a:srgbClr val="000000"/>
+                </a:solidFill>
+                <a:highlight>
+                  <a:srgbClr val="FFFFFF"/>
+                </a:highlight>
+                <a:latin typeface="돋움체" panose="020B0609000101010101" pitchFamily="49" charset="-127"/>
+                <a:ea typeface="돋움체" panose="020B0609000101010101" pitchFamily="49" charset="-127"/>
+              </a:rPr>
+              <a:t>            </a:t>
+            </a:r>
+            <a:r>
+              <a:rPr lang="en-US" altLang="ko-KR" sz="1800" dirty="0">
+                <a:solidFill>
+                  <a:srgbClr val="000000"/>
+                </a:solidFill>
+                <a:highlight>
+                  <a:srgbClr val="FFFFFF"/>
+                </a:highlight>
+                <a:latin typeface="돋움체" panose="020B0609000101010101" pitchFamily="49" charset="-127"/>
+                <a:ea typeface="돋움체" panose="020B0609000101010101" pitchFamily="49" charset="-127"/>
+              </a:rPr>
+              <a:t>}</a:t>
+            </a:r>
+          </a:p>
+          <a:p>
+            <a:r>
+              <a:rPr lang="en-US" altLang="ko-KR" sz="1800" dirty="0">
+                <a:solidFill>
+                  <a:srgbClr val="000000"/>
+                </a:solidFill>
+                <a:highlight>
+                  <a:srgbClr val="FFFFFF"/>
+                </a:highlight>
+                <a:latin typeface="돋움체" panose="020B0609000101010101" pitchFamily="49" charset="-127"/>
+                <a:ea typeface="돋움체" panose="020B0609000101010101" pitchFamily="49" charset="-127"/>
+              </a:rPr>
+              <a:t>            </a:t>
+            </a:r>
+            <a:r>
+              <a:rPr lang="en-US" altLang="ko-KR" sz="1800" dirty="0">
+                <a:solidFill>
+                  <a:srgbClr val="0000FF"/>
+                </a:solidFill>
+                <a:highlight>
+                  <a:srgbClr val="FFFFFF"/>
+                </a:highlight>
+                <a:latin typeface="돋움체" panose="020B0609000101010101" pitchFamily="49" charset="-127"/>
+                <a:ea typeface="돋움체" panose="020B0609000101010101" pitchFamily="49" charset="-127"/>
+              </a:rPr>
+              <a:t>else</a:t>
+            </a:r>
+            <a:r>
+              <a:rPr lang="en-US" altLang="ko-KR" sz="1800" dirty="0">
+                <a:solidFill>
+                  <a:srgbClr val="000000"/>
+                </a:solidFill>
+                <a:highlight>
+                  <a:srgbClr val="FFFFFF"/>
+                </a:highlight>
+                <a:latin typeface="돋움체" panose="020B0609000101010101" pitchFamily="49" charset="-127"/>
+                <a:ea typeface="돋움체" panose="020B0609000101010101" pitchFamily="49" charset="-127"/>
+              </a:rPr>
+              <a:t> </a:t>
+            </a:r>
+            <a:r>
+              <a:rPr lang="en-US" altLang="ko-KR" sz="1800" dirty="0">
+                <a:solidFill>
+                  <a:srgbClr val="0000FF"/>
+                </a:solidFill>
+                <a:highlight>
+                  <a:srgbClr val="FFFFFF"/>
+                </a:highlight>
+                <a:latin typeface="돋움체" panose="020B0609000101010101" pitchFamily="49" charset="-127"/>
+                <a:ea typeface="돋움체" panose="020B0609000101010101" pitchFamily="49" charset="-127"/>
+              </a:rPr>
+              <a:t>if</a:t>
+            </a:r>
+            <a:r>
+              <a:rPr lang="en-US" altLang="ko-KR" sz="1800" dirty="0">
+                <a:solidFill>
+                  <a:srgbClr val="000000"/>
+                </a:solidFill>
+                <a:highlight>
+                  <a:srgbClr val="FFFFFF"/>
+                </a:highlight>
+                <a:latin typeface="돋움체" panose="020B0609000101010101" pitchFamily="49" charset="-127"/>
+                <a:ea typeface="돋움체" panose="020B0609000101010101" pitchFamily="49" charset="-127"/>
+              </a:rPr>
+              <a:t> (time &gt; 10f &amp;&amp; </a:t>
+            </a:r>
+            <a:r>
+              <a:rPr lang="en-US" altLang="ko-KR" sz="1800" dirty="0" err="1">
+                <a:solidFill>
+                  <a:srgbClr val="000000"/>
+                </a:solidFill>
+                <a:highlight>
+                  <a:srgbClr val="FFFFFF"/>
+                </a:highlight>
+                <a:latin typeface="돋움체" panose="020B0609000101010101" pitchFamily="49" charset="-127"/>
+                <a:ea typeface="돋움체" panose="020B0609000101010101" pitchFamily="49" charset="-127"/>
+              </a:rPr>
+              <a:t>isWarningBGMPlaying</a:t>
+            </a:r>
+            <a:r>
+              <a:rPr lang="en-US" altLang="ko-KR" sz="1800" dirty="0">
+                <a:solidFill>
+                  <a:srgbClr val="000000"/>
+                </a:solidFill>
+                <a:highlight>
+                  <a:srgbClr val="FFFFFF"/>
+                </a:highlight>
+                <a:latin typeface="돋움체" panose="020B0609000101010101" pitchFamily="49" charset="-127"/>
+                <a:ea typeface="돋움체" panose="020B0609000101010101" pitchFamily="49" charset="-127"/>
+              </a:rPr>
+              <a:t>)</a:t>
+            </a:r>
+          </a:p>
+          <a:p>
+            <a:r>
+              <a:rPr lang="ko-KR" altLang="en-US" sz="1800" dirty="0">
+                <a:solidFill>
+                  <a:srgbClr val="000000"/>
+                </a:solidFill>
+                <a:highlight>
+                  <a:srgbClr val="FFFFFF"/>
+                </a:highlight>
+                <a:latin typeface="돋움체" panose="020B0609000101010101" pitchFamily="49" charset="-127"/>
+                <a:ea typeface="돋움체" panose="020B0609000101010101" pitchFamily="49" charset="-127"/>
+              </a:rPr>
+              <a:t>            </a:t>
+            </a:r>
+            <a:r>
+              <a:rPr lang="en-US" altLang="ko-KR" sz="1800" dirty="0">
+                <a:solidFill>
+                  <a:srgbClr val="000000"/>
+                </a:solidFill>
+                <a:highlight>
+                  <a:srgbClr val="FFFFFF"/>
+                </a:highlight>
+                <a:latin typeface="돋움체" panose="020B0609000101010101" pitchFamily="49" charset="-127"/>
+                <a:ea typeface="돋움체" panose="020B0609000101010101" pitchFamily="49" charset="-127"/>
+              </a:rPr>
+              <a:t>{</a:t>
+            </a:r>
+          </a:p>
+          <a:p>
+            <a:r>
+              <a:rPr lang="en-US" altLang="ko-KR" sz="1800" dirty="0">
+                <a:solidFill>
+                  <a:srgbClr val="000000"/>
+                </a:solidFill>
+                <a:highlight>
+                  <a:srgbClr val="FFFFFF"/>
+                </a:highlight>
+                <a:latin typeface="돋움체" panose="020B0609000101010101" pitchFamily="49" charset="-127"/>
+                <a:ea typeface="돋움체" panose="020B0609000101010101" pitchFamily="49" charset="-127"/>
+              </a:rPr>
+              <a:t>                </a:t>
+            </a:r>
+            <a:r>
+              <a:rPr lang="en-US" altLang="ko-KR" sz="1800" dirty="0" err="1">
+                <a:solidFill>
+                  <a:srgbClr val="000000"/>
+                </a:solidFill>
+                <a:highlight>
+                  <a:srgbClr val="FFFFFF"/>
+                </a:highlight>
+                <a:latin typeface="돋움체" panose="020B0609000101010101" pitchFamily="49" charset="-127"/>
+                <a:ea typeface="돋움체" panose="020B0609000101010101" pitchFamily="49" charset="-127"/>
+              </a:rPr>
+              <a:t>bgmAudioSource.Stop</a:t>
+            </a:r>
+            <a:r>
+              <a:rPr lang="en-US" altLang="ko-KR" sz="1800" dirty="0">
+                <a:solidFill>
+                  <a:srgbClr val="000000"/>
+                </a:solidFill>
+                <a:highlight>
+                  <a:srgbClr val="FFFFFF"/>
+                </a:highlight>
+                <a:latin typeface="돋움체" panose="020B0609000101010101" pitchFamily="49" charset="-127"/>
+                <a:ea typeface="돋움체" panose="020B0609000101010101" pitchFamily="49" charset="-127"/>
+              </a:rPr>
+              <a:t>();</a:t>
+            </a:r>
+          </a:p>
+          <a:p>
+            <a:r>
+              <a:rPr lang="en-US" altLang="ko-KR" sz="1800" dirty="0">
+                <a:solidFill>
+                  <a:srgbClr val="000000"/>
+                </a:solidFill>
+                <a:highlight>
+                  <a:srgbClr val="FFFFFF"/>
+                </a:highlight>
+                <a:latin typeface="돋움체" panose="020B0609000101010101" pitchFamily="49" charset="-127"/>
+                <a:ea typeface="돋움체" panose="020B0609000101010101" pitchFamily="49" charset="-127"/>
+              </a:rPr>
+              <a:t>                </a:t>
+            </a:r>
+            <a:r>
+              <a:rPr lang="en-US" altLang="ko-KR" sz="1800" dirty="0" err="1">
+                <a:solidFill>
+                  <a:srgbClr val="000000"/>
+                </a:solidFill>
+                <a:highlight>
+                  <a:srgbClr val="FFFFFF"/>
+                </a:highlight>
+                <a:latin typeface="돋움체" panose="020B0609000101010101" pitchFamily="49" charset="-127"/>
+                <a:ea typeface="돋움체" panose="020B0609000101010101" pitchFamily="49" charset="-127"/>
+              </a:rPr>
+              <a:t>bgmAudioSource.clip</a:t>
+            </a:r>
+            <a:r>
+              <a:rPr lang="en-US" altLang="ko-KR" sz="1800" dirty="0">
+                <a:solidFill>
+                  <a:srgbClr val="000000"/>
+                </a:solidFill>
+                <a:highlight>
+                  <a:srgbClr val="FFFFFF"/>
+                </a:highlight>
+                <a:latin typeface="돋움체" panose="020B0609000101010101" pitchFamily="49" charset="-127"/>
+                <a:ea typeface="돋움체" panose="020B0609000101010101" pitchFamily="49" charset="-127"/>
+              </a:rPr>
+              <a:t> = </a:t>
+            </a:r>
+            <a:r>
+              <a:rPr lang="en-US" altLang="ko-KR" sz="1800" dirty="0" err="1">
+                <a:solidFill>
+                  <a:srgbClr val="000000"/>
+                </a:solidFill>
+                <a:highlight>
+                  <a:srgbClr val="FFFFFF"/>
+                </a:highlight>
+                <a:latin typeface="돋움체" panose="020B0609000101010101" pitchFamily="49" charset="-127"/>
+                <a:ea typeface="돋움체" panose="020B0609000101010101" pitchFamily="49" charset="-127"/>
+              </a:rPr>
+              <a:t>normalBGM</a:t>
+            </a:r>
+            <a:r>
+              <a:rPr lang="en-US" altLang="ko-KR" sz="1800" dirty="0">
+                <a:solidFill>
+                  <a:srgbClr val="000000"/>
+                </a:solidFill>
+                <a:highlight>
+                  <a:srgbClr val="FFFFFF"/>
+                </a:highlight>
+                <a:latin typeface="돋움체" panose="020B0609000101010101" pitchFamily="49" charset="-127"/>
+                <a:ea typeface="돋움체" panose="020B0609000101010101" pitchFamily="49" charset="-127"/>
+              </a:rPr>
+              <a:t>;</a:t>
+            </a:r>
+          </a:p>
+          <a:p>
+            <a:r>
+              <a:rPr lang="en-US" altLang="ko-KR" sz="1800" dirty="0">
+                <a:solidFill>
+                  <a:srgbClr val="000000"/>
+                </a:solidFill>
+                <a:highlight>
+                  <a:srgbClr val="FFFFFF"/>
+                </a:highlight>
+                <a:latin typeface="돋움체" panose="020B0609000101010101" pitchFamily="49" charset="-127"/>
+                <a:ea typeface="돋움체" panose="020B0609000101010101" pitchFamily="49" charset="-127"/>
+              </a:rPr>
+              <a:t>                </a:t>
+            </a:r>
+            <a:r>
+              <a:rPr lang="en-US" altLang="ko-KR" sz="1800" dirty="0" err="1">
+                <a:solidFill>
+                  <a:srgbClr val="000000"/>
+                </a:solidFill>
+                <a:highlight>
+                  <a:srgbClr val="FFFFFF"/>
+                </a:highlight>
+                <a:latin typeface="돋움체" panose="020B0609000101010101" pitchFamily="49" charset="-127"/>
+                <a:ea typeface="돋움체" panose="020B0609000101010101" pitchFamily="49" charset="-127"/>
+              </a:rPr>
+              <a:t>bgmAudioSource.Play</a:t>
+            </a:r>
+            <a:r>
+              <a:rPr lang="en-US" altLang="ko-KR" sz="1800" dirty="0">
+                <a:solidFill>
+                  <a:srgbClr val="000000"/>
+                </a:solidFill>
+                <a:highlight>
+                  <a:srgbClr val="FFFFFF"/>
+                </a:highlight>
+                <a:latin typeface="돋움체" panose="020B0609000101010101" pitchFamily="49" charset="-127"/>
+                <a:ea typeface="돋움체" panose="020B0609000101010101" pitchFamily="49" charset="-127"/>
+              </a:rPr>
+              <a:t>();</a:t>
+            </a:r>
+          </a:p>
+          <a:p>
+            <a:r>
+              <a:rPr lang="en-US" altLang="ko-KR" sz="1800" dirty="0">
+                <a:solidFill>
+                  <a:srgbClr val="000000"/>
+                </a:solidFill>
+                <a:highlight>
+                  <a:srgbClr val="FFFFFF"/>
+                </a:highlight>
+                <a:latin typeface="돋움체" panose="020B0609000101010101" pitchFamily="49" charset="-127"/>
+                <a:ea typeface="돋움체" panose="020B0609000101010101" pitchFamily="49" charset="-127"/>
+              </a:rPr>
+              <a:t>                </a:t>
+            </a:r>
+            <a:r>
+              <a:rPr lang="en-US" altLang="ko-KR" sz="1800" dirty="0" err="1">
+                <a:solidFill>
+                  <a:srgbClr val="000000"/>
+                </a:solidFill>
+                <a:highlight>
+                  <a:srgbClr val="FFFFFF"/>
+                </a:highlight>
+                <a:latin typeface="돋움체" panose="020B0609000101010101" pitchFamily="49" charset="-127"/>
+                <a:ea typeface="돋움체" panose="020B0609000101010101" pitchFamily="49" charset="-127"/>
+              </a:rPr>
+              <a:t>isWarningBGMPlaying</a:t>
+            </a:r>
+            <a:r>
+              <a:rPr lang="en-US" altLang="ko-KR" sz="1800" dirty="0">
+                <a:solidFill>
+                  <a:srgbClr val="000000"/>
+                </a:solidFill>
+                <a:highlight>
+                  <a:srgbClr val="FFFFFF"/>
+                </a:highlight>
+                <a:latin typeface="돋움체" panose="020B0609000101010101" pitchFamily="49" charset="-127"/>
+                <a:ea typeface="돋움체" panose="020B0609000101010101" pitchFamily="49" charset="-127"/>
+              </a:rPr>
+              <a:t> = </a:t>
+            </a:r>
+            <a:r>
+              <a:rPr lang="en-US" altLang="ko-KR" sz="1800" dirty="0">
+                <a:solidFill>
+                  <a:srgbClr val="0000FF"/>
+                </a:solidFill>
+                <a:highlight>
+                  <a:srgbClr val="FFFFFF"/>
+                </a:highlight>
+                <a:latin typeface="돋움체" panose="020B0609000101010101" pitchFamily="49" charset="-127"/>
+                <a:ea typeface="돋움체" panose="020B0609000101010101" pitchFamily="49" charset="-127"/>
+              </a:rPr>
+              <a:t>false</a:t>
+            </a:r>
+            <a:r>
+              <a:rPr lang="en-US" altLang="ko-KR" sz="1800" dirty="0">
+                <a:solidFill>
+                  <a:srgbClr val="000000"/>
+                </a:solidFill>
+                <a:highlight>
+                  <a:srgbClr val="FFFFFF"/>
+                </a:highlight>
+                <a:latin typeface="돋움체" panose="020B0609000101010101" pitchFamily="49" charset="-127"/>
+                <a:ea typeface="돋움체" panose="020B0609000101010101" pitchFamily="49" charset="-127"/>
+              </a:rPr>
+              <a:t>;</a:t>
+            </a:r>
+          </a:p>
+          <a:p>
+            <a:r>
+              <a:rPr lang="ko-KR" altLang="en-US" sz="1800" dirty="0">
+                <a:solidFill>
+                  <a:srgbClr val="000000"/>
+                </a:solidFill>
+                <a:highlight>
+                  <a:srgbClr val="FFFFFF"/>
+                </a:highlight>
+                <a:latin typeface="돋움체" panose="020B0609000101010101" pitchFamily="49" charset="-127"/>
+                <a:ea typeface="돋움체" panose="020B0609000101010101" pitchFamily="49" charset="-127"/>
+              </a:rPr>
+              <a:t>            </a:t>
+            </a:r>
+            <a:r>
+              <a:rPr lang="en-US" altLang="ko-KR" sz="1800" dirty="0">
+                <a:solidFill>
+                  <a:srgbClr val="000000"/>
+                </a:solidFill>
+                <a:highlight>
+                  <a:srgbClr val="FFFFFF"/>
+                </a:highlight>
+                <a:latin typeface="돋움체" panose="020B0609000101010101" pitchFamily="49" charset="-127"/>
+                <a:ea typeface="돋움체" panose="020B0609000101010101" pitchFamily="49" charset="-127"/>
+              </a:rPr>
+              <a:t>}</a:t>
+            </a:r>
+          </a:p>
+          <a:p>
+            <a:r>
+              <a:rPr lang="en-US" altLang="ko-KR" sz="1800" dirty="0">
+                <a:solidFill>
+                  <a:srgbClr val="000000"/>
+                </a:solidFill>
+                <a:highlight>
+                  <a:srgbClr val="FFFFFF"/>
+                </a:highlight>
+                <a:latin typeface="돋움체" panose="020B0609000101010101" pitchFamily="49" charset="-127"/>
+                <a:ea typeface="돋움체" panose="020B0609000101010101" pitchFamily="49" charset="-127"/>
+              </a:rPr>
+              <a:t>            </a:t>
+            </a:r>
+            <a:r>
+              <a:rPr lang="en-US" altLang="ko-KR" sz="1800" dirty="0">
+                <a:solidFill>
+                  <a:srgbClr val="0000FF"/>
+                </a:solidFill>
+                <a:highlight>
+                  <a:srgbClr val="FFFFFF"/>
+                </a:highlight>
+                <a:latin typeface="돋움체" panose="020B0609000101010101" pitchFamily="49" charset="-127"/>
+                <a:ea typeface="돋움체" panose="020B0609000101010101" pitchFamily="49" charset="-127"/>
+              </a:rPr>
+              <a:t>break</a:t>
+            </a:r>
+            <a:r>
+              <a:rPr lang="en-US" altLang="ko-KR" sz="1800" dirty="0">
+                <a:solidFill>
+                  <a:srgbClr val="000000"/>
+                </a:solidFill>
+                <a:highlight>
+                  <a:srgbClr val="FFFFFF"/>
+                </a:highlight>
+                <a:latin typeface="돋움체" panose="020B0609000101010101" pitchFamily="49" charset="-127"/>
+                <a:ea typeface="돋움체" panose="020B0609000101010101" pitchFamily="49" charset="-127"/>
+              </a:rPr>
+              <a:t>;</a:t>
+            </a:r>
+            <a:endParaRPr lang="ko-KR" altLang="en-US" sz="1800" dirty="0">
+              <a:solidFill>
+                <a:srgbClr val="000000"/>
+              </a:solidFill>
+              <a:highlight>
+                <a:srgbClr val="FFFFFF"/>
+              </a:highlight>
+              <a:latin typeface="돋움체" panose="020B0609000101010101" pitchFamily="49" charset="-127"/>
+              <a:ea typeface="돋움체" panose="020B0609000101010101" pitchFamily="49" charset="-127"/>
+            </a:endParaRPr>
+          </a:p>
+          <a:p>
+            <a:r>
+              <a:rPr lang="en-US" altLang="ko-KR" sz="1800" dirty="0">
+                <a:solidFill>
+                  <a:srgbClr val="000000"/>
+                </a:solidFill>
+                <a:highlight>
+                  <a:srgbClr val="FFFFFF"/>
+                </a:highlight>
+                <a:latin typeface="돋움체" panose="020B0609000101010101" pitchFamily="49" charset="-127"/>
+                <a:ea typeface="돋움체" panose="020B0609000101010101" pitchFamily="49" charset="-127"/>
+              </a:rPr>
+              <a:t>        </a:t>
+            </a:r>
+            <a:r>
+              <a:rPr lang="en-US" altLang="ko-KR" sz="1800" dirty="0">
+                <a:solidFill>
+                  <a:srgbClr val="0000FF"/>
+                </a:solidFill>
+                <a:highlight>
+                  <a:srgbClr val="FFFFFF"/>
+                </a:highlight>
+                <a:latin typeface="돋움체" panose="020B0609000101010101" pitchFamily="49" charset="-127"/>
+                <a:ea typeface="돋움체" panose="020B0609000101010101" pitchFamily="49" charset="-127"/>
+              </a:rPr>
+              <a:t>case</a:t>
+            </a:r>
+            <a:r>
+              <a:rPr lang="en-US" altLang="ko-KR" sz="1800" dirty="0">
+                <a:solidFill>
+                  <a:srgbClr val="000000"/>
+                </a:solidFill>
+                <a:highlight>
+                  <a:srgbClr val="FFFFFF"/>
+                </a:highlight>
+                <a:latin typeface="돋움체" panose="020B0609000101010101" pitchFamily="49" charset="-127"/>
+                <a:ea typeface="돋움체" panose="020B0609000101010101" pitchFamily="49" charset="-127"/>
+              </a:rPr>
+              <a:t> </a:t>
+            </a:r>
+            <a:r>
+              <a:rPr lang="en-US" altLang="ko-KR" sz="1800" dirty="0" err="1">
+                <a:solidFill>
+                  <a:srgbClr val="000000"/>
+                </a:solidFill>
+                <a:highlight>
+                  <a:srgbClr val="FFFFFF"/>
+                </a:highlight>
+                <a:latin typeface="돋움체" panose="020B0609000101010101" pitchFamily="49" charset="-127"/>
+                <a:ea typeface="돋움체" panose="020B0609000101010101" pitchFamily="49" charset="-127"/>
+              </a:rPr>
+              <a:t>GameProgress.Failed</a:t>
+            </a:r>
+            <a:r>
+              <a:rPr lang="en-US" altLang="ko-KR" sz="1800" dirty="0">
+                <a:solidFill>
+                  <a:srgbClr val="000000"/>
+                </a:solidFill>
+                <a:highlight>
+                  <a:srgbClr val="FFFFFF"/>
+                </a:highlight>
+                <a:latin typeface="돋움체" panose="020B0609000101010101" pitchFamily="49" charset="-127"/>
+                <a:ea typeface="돋움체" panose="020B0609000101010101" pitchFamily="49" charset="-127"/>
+              </a:rPr>
+              <a:t>:</a:t>
+            </a:r>
+          </a:p>
+          <a:p>
+            <a:r>
+              <a:rPr lang="en-US" altLang="ko-KR" sz="1800" dirty="0">
+                <a:solidFill>
+                  <a:srgbClr val="000000"/>
+                </a:solidFill>
+                <a:highlight>
+                  <a:srgbClr val="FFFFFF"/>
+                </a:highlight>
+                <a:latin typeface="돋움체" panose="020B0609000101010101" pitchFamily="49" charset="-127"/>
+                <a:ea typeface="돋움체" panose="020B0609000101010101" pitchFamily="49" charset="-127"/>
+              </a:rPr>
+              <a:t>            </a:t>
+            </a:r>
+            <a:r>
+              <a:rPr lang="en-US" altLang="ko-KR" sz="1800" dirty="0">
+                <a:solidFill>
+                  <a:srgbClr val="0000FF"/>
+                </a:solidFill>
+                <a:highlight>
+                  <a:srgbClr val="FFFFFF"/>
+                </a:highlight>
+                <a:latin typeface="돋움체" panose="020B0609000101010101" pitchFamily="49" charset="-127"/>
+                <a:ea typeface="돋움체" panose="020B0609000101010101" pitchFamily="49" charset="-127"/>
+              </a:rPr>
+              <a:t>if</a:t>
+            </a:r>
+            <a:r>
+              <a:rPr lang="en-US" altLang="ko-KR" sz="1800" dirty="0">
+                <a:solidFill>
+                  <a:srgbClr val="000000"/>
+                </a:solidFill>
+                <a:highlight>
+                  <a:srgbClr val="FFFFFF"/>
+                </a:highlight>
+                <a:latin typeface="돋움체" panose="020B0609000101010101" pitchFamily="49" charset="-127"/>
+                <a:ea typeface="돋움체" panose="020B0609000101010101" pitchFamily="49" charset="-127"/>
+              </a:rPr>
+              <a:t> (</a:t>
+            </a:r>
+            <a:r>
+              <a:rPr lang="en-US" altLang="ko-KR" sz="1800" dirty="0" err="1">
+                <a:solidFill>
+                  <a:srgbClr val="000000"/>
+                </a:solidFill>
+                <a:highlight>
+                  <a:srgbClr val="FFFFFF"/>
+                </a:highlight>
+                <a:latin typeface="돋움체" panose="020B0609000101010101" pitchFamily="49" charset="-127"/>
+                <a:ea typeface="돋움체" panose="020B0609000101010101" pitchFamily="49" charset="-127"/>
+              </a:rPr>
+              <a:t>bgmAudioSource.isPlaying</a:t>
+            </a:r>
+            <a:r>
+              <a:rPr lang="en-US" altLang="ko-KR" sz="1800" dirty="0">
+                <a:solidFill>
+                  <a:srgbClr val="000000"/>
+                </a:solidFill>
+                <a:highlight>
+                  <a:srgbClr val="FFFFFF"/>
+                </a:highlight>
+                <a:latin typeface="돋움체" panose="020B0609000101010101" pitchFamily="49" charset="-127"/>
+                <a:ea typeface="돋움체" panose="020B0609000101010101" pitchFamily="49" charset="-127"/>
+              </a:rPr>
+              <a:t>)</a:t>
+            </a:r>
+          </a:p>
+          <a:p>
+            <a:r>
+              <a:rPr lang="ko-KR" altLang="en-US" sz="1800" dirty="0">
+                <a:solidFill>
+                  <a:srgbClr val="000000"/>
+                </a:solidFill>
+                <a:highlight>
+                  <a:srgbClr val="FFFFFF"/>
+                </a:highlight>
+                <a:latin typeface="돋움체" panose="020B0609000101010101" pitchFamily="49" charset="-127"/>
+                <a:ea typeface="돋움체" panose="020B0609000101010101" pitchFamily="49" charset="-127"/>
+              </a:rPr>
+              <a:t>            </a:t>
+            </a:r>
+            <a:r>
+              <a:rPr lang="en-US" altLang="ko-KR" sz="1800" dirty="0">
+                <a:solidFill>
+                  <a:srgbClr val="000000"/>
+                </a:solidFill>
+                <a:highlight>
+                  <a:srgbClr val="FFFFFF"/>
+                </a:highlight>
+                <a:latin typeface="돋움체" panose="020B0609000101010101" pitchFamily="49" charset="-127"/>
+                <a:ea typeface="돋움체" panose="020B0609000101010101" pitchFamily="49" charset="-127"/>
+              </a:rPr>
+              <a:t>{</a:t>
+            </a:r>
+          </a:p>
+          <a:p>
+            <a:r>
+              <a:rPr lang="en-US" altLang="ko-KR" sz="1800" dirty="0">
+                <a:solidFill>
+                  <a:srgbClr val="000000"/>
+                </a:solidFill>
+                <a:highlight>
+                  <a:srgbClr val="FFFFFF"/>
+                </a:highlight>
+                <a:latin typeface="돋움체" panose="020B0609000101010101" pitchFamily="49" charset="-127"/>
+                <a:ea typeface="돋움체" panose="020B0609000101010101" pitchFamily="49" charset="-127"/>
+              </a:rPr>
+              <a:t>                </a:t>
+            </a:r>
+            <a:r>
+              <a:rPr lang="en-US" altLang="ko-KR" sz="1800" dirty="0" err="1">
+                <a:solidFill>
+                  <a:srgbClr val="000000"/>
+                </a:solidFill>
+                <a:highlight>
+                  <a:srgbClr val="FFFFFF"/>
+                </a:highlight>
+                <a:latin typeface="돋움체" panose="020B0609000101010101" pitchFamily="49" charset="-127"/>
+                <a:ea typeface="돋움체" panose="020B0609000101010101" pitchFamily="49" charset="-127"/>
+              </a:rPr>
+              <a:t>bgmAudioSource.Stop</a:t>
+            </a:r>
+            <a:r>
+              <a:rPr lang="en-US" altLang="ko-KR" sz="1800" dirty="0">
+                <a:solidFill>
+                  <a:srgbClr val="000000"/>
+                </a:solidFill>
+                <a:highlight>
+                  <a:srgbClr val="FFFFFF"/>
+                </a:highlight>
+                <a:latin typeface="돋움체" panose="020B0609000101010101" pitchFamily="49" charset="-127"/>
+                <a:ea typeface="돋움체" panose="020B0609000101010101" pitchFamily="49" charset="-127"/>
+              </a:rPr>
+              <a:t>();</a:t>
+            </a:r>
+          </a:p>
+        </p:txBody>
+      </p:sp>
     </p:spTree>
+    <p:extLst>
+      <p:ext uri="{BB962C8B-B14F-4D97-AF65-F5344CB8AC3E}">
+        <p14:creationId xmlns:p14="http://schemas.microsoft.com/office/powerpoint/2010/main" val="3232222969"/>
+      </p:ext>
+    </p:extLst>
   </p:cSld>
   <p:clrMapOvr>
     <a:masterClrMapping/>
@@ -4294,10 +7959,16 @@
 
 <file path=ppt/slides/slide8.xml><?xml version="1.0" encoding="utf-8"?>
 <p:sld xmlns:a="http://schemas.openxmlformats.org/drawingml/2006/main" xmlns:r="http://schemas.openxmlformats.org/officeDocument/2006/relationships" xmlns:p="http://schemas.openxmlformats.org/presentationml/2006/main">
-  <p:cSld name="Slide 8">
+  <p:cSld>
     <p:spTree>
       <p:nvGrpSpPr>
-        <p:cNvPr id="1" name=""/>
+        <p:cNvPr id="1" name="">
+          <a:extLst>
+            <a:ext uri="{FF2B5EF4-FFF2-40B4-BE49-F238E27FC236}">
+              <a16:creationId xmlns:a16="http://schemas.microsoft.com/office/drawing/2014/main" id="{612D9796-E9C3-A3EC-908A-11F253C29D1D}"/>
+            </a:ext>
+          </a:extLst>
+        </p:cNvPr>
         <p:cNvGrpSpPr/>
         <p:nvPr/>
       </p:nvGrpSpPr>
@@ -4311,14 +7982,61 @@
       </p:grpSpPr>
       <p:sp>
         <p:nvSpPr>
-          <p:cNvPr id="2" name="Text 0"/>
+          <p:cNvPr id="2" name="Text 0">
+            <a:extLst>
+              <a:ext uri="{FF2B5EF4-FFF2-40B4-BE49-F238E27FC236}">
+                <a16:creationId xmlns:a16="http://schemas.microsoft.com/office/drawing/2014/main" id="{7184C69E-4E8D-66ED-B377-0C6D860D1F95}"/>
+              </a:ext>
+            </a:extLst>
+          </p:cNvPr>
           <p:cNvSpPr/>
           <p:nvPr/>
         </p:nvSpPr>
         <p:spPr>
           <a:xfrm>
-            <a:off x="793790" y="1253609"/>
-            <a:ext cx="5670590" cy="708779"/>
+            <a:off x="68234" y="94438"/>
+            <a:ext cx="7825502" cy="978218"/>
+          </a:xfrm>
+          <a:prstGeom prst="rect">
+            <a:avLst/>
+          </a:prstGeom>
+          <a:noFill/>
+          <a:ln/>
+        </p:spPr>
+        <p:txBody>
+          <a:bodyPr wrap="none" lIns="0" tIns="0" rIns="0" bIns="0" rtlCol="0" anchor="t"/>
+          <a:lstStyle/>
+          <a:p>
+            <a:pPr marL="0" indent="0" algn="l">
+              <a:lnSpc>
+                <a:spcPts val="7700"/>
+              </a:lnSpc>
+              <a:buNone/>
+            </a:pPr>
+            <a:r>
+              <a:rPr lang="ko-KR" altLang="en-US" sz="6150"/>
+              <a:t>스크립트</a:t>
+            </a:r>
+            <a:endParaRPr lang="en-US" sz="6150" dirty="0"/>
+          </a:p>
+        </p:txBody>
+      </p:sp>
+      <p:sp>
+        <p:nvSpPr>
+          <p:cNvPr id="4" name="Text 1">
+            <a:extLst>
+              <a:ext uri="{FF2B5EF4-FFF2-40B4-BE49-F238E27FC236}">
+                <a16:creationId xmlns:a16="http://schemas.microsoft.com/office/drawing/2014/main" id="{15AC67B4-9BF0-E7CA-3EE7-CB2AD071ABC7}"/>
+              </a:ext>
+            </a:extLst>
+          </p:cNvPr>
+          <p:cNvSpPr/>
+          <p:nvPr/>
+        </p:nvSpPr>
+        <p:spPr>
+          <a:xfrm>
+            <a:off x="3264334" y="139268"/>
+            <a:ext cx="5670590" cy="1405952"/>
           </a:xfrm>
           <a:prstGeom prst="rect">
             <a:avLst/>
@@ -4337,103 +8055,49 @@
               <a:buNone/>
             </a:pPr>
             <a:r>
-              <a:rPr lang="en-US" sz="4450" b="1" dirty="0">
-                <a:solidFill>
-                  <a:srgbClr val="000000"/>
-                </a:solidFill>
-                <a:latin typeface="Inter Bold" pitchFamily="34" charset="0"/>
-                <a:ea typeface="Inter Bold" pitchFamily="34" charset="-122"/>
-                <a:cs typeface="Inter Bold" pitchFamily="34" charset="-120"/>
-              </a:rPr>
-              <a:t>팀원 소개</a:t>
-            </a:r>
+              <a:rPr lang="en-US" sz="4450" dirty="0" err="1"/>
+              <a:t>GameManager</a:t>
+            </a:r>
+            <a:r>
+              <a:rPr lang="en-US" sz="4450" dirty="0"/>
+              <a:t>(</a:t>
+            </a:r>
+            <a:r>
+              <a:rPr lang="ko-KR" altLang="en-US" sz="4450" dirty="0"/>
+              <a:t>시간 색깔 변경</a:t>
+            </a:r>
+            <a:r>
+              <a:rPr lang="en-US" altLang="ko-KR" sz="4450" dirty="0"/>
+              <a:t>)</a:t>
+            </a:r>
+          </a:p>
+          <a:p>
+            <a:pPr marL="0" indent="0" algn="l">
+              <a:lnSpc>
+                <a:spcPts val="5550"/>
+              </a:lnSpc>
+              <a:buNone/>
+            </a:pPr>
             <a:endParaRPr lang="en-US" sz="4450" dirty="0"/>
           </a:p>
         </p:txBody>
       </p:sp>
-      <p:pic>
-        <p:nvPicPr>
-          <p:cNvPr id="3" name="Image 0" descr="preencoded.png"/>
-          <p:cNvPicPr>
-            <a:picLocks noChangeAspect="1"/>
-          </p:cNvPicPr>
-          <p:nvPr/>
-        </p:nvPicPr>
-        <p:blipFill>
-          <a:blip r:embed="rId3"/>
-          <a:stretch>
-            <a:fillRect/>
-          </a:stretch>
-        </p:blipFill>
-        <p:spPr>
-          <a:xfrm>
-            <a:off x="793790" y="2557701"/>
-            <a:ext cx="6244709" cy="4163139"/>
-          </a:xfrm>
-          <a:prstGeom prst="rect">
-            <a:avLst/>
-          </a:prstGeom>
-        </p:spPr>
-      </p:pic>
-      <p:sp>
-        <p:nvSpPr>
-          <p:cNvPr id="4" name="Shape 1"/>
+      <p:sp>
+        <p:nvSpPr>
+          <p:cNvPr id="5" name="Text 2">
+            <a:extLst>
+              <a:ext uri="{FF2B5EF4-FFF2-40B4-BE49-F238E27FC236}">
+                <a16:creationId xmlns:a16="http://schemas.microsoft.com/office/drawing/2014/main" id="{C4F78525-BE9F-D919-F4A0-06E5D33B2A39}"/>
+              </a:ext>
+            </a:extLst>
+          </p:cNvPr>
           <p:cNvSpPr/>
           <p:nvPr/>
         </p:nvSpPr>
         <p:spPr>
           <a:xfrm>
-            <a:off x="7599521" y="2557701"/>
-            <a:ext cx="6244709" cy="3266837"/>
-          </a:xfrm>
-          <a:prstGeom prst="roundRect">
-            <a:avLst>
-              <a:gd name="adj" fmla="val 2916"/>
-            </a:avLst>
-          </a:prstGeom>
-          <a:noFill/>
-          <a:ln w="7620">
-            <a:solidFill>
-              <a:srgbClr val="000000">
-                <a:alpha val="8000"/>
-              </a:srgbClr>
-            </a:solidFill>
-            <a:prstDash val="solid"/>
-          </a:ln>
-        </p:spPr>
-      </p:sp>
-      <p:sp>
-        <p:nvSpPr>
-          <p:cNvPr id="5" name="Shape 2"/>
-          <p:cNvSpPr/>
-          <p:nvPr/>
-        </p:nvSpPr>
-        <p:spPr>
-          <a:xfrm>
-            <a:off x="7607141" y="2565321"/>
-            <a:ext cx="6229469" cy="650319"/>
-          </a:xfrm>
-          <a:prstGeom prst="rect">
-            <a:avLst/>
-          </a:prstGeom>
-          <a:solidFill>
-            <a:srgbClr val="FFFFFF">
-              <a:alpha val="4000"/>
-            </a:srgbClr>
-          </a:solidFill>
-          <a:ln/>
-        </p:spPr>
-      </p:sp>
-      <p:sp>
-        <p:nvSpPr>
-          <p:cNvPr id="6" name="Text 3"/>
-          <p:cNvSpPr/>
-          <p:nvPr/>
-        </p:nvSpPr>
-        <p:spPr>
-          <a:xfrm>
-            <a:off x="7834074" y="2709029"/>
-            <a:ext cx="2657237" cy="362903"/>
+            <a:off x="7599521" y="5071705"/>
+            <a:ext cx="6244709" cy="362903"/>
           </a:xfrm>
           <a:prstGeom prst="rect">
             <a:avLst/>
@@ -4451,493 +8115,16 @@
               </a:lnSpc>
               <a:buNone/>
             </a:pPr>
-            <a:r>
-              <a:rPr lang="en-US" sz="1750" dirty="0">
-                <a:solidFill>
-                  <a:srgbClr val="272525"/>
-                </a:solidFill>
-                <a:latin typeface="Inter" pitchFamily="34" charset="0"/>
-                <a:ea typeface="Inter" pitchFamily="34" charset="-122"/>
-                <a:cs typeface="Inter" pitchFamily="34" charset="-120"/>
-              </a:rPr>
-              <a:t>류동균</a:t>
-            </a:r>
             <a:endParaRPr lang="en-US" sz="1750" dirty="0"/>
           </a:p>
         </p:txBody>
       </p:sp>
       <p:sp>
         <p:nvSpPr>
-          <p:cNvPr id="7" name="Text 4"/>
-          <p:cNvSpPr/>
-          <p:nvPr/>
-        </p:nvSpPr>
-        <p:spPr>
-          <a:xfrm>
-            <a:off x="10952559" y="2709029"/>
-            <a:ext cx="2657237" cy="362903"/>
-          </a:xfrm>
-          <a:prstGeom prst="rect">
-            <a:avLst/>
-          </a:prstGeom>
-          <a:noFill/>
-          <a:ln/>
-        </p:spPr>
-        <p:txBody>
-          <a:bodyPr wrap="none" lIns="0" tIns="0" rIns="0" bIns="0" rtlCol="0" anchor="t"/>
-          <a:lstStyle/>
-          <a:p>
-            <a:pPr marL="0" indent="0" algn="l">
-              <a:lnSpc>
-                <a:spcPts val="2850"/>
-              </a:lnSpc>
-              <a:buNone/>
-            </a:pPr>
-            <a:r>
-              <a:rPr lang="en-US" sz="1750" dirty="0">
-                <a:solidFill>
-                  <a:srgbClr val="272525"/>
-                </a:solidFill>
-                <a:latin typeface="Inter" pitchFamily="34" charset="0"/>
-                <a:ea typeface="Inter" pitchFamily="34" charset="-122"/>
-                <a:cs typeface="Inter" pitchFamily="34" charset="-120"/>
-              </a:rPr>
-              <a:t>PM, QA</a:t>
-            </a:r>
-            <a:endParaRPr lang="en-US" sz="1750" dirty="0"/>
-          </a:p>
-        </p:txBody>
-      </p:sp>
-      <p:sp>
-        <p:nvSpPr>
-          <p:cNvPr id="8" name="Shape 5"/>
-          <p:cNvSpPr/>
-          <p:nvPr/>
-        </p:nvSpPr>
-        <p:spPr>
-          <a:xfrm>
-            <a:off x="7607141" y="3215640"/>
-            <a:ext cx="6229469" cy="650319"/>
-          </a:xfrm>
-          <a:prstGeom prst="rect">
-            <a:avLst/>
-          </a:prstGeom>
-          <a:solidFill>
-            <a:srgbClr val="000000">
-              <a:alpha val="4000"/>
-            </a:srgbClr>
-          </a:solidFill>
-          <a:ln/>
-        </p:spPr>
-      </p:sp>
-      <p:sp>
-        <p:nvSpPr>
-          <p:cNvPr id="9" name="Text 6"/>
-          <p:cNvSpPr/>
-          <p:nvPr/>
-        </p:nvSpPr>
-        <p:spPr>
-          <a:xfrm>
-            <a:off x="7834074" y="3359348"/>
-            <a:ext cx="2657237" cy="362903"/>
-          </a:xfrm>
-          <a:prstGeom prst="rect">
-            <a:avLst/>
-          </a:prstGeom>
-          <a:noFill/>
-          <a:ln/>
-        </p:spPr>
-        <p:txBody>
-          <a:bodyPr wrap="none" lIns="0" tIns="0" rIns="0" bIns="0" rtlCol="0" anchor="t"/>
-          <a:lstStyle/>
-          <a:p>
-            <a:pPr marL="0" indent="0" algn="l">
-              <a:lnSpc>
-                <a:spcPts val="2850"/>
-              </a:lnSpc>
-              <a:buNone/>
-            </a:pPr>
-            <a:r>
-              <a:rPr lang="en-US" sz="1750" dirty="0">
-                <a:solidFill>
-                  <a:srgbClr val="272525"/>
-                </a:solidFill>
-                <a:latin typeface="Inter" pitchFamily="34" charset="0"/>
-                <a:ea typeface="Inter" pitchFamily="34" charset="-122"/>
-                <a:cs typeface="Inter" pitchFamily="34" charset="-120"/>
-              </a:rPr>
-              <a:t>김호경</a:t>
-            </a:r>
-            <a:endParaRPr lang="en-US" sz="1750" dirty="0"/>
-          </a:p>
-        </p:txBody>
-      </p:sp>
-      <p:sp>
-        <p:nvSpPr>
-          <p:cNvPr id="10" name="Text 7"/>
-          <p:cNvSpPr/>
-          <p:nvPr/>
-        </p:nvSpPr>
-        <p:spPr>
-          <a:xfrm>
-            <a:off x="10952559" y="3359348"/>
-            <a:ext cx="2657237" cy="362903"/>
-          </a:xfrm>
-          <a:prstGeom prst="rect">
-            <a:avLst/>
-          </a:prstGeom>
-          <a:noFill/>
-          <a:ln/>
-        </p:spPr>
-        <p:txBody>
-          <a:bodyPr wrap="none" lIns="0" tIns="0" rIns="0" bIns="0" rtlCol="0" anchor="t"/>
-          <a:lstStyle/>
-          <a:p>
-            <a:pPr marL="0" indent="0" algn="l">
-              <a:lnSpc>
-                <a:spcPts val="2850"/>
-              </a:lnSpc>
-              <a:buNone/>
-            </a:pPr>
-            <a:r>
-              <a:rPr lang="en-US" sz="1750" dirty="0">
-                <a:solidFill>
-                  <a:srgbClr val="272525"/>
-                </a:solidFill>
-                <a:latin typeface="Inter" pitchFamily="34" charset="0"/>
-                <a:ea typeface="Inter" pitchFamily="34" charset="-122"/>
-                <a:cs typeface="Inter" pitchFamily="34" charset="-120"/>
-              </a:rPr>
-              <a:t>엔지니어</a:t>
-            </a:r>
-            <a:endParaRPr lang="en-US" sz="1750" dirty="0"/>
-          </a:p>
-        </p:txBody>
-      </p:sp>
-      <p:sp>
-        <p:nvSpPr>
-          <p:cNvPr id="11" name="Shape 8"/>
-          <p:cNvSpPr/>
-          <p:nvPr/>
-        </p:nvSpPr>
-        <p:spPr>
-          <a:xfrm>
-            <a:off x="7607141" y="3865959"/>
-            <a:ext cx="6229469" cy="650319"/>
-          </a:xfrm>
-          <a:prstGeom prst="rect">
-            <a:avLst/>
-          </a:prstGeom>
-          <a:solidFill>
-            <a:srgbClr val="FFFFFF">
-              <a:alpha val="4000"/>
-            </a:srgbClr>
-          </a:solidFill>
-          <a:ln/>
-        </p:spPr>
-      </p:sp>
-      <p:sp>
-        <p:nvSpPr>
-          <p:cNvPr id="12" name="Text 9"/>
-          <p:cNvSpPr/>
-          <p:nvPr/>
-        </p:nvSpPr>
-        <p:spPr>
-          <a:xfrm>
-            <a:off x="7834074" y="4009668"/>
-            <a:ext cx="2657237" cy="362903"/>
-          </a:xfrm>
-          <a:prstGeom prst="rect">
-            <a:avLst/>
-          </a:prstGeom>
-          <a:noFill/>
-          <a:ln/>
-        </p:spPr>
-        <p:txBody>
-          <a:bodyPr wrap="none" lIns="0" tIns="0" rIns="0" bIns="0" rtlCol="0" anchor="t"/>
-          <a:lstStyle/>
-          <a:p>
-            <a:pPr marL="0" indent="0" algn="l">
-              <a:lnSpc>
-                <a:spcPts val="2850"/>
-              </a:lnSpc>
-              <a:buNone/>
-            </a:pPr>
-            <a:r>
-              <a:rPr lang="en-US" sz="1750" dirty="0">
-                <a:solidFill>
-                  <a:srgbClr val="272525"/>
-                </a:solidFill>
-                <a:latin typeface="Inter" pitchFamily="34" charset="0"/>
-                <a:ea typeface="Inter" pitchFamily="34" charset="-122"/>
-                <a:cs typeface="Inter" pitchFamily="34" charset="-120"/>
-              </a:rPr>
-              <a:t>강인구</a:t>
-            </a:r>
-            <a:endParaRPr lang="en-US" sz="1750" dirty="0"/>
-          </a:p>
-        </p:txBody>
-      </p:sp>
-      <p:sp>
-        <p:nvSpPr>
-          <p:cNvPr id="13" name="Text 10"/>
-          <p:cNvSpPr/>
-          <p:nvPr/>
-        </p:nvSpPr>
-        <p:spPr>
-          <a:xfrm>
-            <a:off x="10952559" y="4009668"/>
-            <a:ext cx="2657237" cy="362903"/>
-          </a:xfrm>
-          <a:prstGeom prst="rect">
-            <a:avLst/>
-          </a:prstGeom>
-          <a:noFill/>
-          <a:ln/>
-        </p:spPr>
-        <p:txBody>
-          <a:bodyPr wrap="none" lIns="0" tIns="0" rIns="0" bIns="0" rtlCol="0" anchor="t"/>
-          <a:lstStyle/>
-          <a:p>
-            <a:pPr marL="0" indent="0" algn="l">
-              <a:lnSpc>
-                <a:spcPts val="2850"/>
-              </a:lnSpc>
-              <a:buNone/>
-            </a:pPr>
-            <a:r>
-              <a:rPr lang="en-US" sz="1750" dirty="0">
-                <a:solidFill>
-                  <a:srgbClr val="272525"/>
-                </a:solidFill>
-                <a:latin typeface="Inter" pitchFamily="34" charset="0"/>
-                <a:ea typeface="Inter" pitchFamily="34" charset="-122"/>
-                <a:cs typeface="Inter" pitchFamily="34" charset="-120"/>
-              </a:rPr>
-              <a:t>아트 디렉터</a:t>
-            </a:r>
-            <a:endParaRPr lang="en-US" sz="1750" dirty="0"/>
-          </a:p>
-        </p:txBody>
-      </p:sp>
-      <p:sp>
-        <p:nvSpPr>
-          <p:cNvPr id="14" name="Shape 11"/>
-          <p:cNvSpPr/>
-          <p:nvPr/>
-        </p:nvSpPr>
-        <p:spPr>
-          <a:xfrm>
-            <a:off x="7607141" y="4516279"/>
-            <a:ext cx="6229469" cy="650319"/>
-          </a:xfrm>
-          <a:prstGeom prst="rect">
-            <a:avLst/>
-          </a:prstGeom>
-          <a:solidFill>
-            <a:srgbClr val="000000">
-              <a:alpha val="4000"/>
-            </a:srgbClr>
-          </a:solidFill>
-          <a:ln/>
-        </p:spPr>
-      </p:sp>
-      <p:sp>
-        <p:nvSpPr>
-          <p:cNvPr id="15" name="Text 12"/>
-          <p:cNvSpPr/>
-          <p:nvPr/>
-        </p:nvSpPr>
-        <p:spPr>
-          <a:xfrm>
-            <a:off x="7834074" y="4659987"/>
-            <a:ext cx="2657237" cy="362903"/>
-          </a:xfrm>
-          <a:prstGeom prst="rect">
-            <a:avLst/>
-          </a:prstGeom>
-          <a:noFill/>
-          <a:ln/>
-        </p:spPr>
-        <p:txBody>
-          <a:bodyPr wrap="none" lIns="0" tIns="0" rIns="0" bIns="0" rtlCol="0" anchor="t"/>
-          <a:lstStyle/>
-          <a:p>
-            <a:pPr marL="0" indent="0" algn="l">
-              <a:lnSpc>
-                <a:spcPts val="2850"/>
-              </a:lnSpc>
-              <a:buNone/>
-            </a:pPr>
-            <a:r>
-              <a:rPr lang="en-US" sz="1750" dirty="0">
-                <a:solidFill>
-                  <a:srgbClr val="272525"/>
-                </a:solidFill>
-                <a:latin typeface="Inter" pitchFamily="34" charset="0"/>
-                <a:ea typeface="Inter" pitchFamily="34" charset="-122"/>
-                <a:cs typeface="Inter" pitchFamily="34" charset="-120"/>
-              </a:rPr>
-              <a:t>김성민</a:t>
-            </a:r>
-            <a:endParaRPr lang="en-US" sz="1750" dirty="0"/>
-          </a:p>
-        </p:txBody>
-      </p:sp>
-      <p:sp>
-        <p:nvSpPr>
-          <p:cNvPr id="16" name="Text 13"/>
-          <p:cNvSpPr/>
-          <p:nvPr/>
-        </p:nvSpPr>
-        <p:spPr>
-          <a:xfrm>
-            <a:off x="10952559" y="4659987"/>
-            <a:ext cx="2657237" cy="362903"/>
-          </a:xfrm>
-          <a:prstGeom prst="rect">
-            <a:avLst/>
-          </a:prstGeom>
-          <a:noFill/>
-          <a:ln/>
-        </p:spPr>
-        <p:txBody>
-          <a:bodyPr wrap="none" lIns="0" tIns="0" rIns="0" bIns="0" rtlCol="0" anchor="t"/>
-          <a:lstStyle/>
-          <a:p>
-            <a:pPr marL="0" indent="0" algn="l">
-              <a:lnSpc>
-                <a:spcPts val="2850"/>
-              </a:lnSpc>
-              <a:buNone/>
-            </a:pPr>
-            <a:r>
-              <a:rPr lang="en-US" sz="1750" dirty="0">
-                <a:solidFill>
-                  <a:srgbClr val="272525"/>
-                </a:solidFill>
-                <a:latin typeface="Inter" pitchFamily="34" charset="0"/>
-                <a:ea typeface="Inter" pitchFamily="34" charset="-122"/>
-                <a:cs typeface="Inter" pitchFamily="34" charset="-120"/>
-              </a:rPr>
-              <a:t>사운드 디렉터</a:t>
-            </a:r>
-            <a:endParaRPr lang="en-US" sz="1750" dirty="0"/>
-          </a:p>
-        </p:txBody>
-      </p:sp>
-      <p:sp>
-        <p:nvSpPr>
-          <p:cNvPr id="17" name="Shape 14"/>
-          <p:cNvSpPr/>
-          <p:nvPr/>
-        </p:nvSpPr>
-        <p:spPr>
-          <a:xfrm>
-            <a:off x="7607141" y="5166598"/>
-            <a:ext cx="6229469" cy="650319"/>
-          </a:xfrm>
-          <a:prstGeom prst="rect">
-            <a:avLst/>
-          </a:prstGeom>
-          <a:solidFill>
-            <a:srgbClr val="FFFFFF">
-              <a:alpha val="4000"/>
-            </a:srgbClr>
-          </a:solidFill>
-          <a:ln/>
-        </p:spPr>
-      </p:sp>
-      <p:sp>
-        <p:nvSpPr>
-          <p:cNvPr id="18" name="Text 15"/>
-          <p:cNvSpPr/>
-          <p:nvPr/>
-        </p:nvSpPr>
-        <p:spPr>
-          <a:xfrm>
-            <a:off x="7834074" y="5310307"/>
-            <a:ext cx="2657237" cy="362903"/>
-          </a:xfrm>
-          <a:prstGeom prst="rect">
-            <a:avLst/>
-          </a:prstGeom>
-          <a:noFill/>
-          <a:ln/>
-        </p:spPr>
-        <p:txBody>
-          <a:bodyPr wrap="none" lIns="0" tIns="0" rIns="0" bIns="0" rtlCol="0" anchor="t"/>
-          <a:lstStyle/>
-          <a:p>
-            <a:pPr marL="0" indent="0" algn="l">
-              <a:lnSpc>
-                <a:spcPts val="2850"/>
-              </a:lnSpc>
-              <a:buNone/>
-            </a:pPr>
-            <a:r>
-              <a:rPr lang="en-US" sz="1750" dirty="0">
-                <a:solidFill>
-                  <a:srgbClr val="272525"/>
-                </a:solidFill>
-                <a:latin typeface="Inter" pitchFamily="34" charset="0"/>
-                <a:ea typeface="Inter" pitchFamily="34" charset="-122"/>
-                <a:cs typeface="Inter" pitchFamily="34" charset="-120"/>
-              </a:rPr>
-              <a:t>이원진</a:t>
-            </a:r>
-            <a:endParaRPr lang="en-US" sz="1750" dirty="0"/>
-          </a:p>
-        </p:txBody>
-      </p:sp>
-      <p:sp>
-        <p:nvSpPr>
-          <p:cNvPr id="19" name="Text 16"/>
-          <p:cNvSpPr/>
-          <p:nvPr/>
-        </p:nvSpPr>
-        <p:spPr>
-          <a:xfrm>
-            <a:off x="10952559" y="5310307"/>
-            <a:ext cx="2657237" cy="362903"/>
-          </a:xfrm>
-          <a:prstGeom prst="rect">
-            <a:avLst/>
-          </a:prstGeom>
-          <a:noFill/>
-          <a:ln/>
-        </p:spPr>
-        <p:txBody>
-          <a:bodyPr wrap="none" lIns="0" tIns="0" rIns="0" bIns="0" rtlCol="0" anchor="t"/>
-          <a:lstStyle/>
-          <a:p>
-            <a:pPr marL="0" indent="0" algn="l">
-              <a:lnSpc>
-                <a:spcPts val="2850"/>
-              </a:lnSpc>
-              <a:buNone/>
-            </a:pPr>
-            <a:r>
-              <a:rPr lang="en-US" sz="1750" dirty="0">
-                <a:solidFill>
-                  <a:srgbClr val="272525"/>
-                </a:solidFill>
-                <a:latin typeface="Inter" pitchFamily="34" charset="0"/>
-                <a:ea typeface="Inter" pitchFamily="34" charset="-122"/>
-                <a:cs typeface="Inter" pitchFamily="34" charset="-120"/>
-              </a:rPr>
-              <a:t>어</a:t>
-            </a:r>
-            <a:endParaRPr lang="en-US" sz="1750" dirty="0"/>
-          </a:p>
-        </p:txBody>
-      </p:sp>
-      <p:sp>
-        <p:nvSpPr>
-          <p:cNvPr id="20" name="직사각형 19">
+          <p:cNvPr id="6" name="직사각형 5">
             <a:extLst>
               <a:ext uri="{FF2B5EF4-FFF2-40B4-BE49-F238E27FC236}">
-                <a16:creationId xmlns:a16="http://schemas.microsoft.com/office/drawing/2014/main" id="{4F3FFEB8-4C88-23CB-45B3-9E7E0868CD94}"/>
+                <a16:creationId xmlns:a16="http://schemas.microsoft.com/office/drawing/2014/main" id="{45B9B884-2EC2-E46E-83E3-C494E121A364}"/>
               </a:ext>
             </a:extLst>
           </p:cNvPr>
@@ -4946,8 +8133,8 @@
         </p:nvSpPr>
         <p:spPr>
           <a:xfrm>
-            <a:off x="12851296" y="7742583"/>
-            <a:ext cx="1679713" cy="367747"/>
+            <a:off x="12801600" y="7742583"/>
+            <a:ext cx="1828800" cy="362903"/>
           </a:xfrm>
           <a:prstGeom prst="rect">
             <a:avLst/>
@@ -4986,7 +8173,615 @@
           </a:p>
         </p:txBody>
       </p:sp>
+      <p:sp>
+        <p:nvSpPr>
+          <p:cNvPr id="8" name="TextBox 7">
+            <a:extLst>
+              <a:ext uri="{FF2B5EF4-FFF2-40B4-BE49-F238E27FC236}">
+                <a16:creationId xmlns:a16="http://schemas.microsoft.com/office/drawing/2014/main" id="{4C650F57-DFED-F1BC-CD7F-20D931621756}"/>
+              </a:ext>
+            </a:extLst>
+          </p:cNvPr>
+          <p:cNvSpPr txBox="1"/>
+          <p:nvPr/>
+        </p:nvSpPr>
+        <p:spPr>
+          <a:xfrm>
+            <a:off x="68234" y="1124475"/>
+            <a:ext cx="7523920" cy="3693319"/>
+          </a:xfrm>
+          <a:prstGeom prst="rect">
+            <a:avLst/>
+          </a:prstGeom>
+          <a:noFill/>
+        </p:spPr>
+        <p:txBody>
+          <a:bodyPr wrap="square">
+            <a:spAutoFit/>
+          </a:bodyPr>
+          <a:lstStyle/>
+          <a:p>
+            <a:r>
+              <a:rPr lang="en-US" altLang="ko-KR" sz="1800" dirty="0" err="1">
+                <a:solidFill>
+                  <a:srgbClr val="000000"/>
+                </a:solidFill>
+                <a:highlight>
+                  <a:srgbClr val="FFFFFF"/>
+                </a:highlight>
+                <a:latin typeface="돋움체" panose="020B0609000101010101" pitchFamily="49" charset="-127"/>
+                <a:ea typeface="돋움체" panose="020B0609000101010101" pitchFamily="49" charset="-127"/>
+              </a:rPr>
+              <a:t>timeTxt.text</a:t>
+            </a:r>
+            <a:r>
+              <a:rPr lang="en-US" altLang="ko-KR" sz="1800" dirty="0">
+                <a:solidFill>
+                  <a:srgbClr val="000000"/>
+                </a:solidFill>
+                <a:highlight>
+                  <a:srgbClr val="FFFFFF"/>
+                </a:highlight>
+                <a:latin typeface="돋움체" panose="020B0609000101010101" pitchFamily="49" charset="-127"/>
+                <a:ea typeface="돋움체" panose="020B0609000101010101" pitchFamily="49" charset="-127"/>
+              </a:rPr>
+              <a:t> = </a:t>
+            </a:r>
+            <a:r>
+              <a:rPr lang="en-US" altLang="ko-KR" sz="1800" dirty="0" err="1">
+                <a:solidFill>
+                  <a:srgbClr val="000000"/>
+                </a:solidFill>
+                <a:highlight>
+                  <a:srgbClr val="FFFFFF"/>
+                </a:highlight>
+                <a:latin typeface="돋움체" panose="020B0609000101010101" pitchFamily="49" charset="-127"/>
+                <a:ea typeface="돋움체" panose="020B0609000101010101" pitchFamily="49" charset="-127"/>
+              </a:rPr>
+              <a:t>time.ToString</a:t>
+            </a:r>
+            <a:r>
+              <a:rPr lang="en-US" altLang="ko-KR" sz="1800" dirty="0">
+                <a:solidFill>
+                  <a:srgbClr val="000000"/>
+                </a:solidFill>
+                <a:highlight>
+                  <a:srgbClr val="FFFFFF"/>
+                </a:highlight>
+                <a:latin typeface="돋움체" panose="020B0609000101010101" pitchFamily="49" charset="-127"/>
+                <a:ea typeface="돋움체" panose="020B0609000101010101" pitchFamily="49" charset="-127"/>
+              </a:rPr>
+              <a:t>(</a:t>
+            </a:r>
+            <a:r>
+              <a:rPr lang="en-US" altLang="ko-KR" sz="1800" dirty="0">
+                <a:solidFill>
+                  <a:srgbClr val="A31515"/>
+                </a:solidFill>
+                <a:highlight>
+                  <a:srgbClr val="FFFFFF"/>
+                </a:highlight>
+                <a:latin typeface="돋움체" panose="020B0609000101010101" pitchFamily="49" charset="-127"/>
+                <a:ea typeface="돋움체" panose="020B0609000101010101" pitchFamily="49" charset="-127"/>
+              </a:rPr>
+              <a:t>"N2"</a:t>
+            </a:r>
+            <a:r>
+              <a:rPr lang="en-US" altLang="ko-KR" sz="1800" dirty="0">
+                <a:solidFill>
+                  <a:srgbClr val="000000"/>
+                </a:solidFill>
+                <a:highlight>
+                  <a:srgbClr val="FFFFFF"/>
+                </a:highlight>
+                <a:latin typeface="돋움체" panose="020B0609000101010101" pitchFamily="49" charset="-127"/>
+                <a:ea typeface="돋움체" panose="020B0609000101010101" pitchFamily="49" charset="-127"/>
+              </a:rPr>
+              <a:t>);</a:t>
+            </a:r>
+          </a:p>
+          <a:p>
+            <a:r>
+              <a:rPr lang="en-US" altLang="ko-KR" sz="1800" dirty="0">
+                <a:solidFill>
+                  <a:srgbClr val="0000FF"/>
+                </a:solidFill>
+                <a:highlight>
+                  <a:srgbClr val="FFFFFF"/>
+                </a:highlight>
+                <a:latin typeface="돋움체" panose="020B0609000101010101" pitchFamily="49" charset="-127"/>
+                <a:ea typeface="돋움체" panose="020B0609000101010101" pitchFamily="49" charset="-127"/>
+              </a:rPr>
+              <a:t>if</a:t>
+            </a:r>
+            <a:r>
+              <a:rPr lang="en-US" altLang="ko-KR" sz="1800" dirty="0">
+                <a:solidFill>
+                  <a:srgbClr val="000000"/>
+                </a:solidFill>
+                <a:highlight>
+                  <a:srgbClr val="FFFFFF"/>
+                </a:highlight>
+                <a:latin typeface="돋움체" panose="020B0609000101010101" pitchFamily="49" charset="-127"/>
+                <a:ea typeface="돋움체" panose="020B0609000101010101" pitchFamily="49" charset="-127"/>
+              </a:rPr>
+              <a:t> (time &lt;= 5f)</a:t>
+            </a:r>
+          </a:p>
+          <a:p>
+            <a:r>
+              <a:rPr lang="en-US" altLang="ko-KR" sz="1800" dirty="0">
+                <a:solidFill>
+                  <a:srgbClr val="000000"/>
+                </a:solidFill>
+                <a:highlight>
+                  <a:srgbClr val="FFFFFF"/>
+                </a:highlight>
+                <a:latin typeface="돋움체" panose="020B0609000101010101" pitchFamily="49" charset="-127"/>
+                <a:ea typeface="돋움체" panose="020B0609000101010101" pitchFamily="49" charset="-127"/>
+              </a:rPr>
+              <a:t>{</a:t>
+            </a:r>
+          </a:p>
+          <a:p>
+            <a:r>
+              <a:rPr lang="en-US" altLang="ko-KR" sz="1800" dirty="0">
+                <a:solidFill>
+                  <a:srgbClr val="000000"/>
+                </a:solidFill>
+                <a:highlight>
+                  <a:srgbClr val="FFFFFF"/>
+                </a:highlight>
+                <a:latin typeface="돋움체" panose="020B0609000101010101" pitchFamily="49" charset="-127"/>
+                <a:ea typeface="돋움체" panose="020B0609000101010101" pitchFamily="49" charset="-127"/>
+              </a:rPr>
+              <a:t>    </a:t>
+            </a:r>
+            <a:r>
+              <a:rPr lang="en-US" altLang="ko-KR" sz="1800" dirty="0" err="1">
+                <a:solidFill>
+                  <a:srgbClr val="000000"/>
+                </a:solidFill>
+                <a:highlight>
+                  <a:srgbClr val="FFFFFF"/>
+                </a:highlight>
+                <a:latin typeface="돋움체" panose="020B0609000101010101" pitchFamily="49" charset="-127"/>
+                <a:ea typeface="돋움체" panose="020B0609000101010101" pitchFamily="49" charset="-127"/>
+              </a:rPr>
+              <a:t>timeTxt.color</a:t>
+            </a:r>
+            <a:r>
+              <a:rPr lang="en-US" altLang="ko-KR" sz="1800" dirty="0">
+                <a:solidFill>
+                  <a:srgbClr val="000000"/>
+                </a:solidFill>
+                <a:highlight>
+                  <a:srgbClr val="FFFFFF"/>
+                </a:highlight>
+                <a:latin typeface="돋움체" panose="020B0609000101010101" pitchFamily="49" charset="-127"/>
+                <a:ea typeface="돋움체" panose="020B0609000101010101" pitchFamily="49" charset="-127"/>
+              </a:rPr>
+              <a:t> = </a:t>
+            </a:r>
+            <a:r>
+              <a:rPr lang="en-US" altLang="ko-KR" sz="1800" dirty="0" err="1">
+                <a:solidFill>
+                  <a:srgbClr val="2B91AF"/>
+                </a:solidFill>
+                <a:highlight>
+                  <a:srgbClr val="FFFFFF"/>
+                </a:highlight>
+                <a:latin typeface="돋움체" panose="020B0609000101010101" pitchFamily="49" charset="-127"/>
+                <a:ea typeface="돋움체" panose="020B0609000101010101" pitchFamily="49" charset="-127"/>
+              </a:rPr>
+              <a:t>Color</a:t>
+            </a:r>
+            <a:r>
+              <a:rPr lang="en-US" altLang="ko-KR" sz="1800" dirty="0" err="1">
+                <a:solidFill>
+                  <a:srgbClr val="000000"/>
+                </a:solidFill>
+                <a:highlight>
+                  <a:srgbClr val="FFFFFF"/>
+                </a:highlight>
+                <a:latin typeface="돋움체" panose="020B0609000101010101" pitchFamily="49" charset="-127"/>
+                <a:ea typeface="돋움체" panose="020B0609000101010101" pitchFamily="49" charset="-127"/>
+              </a:rPr>
+              <a:t>.red</a:t>
+            </a:r>
+            <a:r>
+              <a:rPr lang="en-US" altLang="ko-KR" sz="1800" dirty="0">
+                <a:solidFill>
+                  <a:srgbClr val="000000"/>
+                </a:solidFill>
+                <a:highlight>
+                  <a:srgbClr val="FFFFFF"/>
+                </a:highlight>
+                <a:latin typeface="돋움체" panose="020B0609000101010101" pitchFamily="49" charset="-127"/>
+                <a:ea typeface="돋움체" panose="020B0609000101010101" pitchFamily="49" charset="-127"/>
+              </a:rPr>
+              <a:t>;</a:t>
+            </a:r>
+          </a:p>
+          <a:p>
+            <a:r>
+              <a:rPr lang="en-US" altLang="ko-KR" sz="1800" dirty="0">
+                <a:solidFill>
+                  <a:srgbClr val="000000"/>
+                </a:solidFill>
+                <a:highlight>
+                  <a:srgbClr val="FFFFFF"/>
+                </a:highlight>
+                <a:latin typeface="돋움체" panose="020B0609000101010101" pitchFamily="49" charset="-127"/>
+                <a:ea typeface="돋움체" panose="020B0609000101010101" pitchFamily="49" charset="-127"/>
+              </a:rPr>
+              <a:t>}</a:t>
+            </a:r>
+          </a:p>
+          <a:p>
+            <a:r>
+              <a:rPr lang="en-US" altLang="ko-KR" sz="1800" dirty="0">
+                <a:solidFill>
+                  <a:srgbClr val="0000FF"/>
+                </a:solidFill>
+                <a:highlight>
+                  <a:srgbClr val="FFFFFF"/>
+                </a:highlight>
+                <a:latin typeface="돋움체" panose="020B0609000101010101" pitchFamily="49" charset="-127"/>
+                <a:ea typeface="돋움체" panose="020B0609000101010101" pitchFamily="49" charset="-127"/>
+              </a:rPr>
+              <a:t>else</a:t>
+            </a:r>
+            <a:r>
+              <a:rPr lang="en-US" altLang="ko-KR" sz="1800" dirty="0">
+                <a:solidFill>
+                  <a:srgbClr val="000000"/>
+                </a:solidFill>
+                <a:highlight>
+                  <a:srgbClr val="FFFFFF"/>
+                </a:highlight>
+                <a:latin typeface="돋움체" panose="020B0609000101010101" pitchFamily="49" charset="-127"/>
+                <a:ea typeface="돋움체" panose="020B0609000101010101" pitchFamily="49" charset="-127"/>
+              </a:rPr>
+              <a:t> </a:t>
+            </a:r>
+            <a:r>
+              <a:rPr lang="en-US" altLang="ko-KR" sz="1800" dirty="0">
+                <a:solidFill>
+                  <a:srgbClr val="0000FF"/>
+                </a:solidFill>
+                <a:highlight>
+                  <a:srgbClr val="FFFFFF"/>
+                </a:highlight>
+                <a:latin typeface="돋움체" panose="020B0609000101010101" pitchFamily="49" charset="-127"/>
+                <a:ea typeface="돋움체" panose="020B0609000101010101" pitchFamily="49" charset="-127"/>
+              </a:rPr>
+              <a:t>if</a:t>
+            </a:r>
+            <a:r>
+              <a:rPr lang="en-US" altLang="ko-KR" sz="1800" dirty="0">
+                <a:solidFill>
+                  <a:srgbClr val="000000"/>
+                </a:solidFill>
+                <a:highlight>
+                  <a:srgbClr val="FFFFFF"/>
+                </a:highlight>
+                <a:latin typeface="돋움체" panose="020B0609000101010101" pitchFamily="49" charset="-127"/>
+                <a:ea typeface="돋움체" panose="020B0609000101010101" pitchFamily="49" charset="-127"/>
+              </a:rPr>
+              <a:t> (time &lt; 10f)</a:t>
+            </a:r>
+          </a:p>
+          <a:p>
+            <a:r>
+              <a:rPr lang="en-US" altLang="ko-KR" sz="1800" dirty="0">
+                <a:solidFill>
+                  <a:srgbClr val="000000"/>
+                </a:solidFill>
+                <a:highlight>
+                  <a:srgbClr val="FFFFFF"/>
+                </a:highlight>
+                <a:latin typeface="돋움체" panose="020B0609000101010101" pitchFamily="49" charset="-127"/>
+                <a:ea typeface="돋움체" panose="020B0609000101010101" pitchFamily="49" charset="-127"/>
+              </a:rPr>
+              <a:t>{</a:t>
+            </a:r>
+          </a:p>
+          <a:p>
+            <a:r>
+              <a:rPr lang="en-US" altLang="ko-KR" sz="1800" dirty="0">
+                <a:solidFill>
+                  <a:srgbClr val="000000"/>
+                </a:solidFill>
+                <a:highlight>
+                  <a:srgbClr val="FFFFFF"/>
+                </a:highlight>
+                <a:latin typeface="돋움체" panose="020B0609000101010101" pitchFamily="49" charset="-127"/>
+                <a:ea typeface="돋움체" panose="020B0609000101010101" pitchFamily="49" charset="-127"/>
+              </a:rPr>
+              <a:t>    </a:t>
+            </a:r>
+            <a:r>
+              <a:rPr lang="en-US" altLang="ko-KR" sz="1800" dirty="0" err="1">
+                <a:solidFill>
+                  <a:srgbClr val="000000"/>
+                </a:solidFill>
+                <a:highlight>
+                  <a:srgbClr val="FFFFFF"/>
+                </a:highlight>
+                <a:latin typeface="돋움체" panose="020B0609000101010101" pitchFamily="49" charset="-127"/>
+                <a:ea typeface="돋움체" panose="020B0609000101010101" pitchFamily="49" charset="-127"/>
+              </a:rPr>
+              <a:t>timeTxt.color</a:t>
+            </a:r>
+            <a:r>
+              <a:rPr lang="en-US" altLang="ko-KR" sz="1800" dirty="0">
+                <a:solidFill>
+                  <a:srgbClr val="000000"/>
+                </a:solidFill>
+                <a:highlight>
+                  <a:srgbClr val="FFFFFF"/>
+                </a:highlight>
+                <a:latin typeface="돋움체" panose="020B0609000101010101" pitchFamily="49" charset="-127"/>
+                <a:ea typeface="돋움체" panose="020B0609000101010101" pitchFamily="49" charset="-127"/>
+              </a:rPr>
+              <a:t> = </a:t>
+            </a:r>
+            <a:r>
+              <a:rPr lang="en-US" altLang="ko-KR" sz="1800" dirty="0">
+                <a:solidFill>
+                  <a:srgbClr val="0000FF"/>
+                </a:solidFill>
+                <a:highlight>
+                  <a:srgbClr val="FFFFFF"/>
+                </a:highlight>
+                <a:latin typeface="돋움체" panose="020B0609000101010101" pitchFamily="49" charset="-127"/>
+                <a:ea typeface="돋움체" panose="020B0609000101010101" pitchFamily="49" charset="-127"/>
+              </a:rPr>
+              <a:t>new</a:t>
+            </a:r>
+            <a:r>
+              <a:rPr lang="en-US" altLang="ko-KR" sz="1800" dirty="0">
+                <a:solidFill>
+                  <a:srgbClr val="000000"/>
+                </a:solidFill>
+                <a:highlight>
+                  <a:srgbClr val="FFFFFF"/>
+                </a:highlight>
+                <a:latin typeface="돋움체" panose="020B0609000101010101" pitchFamily="49" charset="-127"/>
+                <a:ea typeface="돋움체" panose="020B0609000101010101" pitchFamily="49" charset="-127"/>
+              </a:rPr>
+              <a:t> </a:t>
+            </a:r>
+            <a:r>
+              <a:rPr lang="en-US" altLang="ko-KR" sz="1800" dirty="0">
+                <a:solidFill>
+                  <a:srgbClr val="2B91AF"/>
+                </a:solidFill>
+                <a:highlight>
+                  <a:srgbClr val="FFFFFF"/>
+                </a:highlight>
+                <a:latin typeface="돋움체" panose="020B0609000101010101" pitchFamily="49" charset="-127"/>
+                <a:ea typeface="돋움체" panose="020B0609000101010101" pitchFamily="49" charset="-127"/>
+              </a:rPr>
+              <a:t>Color</a:t>
+            </a:r>
+            <a:r>
+              <a:rPr lang="en-US" altLang="ko-KR" sz="1800" dirty="0">
+                <a:solidFill>
+                  <a:srgbClr val="000000"/>
+                </a:solidFill>
+                <a:highlight>
+                  <a:srgbClr val="FFFFFF"/>
+                </a:highlight>
+                <a:latin typeface="돋움체" panose="020B0609000101010101" pitchFamily="49" charset="-127"/>
+                <a:ea typeface="돋움체" panose="020B0609000101010101" pitchFamily="49" charset="-127"/>
+              </a:rPr>
+              <a:t>(1f, 0.5f, 0f);</a:t>
+            </a:r>
+          </a:p>
+          <a:p>
+            <a:r>
+              <a:rPr lang="en-US" altLang="ko-KR" sz="1800" dirty="0">
+                <a:solidFill>
+                  <a:srgbClr val="000000"/>
+                </a:solidFill>
+                <a:highlight>
+                  <a:srgbClr val="FFFFFF"/>
+                </a:highlight>
+                <a:latin typeface="돋움체" panose="020B0609000101010101" pitchFamily="49" charset="-127"/>
+                <a:ea typeface="돋움체" panose="020B0609000101010101" pitchFamily="49" charset="-127"/>
+              </a:rPr>
+              <a:t>}</a:t>
+            </a:r>
+          </a:p>
+          <a:p>
+            <a:r>
+              <a:rPr lang="en-US" altLang="ko-KR" sz="1800" dirty="0">
+                <a:solidFill>
+                  <a:srgbClr val="0000FF"/>
+                </a:solidFill>
+                <a:highlight>
+                  <a:srgbClr val="FFFFFF"/>
+                </a:highlight>
+                <a:latin typeface="돋움체" panose="020B0609000101010101" pitchFamily="49" charset="-127"/>
+                <a:ea typeface="돋움체" panose="020B0609000101010101" pitchFamily="49" charset="-127"/>
+              </a:rPr>
+              <a:t>else</a:t>
+            </a:r>
+            <a:endParaRPr lang="en-US" altLang="ko-KR" sz="1800" dirty="0">
+              <a:solidFill>
+                <a:srgbClr val="000000"/>
+              </a:solidFill>
+              <a:highlight>
+                <a:srgbClr val="FFFFFF"/>
+              </a:highlight>
+              <a:latin typeface="돋움체" panose="020B0609000101010101" pitchFamily="49" charset="-127"/>
+              <a:ea typeface="돋움체" panose="020B0609000101010101" pitchFamily="49" charset="-127"/>
+            </a:endParaRPr>
+          </a:p>
+          <a:p>
+            <a:r>
+              <a:rPr lang="en-US" altLang="ko-KR" sz="1800" dirty="0">
+                <a:solidFill>
+                  <a:srgbClr val="000000"/>
+                </a:solidFill>
+                <a:highlight>
+                  <a:srgbClr val="FFFFFF"/>
+                </a:highlight>
+                <a:latin typeface="돋움체" panose="020B0609000101010101" pitchFamily="49" charset="-127"/>
+                <a:ea typeface="돋움체" panose="020B0609000101010101" pitchFamily="49" charset="-127"/>
+              </a:rPr>
+              <a:t>{</a:t>
+            </a:r>
+          </a:p>
+          <a:p>
+            <a:r>
+              <a:rPr lang="en-US" altLang="ko-KR" sz="1800" dirty="0">
+                <a:solidFill>
+                  <a:srgbClr val="000000"/>
+                </a:solidFill>
+                <a:highlight>
+                  <a:srgbClr val="FFFFFF"/>
+                </a:highlight>
+                <a:latin typeface="돋움체" panose="020B0609000101010101" pitchFamily="49" charset="-127"/>
+                <a:ea typeface="돋움체" panose="020B0609000101010101" pitchFamily="49" charset="-127"/>
+              </a:rPr>
+              <a:t>    </a:t>
+            </a:r>
+            <a:r>
+              <a:rPr lang="en-US" altLang="ko-KR" sz="1800" dirty="0" err="1">
+                <a:solidFill>
+                  <a:srgbClr val="000000"/>
+                </a:solidFill>
+                <a:highlight>
+                  <a:srgbClr val="FFFFFF"/>
+                </a:highlight>
+                <a:latin typeface="돋움체" panose="020B0609000101010101" pitchFamily="49" charset="-127"/>
+                <a:ea typeface="돋움체" panose="020B0609000101010101" pitchFamily="49" charset="-127"/>
+              </a:rPr>
+              <a:t>timeTxt.color</a:t>
+            </a:r>
+            <a:r>
+              <a:rPr lang="en-US" altLang="ko-KR" sz="1800" dirty="0">
+                <a:solidFill>
+                  <a:srgbClr val="000000"/>
+                </a:solidFill>
+                <a:highlight>
+                  <a:srgbClr val="FFFFFF"/>
+                </a:highlight>
+                <a:latin typeface="돋움체" panose="020B0609000101010101" pitchFamily="49" charset="-127"/>
+                <a:ea typeface="돋움체" panose="020B0609000101010101" pitchFamily="49" charset="-127"/>
+              </a:rPr>
+              <a:t> = </a:t>
+            </a:r>
+            <a:r>
+              <a:rPr lang="en-US" altLang="ko-KR" sz="1800" dirty="0" err="1">
+                <a:solidFill>
+                  <a:srgbClr val="2B91AF"/>
+                </a:solidFill>
+                <a:highlight>
+                  <a:srgbClr val="FFFFFF"/>
+                </a:highlight>
+                <a:latin typeface="돋움체" panose="020B0609000101010101" pitchFamily="49" charset="-127"/>
+                <a:ea typeface="돋움체" panose="020B0609000101010101" pitchFamily="49" charset="-127"/>
+              </a:rPr>
+              <a:t>Color</a:t>
+            </a:r>
+            <a:r>
+              <a:rPr lang="en-US" altLang="ko-KR" sz="1800" dirty="0" err="1">
+                <a:solidFill>
+                  <a:srgbClr val="000000"/>
+                </a:solidFill>
+                <a:highlight>
+                  <a:srgbClr val="FFFFFF"/>
+                </a:highlight>
+                <a:latin typeface="돋움체" panose="020B0609000101010101" pitchFamily="49" charset="-127"/>
+                <a:ea typeface="돋움체" panose="020B0609000101010101" pitchFamily="49" charset="-127"/>
+              </a:rPr>
+              <a:t>.black</a:t>
+            </a:r>
+            <a:r>
+              <a:rPr lang="en-US" altLang="ko-KR" sz="1800" dirty="0">
+                <a:solidFill>
+                  <a:srgbClr val="000000"/>
+                </a:solidFill>
+                <a:highlight>
+                  <a:srgbClr val="FFFFFF"/>
+                </a:highlight>
+                <a:latin typeface="돋움체" panose="020B0609000101010101" pitchFamily="49" charset="-127"/>
+                <a:ea typeface="돋움체" panose="020B0609000101010101" pitchFamily="49" charset="-127"/>
+              </a:rPr>
+              <a:t>;</a:t>
+            </a:r>
+          </a:p>
+          <a:p>
+            <a:r>
+              <a:rPr lang="en-US" altLang="ko-KR" sz="1800" dirty="0">
+                <a:solidFill>
+                  <a:srgbClr val="000000"/>
+                </a:solidFill>
+                <a:highlight>
+                  <a:srgbClr val="FFFFFF"/>
+                </a:highlight>
+                <a:latin typeface="돋움체" panose="020B0609000101010101" pitchFamily="49" charset="-127"/>
+                <a:ea typeface="돋움체" panose="020B0609000101010101" pitchFamily="49" charset="-127"/>
+              </a:rPr>
+              <a:t>}</a:t>
+            </a:r>
+          </a:p>
+        </p:txBody>
+      </p:sp>
+      <p:sp>
+        <p:nvSpPr>
+          <p:cNvPr id="10" name="TextBox 9">
+            <a:extLst>
+              <a:ext uri="{FF2B5EF4-FFF2-40B4-BE49-F238E27FC236}">
+                <a16:creationId xmlns:a16="http://schemas.microsoft.com/office/drawing/2014/main" id="{469F9473-CA38-6846-C8B2-954A7535DA50}"/>
+              </a:ext>
+            </a:extLst>
+          </p:cNvPr>
+          <p:cNvSpPr txBox="1"/>
+          <p:nvPr/>
+        </p:nvSpPr>
+        <p:spPr>
+          <a:xfrm>
+            <a:off x="5918752" y="1757919"/>
+            <a:ext cx="7523920" cy="369332"/>
+          </a:xfrm>
+          <a:prstGeom prst="rect">
+            <a:avLst/>
+          </a:prstGeom>
+          <a:noFill/>
+        </p:spPr>
+        <p:txBody>
+          <a:bodyPr wrap="square">
+            <a:spAutoFit/>
+          </a:bodyPr>
+          <a:lstStyle/>
+          <a:p>
+            <a:r>
+              <a:rPr lang="ko-KR" altLang="en-US" dirty="0"/>
+              <a:t>시간이 경과함에 따라 </a:t>
+            </a:r>
+            <a:r>
+              <a:rPr lang="en-US" altLang="ko-KR" dirty="0" err="1"/>
+              <a:t>Bgm</a:t>
+            </a:r>
+            <a:r>
+              <a:rPr lang="ko-KR" altLang="en-US" dirty="0"/>
+              <a:t>변경과 함께 시간 색깔도 변경</a:t>
+            </a:r>
+            <a:endParaRPr lang="en-US" altLang="ko-KR" dirty="0"/>
+          </a:p>
+        </p:txBody>
+      </p:sp>
     </p:spTree>
+    <p:extLst>
+      <p:ext uri="{BB962C8B-B14F-4D97-AF65-F5344CB8AC3E}">
+        <p14:creationId xmlns:p14="http://schemas.microsoft.com/office/powerpoint/2010/main" val="121075390"/>
+      </p:ext>
+    </p:extLst>
   </p:cSld>
   <p:clrMapOvr>
     <a:masterClrMapping/>
@@ -4996,7 +8791,7 @@
 
 <file path=ppt/slides/slide9.xml><?xml version="1.0" encoding="utf-8"?>
 <p:sld xmlns:a="http://schemas.openxmlformats.org/drawingml/2006/main" xmlns:r="http://schemas.openxmlformats.org/officeDocument/2006/relationships" xmlns:p="http://schemas.openxmlformats.org/presentationml/2006/main">
-  <p:cSld name="Slide 9">
+  <p:cSld name="Slide 7">
     <p:spTree>
       <p:nvGrpSpPr>
         <p:cNvPr id="1" name=""/>
@@ -5011,9 +8806,51 @@
           <a:chExt cx="0" cy="0"/>
         </a:xfrm>
       </p:grpSpPr>
+      <p:sp>
+        <p:nvSpPr>
+          <p:cNvPr id="2" name="Text 0"/>
+          <p:cNvSpPr/>
+          <p:nvPr/>
+        </p:nvSpPr>
+        <p:spPr>
+          <a:xfrm>
+            <a:off x="793790" y="2066330"/>
+            <a:ext cx="7825502" cy="978218"/>
+          </a:xfrm>
+          <a:prstGeom prst="rect">
+            <a:avLst/>
+          </a:prstGeom>
+          <a:noFill/>
+          <a:ln/>
+        </p:spPr>
+        <p:txBody>
+          <a:bodyPr wrap="none" lIns="0" tIns="0" rIns="0" bIns="0" rtlCol="0" anchor="t"/>
+          <a:lstStyle/>
+          <a:p>
+            <a:pPr marL="0" indent="0" algn="l">
+              <a:lnSpc>
+                <a:spcPts val="7700"/>
+              </a:lnSpc>
+              <a:buNone/>
+            </a:pPr>
+            <a:r>
+              <a:rPr lang="en-US" sz="6150" b="1" dirty="0">
+                <a:solidFill>
+                  <a:srgbClr val="000000"/>
+                </a:solidFill>
+                <a:latin typeface="Inter Bold" pitchFamily="34" charset="0"/>
+                <a:ea typeface="Inter Bold" pitchFamily="34" charset="-122"/>
+                <a:cs typeface="Inter Bold" pitchFamily="34" charset="-120"/>
+              </a:rPr>
+              <a:t>스크립트</a:t>
+            </a:r>
+            <a:endParaRPr lang="en-US" sz="6150" dirty="0"/>
+          </a:p>
+        </p:txBody>
+      </p:sp>
       <p:pic>
         <p:nvPicPr>
-          <p:cNvPr id="2" name="Image 0" descr="preencoded.png"/>
+          <p:cNvPr id="3" name="Image 0" descr="preencoded.png"/>
           <p:cNvPicPr>
             <a:picLocks noChangeAspect="1"/>
           </p:cNvPicPr>
@@ -5027,8 +8864,8 @@
         </p:blipFill>
         <p:spPr>
           <a:xfrm>
-            <a:off x="0" y="0"/>
-            <a:ext cx="5486400" cy="8229600"/>
+            <a:off x="793790" y="3639860"/>
+            <a:ext cx="4082891" cy="2268260"/>
           </a:xfrm>
           <a:prstGeom prst="rect">
             <a:avLst/>
@@ -5037,13 +8874,13 @@
       </p:pic>
       <p:sp>
         <p:nvSpPr>
-          <p:cNvPr id="3" name="Text 0"/>
+          <p:cNvPr id="4" name="Text 1"/>
           <p:cNvSpPr/>
           <p:nvPr/>
         </p:nvSpPr>
         <p:spPr>
           <a:xfrm>
-            <a:off x="6280190" y="3760351"/>
+            <a:off x="7599521" y="4136112"/>
             <a:ext cx="5670590" cy="708779"/>
           </a:xfrm>
           <a:prstGeom prst="rect">
@@ -5071,7 +8908,7 @@
                 <a:ea typeface="Inter Bold" pitchFamily="34" charset="-122"/>
                 <a:cs typeface="Inter Bold" pitchFamily="34" charset="-120"/>
               </a:rPr>
-              <a:t>감사합니다</a:t>
+              <a:t>Board</a:t>
             </a:r>
             <a:endParaRPr lang="en-US" sz="4450" dirty="0"/>
           </a:p>
@@ -5079,10 +8916,41 @@
       </p:sp>
       <p:sp>
         <p:nvSpPr>
-          <p:cNvPr id="4" name="직사각형 3">
+          <p:cNvPr id="5" name="Text 2"/>
+          <p:cNvSpPr/>
+          <p:nvPr/>
+        </p:nvSpPr>
+        <p:spPr>
+          <a:xfrm>
+            <a:off x="7599521" y="5071705"/>
+            <a:ext cx="6244709" cy="362903"/>
+          </a:xfrm>
+          <a:prstGeom prst="rect">
+            <a:avLst/>
+          </a:prstGeom>
+          <a:noFill/>
+          <a:ln/>
+        </p:spPr>
+        <p:txBody>
+          <a:bodyPr wrap="none" lIns="0" tIns="0" rIns="0" bIns="0" rtlCol="0" anchor="t"/>
+          <a:lstStyle/>
+          <a:p>
+            <a:pPr marL="0" indent="0" algn="l">
+              <a:lnSpc>
+                <a:spcPts val="2850"/>
+              </a:lnSpc>
+              <a:buNone/>
+            </a:pPr>
+            <a:endParaRPr lang="en-US" sz="1750" dirty="0"/>
+          </a:p>
+        </p:txBody>
+      </p:sp>
+      <p:sp>
+        <p:nvSpPr>
+          <p:cNvPr id="6" name="직사각형 5">
             <a:extLst>
               <a:ext uri="{FF2B5EF4-FFF2-40B4-BE49-F238E27FC236}">
-                <a16:creationId xmlns:a16="http://schemas.microsoft.com/office/drawing/2014/main" id="{618F0E9F-725F-100C-9292-F9177FBFC3C6}"/>
+                <a16:creationId xmlns:a16="http://schemas.microsoft.com/office/drawing/2014/main" id="{94D0CF56-C81D-E759-8B17-EC29D090C49C}"/>
               </a:ext>
             </a:extLst>
           </p:cNvPr>
@@ -5091,8 +8959,8 @@
         </p:nvSpPr>
         <p:spPr>
           <a:xfrm>
-            <a:off x="12831417" y="7792278"/>
-            <a:ext cx="1798983" cy="357809"/>
+            <a:off x="12851296" y="7722704"/>
+            <a:ext cx="1779104" cy="462295"/>
           </a:xfrm>
           <a:prstGeom prst="rect">
             <a:avLst/>

--- a/tzjqc37h0bnimw7.pptx
+++ b/tzjqc37h0bnimw7.pptx
@@ -5,7 +5,7 @@
     <p:sldMasterId id="2147483648" r:id="rId1"/>
   </p:sldMasterIdLst>
   <p:notesMasterIdLst>
-    <p:notesMasterId r:id="rId13"/>
+    <p:notesMasterId r:id="rId15"/>
   </p:notesMasterIdLst>
   <p:sldIdLst>
     <p:sldId id="256" r:id="rId2"/>
@@ -16,9 +16,11 @@
     <p:sldId id="261" r:id="rId7"/>
     <p:sldId id="265" r:id="rId8"/>
     <p:sldId id="266" r:id="rId9"/>
-    <p:sldId id="262" r:id="rId10"/>
-    <p:sldId id="263" r:id="rId11"/>
-    <p:sldId id="264" r:id="rId12"/>
+    <p:sldId id="267" r:id="rId10"/>
+    <p:sldId id="269" r:id="rId11"/>
+    <p:sldId id="270" r:id="rId12"/>
+    <p:sldId id="263" r:id="rId13"/>
+    <p:sldId id="264" r:id="rId14"/>
   </p:sldIdLst>
   <p:sldSz cx="14630400" cy="8229600"/>
   <p:notesSz cx="8229600" cy="14630400"/>
@@ -351,7 +353,13 @@
   <p:cSld>
     <p:spTree>
       <p:nvGrpSpPr>
-        <p:cNvPr id="1" name=""/>
+        <p:cNvPr id="1" name="">
+          <a:extLst>
+            <a:ext uri="{FF2B5EF4-FFF2-40B4-BE49-F238E27FC236}">
+              <a16:creationId xmlns:a16="http://schemas.microsoft.com/office/drawing/2014/main" id="{FF5B67CB-15DB-F97B-B3C6-D54ECB3ABC2E}"/>
+            </a:ext>
+          </a:extLst>
+        </p:cNvPr>
         <p:cNvGrpSpPr/>
         <p:nvPr/>
       </p:nvGrpSpPr>
@@ -365,7 +373,13 @@
       </p:grpSpPr>
       <p:sp>
         <p:nvSpPr>
-          <p:cNvPr id="2" name="Slide Image Placeholder 1"/>
+          <p:cNvPr id="2" name="Slide Image Placeholder 1">
+            <a:extLst>
+              <a:ext uri="{FF2B5EF4-FFF2-40B4-BE49-F238E27FC236}">
+                <a16:creationId xmlns:a16="http://schemas.microsoft.com/office/drawing/2014/main" id="{35DD373A-4B0C-7D33-99AA-AD6E9D42CF4C}"/>
+              </a:ext>
+            </a:extLst>
+          </p:cNvPr>
           <p:cNvSpPr>
             <a:spLocks noGrp="1" noRot="1" noChangeAspect="1"/>
           </p:cNvSpPr>
@@ -377,7 +391,13 @@
       </p:sp>
       <p:sp>
         <p:nvSpPr>
-          <p:cNvPr id="3" name="Notes Placeholder 2"/>
+          <p:cNvPr id="3" name="Notes Placeholder 2">
+            <a:extLst>
+              <a:ext uri="{FF2B5EF4-FFF2-40B4-BE49-F238E27FC236}">
+                <a16:creationId xmlns:a16="http://schemas.microsoft.com/office/drawing/2014/main" id="{AD3F017E-5998-BA15-EB43-BBC2E8794D72}"/>
+              </a:ext>
+            </a:extLst>
+          </p:cNvPr>
           <p:cNvSpPr>
             <a:spLocks noGrp="1"/>
           </p:cNvSpPr>
@@ -396,7 +416,13 @@
       </p:sp>
       <p:sp>
         <p:nvSpPr>
-          <p:cNvPr id="4" name="Slide Number Placeholder 3"/>
+          <p:cNvPr id="4" name="Slide Number Placeholder 3">
+            <a:extLst>
+              <a:ext uri="{FF2B5EF4-FFF2-40B4-BE49-F238E27FC236}">
+                <a16:creationId xmlns:a16="http://schemas.microsoft.com/office/drawing/2014/main" id="{30F9FBA4-7CCC-6155-9BEE-AFEB7F95DC22}"/>
+              </a:ext>
+            </a:extLst>
+          </p:cNvPr>
           <p:cNvSpPr>
             <a:spLocks noGrp="1"/>
           </p:cNvSpPr>
@@ -420,7 +446,7 @@
     </p:spTree>
     <p:extLst>
       <p:ext uri="{BB962C8B-B14F-4D97-AF65-F5344CB8AC3E}">
-        <p14:creationId xmlns:p14="http://schemas.microsoft.com/office/powerpoint/2010/main" val="1024086991"/>
+        <p14:creationId xmlns:p14="http://schemas.microsoft.com/office/powerpoint/2010/main" val="107768295"/>
       </p:ext>
     </p:extLst>
   </p:cSld>
@@ -431,6 +457,114 @@
 </file>
 
 <file path=ppt/notesSlides/notesSlide11.xml><?xml version="1.0" encoding="utf-8"?>
+<p:notes xmlns:a="http://schemas.openxmlformats.org/drawingml/2006/main" xmlns:r="http://schemas.openxmlformats.org/officeDocument/2006/relationships" xmlns:p="http://schemas.openxmlformats.org/presentationml/2006/main">
+  <p:cSld>
+    <p:spTree>
+      <p:nvGrpSpPr>
+        <p:cNvPr id="1" name="">
+          <a:extLst>
+            <a:ext uri="{FF2B5EF4-FFF2-40B4-BE49-F238E27FC236}">
+              <a16:creationId xmlns:a16="http://schemas.microsoft.com/office/drawing/2014/main" id="{A47EA322-BDB7-EBF4-07A8-A64118E0BBB1}"/>
+            </a:ext>
+          </a:extLst>
+        </p:cNvPr>
+        <p:cNvGrpSpPr/>
+        <p:nvPr/>
+      </p:nvGrpSpPr>
+      <p:grpSpPr>
+        <a:xfrm>
+          <a:off x="0" y="0"/>
+          <a:ext cx="0" cy="0"/>
+          <a:chOff x="0" y="0"/>
+          <a:chExt cx="0" cy="0"/>
+        </a:xfrm>
+      </p:grpSpPr>
+      <p:sp>
+        <p:nvSpPr>
+          <p:cNvPr id="2" name="Slide Image Placeholder 1">
+            <a:extLst>
+              <a:ext uri="{FF2B5EF4-FFF2-40B4-BE49-F238E27FC236}">
+                <a16:creationId xmlns:a16="http://schemas.microsoft.com/office/drawing/2014/main" id="{1F0391F8-7883-9195-E7A8-BA804CD52F9B}"/>
+              </a:ext>
+            </a:extLst>
+          </p:cNvPr>
+          <p:cNvSpPr>
+            <a:spLocks noGrp="1" noRot="1" noChangeAspect="1"/>
+          </p:cNvSpPr>
+          <p:nvPr>
+            <p:ph type="sldImg"/>
+          </p:nvPr>
+        </p:nvSpPr>
+        <p:spPr/>
+      </p:sp>
+      <p:sp>
+        <p:nvSpPr>
+          <p:cNvPr id="3" name="Notes Placeholder 2">
+            <a:extLst>
+              <a:ext uri="{FF2B5EF4-FFF2-40B4-BE49-F238E27FC236}">
+                <a16:creationId xmlns:a16="http://schemas.microsoft.com/office/drawing/2014/main" id="{64AF6C0F-686E-B1AB-8F06-D122E6D7FB13}"/>
+              </a:ext>
+            </a:extLst>
+          </p:cNvPr>
+          <p:cNvSpPr>
+            <a:spLocks noGrp="1"/>
+          </p:cNvSpPr>
+          <p:nvPr>
+            <p:ph type="body" idx="1"/>
+          </p:nvPr>
+        </p:nvSpPr>
+        <p:spPr/>
+        <p:txBody>
+          <a:bodyPr/>
+          <a:lstStyle/>
+          <a:p>
+            <a:endParaRPr lang="en-US" dirty="0"/>
+          </a:p>
+        </p:txBody>
+      </p:sp>
+      <p:sp>
+        <p:nvSpPr>
+          <p:cNvPr id="4" name="Slide Number Placeholder 3">
+            <a:extLst>
+              <a:ext uri="{FF2B5EF4-FFF2-40B4-BE49-F238E27FC236}">
+                <a16:creationId xmlns:a16="http://schemas.microsoft.com/office/drawing/2014/main" id="{FED29F48-482B-81EB-CD92-89CAE5A55642}"/>
+              </a:ext>
+            </a:extLst>
+          </p:cNvPr>
+          <p:cNvSpPr>
+            <a:spLocks noGrp="1"/>
+          </p:cNvSpPr>
+          <p:nvPr>
+            <p:ph type="sldNum" sz="quarter" idx="10"/>
+          </p:nvPr>
+        </p:nvSpPr>
+        <p:spPr/>
+        <p:txBody>
+          <a:bodyPr/>
+          <a:lstStyle/>
+          <a:p>
+            <a:fld id="{F7021451-1387-4CA6-816F-3879F97B5CBC}" type="slidenum">
+              <a:rPr lang="en-US"/>
+              <a:t>11</a:t>
+            </a:fld>
+            <a:endParaRPr lang="en-US"/>
+          </a:p>
+        </p:txBody>
+      </p:sp>
+    </p:spTree>
+    <p:extLst>
+      <p:ext uri="{BB962C8B-B14F-4D97-AF65-F5344CB8AC3E}">
+        <p14:creationId xmlns:p14="http://schemas.microsoft.com/office/powerpoint/2010/main" val="579624925"/>
+      </p:ext>
+    </p:extLst>
+  </p:cSld>
+  <p:clrMapOvr>
+    <a:masterClrMapping/>
+  </p:clrMapOvr>
+</p:notes>
+</file>
+
+<file path=ppt/notesSlides/notesSlide12.xml><?xml version="1.0" encoding="utf-8"?>
 <p:notes xmlns:a="http://schemas.openxmlformats.org/drawingml/2006/main" xmlns:r="http://schemas.openxmlformats.org/officeDocument/2006/relationships" xmlns:p="http://schemas.openxmlformats.org/presentationml/2006/main">
   <p:cSld>
     <p:spTree>
@@ -495,7 +629,91 @@
           <a:p>
             <a:fld id="{F7021451-1387-4CA6-816F-3879F97B5CBC}" type="slidenum">
               <a:rPr lang="en-US"/>
-              <a:t>11</a:t>
+              <a:t>12</a:t>
+            </a:fld>
+            <a:endParaRPr lang="en-US"/>
+          </a:p>
+        </p:txBody>
+      </p:sp>
+    </p:spTree>
+    <p:extLst>
+      <p:ext uri="{BB962C8B-B14F-4D97-AF65-F5344CB8AC3E}">
+        <p14:creationId xmlns:p14="http://schemas.microsoft.com/office/powerpoint/2010/main" val="1024086991"/>
+      </p:ext>
+    </p:extLst>
+  </p:cSld>
+  <p:clrMapOvr>
+    <a:masterClrMapping/>
+  </p:clrMapOvr>
+</p:notes>
+</file>
+
+<file path=ppt/notesSlides/notesSlide13.xml><?xml version="1.0" encoding="utf-8"?>
+<p:notes xmlns:a="http://schemas.openxmlformats.org/drawingml/2006/main" xmlns:r="http://schemas.openxmlformats.org/officeDocument/2006/relationships" xmlns:p="http://schemas.openxmlformats.org/presentationml/2006/main">
+  <p:cSld>
+    <p:spTree>
+      <p:nvGrpSpPr>
+        <p:cNvPr id="1" name=""/>
+        <p:cNvGrpSpPr/>
+        <p:nvPr/>
+      </p:nvGrpSpPr>
+      <p:grpSpPr>
+        <a:xfrm>
+          <a:off x="0" y="0"/>
+          <a:ext cx="0" cy="0"/>
+          <a:chOff x="0" y="0"/>
+          <a:chExt cx="0" cy="0"/>
+        </a:xfrm>
+      </p:grpSpPr>
+      <p:sp>
+        <p:nvSpPr>
+          <p:cNvPr id="2" name="Slide Image Placeholder 1"/>
+          <p:cNvSpPr>
+            <a:spLocks noGrp="1" noRot="1" noChangeAspect="1"/>
+          </p:cNvSpPr>
+          <p:nvPr>
+            <p:ph type="sldImg"/>
+          </p:nvPr>
+        </p:nvSpPr>
+        <p:spPr/>
+      </p:sp>
+      <p:sp>
+        <p:nvSpPr>
+          <p:cNvPr id="3" name="Notes Placeholder 2"/>
+          <p:cNvSpPr>
+            <a:spLocks noGrp="1"/>
+          </p:cNvSpPr>
+          <p:nvPr>
+            <p:ph type="body" idx="1"/>
+          </p:nvPr>
+        </p:nvSpPr>
+        <p:spPr/>
+        <p:txBody>
+          <a:bodyPr/>
+          <a:lstStyle/>
+          <a:p>
+            <a:endParaRPr lang="en-US" dirty="0"/>
+          </a:p>
+        </p:txBody>
+      </p:sp>
+      <p:sp>
+        <p:nvSpPr>
+          <p:cNvPr id="4" name="Slide Number Placeholder 3"/>
+          <p:cNvSpPr>
+            <a:spLocks noGrp="1"/>
+          </p:cNvSpPr>
+          <p:nvPr>
+            <p:ph type="sldNum" sz="quarter" idx="10"/>
+          </p:nvPr>
+        </p:nvSpPr>
+        <p:spPr/>
+        <p:txBody>
+          <a:bodyPr/>
+          <a:lstStyle/>
+          <a:p>
+            <a:fld id="{F7021451-1387-4CA6-816F-3879F97B5CBC}" type="slidenum">
+              <a:rPr lang="en-US"/>
+              <a:t>13</a:t>
             </a:fld>
             <a:endParaRPr lang="en-US"/>
           </a:p>
@@ -2410,6 +2628,13 @@
           </a:solidFill>
           <a:ln/>
         </p:spPr>
+        <p:txBody>
+          <a:bodyPr/>
+          <a:lstStyle/>
+          <a:p>
+            <a:endParaRPr lang="ko-KR" altLang="en-US"/>
+          </a:p>
+        </p:txBody>
       </p:sp>
       <p:pic>
         <p:nvPicPr>
@@ -2655,6 +2880,5396 @@
 </file>
 
 <file path=ppt/slides/slide10.xml><?xml version="1.0" encoding="utf-8"?>
+<p:sld xmlns:a="http://schemas.openxmlformats.org/drawingml/2006/main" xmlns:r="http://schemas.openxmlformats.org/officeDocument/2006/relationships" xmlns:p="http://schemas.openxmlformats.org/presentationml/2006/main">
+  <p:cSld>
+    <p:spTree>
+      <p:nvGrpSpPr>
+        <p:cNvPr id="1" name="">
+          <a:extLst>
+            <a:ext uri="{FF2B5EF4-FFF2-40B4-BE49-F238E27FC236}">
+              <a16:creationId xmlns:a16="http://schemas.microsoft.com/office/drawing/2014/main" id="{D305758B-686D-468D-4E1E-DFFE7F9D5810}"/>
+            </a:ext>
+          </a:extLst>
+        </p:cNvPr>
+        <p:cNvGrpSpPr/>
+        <p:nvPr/>
+      </p:nvGrpSpPr>
+      <p:grpSpPr>
+        <a:xfrm>
+          <a:off x="0" y="0"/>
+          <a:ext cx="0" cy="0"/>
+          <a:chOff x="0" y="0"/>
+          <a:chExt cx="0" cy="0"/>
+        </a:xfrm>
+      </p:grpSpPr>
+      <p:sp>
+        <p:nvSpPr>
+          <p:cNvPr id="2" name="Text 0">
+            <a:extLst>
+              <a:ext uri="{FF2B5EF4-FFF2-40B4-BE49-F238E27FC236}">
+                <a16:creationId xmlns:a16="http://schemas.microsoft.com/office/drawing/2014/main" id="{D2BB0C0D-7D0C-7253-A86C-389DFF101B6C}"/>
+              </a:ext>
+            </a:extLst>
+          </p:cNvPr>
+          <p:cNvSpPr/>
+          <p:nvPr/>
+        </p:nvSpPr>
+        <p:spPr>
+          <a:xfrm>
+            <a:off x="793790" y="614054"/>
+            <a:ext cx="7825502" cy="978218"/>
+          </a:xfrm>
+          <a:prstGeom prst="rect">
+            <a:avLst/>
+          </a:prstGeom>
+          <a:noFill/>
+          <a:ln/>
+        </p:spPr>
+        <p:txBody>
+          <a:bodyPr wrap="none" lIns="0" tIns="0" rIns="0" bIns="0" rtlCol="0" anchor="t"/>
+          <a:lstStyle/>
+          <a:p>
+            <a:pPr marL="0" indent="0" algn="l">
+              <a:lnSpc>
+                <a:spcPts val="7700"/>
+              </a:lnSpc>
+              <a:buNone/>
+            </a:pPr>
+            <a:r>
+              <a:rPr lang="en-US" sz="6150" b="1" dirty="0" err="1">
+                <a:solidFill>
+                  <a:srgbClr val="000000"/>
+                </a:solidFill>
+                <a:latin typeface="Inter Bold" pitchFamily="34" charset="0"/>
+                <a:ea typeface="Inter Bold" pitchFamily="34" charset="-122"/>
+                <a:cs typeface="Inter Bold" pitchFamily="34" charset="-120"/>
+              </a:rPr>
+              <a:t>스크립트</a:t>
+            </a:r>
+            <a:r>
+              <a:rPr lang="en-US" sz="6150" b="1" dirty="0">
+                <a:solidFill>
+                  <a:srgbClr val="000000"/>
+                </a:solidFill>
+                <a:latin typeface="Inter Bold" pitchFamily="34" charset="0"/>
+                <a:ea typeface="Inter Bold" pitchFamily="34" charset="-122"/>
+                <a:cs typeface="Inter Bold" pitchFamily="34" charset="-120"/>
+              </a:rPr>
+              <a:t> - </a:t>
+            </a:r>
+            <a:r>
+              <a:rPr lang="en-US" sz="4800" b="1" dirty="0">
+                <a:solidFill>
+                  <a:srgbClr val="000000"/>
+                </a:solidFill>
+                <a:latin typeface="Inter Bold" pitchFamily="34" charset="0"/>
+                <a:ea typeface="Inter Bold" pitchFamily="34" charset="-122"/>
+                <a:cs typeface="Inter Bold" pitchFamily="34" charset="-120"/>
+              </a:rPr>
+              <a:t>Board</a:t>
+            </a:r>
+            <a:endParaRPr lang="en-US" sz="6150" dirty="0"/>
+          </a:p>
+        </p:txBody>
+      </p:sp>
+      <p:sp>
+        <p:nvSpPr>
+          <p:cNvPr id="5" name="Text 2">
+            <a:extLst>
+              <a:ext uri="{FF2B5EF4-FFF2-40B4-BE49-F238E27FC236}">
+                <a16:creationId xmlns:a16="http://schemas.microsoft.com/office/drawing/2014/main" id="{8CC51F0D-9850-F02F-B9BC-DAEBAE0A283B}"/>
+              </a:ext>
+            </a:extLst>
+          </p:cNvPr>
+          <p:cNvSpPr/>
+          <p:nvPr/>
+        </p:nvSpPr>
+        <p:spPr>
+          <a:xfrm>
+            <a:off x="7599521" y="5071705"/>
+            <a:ext cx="6244709" cy="362903"/>
+          </a:xfrm>
+          <a:prstGeom prst="rect">
+            <a:avLst/>
+          </a:prstGeom>
+          <a:noFill/>
+          <a:ln/>
+        </p:spPr>
+        <p:txBody>
+          <a:bodyPr wrap="none" lIns="0" tIns="0" rIns="0" bIns="0" rtlCol="0" anchor="t"/>
+          <a:lstStyle/>
+          <a:p>
+            <a:pPr marL="0" indent="0" algn="l">
+              <a:lnSpc>
+                <a:spcPts val="2850"/>
+              </a:lnSpc>
+              <a:buNone/>
+            </a:pPr>
+            <a:endParaRPr lang="en-US" sz="1750" dirty="0"/>
+          </a:p>
+        </p:txBody>
+      </p:sp>
+      <p:sp>
+        <p:nvSpPr>
+          <p:cNvPr id="6" name="직사각형 5">
+            <a:extLst>
+              <a:ext uri="{FF2B5EF4-FFF2-40B4-BE49-F238E27FC236}">
+                <a16:creationId xmlns:a16="http://schemas.microsoft.com/office/drawing/2014/main" id="{657CA333-D46D-DDAD-6CF7-E2376932772B}"/>
+              </a:ext>
+            </a:extLst>
+          </p:cNvPr>
+          <p:cNvSpPr/>
+          <p:nvPr/>
+        </p:nvSpPr>
+        <p:spPr>
+          <a:xfrm>
+            <a:off x="12851296" y="7722704"/>
+            <a:ext cx="1779104" cy="462295"/>
+          </a:xfrm>
+          <a:prstGeom prst="rect">
+            <a:avLst/>
+          </a:prstGeom>
+          <a:solidFill>
+            <a:schemeClr val="bg1"/>
+          </a:solidFill>
+          <a:ln>
+            <a:solidFill>
+              <a:schemeClr val="bg1"/>
+            </a:solidFill>
+          </a:ln>
+        </p:spPr>
+        <p:style>
+          <a:lnRef idx="2">
+            <a:schemeClr val="accent1">
+              <a:shade val="15000"/>
+            </a:schemeClr>
+          </a:lnRef>
+          <a:fillRef idx="1">
+            <a:schemeClr val="accent1"/>
+          </a:fillRef>
+          <a:effectRef idx="0">
+            <a:schemeClr val="accent1"/>
+          </a:effectRef>
+          <a:fontRef idx="minor">
+            <a:schemeClr val="lt1"/>
+          </a:fontRef>
+        </p:style>
+        <p:txBody>
+          <a:bodyPr rtlCol="0" anchor="ctr"/>
+          <a:lstStyle/>
+          <a:p>
+            <a:pPr algn="ctr"/>
+            <a:endParaRPr lang="ko-KR" altLang="en-US"/>
+          </a:p>
+        </p:txBody>
+      </p:sp>
+      <p:sp>
+        <p:nvSpPr>
+          <p:cNvPr id="4" name="TextBox 3">
+            <a:extLst>
+              <a:ext uri="{FF2B5EF4-FFF2-40B4-BE49-F238E27FC236}">
+                <a16:creationId xmlns:a16="http://schemas.microsoft.com/office/drawing/2014/main" id="{F12E1B37-BBF0-FF0A-5F79-6BA93ECFD317}"/>
+              </a:ext>
+            </a:extLst>
+          </p:cNvPr>
+          <p:cNvSpPr txBox="1"/>
+          <p:nvPr/>
+        </p:nvSpPr>
+        <p:spPr>
+          <a:xfrm>
+            <a:off x="793790" y="1436726"/>
+            <a:ext cx="5676166" cy="6986528"/>
+          </a:xfrm>
+          <a:prstGeom prst="rect">
+            <a:avLst/>
+          </a:prstGeom>
+          <a:noFill/>
+        </p:spPr>
+        <p:txBody>
+          <a:bodyPr wrap="square">
+            <a:spAutoFit/>
+          </a:bodyPr>
+          <a:lstStyle/>
+          <a:p>
+            <a:r>
+              <a:rPr lang="en-US" altLang="ko-KR" sz="1400" dirty="0">
+                <a:solidFill>
+                  <a:srgbClr val="0000FF"/>
+                </a:solidFill>
+                <a:highlight>
+                  <a:srgbClr val="FFFFFF"/>
+                </a:highlight>
+                <a:latin typeface="돋움체" panose="020B0609000101010101" pitchFamily="49" charset="-127"/>
+                <a:ea typeface="돋움체" panose="020B0609000101010101" pitchFamily="49" charset="-127"/>
+              </a:rPr>
+              <a:t>private</a:t>
+            </a:r>
+            <a:r>
+              <a:rPr lang="en-US" altLang="ko-KR" sz="1400" dirty="0">
+                <a:solidFill>
+                  <a:srgbClr val="000000"/>
+                </a:solidFill>
+                <a:highlight>
+                  <a:srgbClr val="FFFFFF"/>
+                </a:highlight>
+                <a:latin typeface="돋움체" panose="020B0609000101010101" pitchFamily="49" charset="-127"/>
+                <a:ea typeface="돋움체" panose="020B0609000101010101" pitchFamily="49" charset="-127"/>
+              </a:rPr>
+              <a:t> </a:t>
+            </a:r>
+            <a:r>
+              <a:rPr lang="en-US" altLang="ko-KR" sz="1400" dirty="0">
+                <a:solidFill>
+                  <a:srgbClr val="0000FF"/>
+                </a:solidFill>
+                <a:highlight>
+                  <a:srgbClr val="FFFFFF"/>
+                </a:highlight>
+                <a:latin typeface="돋움체" panose="020B0609000101010101" pitchFamily="49" charset="-127"/>
+                <a:ea typeface="돋움체" panose="020B0609000101010101" pitchFamily="49" charset="-127"/>
+              </a:rPr>
+              <a:t>void</a:t>
+            </a:r>
+            <a:r>
+              <a:rPr lang="en-US" altLang="ko-KR" sz="1400" dirty="0">
+                <a:solidFill>
+                  <a:srgbClr val="000000"/>
+                </a:solidFill>
+                <a:highlight>
+                  <a:srgbClr val="FFFFFF"/>
+                </a:highlight>
+                <a:latin typeface="돋움체" panose="020B0609000101010101" pitchFamily="49" charset="-127"/>
+                <a:ea typeface="돋움체" panose="020B0609000101010101" pitchFamily="49" charset="-127"/>
+              </a:rPr>
+              <a:t> </a:t>
+            </a:r>
+            <a:r>
+              <a:rPr lang="en-US" altLang="ko-KR" sz="1400" dirty="0">
+                <a:solidFill>
+                  <a:srgbClr val="0000FF"/>
+                </a:solidFill>
+                <a:highlight>
+                  <a:srgbClr val="FFFFFF"/>
+                </a:highlight>
+                <a:latin typeface="돋움체" panose="020B0609000101010101" pitchFamily="49" charset="-127"/>
+                <a:ea typeface="돋움체" panose="020B0609000101010101" pitchFamily="49" charset="-127"/>
+              </a:rPr>
+              <a:t>Awake</a:t>
+            </a:r>
+            <a:r>
+              <a:rPr lang="en-US" altLang="ko-KR" sz="1400" dirty="0">
+                <a:solidFill>
+                  <a:srgbClr val="000000"/>
+                </a:solidFill>
+                <a:highlight>
+                  <a:srgbClr val="FFFFFF"/>
+                </a:highlight>
+                <a:latin typeface="돋움체" panose="020B0609000101010101" pitchFamily="49" charset="-127"/>
+                <a:ea typeface="돋움체" panose="020B0609000101010101" pitchFamily="49" charset="-127"/>
+              </a:rPr>
+              <a:t>()</a:t>
+            </a:r>
+          </a:p>
+          <a:p>
+            <a:r>
+              <a:rPr lang="en-US" altLang="ko-KR" sz="1400" dirty="0">
+                <a:solidFill>
+                  <a:srgbClr val="000000"/>
+                </a:solidFill>
+                <a:highlight>
+                  <a:srgbClr val="FFFFFF"/>
+                </a:highlight>
+                <a:latin typeface="돋움체" panose="020B0609000101010101" pitchFamily="49" charset="-127"/>
+                <a:ea typeface="돋움체" panose="020B0609000101010101" pitchFamily="49" charset="-127"/>
+              </a:rPr>
+              <a:t>{</a:t>
+            </a:r>
+          </a:p>
+          <a:p>
+            <a:r>
+              <a:rPr lang="en-US" altLang="ko-KR" sz="1400" dirty="0">
+                <a:solidFill>
+                  <a:srgbClr val="000000"/>
+                </a:solidFill>
+                <a:highlight>
+                  <a:srgbClr val="FFFFFF"/>
+                </a:highlight>
+                <a:latin typeface="돋움체" panose="020B0609000101010101" pitchFamily="49" charset="-127"/>
+                <a:ea typeface="돋움체" panose="020B0609000101010101" pitchFamily="49" charset="-127"/>
+              </a:rPr>
+              <a:t>    </a:t>
+            </a:r>
+            <a:r>
+              <a:rPr lang="en-US" altLang="ko-KR" sz="1400" dirty="0" err="1">
+                <a:solidFill>
+                  <a:srgbClr val="000000"/>
+                </a:solidFill>
+                <a:highlight>
+                  <a:srgbClr val="FFFFFF"/>
+                </a:highlight>
+                <a:latin typeface="돋움체" panose="020B0609000101010101" pitchFamily="49" charset="-127"/>
+                <a:ea typeface="돋움체" panose="020B0609000101010101" pitchFamily="49" charset="-127"/>
+              </a:rPr>
+              <a:t>cardTotalTime</a:t>
+            </a:r>
+            <a:r>
+              <a:rPr lang="en-US" altLang="ko-KR" sz="1400" dirty="0">
+                <a:solidFill>
+                  <a:srgbClr val="000000"/>
+                </a:solidFill>
+                <a:highlight>
+                  <a:srgbClr val="FFFFFF"/>
+                </a:highlight>
+                <a:latin typeface="돋움체" panose="020B0609000101010101" pitchFamily="49" charset="-127"/>
+                <a:ea typeface="돋움체" panose="020B0609000101010101" pitchFamily="49" charset="-127"/>
+              </a:rPr>
+              <a:t> = </a:t>
+            </a:r>
+            <a:r>
+              <a:rPr lang="en-US" altLang="ko-KR" sz="1400" dirty="0" err="1">
+                <a:solidFill>
+                  <a:srgbClr val="000000"/>
+                </a:solidFill>
+                <a:highlight>
+                  <a:srgbClr val="FFFFFF"/>
+                </a:highlight>
+                <a:latin typeface="돋움체" panose="020B0609000101010101" pitchFamily="49" charset="-127"/>
+                <a:ea typeface="돋움체" panose="020B0609000101010101" pitchFamily="49" charset="-127"/>
+              </a:rPr>
+              <a:t>cardTime</a:t>
+            </a:r>
+            <a:r>
+              <a:rPr lang="en-US" altLang="ko-KR" sz="1400" dirty="0">
+                <a:solidFill>
+                  <a:srgbClr val="000000"/>
+                </a:solidFill>
+                <a:highlight>
+                  <a:srgbClr val="FFFFFF"/>
+                </a:highlight>
+                <a:latin typeface="돋움체" panose="020B0609000101010101" pitchFamily="49" charset="-127"/>
+                <a:ea typeface="돋움체" panose="020B0609000101010101" pitchFamily="49" charset="-127"/>
+              </a:rPr>
+              <a:t> * (</a:t>
+            </a:r>
+            <a:r>
+              <a:rPr lang="en-US" altLang="ko-KR" sz="1400" dirty="0" err="1">
+                <a:solidFill>
+                  <a:srgbClr val="000000"/>
+                </a:solidFill>
+                <a:highlight>
+                  <a:srgbClr val="FFFFFF"/>
+                </a:highlight>
+                <a:latin typeface="돋움체" panose="020B0609000101010101" pitchFamily="49" charset="-127"/>
+                <a:ea typeface="돋움체" panose="020B0609000101010101" pitchFamily="49" charset="-127"/>
+              </a:rPr>
+              <a:t>cardCnt</a:t>
+            </a:r>
+            <a:r>
+              <a:rPr lang="en-US" altLang="ko-KR" sz="1400" dirty="0">
+                <a:solidFill>
+                  <a:srgbClr val="000000"/>
+                </a:solidFill>
+                <a:highlight>
+                  <a:srgbClr val="FFFFFF"/>
+                </a:highlight>
+                <a:latin typeface="돋움체" panose="020B0609000101010101" pitchFamily="49" charset="-127"/>
+                <a:ea typeface="돋움체" panose="020B0609000101010101" pitchFamily="49" charset="-127"/>
+              </a:rPr>
+              <a:t> - 1) + 1.0f;</a:t>
+            </a:r>
+          </a:p>
+          <a:p>
+            <a:r>
+              <a:rPr lang="en-US" altLang="ko-KR" sz="1400" dirty="0">
+                <a:solidFill>
+                  <a:srgbClr val="000000"/>
+                </a:solidFill>
+                <a:highlight>
+                  <a:srgbClr val="FFFFFF"/>
+                </a:highlight>
+                <a:latin typeface="돋움체" panose="020B0609000101010101" pitchFamily="49" charset="-127"/>
+                <a:ea typeface="돋움체" panose="020B0609000101010101" pitchFamily="49" charset="-127"/>
+              </a:rPr>
+              <a:t>}</a:t>
+            </a:r>
+          </a:p>
+          <a:p>
+            <a:r>
+              <a:rPr lang="en-US" altLang="ko-KR" sz="1400" dirty="0">
+                <a:solidFill>
+                  <a:srgbClr val="0000FF"/>
+                </a:solidFill>
+                <a:highlight>
+                  <a:srgbClr val="FFFFFF"/>
+                </a:highlight>
+                <a:latin typeface="돋움체" panose="020B0609000101010101" pitchFamily="49" charset="-127"/>
+                <a:ea typeface="돋움체" panose="020B0609000101010101" pitchFamily="49" charset="-127"/>
+              </a:rPr>
+              <a:t>void</a:t>
+            </a:r>
+            <a:r>
+              <a:rPr lang="en-US" altLang="ko-KR" sz="1400" dirty="0">
+                <a:solidFill>
+                  <a:srgbClr val="000000"/>
+                </a:solidFill>
+                <a:highlight>
+                  <a:srgbClr val="FFFFFF"/>
+                </a:highlight>
+                <a:latin typeface="돋움체" panose="020B0609000101010101" pitchFamily="49" charset="-127"/>
+                <a:ea typeface="돋움체" panose="020B0609000101010101" pitchFamily="49" charset="-127"/>
+              </a:rPr>
+              <a:t> </a:t>
+            </a:r>
+            <a:r>
+              <a:rPr lang="en-US" altLang="ko-KR" sz="1400" dirty="0">
+                <a:solidFill>
+                  <a:srgbClr val="0000FF"/>
+                </a:solidFill>
+                <a:highlight>
+                  <a:srgbClr val="FFFFFF"/>
+                </a:highlight>
+                <a:latin typeface="돋움체" panose="020B0609000101010101" pitchFamily="49" charset="-127"/>
+                <a:ea typeface="돋움체" panose="020B0609000101010101" pitchFamily="49" charset="-127"/>
+              </a:rPr>
+              <a:t>Start</a:t>
+            </a:r>
+            <a:r>
+              <a:rPr lang="en-US" altLang="ko-KR" sz="1400" dirty="0">
+                <a:solidFill>
+                  <a:srgbClr val="000000"/>
+                </a:solidFill>
+                <a:highlight>
+                  <a:srgbClr val="FFFFFF"/>
+                </a:highlight>
+                <a:latin typeface="돋움체" panose="020B0609000101010101" pitchFamily="49" charset="-127"/>
+                <a:ea typeface="돋움체" panose="020B0609000101010101" pitchFamily="49" charset="-127"/>
+              </a:rPr>
+              <a:t>()</a:t>
+            </a:r>
+          </a:p>
+          <a:p>
+            <a:r>
+              <a:rPr lang="en-US" altLang="ko-KR" sz="1400" dirty="0">
+                <a:solidFill>
+                  <a:srgbClr val="000000"/>
+                </a:solidFill>
+                <a:highlight>
+                  <a:srgbClr val="FFFFFF"/>
+                </a:highlight>
+                <a:latin typeface="돋움체" panose="020B0609000101010101" pitchFamily="49" charset="-127"/>
+                <a:ea typeface="돋움체" panose="020B0609000101010101" pitchFamily="49" charset="-127"/>
+              </a:rPr>
+              <a:t>{</a:t>
+            </a:r>
+          </a:p>
+          <a:p>
+            <a:r>
+              <a:rPr lang="en-US" altLang="ko-KR" sz="1400" dirty="0">
+                <a:solidFill>
+                  <a:srgbClr val="000000"/>
+                </a:solidFill>
+                <a:highlight>
+                  <a:srgbClr val="FFFFFF"/>
+                </a:highlight>
+                <a:latin typeface="돋움체" panose="020B0609000101010101" pitchFamily="49" charset="-127"/>
+                <a:ea typeface="돋움체" panose="020B0609000101010101" pitchFamily="49" charset="-127"/>
+              </a:rPr>
+              <a:t>    </a:t>
+            </a:r>
+            <a:r>
+              <a:rPr lang="en-US" altLang="ko-KR" sz="1400" dirty="0">
+                <a:solidFill>
+                  <a:srgbClr val="0000FF"/>
+                </a:solidFill>
+                <a:highlight>
+                  <a:srgbClr val="FFFFFF"/>
+                </a:highlight>
+                <a:latin typeface="돋움체" panose="020B0609000101010101" pitchFamily="49" charset="-127"/>
+                <a:ea typeface="돋움체" panose="020B0609000101010101" pitchFamily="49" charset="-127"/>
+              </a:rPr>
+              <a:t>int</a:t>
+            </a:r>
+            <a:r>
+              <a:rPr lang="en-US" altLang="ko-KR" sz="1400" dirty="0">
+                <a:solidFill>
+                  <a:srgbClr val="000000"/>
+                </a:solidFill>
+                <a:highlight>
+                  <a:srgbClr val="FFFFFF"/>
+                </a:highlight>
+                <a:latin typeface="돋움체" panose="020B0609000101010101" pitchFamily="49" charset="-127"/>
+                <a:ea typeface="돋움체" panose="020B0609000101010101" pitchFamily="49" charset="-127"/>
+              </a:rPr>
+              <a:t>[] </a:t>
+            </a:r>
+            <a:r>
+              <a:rPr lang="en-US" altLang="ko-KR" sz="1400" dirty="0" err="1">
+                <a:solidFill>
+                  <a:srgbClr val="000000"/>
+                </a:solidFill>
+                <a:highlight>
+                  <a:srgbClr val="FFFFFF"/>
+                </a:highlight>
+                <a:latin typeface="돋움체" panose="020B0609000101010101" pitchFamily="49" charset="-127"/>
+                <a:ea typeface="돋움체" panose="020B0609000101010101" pitchFamily="49" charset="-127"/>
+              </a:rPr>
+              <a:t>arr</a:t>
+            </a:r>
+            <a:r>
+              <a:rPr lang="en-US" altLang="ko-KR" sz="1400" dirty="0">
+                <a:solidFill>
+                  <a:srgbClr val="000000"/>
+                </a:solidFill>
+                <a:highlight>
+                  <a:srgbClr val="FFFFFF"/>
+                </a:highlight>
+                <a:latin typeface="돋움체" panose="020B0609000101010101" pitchFamily="49" charset="-127"/>
+                <a:ea typeface="돋움체" panose="020B0609000101010101" pitchFamily="49" charset="-127"/>
+              </a:rPr>
+              <a:t> = { 1, 1, 2, 2, 3, 3, 4, 4, 5, 5, 6, 6 };</a:t>
+            </a:r>
+          </a:p>
+          <a:p>
+            <a:r>
+              <a:rPr lang="nn-NO" altLang="ko-KR" sz="1400" dirty="0">
+                <a:solidFill>
+                  <a:srgbClr val="000000"/>
+                </a:solidFill>
+                <a:highlight>
+                  <a:srgbClr val="FFFFFF"/>
+                </a:highlight>
+                <a:latin typeface="돋움체" panose="020B0609000101010101" pitchFamily="49" charset="-127"/>
+                <a:ea typeface="돋움체" panose="020B0609000101010101" pitchFamily="49" charset="-127"/>
+              </a:rPr>
+              <a:t>    </a:t>
+            </a:r>
+            <a:r>
+              <a:rPr lang="nn-NO" altLang="ko-KR" sz="1400" dirty="0">
+                <a:solidFill>
+                  <a:srgbClr val="0000FF"/>
+                </a:solidFill>
+                <a:highlight>
+                  <a:srgbClr val="FFFFFF"/>
+                </a:highlight>
+                <a:latin typeface="돋움체" panose="020B0609000101010101" pitchFamily="49" charset="-127"/>
+                <a:ea typeface="돋움체" panose="020B0609000101010101" pitchFamily="49" charset="-127"/>
+              </a:rPr>
+              <a:t>for</a:t>
+            </a:r>
+            <a:r>
+              <a:rPr lang="nn-NO" altLang="ko-KR" sz="1400" dirty="0">
+                <a:solidFill>
+                  <a:srgbClr val="000000"/>
+                </a:solidFill>
+                <a:highlight>
+                  <a:srgbClr val="FFFFFF"/>
+                </a:highlight>
+                <a:latin typeface="돋움체" panose="020B0609000101010101" pitchFamily="49" charset="-127"/>
+                <a:ea typeface="돋움체" panose="020B0609000101010101" pitchFamily="49" charset="-127"/>
+              </a:rPr>
+              <a:t> (</a:t>
+            </a:r>
+            <a:r>
+              <a:rPr lang="nn-NO" altLang="ko-KR" sz="1400" dirty="0">
+                <a:solidFill>
+                  <a:srgbClr val="0000FF"/>
+                </a:solidFill>
+                <a:highlight>
+                  <a:srgbClr val="FFFFFF"/>
+                </a:highlight>
+                <a:latin typeface="돋움체" panose="020B0609000101010101" pitchFamily="49" charset="-127"/>
+                <a:ea typeface="돋움체" panose="020B0609000101010101" pitchFamily="49" charset="-127"/>
+              </a:rPr>
+              <a:t>int</a:t>
+            </a:r>
+            <a:r>
+              <a:rPr lang="nn-NO" altLang="ko-KR" sz="1400" dirty="0">
+                <a:solidFill>
+                  <a:srgbClr val="000000"/>
+                </a:solidFill>
+                <a:highlight>
+                  <a:srgbClr val="FFFFFF"/>
+                </a:highlight>
+                <a:latin typeface="돋움체" panose="020B0609000101010101" pitchFamily="49" charset="-127"/>
+                <a:ea typeface="돋움체" panose="020B0609000101010101" pitchFamily="49" charset="-127"/>
+              </a:rPr>
+              <a:t> i = arr.Length - 1; i &gt; 0; i--)</a:t>
+            </a:r>
+          </a:p>
+          <a:p>
+            <a:r>
+              <a:rPr lang="ko-KR" altLang="en-US" sz="1400" dirty="0">
+                <a:solidFill>
+                  <a:srgbClr val="000000"/>
+                </a:solidFill>
+                <a:highlight>
+                  <a:srgbClr val="FFFFFF"/>
+                </a:highlight>
+                <a:latin typeface="돋움체" panose="020B0609000101010101" pitchFamily="49" charset="-127"/>
+                <a:ea typeface="돋움체" panose="020B0609000101010101" pitchFamily="49" charset="-127"/>
+              </a:rPr>
+              <a:t>    </a:t>
+            </a:r>
+            <a:r>
+              <a:rPr lang="en-US" altLang="ko-KR" sz="1400" dirty="0">
+                <a:solidFill>
+                  <a:srgbClr val="000000"/>
+                </a:solidFill>
+                <a:highlight>
+                  <a:srgbClr val="FFFFFF"/>
+                </a:highlight>
+                <a:latin typeface="돋움체" panose="020B0609000101010101" pitchFamily="49" charset="-127"/>
+                <a:ea typeface="돋움체" panose="020B0609000101010101" pitchFamily="49" charset="-127"/>
+              </a:rPr>
+              <a:t>{</a:t>
+            </a:r>
+          </a:p>
+          <a:p>
+            <a:r>
+              <a:rPr lang="en-US" altLang="ko-KR" sz="1400" dirty="0">
+                <a:solidFill>
+                  <a:srgbClr val="000000"/>
+                </a:solidFill>
+                <a:highlight>
+                  <a:srgbClr val="FFFFFF"/>
+                </a:highlight>
+                <a:latin typeface="돋움체" panose="020B0609000101010101" pitchFamily="49" charset="-127"/>
+                <a:ea typeface="돋움체" panose="020B0609000101010101" pitchFamily="49" charset="-127"/>
+              </a:rPr>
+              <a:t>        </a:t>
+            </a:r>
+            <a:r>
+              <a:rPr lang="en-US" altLang="ko-KR" sz="1400" dirty="0">
+                <a:solidFill>
+                  <a:srgbClr val="0000FF"/>
+                </a:solidFill>
+                <a:highlight>
+                  <a:srgbClr val="FFFFFF"/>
+                </a:highlight>
+                <a:latin typeface="돋움체" panose="020B0609000101010101" pitchFamily="49" charset="-127"/>
+                <a:ea typeface="돋움체" panose="020B0609000101010101" pitchFamily="49" charset="-127"/>
+              </a:rPr>
+              <a:t>int</a:t>
+            </a:r>
+            <a:r>
+              <a:rPr lang="en-US" altLang="ko-KR" sz="1400" dirty="0">
+                <a:solidFill>
+                  <a:srgbClr val="000000"/>
+                </a:solidFill>
+                <a:highlight>
+                  <a:srgbClr val="FFFFFF"/>
+                </a:highlight>
+                <a:latin typeface="돋움체" panose="020B0609000101010101" pitchFamily="49" charset="-127"/>
+                <a:ea typeface="돋움체" panose="020B0609000101010101" pitchFamily="49" charset="-127"/>
+              </a:rPr>
+              <a:t> j = </a:t>
+            </a:r>
+            <a:r>
+              <a:rPr lang="en-US" altLang="ko-KR" sz="1400" dirty="0" err="1">
+                <a:solidFill>
+                  <a:srgbClr val="000000"/>
+                </a:solidFill>
+                <a:highlight>
+                  <a:srgbClr val="FFFFFF"/>
+                </a:highlight>
+                <a:latin typeface="돋움체" panose="020B0609000101010101" pitchFamily="49" charset="-127"/>
+                <a:ea typeface="돋움체" panose="020B0609000101010101" pitchFamily="49" charset="-127"/>
+              </a:rPr>
+              <a:t>UnityEngine.</a:t>
+            </a:r>
+            <a:r>
+              <a:rPr lang="en-US" altLang="ko-KR" sz="1400" dirty="0" err="1">
+                <a:solidFill>
+                  <a:srgbClr val="2B91AF"/>
+                </a:solidFill>
+                <a:highlight>
+                  <a:srgbClr val="FFFFFF"/>
+                </a:highlight>
+                <a:latin typeface="돋움체" panose="020B0609000101010101" pitchFamily="49" charset="-127"/>
+                <a:ea typeface="돋움체" panose="020B0609000101010101" pitchFamily="49" charset="-127"/>
+              </a:rPr>
+              <a:t>Random</a:t>
+            </a:r>
+            <a:r>
+              <a:rPr lang="en-US" altLang="ko-KR" sz="1400" dirty="0" err="1">
+                <a:solidFill>
+                  <a:srgbClr val="000000"/>
+                </a:solidFill>
+                <a:highlight>
+                  <a:srgbClr val="FFFFFF"/>
+                </a:highlight>
+                <a:latin typeface="돋움체" panose="020B0609000101010101" pitchFamily="49" charset="-127"/>
+                <a:ea typeface="돋움체" panose="020B0609000101010101" pitchFamily="49" charset="-127"/>
+              </a:rPr>
+              <a:t>.Range</a:t>
+            </a:r>
+            <a:r>
+              <a:rPr lang="en-US" altLang="ko-KR" sz="1400" dirty="0">
+                <a:solidFill>
+                  <a:srgbClr val="000000"/>
+                </a:solidFill>
+                <a:highlight>
+                  <a:srgbClr val="FFFFFF"/>
+                </a:highlight>
+                <a:latin typeface="돋움체" panose="020B0609000101010101" pitchFamily="49" charset="-127"/>
+                <a:ea typeface="돋움체" panose="020B0609000101010101" pitchFamily="49" charset="-127"/>
+              </a:rPr>
+              <a:t>(0, </a:t>
+            </a:r>
+            <a:r>
+              <a:rPr lang="en-US" altLang="ko-KR" sz="1400" dirty="0" err="1">
+                <a:solidFill>
+                  <a:srgbClr val="000000"/>
+                </a:solidFill>
+                <a:highlight>
+                  <a:srgbClr val="FFFFFF"/>
+                </a:highlight>
+                <a:latin typeface="돋움체" panose="020B0609000101010101" pitchFamily="49" charset="-127"/>
+                <a:ea typeface="돋움체" panose="020B0609000101010101" pitchFamily="49" charset="-127"/>
+              </a:rPr>
+              <a:t>i</a:t>
+            </a:r>
+            <a:r>
+              <a:rPr lang="en-US" altLang="ko-KR" sz="1400" dirty="0">
+                <a:solidFill>
+                  <a:srgbClr val="000000"/>
+                </a:solidFill>
+                <a:highlight>
+                  <a:srgbClr val="FFFFFF"/>
+                </a:highlight>
+                <a:latin typeface="돋움체" panose="020B0609000101010101" pitchFamily="49" charset="-127"/>
+                <a:ea typeface="돋움체" panose="020B0609000101010101" pitchFamily="49" charset="-127"/>
+              </a:rPr>
+              <a:t> + 1);</a:t>
+            </a:r>
+          </a:p>
+          <a:p>
+            <a:r>
+              <a:rPr lang="en-US" altLang="ko-KR" sz="1400" dirty="0">
+                <a:solidFill>
+                  <a:srgbClr val="000000"/>
+                </a:solidFill>
+                <a:highlight>
+                  <a:srgbClr val="FFFFFF"/>
+                </a:highlight>
+                <a:latin typeface="돋움체" panose="020B0609000101010101" pitchFamily="49" charset="-127"/>
+                <a:ea typeface="돋움체" panose="020B0609000101010101" pitchFamily="49" charset="-127"/>
+              </a:rPr>
+              <a:t>        (</a:t>
+            </a:r>
+            <a:r>
+              <a:rPr lang="en-US" altLang="ko-KR" sz="1400" dirty="0" err="1">
+                <a:solidFill>
+                  <a:srgbClr val="000000"/>
+                </a:solidFill>
+                <a:highlight>
+                  <a:srgbClr val="FFFFFF"/>
+                </a:highlight>
+                <a:latin typeface="돋움체" panose="020B0609000101010101" pitchFamily="49" charset="-127"/>
+                <a:ea typeface="돋움체" panose="020B0609000101010101" pitchFamily="49" charset="-127"/>
+              </a:rPr>
+              <a:t>arr</a:t>
+            </a:r>
+            <a:r>
+              <a:rPr lang="en-US" altLang="ko-KR" sz="1400" dirty="0">
+                <a:solidFill>
+                  <a:srgbClr val="000000"/>
+                </a:solidFill>
+                <a:highlight>
+                  <a:srgbClr val="FFFFFF"/>
+                </a:highlight>
+                <a:latin typeface="돋움체" panose="020B0609000101010101" pitchFamily="49" charset="-127"/>
+                <a:ea typeface="돋움체" panose="020B0609000101010101" pitchFamily="49" charset="-127"/>
+              </a:rPr>
+              <a:t>[</a:t>
+            </a:r>
+            <a:r>
+              <a:rPr lang="en-US" altLang="ko-KR" sz="1400" dirty="0" err="1">
+                <a:solidFill>
+                  <a:srgbClr val="000000"/>
+                </a:solidFill>
+                <a:highlight>
+                  <a:srgbClr val="FFFFFF"/>
+                </a:highlight>
+                <a:latin typeface="돋움체" panose="020B0609000101010101" pitchFamily="49" charset="-127"/>
+                <a:ea typeface="돋움체" panose="020B0609000101010101" pitchFamily="49" charset="-127"/>
+              </a:rPr>
+              <a:t>i</a:t>
+            </a:r>
+            <a:r>
+              <a:rPr lang="en-US" altLang="ko-KR" sz="1400" dirty="0">
+                <a:solidFill>
+                  <a:srgbClr val="000000"/>
+                </a:solidFill>
+                <a:highlight>
+                  <a:srgbClr val="FFFFFF"/>
+                </a:highlight>
+                <a:latin typeface="돋움체" panose="020B0609000101010101" pitchFamily="49" charset="-127"/>
+                <a:ea typeface="돋움체" panose="020B0609000101010101" pitchFamily="49" charset="-127"/>
+              </a:rPr>
+              <a:t>], </a:t>
+            </a:r>
+            <a:r>
+              <a:rPr lang="en-US" altLang="ko-KR" sz="1400" dirty="0" err="1">
+                <a:solidFill>
+                  <a:srgbClr val="000000"/>
+                </a:solidFill>
+                <a:highlight>
+                  <a:srgbClr val="FFFFFF"/>
+                </a:highlight>
+                <a:latin typeface="돋움체" panose="020B0609000101010101" pitchFamily="49" charset="-127"/>
+                <a:ea typeface="돋움체" panose="020B0609000101010101" pitchFamily="49" charset="-127"/>
+              </a:rPr>
+              <a:t>arr</a:t>
+            </a:r>
+            <a:r>
+              <a:rPr lang="en-US" altLang="ko-KR" sz="1400" dirty="0">
+                <a:solidFill>
+                  <a:srgbClr val="000000"/>
+                </a:solidFill>
+                <a:highlight>
+                  <a:srgbClr val="FFFFFF"/>
+                </a:highlight>
+                <a:latin typeface="돋움체" panose="020B0609000101010101" pitchFamily="49" charset="-127"/>
+                <a:ea typeface="돋움체" panose="020B0609000101010101" pitchFamily="49" charset="-127"/>
+              </a:rPr>
+              <a:t>[j]) = (</a:t>
+            </a:r>
+            <a:r>
+              <a:rPr lang="en-US" altLang="ko-KR" sz="1400" dirty="0" err="1">
+                <a:solidFill>
+                  <a:srgbClr val="000000"/>
+                </a:solidFill>
+                <a:highlight>
+                  <a:srgbClr val="FFFFFF"/>
+                </a:highlight>
+                <a:latin typeface="돋움체" panose="020B0609000101010101" pitchFamily="49" charset="-127"/>
+                <a:ea typeface="돋움체" panose="020B0609000101010101" pitchFamily="49" charset="-127"/>
+              </a:rPr>
+              <a:t>arr</a:t>
+            </a:r>
+            <a:r>
+              <a:rPr lang="en-US" altLang="ko-KR" sz="1400" dirty="0">
+                <a:solidFill>
+                  <a:srgbClr val="000000"/>
+                </a:solidFill>
+                <a:highlight>
+                  <a:srgbClr val="FFFFFF"/>
+                </a:highlight>
+                <a:latin typeface="돋움체" panose="020B0609000101010101" pitchFamily="49" charset="-127"/>
+                <a:ea typeface="돋움체" panose="020B0609000101010101" pitchFamily="49" charset="-127"/>
+              </a:rPr>
+              <a:t>[j], </a:t>
+            </a:r>
+            <a:r>
+              <a:rPr lang="en-US" altLang="ko-KR" sz="1400" dirty="0" err="1">
+                <a:solidFill>
+                  <a:srgbClr val="000000"/>
+                </a:solidFill>
+                <a:highlight>
+                  <a:srgbClr val="FFFFFF"/>
+                </a:highlight>
+                <a:latin typeface="돋움체" panose="020B0609000101010101" pitchFamily="49" charset="-127"/>
+                <a:ea typeface="돋움체" panose="020B0609000101010101" pitchFamily="49" charset="-127"/>
+              </a:rPr>
+              <a:t>arr</a:t>
+            </a:r>
+            <a:r>
+              <a:rPr lang="en-US" altLang="ko-KR" sz="1400" dirty="0">
+                <a:solidFill>
+                  <a:srgbClr val="000000"/>
+                </a:solidFill>
+                <a:highlight>
+                  <a:srgbClr val="FFFFFF"/>
+                </a:highlight>
+                <a:latin typeface="돋움체" panose="020B0609000101010101" pitchFamily="49" charset="-127"/>
+                <a:ea typeface="돋움체" panose="020B0609000101010101" pitchFamily="49" charset="-127"/>
+              </a:rPr>
+              <a:t>[</a:t>
+            </a:r>
+            <a:r>
+              <a:rPr lang="en-US" altLang="ko-KR" sz="1400" dirty="0" err="1">
+                <a:solidFill>
+                  <a:srgbClr val="000000"/>
+                </a:solidFill>
+                <a:highlight>
+                  <a:srgbClr val="FFFFFF"/>
+                </a:highlight>
+                <a:latin typeface="돋움체" panose="020B0609000101010101" pitchFamily="49" charset="-127"/>
+                <a:ea typeface="돋움체" panose="020B0609000101010101" pitchFamily="49" charset="-127"/>
+              </a:rPr>
+              <a:t>i</a:t>
+            </a:r>
+            <a:r>
+              <a:rPr lang="en-US" altLang="ko-KR" sz="1400" dirty="0">
+                <a:solidFill>
+                  <a:srgbClr val="000000"/>
+                </a:solidFill>
+                <a:highlight>
+                  <a:srgbClr val="FFFFFF"/>
+                </a:highlight>
+                <a:latin typeface="돋움체" panose="020B0609000101010101" pitchFamily="49" charset="-127"/>
+                <a:ea typeface="돋움체" panose="020B0609000101010101" pitchFamily="49" charset="-127"/>
+              </a:rPr>
+              <a:t>]);</a:t>
+            </a:r>
+          </a:p>
+          <a:p>
+            <a:r>
+              <a:rPr lang="ko-KR" altLang="en-US" sz="1400" dirty="0">
+                <a:solidFill>
+                  <a:srgbClr val="000000"/>
+                </a:solidFill>
+                <a:highlight>
+                  <a:srgbClr val="FFFFFF"/>
+                </a:highlight>
+                <a:latin typeface="돋움체" panose="020B0609000101010101" pitchFamily="49" charset="-127"/>
+                <a:ea typeface="돋움체" panose="020B0609000101010101" pitchFamily="49" charset="-127"/>
+              </a:rPr>
+              <a:t>    </a:t>
+            </a:r>
+            <a:r>
+              <a:rPr lang="en-US" altLang="ko-KR" sz="1400" dirty="0">
+                <a:solidFill>
+                  <a:srgbClr val="000000"/>
+                </a:solidFill>
+                <a:highlight>
+                  <a:srgbClr val="FFFFFF"/>
+                </a:highlight>
+                <a:latin typeface="돋움체" panose="020B0609000101010101" pitchFamily="49" charset="-127"/>
+                <a:ea typeface="돋움체" panose="020B0609000101010101" pitchFamily="49" charset="-127"/>
+              </a:rPr>
+              <a:t>}</a:t>
+            </a:r>
+            <a:endParaRPr lang="ko-KR" altLang="en-US" sz="1400" dirty="0">
+              <a:solidFill>
+                <a:srgbClr val="000000"/>
+              </a:solidFill>
+              <a:highlight>
+                <a:srgbClr val="FFFFFF"/>
+              </a:highlight>
+              <a:latin typeface="돋움체" panose="020B0609000101010101" pitchFamily="49" charset="-127"/>
+              <a:ea typeface="돋움체" panose="020B0609000101010101" pitchFamily="49" charset="-127"/>
+            </a:endParaRPr>
+          </a:p>
+          <a:p>
+            <a:r>
+              <a:rPr lang="nn-NO" altLang="ko-KR" sz="1400" dirty="0">
+                <a:solidFill>
+                  <a:srgbClr val="0000FF"/>
+                </a:solidFill>
+                <a:highlight>
+                  <a:srgbClr val="FFFFFF"/>
+                </a:highlight>
+                <a:latin typeface="돋움체" panose="020B0609000101010101" pitchFamily="49" charset="-127"/>
+                <a:ea typeface="돋움체" panose="020B0609000101010101" pitchFamily="49" charset="-127"/>
+              </a:rPr>
+              <a:t>    for</a:t>
+            </a:r>
+            <a:r>
+              <a:rPr lang="nn-NO" altLang="ko-KR" sz="1400" dirty="0">
+                <a:solidFill>
+                  <a:srgbClr val="000000"/>
+                </a:solidFill>
+                <a:highlight>
+                  <a:srgbClr val="FFFFFF"/>
+                </a:highlight>
+                <a:latin typeface="돋움체" panose="020B0609000101010101" pitchFamily="49" charset="-127"/>
+                <a:ea typeface="돋움체" panose="020B0609000101010101" pitchFamily="49" charset="-127"/>
+              </a:rPr>
+              <a:t> (</a:t>
+            </a:r>
+            <a:r>
+              <a:rPr lang="nn-NO" altLang="ko-KR" sz="1400" dirty="0">
+                <a:solidFill>
+                  <a:srgbClr val="0000FF"/>
+                </a:solidFill>
+                <a:highlight>
+                  <a:srgbClr val="FFFFFF"/>
+                </a:highlight>
+                <a:latin typeface="돋움체" panose="020B0609000101010101" pitchFamily="49" charset="-127"/>
+                <a:ea typeface="돋움체" panose="020B0609000101010101" pitchFamily="49" charset="-127"/>
+              </a:rPr>
+              <a:t>int</a:t>
+            </a:r>
+            <a:r>
+              <a:rPr lang="nn-NO" altLang="ko-KR" sz="1400" dirty="0">
+                <a:solidFill>
+                  <a:srgbClr val="000000"/>
+                </a:solidFill>
+                <a:highlight>
+                  <a:srgbClr val="FFFFFF"/>
+                </a:highlight>
+                <a:latin typeface="돋움체" panose="020B0609000101010101" pitchFamily="49" charset="-127"/>
+                <a:ea typeface="돋움체" panose="020B0609000101010101" pitchFamily="49" charset="-127"/>
+              </a:rPr>
+              <a:t> i = 0; i &lt; cardCnt; i++)</a:t>
+            </a:r>
+          </a:p>
+          <a:p>
+            <a:r>
+              <a:rPr lang="ko-KR" altLang="en-US" sz="1400" dirty="0">
+                <a:solidFill>
+                  <a:srgbClr val="000000"/>
+                </a:solidFill>
+                <a:highlight>
+                  <a:srgbClr val="FFFFFF"/>
+                </a:highlight>
+                <a:latin typeface="돋움체" panose="020B0609000101010101" pitchFamily="49" charset="-127"/>
+                <a:ea typeface="돋움체" panose="020B0609000101010101" pitchFamily="49" charset="-127"/>
+              </a:rPr>
+              <a:t>    </a:t>
+            </a:r>
+            <a:r>
+              <a:rPr lang="en-US" altLang="ko-KR" sz="1400" dirty="0">
+                <a:solidFill>
+                  <a:srgbClr val="000000"/>
+                </a:solidFill>
+                <a:highlight>
+                  <a:srgbClr val="FFFFFF"/>
+                </a:highlight>
+                <a:latin typeface="돋움체" panose="020B0609000101010101" pitchFamily="49" charset="-127"/>
+                <a:ea typeface="돋움체" panose="020B0609000101010101" pitchFamily="49" charset="-127"/>
+              </a:rPr>
+              <a:t>{</a:t>
+            </a:r>
+          </a:p>
+          <a:p>
+            <a:r>
+              <a:rPr lang="en-US" altLang="ko-KR" sz="1400" dirty="0">
+                <a:solidFill>
+                  <a:srgbClr val="000000"/>
+                </a:solidFill>
+                <a:highlight>
+                  <a:srgbClr val="FFFFFF"/>
+                </a:highlight>
+                <a:latin typeface="돋움체" panose="020B0609000101010101" pitchFamily="49" charset="-127"/>
+                <a:ea typeface="돋움체" panose="020B0609000101010101" pitchFamily="49" charset="-127"/>
+              </a:rPr>
+              <a:t>        </a:t>
+            </a:r>
+            <a:r>
+              <a:rPr lang="en-US" altLang="ko-KR" sz="1400" dirty="0" err="1">
+                <a:solidFill>
+                  <a:srgbClr val="000000"/>
+                </a:solidFill>
+                <a:highlight>
+                  <a:srgbClr val="FFFFFF"/>
+                </a:highlight>
+                <a:latin typeface="돋움체" panose="020B0609000101010101" pitchFamily="49" charset="-127"/>
+                <a:ea typeface="돋움체" panose="020B0609000101010101" pitchFamily="49" charset="-127"/>
+              </a:rPr>
+              <a:t>cardGO.Add</a:t>
+            </a:r>
+            <a:r>
+              <a:rPr lang="en-US" altLang="ko-KR" sz="1400" dirty="0">
+                <a:solidFill>
+                  <a:srgbClr val="000000"/>
+                </a:solidFill>
+                <a:highlight>
+                  <a:srgbClr val="FFFFFF"/>
+                </a:highlight>
+                <a:latin typeface="돋움체" panose="020B0609000101010101" pitchFamily="49" charset="-127"/>
+                <a:ea typeface="돋움체" panose="020B0609000101010101" pitchFamily="49" charset="-127"/>
+              </a:rPr>
+              <a:t>(Instantiate(card, </a:t>
+            </a:r>
+            <a:r>
+              <a:rPr lang="en-US" altLang="ko-KR" sz="1400" dirty="0" err="1">
+                <a:solidFill>
+                  <a:srgbClr val="0000FF"/>
+                </a:solidFill>
+                <a:highlight>
+                  <a:srgbClr val="FFFFFF"/>
+                </a:highlight>
+                <a:latin typeface="돋움체" panose="020B0609000101010101" pitchFamily="49" charset="-127"/>
+                <a:ea typeface="돋움체" panose="020B0609000101010101" pitchFamily="49" charset="-127"/>
+              </a:rPr>
+              <a:t>this</a:t>
+            </a:r>
+            <a:r>
+              <a:rPr lang="en-US" altLang="ko-KR" sz="1400" dirty="0" err="1">
+                <a:solidFill>
+                  <a:srgbClr val="000000"/>
+                </a:solidFill>
+                <a:highlight>
+                  <a:srgbClr val="FFFFFF"/>
+                </a:highlight>
+                <a:latin typeface="돋움체" panose="020B0609000101010101" pitchFamily="49" charset="-127"/>
+                <a:ea typeface="돋움체" panose="020B0609000101010101" pitchFamily="49" charset="-127"/>
+              </a:rPr>
+              <a:t>.transform</a:t>
+            </a:r>
+            <a:r>
+              <a:rPr lang="en-US" altLang="ko-KR" sz="1400" dirty="0">
+                <a:solidFill>
+                  <a:srgbClr val="000000"/>
+                </a:solidFill>
+                <a:highlight>
+                  <a:srgbClr val="FFFFFF"/>
+                </a:highlight>
+                <a:latin typeface="돋움체" panose="020B0609000101010101" pitchFamily="49" charset="-127"/>
+                <a:ea typeface="돋움체" panose="020B0609000101010101" pitchFamily="49" charset="-127"/>
+              </a:rPr>
+              <a:t>));</a:t>
+            </a:r>
+            <a:endParaRPr lang="ko-KR" altLang="en-US" sz="1400" dirty="0">
+              <a:solidFill>
+                <a:srgbClr val="000000"/>
+              </a:solidFill>
+              <a:highlight>
+                <a:srgbClr val="FFFFFF"/>
+              </a:highlight>
+              <a:latin typeface="돋움체" panose="020B0609000101010101" pitchFamily="49" charset="-127"/>
+              <a:ea typeface="돋움체" panose="020B0609000101010101" pitchFamily="49" charset="-127"/>
+            </a:endParaRPr>
+          </a:p>
+          <a:p>
+            <a:r>
+              <a:rPr lang="en-US" altLang="ko-KR" sz="1400" dirty="0">
+                <a:solidFill>
+                  <a:srgbClr val="000000"/>
+                </a:solidFill>
+                <a:highlight>
+                  <a:srgbClr val="FFFFFF"/>
+                </a:highlight>
+                <a:latin typeface="돋움체" panose="020B0609000101010101" pitchFamily="49" charset="-127"/>
+                <a:ea typeface="돋움체" panose="020B0609000101010101" pitchFamily="49" charset="-127"/>
+              </a:rPr>
+              <a:t>        </a:t>
+            </a:r>
+            <a:r>
+              <a:rPr lang="en-US" altLang="ko-KR" sz="1400" dirty="0">
+                <a:solidFill>
+                  <a:srgbClr val="0000FF"/>
+                </a:solidFill>
+                <a:highlight>
+                  <a:srgbClr val="FFFFFF"/>
+                </a:highlight>
+                <a:latin typeface="돋움체" panose="020B0609000101010101" pitchFamily="49" charset="-127"/>
+                <a:ea typeface="돋움체" panose="020B0609000101010101" pitchFamily="49" charset="-127"/>
+              </a:rPr>
+              <a:t>float</a:t>
+            </a:r>
+            <a:r>
+              <a:rPr lang="en-US" altLang="ko-KR" sz="1400" dirty="0">
+                <a:solidFill>
+                  <a:srgbClr val="000000"/>
+                </a:solidFill>
+                <a:highlight>
+                  <a:srgbClr val="FFFFFF"/>
+                </a:highlight>
+                <a:latin typeface="돋움체" panose="020B0609000101010101" pitchFamily="49" charset="-127"/>
+                <a:ea typeface="돋움체" panose="020B0609000101010101" pitchFamily="49" charset="-127"/>
+              </a:rPr>
+              <a:t> x = (</a:t>
+            </a:r>
+            <a:r>
+              <a:rPr lang="en-US" altLang="ko-KR" sz="1400" dirty="0" err="1">
+                <a:solidFill>
+                  <a:srgbClr val="000000"/>
+                </a:solidFill>
+                <a:highlight>
+                  <a:srgbClr val="FFFFFF"/>
+                </a:highlight>
+                <a:latin typeface="돋움체" panose="020B0609000101010101" pitchFamily="49" charset="-127"/>
+                <a:ea typeface="돋움체" panose="020B0609000101010101" pitchFamily="49" charset="-127"/>
+              </a:rPr>
+              <a:t>i</a:t>
+            </a:r>
+            <a:r>
+              <a:rPr lang="en-US" altLang="ko-KR" sz="1400" dirty="0">
+                <a:solidFill>
+                  <a:srgbClr val="000000"/>
+                </a:solidFill>
+                <a:highlight>
+                  <a:srgbClr val="FFFFFF"/>
+                </a:highlight>
+                <a:latin typeface="돋움체" panose="020B0609000101010101" pitchFamily="49" charset="-127"/>
+                <a:ea typeface="돋움체" panose="020B0609000101010101" pitchFamily="49" charset="-127"/>
+              </a:rPr>
+              <a:t> % 4) * 1.4f - 2.1f;</a:t>
+            </a:r>
+          </a:p>
+          <a:p>
+            <a:r>
+              <a:rPr lang="en-US" altLang="ko-KR" sz="1400" dirty="0">
+                <a:solidFill>
+                  <a:srgbClr val="000000"/>
+                </a:solidFill>
+                <a:highlight>
+                  <a:srgbClr val="FFFFFF"/>
+                </a:highlight>
+                <a:latin typeface="돋움체" panose="020B0609000101010101" pitchFamily="49" charset="-127"/>
+                <a:ea typeface="돋움체" panose="020B0609000101010101" pitchFamily="49" charset="-127"/>
+              </a:rPr>
+              <a:t>        </a:t>
+            </a:r>
+            <a:r>
+              <a:rPr lang="en-US" altLang="ko-KR" sz="1400" dirty="0">
+                <a:solidFill>
+                  <a:srgbClr val="0000FF"/>
+                </a:solidFill>
+                <a:highlight>
+                  <a:srgbClr val="FFFFFF"/>
+                </a:highlight>
+                <a:latin typeface="돋움체" panose="020B0609000101010101" pitchFamily="49" charset="-127"/>
+                <a:ea typeface="돋움체" panose="020B0609000101010101" pitchFamily="49" charset="-127"/>
+              </a:rPr>
+              <a:t>float</a:t>
+            </a:r>
+            <a:r>
+              <a:rPr lang="en-US" altLang="ko-KR" sz="1400" dirty="0">
+                <a:solidFill>
+                  <a:srgbClr val="000000"/>
+                </a:solidFill>
+                <a:highlight>
+                  <a:srgbClr val="FFFFFF"/>
+                </a:highlight>
+                <a:latin typeface="돋움체" panose="020B0609000101010101" pitchFamily="49" charset="-127"/>
+                <a:ea typeface="돋움체" panose="020B0609000101010101" pitchFamily="49" charset="-127"/>
+              </a:rPr>
+              <a:t> y = (</a:t>
+            </a:r>
+            <a:r>
+              <a:rPr lang="en-US" altLang="ko-KR" sz="1400" dirty="0" err="1">
+                <a:solidFill>
+                  <a:srgbClr val="000000"/>
+                </a:solidFill>
+                <a:highlight>
+                  <a:srgbClr val="FFFFFF"/>
+                </a:highlight>
+                <a:latin typeface="돋움체" panose="020B0609000101010101" pitchFamily="49" charset="-127"/>
+                <a:ea typeface="돋움체" panose="020B0609000101010101" pitchFamily="49" charset="-127"/>
+              </a:rPr>
+              <a:t>i</a:t>
+            </a:r>
+            <a:r>
+              <a:rPr lang="en-US" altLang="ko-KR" sz="1400" dirty="0">
+                <a:solidFill>
+                  <a:srgbClr val="000000"/>
+                </a:solidFill>
+                <a:highlight>
+                  <a:srgbClr val="FFFFFF"/>
+                </a:highlight>
+                <a:latin typeface="돋움체" panose="020B0609000101010101" pitchFamily="49" charset="-127"/>
+                <a:ea typeface="돋움체" panose="020B0609000101010101" pitchFamily="49" charset="-127"/>
+              </a:rPr>
+              <a:t> / 4) * 1.4f - 3.0f;</a:t>
+            </a:r>
+          </a:p>
+          <a:p>
+            <a:r>
+              <a:rPr lang="en-US" altLang="ko-KR" sz="1400" dirty="0">
+                <a:solidFill>
+                  <a:srgbClr val="000000"/>
+                </a:solidFill>
+                <a:highlight>
+                  <a:srgbClr val="FFFFFF"/>
+                </a:highlight>
+                <a:latin typeface="돋움체" panose="020B0609000101010101" pitchFamily="49" charset="-127"/>
+                <a:ea typeface="돋움체" panose="020B0609000101010101" pitchFamily="49" charset="-127"/>
+              </a:rPr>
+              <a:t>        endV2.Add(</a:t>
+            </a:r>
+            <a:r>
+              <a:rPr lang="en-US" altLang="ko-KR" sz="1400" dirty="0">
+                <a:solidFill>
+                  <a:srgbClr val="0000FF"/>
+                </a:solidFill>
+                <a:highlight>
+                  <a:srgbClr val="FFFFFF"/>
+                </a:highlight>
+                <a:latin typeface="돋움체" panose="020B0609000101010101" pitchFamily="49" charset="-127"/>
+                <a:ea typeface="돋움체" panose="020B0609000101010101" pitchFamily="49" charset="-127"/>
+              </a:rPr>
+              <a:t>new</a:t>
+            </a:r>
+            <a:r>
+              <a:rPr lang="en-US" altLang="ko-KR" sz="1400" dirty="0">
+                <a:solidFill>
+                  <a:srgbClr val="000000"/>
+                </a:solidFill>
+                <a:highlight>
+                  <a:srgbClr val="FFFFFF"/>
+                </a:highlight>
+                <a:latin typeface="돋움체" panose="020B0609000101010101" pitchFamily="49" charset="-127"/>
+                <a:ea typeface="돋움체" panose="020B0609000101010101" pitchFamily="49" charset="-127"/>
+              </a:rPr>
+              <a:t> </a:t>
+            </a:r>
+            <a:r>
+              <a:rPr lang="en-US" altLang="ko-KR" sz="1400" dirty="0">
+                <a:solidFill>
+                  <a:srgbClr val="2B91AF"/>
+                </a:solidFill>
+                <a:highlight>
+                  <a:srgbClr val="FFFFFF"/>
+                </a:highlight>
+                <a:latin typeface="돋움체" panose="020B0609000101010101" pitchFamily="49" charset="-127"/>
+                <a:ea typeface="돋움체" panose="020B0609000101010101" pitchFamily="49" charset="-127"/>
+              </a:rPr>
+              <a:t>Vector2</a:t>
+            </a:r>
+            <a:r>
+              <a:rPr lang="en-US" altLang="ko-KR" sz="1400" dirty="0">
+                <a:solidFill>
+                  <a:srgbClr val="000000"/>
+                </a:solidFill>
+                <a:highlight>
+                  <a:srgbClr val="FFFFFF"/>
+                </a:highlight>
+                <a:latin typeface="돋움체" panose="020B0609000101010101" pitchFamily="49" charset="-127"/>
+                <a:ea typeface="돋움체" panose="020B0609000101010101" pitchFamily="49" charset="-127"/>
+              </a:rPr>
+              <a:t>(x, y));</a:t>
+            </a:r>
+            <a:endParaRPr lang="ko-KR" altLang="en-US" sz="1400" dirty="0">
+              <a:solidFill>
+                <a:srgbClr val="000000"/>
+              </a:solidFill>
+              <a:highlight>
+                <a:srgbClr val="FFFFFF"/>
+              </a:highlight>
+              <a:latin typeface="돋움체" panose="020B0609000101010101" pitchFamily="49" charset="-127"/>
+              <a:ea typeface="돋움체" panose="020B0609000101010101" pitchFamily="49" charset="-127"/>
+            </a:endParaRPr>
+          </a:p>
+          <a:p>
+            <a:r>
+              <a:rPr lang="en-US" altLang="ko-KR" sz="1400" dirty="0">
+                <a:solidFill>
+                  <a:srgbClr val="000000"/>
+                </a:solidFill>
+                <a:highlight>
+                  <a:srgbClr val="FFFFFF"/>
+                </a:highlight>
+                <a:latin typeface="돋움체" panose="020B0609000101010101" pitchFamily="49" charset="-127"/>
+                <a:ea typeface="돋움체" panose="020B0609000101010101" pitchFamily="49" charset="-127"/>
+              </a:rPr>
+              <a:t>        </a:t>
+            </a:r>
+            <a:r>
+              <a:rPr lang="en-US" altLang="ko-KR" sz="1400" dirty="0" err="1">
+                <a:solidFill>
+                  <a:srgbClr val="000000"/>
+                </a:solidFill>
+                <a:highlight>
+                  <a:srgbClr val="FFFFFF"/>
+                </a:highlight>
+                <a:latin typeface="돋움체" panose="020B0609000101010101" pitchFamily="49" charset="-127"/>
+                <a:ea typeface="돋움체" panose="020B0609000101010101" pitchFamily="49" charset="-127"/>
+              </a:rPr>
+              <a:t>cardGO</a:t>
+            </a:r>
+            <a:r>
+              <a:rPr lang="en-US" altLang="ko-KR" sz="1400" dirty="0">
+                <a:solidFill>
+                  <a:srgbClr val="000000"/>
+                </a:solidFill>
+                <a:highlight>
+                  <a:srgbClr val="FFFFFF"/>
+                </a:highlight>
+                <a:latin typeface="돋움체" panose="020B0609000101010101" pitchFamily="49" charset="-127"/>
+                <a:ea typeface="돋움체" panose="020B0609000101010101" pitchFamily="49" charset="-127"/>
+              </a:rPr>
+              <a:t>[</a:t>
+            </a:r>
+            <a:r>
+              <a:rPr lang="en-US" altLang="ko-KR" sz="1400" dirty="0" err="1">
+                <a:solidFill>
+                  <a:srgbClr val="000000"/>
+                </a:solidFill>
+                <a:highlight>
+                  <a:srgbClr val="FFFFFF"/>
+                </a:highlight>
+                <a:latin typeface="돋움체" panose="020B0609000101010101" pitchFamily="49" charset="-127"/>
+                <a:ea typeface="돋움체" panose="020B0609000101010101" pitchFamily="49" charset="-127"/>
+              </a:rPr>
+              <a:t>i</a:t>
+            </a:r>
+            <a:r>
+              <a:rPr lang="en-US" altLang="ko-KR" sz="1400" dirty="0">
+                <a:solidFill>
+                  <a:srgbClr val="000000"/>
+                </a:solidFill>
+                <a:highlight>
+                  <a:srgbClr val="FFFFFF"/>
+                </a:highlight>
+                <a:latin typeface="돋움체" panose="020B0609000101010101" pitchFamily="49" charset="-127"/>
+                <a:ea typeface="돋움체" panose="020B0609000101010101" pitchFamily="49" charset="-127"/>
+              </a:rPr>
+              <a:t>].</a:t>
+            </a:r>
+            <a:r>
+              <a:rPr lang="en-US" altLang="ko-KR" sz="1400" dirty="0" err="1">
+                <a:solidFill>
+                  <a:srgbClr val="000000"/>
+                </a:solidFill>
+                <a:highlight>
+                  <a:srgbClr val="FFFFFF"/>
+                </a:highlight>
+                <a:latin typeface="돋움체" panose="020B0609000101010101" pitchFamily="49" charset="-127"/>
+                <a:ea typeface="돋움체" panose="020B0609000101010101" pitchFamily="49" charset="-127"/>
+              </a:rPr>
+              <a:t>transform.position</a:t>
+            </a:r>
+            <a:r>
+              <a:rPr lang="en-US" altLang="ko-KR" sz="1400" dirty="0">
+                <a:solidFill>
+                  <a:srgbClr val="000000"/>
+                </a:solidFill>
+                <a:highlight>
+                  <a:srgbClr val="FFFFFF"/>
+                </a:highlight>
+                <a:latin typeface="돋움체" panose="020B0609000101010101" pitchFamily="49" charset="-127"/>
+                <a:ea typeface="돋움체" panose="020B0609000101010101" pitchFamily="49" charset="-127"/>
+              </a:rPr>
+              <a:t> = </a:t>
+            </a:r>
+            <a:r>
+              <a:rPr lang="en-US" altLang="ko-KR" sz="1400" dirty="0">
+                <a:solidFill>
+                  <a:srgbClr val="0000FF"/>
+                </a:solidFill>
+                <a:highlight>
+                  <a:srgbClr val="FFFFFF"/>
+                </a:highlight>
+                <a:latin typeface="돋움체" panose="020B0609000101010101" pitchFamily="49" charset="-127"/>
+                <a:ea typeface="돋움체" panose="020B0609000101010101" pitchFamily="49" charset="-127"/>
+              </a:rPr>
+              <a:t>new</a:t>
+            </a:r>
+            <a:r>
+              <a:rPr lang="en-US" altLang="ko-KR" sz="1400" dirty="0">
+                <a:solidFill>
+                  <a:srgbClr val="000000"/>
+                </a:solidFill>
+                <a:highlight>
+                  <a:srgbClr val="FFFFFF"/>
+                </a:highlight>
+                <a:latin typeface="돋움체" panose="020B0609000101010101" pitchFamily="49" charset="-127"/>
+                <a:ea typeface="돋움체" panose="020B0609000101010101" pitchFamily="49" charset="-127"/>
+              </a:rPr>
+              <a:t> </a:t>
+            </a:r>
+            <a:r>
+              <a:rPr lang="en-US" altLang="ko-KR" sz="1400" dirty="0">
+                <a:solidFill>
+                  <a:srgbClr val="2B91AF"/>
+                </a:solidFill>
+                <a:highlight>
+                  <a:srgbClr val="FFFFFF"/>
+                </a:highlight>
+                <a:latin typeface="돋움체" panose="020B0609000101010101" pitchFamily="49" charset="-127"/>
+                <a:ea typeface="돋움체" panose="020B0609000101010101" pitchFamily="49" charset="-127"/>
+              </a:rPr>
+              <a:t>Vector2</a:t>
+            </a:r>
+            <a:r>
+              <a:rPr lang="en-US" altLang="ko-KR" sz="1400" dirty="0">
+                <a:solidFill>
+                  <a:srgbClr val="000000"/>
+                </a:solidFill>
+                <a:highlight>
+                  <a:srgbClr val="FFFFFF"/>
+                </a:highlight>
+                <a:latin typeface="돋움체" panose="020B0609000101010101" pitchFamily="49" charset="-127"/>
+                <a:ea typeface="돋움체" panose="020B0609000101010101" pitchFamily="49" charset="-127"/>
+              </a:rPr>
+              <a:t>(0f, -5f);</a:t>
+            </a:r>
+          </a:p>
+          <a:p>
+            <a:r>
+              <a:rPr lang="en-US" altLang="ko-KR" sz="1400" dirty="0">
+                <a:solidFill>
+                  <a:srgbClr val="000000"/>
+                </a:solidFill>
+                <a:highlight>
+                  <a:srgbClr val="FFFFFF"/>
+                </a:highlight>
+                <a:latin typeface="돋움체" panose="020B0609000101010101" pitchFamily="49" charset="-127"/>
+                <a:ea typeface="돋움체" panose="020B0609000101010101" pitchFamily="49" charset="-127"/>
+              </a:rPr>
+              <a:t>        startV2.Add(</a:t>
+            </a:r>
+            <a:r>
+              <a:rPr lang="en-US" altLang="ko-KR" sz="1400" dirty="0" err="1">
+                <a:solidFill>
+                  <a:srgbClr val="000000"/>
+                </a:solidFill>
+                <a:highlight>
+                  <a:srgbClr val="FFFFFF"/>
+                </a:highlight>
+                <a:latin typeface="돋움체" panose="020B0609000101010101" pitchFamily="49" charset="-127"/>
+                <a:ea typeface="돋움체" panose="020B0609000101010101" pitchFamily="49" charset="-127"/>
+              </a:rPr>
+              <a:t>cardGO</a:t>
+            </a:r>
+            <a:r>
+              <a:rPr lang="en-US" altLang="ko-KR" sz="1400" dirty="0">
+                <a:solidFill>
+                  <a:srgbClr val="000000"/>
+                </a:solidFill>
+                <a:highlight>
+                  <a:srgbClr val="FFFFFF"/>
+                </a:highlight>
+                <a:latin typeface="돋움체" panose="020B0609000101010101" pitchFamily="49" charset="-127"/>
+                <a:ea typeface="돋움체" panose="020B0609000101010101" pitchFamily="49" charset="-127"/>
+              </a:rPr>
+              <a:t>[</a:t>
+            </a:r>
+            <a:r>
+              <a:rPr lang="en-US" altLang="ko-KR" sz="1400" dirty="0" err="1">
+                <a:solidFill>
+                  <a:srgbClr val="000000"/>
+                </a:solidFill>
+                <a:highlight>
+                  <a:srgbClr val="FFFFFF"/>
+                </a:highlight>
+                <a:latin typeface="돋움체" panose="020B0609000101010101" pitchFamily="49" charset="-127"/>
+                <a:ea typeface="돋움체" panose="020B0609000101010101" pitchFamily="49" charset="-127"/>
+              </a:rPr>
+              <a:t>i</a:t>
+            </a:r>
+            <a:r>
+              <a:rPr lang="en-US" altLang="ko-KR" sz="1400" dirty="0">
+                <a:solidFill>
+                  <a:srgbClr val="000000"/>
+                </a:solidFill>
+                <a:highlight>
+                  <a:srgbClr val="FFFFFF"/>
+                </a:highlight>
+                <a:latin typeface="돋움체" panose="020B0609000101010101" pitchFamily="49" charset="-127"/>
+                <a:ea typeface="돋움체" panose="020B0609000101010101" pitchFamily="49" charset="-127"/>
+              </a:rPr>
+              <a:t>].</a:t>
+            </a:r>
+            <a:r>
+              <a:rPr lang="en-US" altLang="ko-KR" sz="1400" dirty="0" err="1">
+                <a:solidFill>
+                  <a:srgbClr val="000000"/>
+                </a:solidFill>
+                <a:highlight>
+                  <a:srgbClr val="FFFFFF"/>
+                </a:highlight>
+                <a:latin typeface="돋움체" panose="020B0609000101010101" pitchFamily="49" charset="-127"/>
+                <a:ea typeface="돋움체" panose="020B0609000101010101" pitchFamily="49" charset="-127"/>
+              </a:rPr>
+              <a:t>transform.position</a:t>
+            </a:r>
+            <a:r>
+              <a:rPr lang="en-US" altLang="ko-KR" sz="1400" dirty="0">
+                <a:solidFill>
+                  <a:srgbClr val="000000"/>
+                </a:solidFill>
+                <a:highlight>
+                  <a:srgbClr val="FFFFFF"/>
+                </a:highlight>
+                <a:latin typeface="돋움체" panose="020B0609000101010101" pitchFamily="49" charset="-127"/>
+                <a:ea typeface="돋움체" panose="020B0609000101010101" pitchFamily="49" charset="-127"/>
+              </a:rPr>
+              <a:t>);</a:t>
+            </a:r>
+          </a:p>
+          <a:p>
+            <a:r>
+              <a:rPr lang="en-US" altLang="ko-KR" sz="1400" dirty="0">
+                <a:solidFill>
+                  <a:srgbClr val="000000"/>
+                </a:solidFill>
+                <a:highlight>
+                  <a:srgbClr val="FFFFFF"/>
+                </a:highlight>
+                <a:latin typeface="돋움체" panose="020B0609000101010101" pitchFamily="49" charset="-127"/>
+                <a:ea typeface="돋움체" panose="020B0609000101010101" pitchFamily="49" charset="-127"/>
+              </a:rPr>
+              <a:t>        </a:t>
+            </a:r>
+            <a:r>
+              <a:rPr lang="en-US" altLang="ko-KR" sz="1400" dirty="0" err="1">
+                <a:solidFill>
+                  <a:srgbClr val="000000"/>
+                </a:solidFill>
+                <a:highlight>
+                  <a:srgbClr val="FFFFFF"/>
+                </a:highlight>
+                <a:latin typeface="돋움체" panose="020B0609000101010101" pitchFamily="49" charset="-127"/>
+                <a:ea typeface="돋움체" panose="020B0609000101010101" pitchFamily="49" charset="-127"/>
+              </a:rPr>
+              <a:t>startRot.Add</a:t>
+            </a:r>
+            <a:r>
+              <a:rPr lang="en-US" altLang="ko-KR" sz="1400" dirty="0">
+                <a:solidFill>
+                  <a:srgbClr val="000000"/>
+                </a:solidFill>
+                <a:highlight>
+                  <a:srgbClr val="FFFFFF"/>
+                </a:highlight>
+                <a:latin typeface="돋움체" panose="020B0609000101010101" pitchFamily="49" charset="-127"/>
+                <a:ea typeface="돋움체" panose="020B0609000101010101" pitchFamily="49" charset="-127"/>
+              </a:rPr>
+              <a:t>((</a:t>
+            </a:r>
+            <a:r>
+              <a:rPr lang="en-US" altLang="ko-KR" sz="1400" dirty="0">
+                <a:solidFill>
+                  <a:srgbClr val="0000FF"/>
+                </a:solidFill>
+                <a:highlight>
+                  <a:srgbClr val="FFFFFF"/>
+                </a:highlight>
+                <a:latin typeface="돋움체" panose="020B0609000101010101" pitchFamily="49" charset="-127"/>
+                <a:ea typeface="돋움체" panose="020B0609000101010101" pitchFamily="49" charset="-127"/>
+              </a:rPr>
+              <a:t>float</a:t>
+            </a:r>
+            <a:r>
+              <a:rPr lang="en-US" altLang="ko-KR" sz="1400" dirty="0">
+                <a:solidFill>
+                  <a:srgbClr val="000000"/>
+                </a:solidFill>
+                <a:highlight>
+                  <a:srgbClr val="FFFFFF"/>
+                </a:highlight>
+                <a:latin typeface="돋움체" panose="020B0609000101010101" pitchFamily="49" charset="-127"/>
+                <a:ea typeface="돋움체" panose="020B0609000101010101" pitchFamily="49" charset="-127"/>
+              </a:rPr>
+              <a:t>)</a:t>
+            </a:r>
+            <a:r>
+              <a:rPr lang="en-US" altLang="ko-KR" sz="1400" dirty="0" err="1">
+                <a:solidFill>
+                  <a:srgbClr val="000000"/>
+                </a:solidFill>
+                <a:highlight>
+                  <a:srgbClr val="FFFFFF"/>
+                </a:highlight>
+                <a:latin typeface="돋움체" panose="020B0609000101010101" pitchFamily="49" charset="-127"/>
+                <a:ea typeface="돋움체" panose="020B0609000101010101" pitchFamily="49" charset="-127"/>
+              </a:rPr>
+              <a:t>i</a:t>
+            </a:r>
+            <a:r>
+              <a:rPr lang="en-US" altLang="ko-KR" sz="1400" dirty="0">
+                <a:solidFill>
+                  <a:srgbClr val="000000"/>
+                </a:solidFill>
+                <a:highlight>
+                  <a:srgbClr val="FFFFFF"/>
+                </a:highlight>
+                <a:latin typeface="돋움체" panose="020B0609000101010101" pitchFamily="49" charset="-127"/>
+                <a:ea typeface="돋움체" panose="020B0609000101010101" pitchFamily="49" charset="-127"/>
+              </a:rPr>
+              <a:t> * 10 - 45f);</a:t>
+            </a:r>
+          </a:p>
+          <a:p>
+            <a:r>
+              <a:rPr lang="en-US" altLang="ko-KR" sz="1400" dirty="0">
+                <a:solidFill>
+                  <a:srgbClr val="000000"/>
+                </a:solidFill>
+                <a:highlight>
+                  <a:srgbClr val="FFFFFF"/>
+                </a:highlight>
+                <a:latin typeface="돋움체" panose="020B0609000101010101" pitchFamily="49" charset="-127"/>
+                <a:ea typeface="돋움체" panose="020B0609000101010101" pitchFamily="49" charset="-127"/>
+              </a:rPr>
+              <a:t>        </a:t>
+            </a:r>
+            <a:r>
+              <a:rPr lang="en-US" altLang="ko-KR" sz="1400" dirty="0" err="1">
+                <a:solidFill>
+                  <a:srgbClr val="000000"/>
+                </a:solidFill>
+                <a:highlight>
+                  <a:srgbClr val="FFFFFF"/>
+                </a:highlight>
+                <a:latin typeface="돋움체" panose="020B0609000101010101" pitchFamily="49" charset="-127"/>
+                <a:ea typeface="돋움체" panose="020B0609000101010101" pitchFamily="49" charset="-127"/>
+              </a:rPr>
+              <a:t>cardGO</a:t>
+            </a:r>
+            <a:r>
+              <a:rPr lang="en-US" altLang="ko-KR" sz="1400" dirty="0">
+                <a:solidFill>
+                  <a:srgbClr val="000000"/>
+                </a:solidFill>
+                <a:highlight>
+                  <a:srgbClr val="FFFFFF"/>
+                </a:highlight>
+                <a:latin typeface="돋움체" panose="020B0609000101010101" pitchFamily="49" charset="-127"/>
+                <a:ea typeface="돋움체" panose="020B0609000101010101" pitchFamily="49" charset="-127"/>
+              </a:rPr>
+              <a:t>[</a:t>
+            </a:r>
+            <a:r>
+              <a:rPr lang="en-US" altLang="ko-KR" sz="1400" dirty="0" err="1">
+                <a:solidFill>
+                  <a:srgbClr val="000000"/>
+                </a:solidFill>
+                <a:highlight>
+                  <a:srgbClr val="FFFFFF"/>
+                </a:highlight>
+                <a:latin typeface="돋움체" panose="020B0609000101010101" pitchFamily="49" charset="-127"/>
+                <a:ea typeface="돋움체" panose="020B0609000101010101" pitchFamily="49" charset="-127"/>
+              </a:rPr>
+              <a:t>i</a:t>
+            </a:r>
+            <a:r>
+              <a:rPr lang="en-US" altLang="ko-KR" sz="1400" dirty="0">
+                <a:solidFill>
+                  <a:srgbClr val="000000"/>
+                </a:solidFill>
+                <a:highlight>
+                  <a:srgbClr val="FFFFFF"/>
+                </a:highlight>
+                <a:latin typeface="돋움체" panose="020B0609000101010101" pitchFamily="49" charset="-127"/>
+                <a:ea typeface="돋움체" panose="020B0609000101010101" pitchFamily="49" charset="-127"/>
+              </a:rPr>
+              <a:t>].</a:t>
+            </a:r>
+            <a:r>
+              <a:rPr lang="en-US" altLang="ko-KR" sz="1400" dirty="0" err="1">
+                <a:solidFill>
+                  <a:srgbClr val="000000"/>
+                </a:solidFill>
+                <a:highlight>
+                  <a:srgbClr val="FFFFFF"/>
+                </a:highlight>
+                <a:latin typeface="돋움체" panose="020B0609000101010101" pitchFamily="49" charset="-127"/>
+                <a:ea typeface="돋움체" panose="020B0609000101010101" pitchFamily="49" charset="-127"/>
+              </a:rPr>
+              <a:t>transform.Rotate</a:t>
+            </a:r>
+            <a:r>
+              <a:rPr lang="en-US" altLang="ko-KR" sz="1400" dirty="0">
+                <a:solidFill>
+                  <a:srgbClr val="000000"/>
+                </a:solidFill>
+                <a:highlight>
+                  <a:srgbClr val="FFFFFF"/>
+                </a:highlight>
+                <a:latin typeface="돋움체" panose="020B0609000101010101" pitchFamily="49" charset="-127"/>
+                <a:ea typeface="돋움체" panose="020B0609000101010101" pitchFamily="49" charset="-127"/>
+              </a:rPr>
+              <a:t>(0f, 0f, </a:t>
+            </a:r>
+            <a:r>
+              <a:rPr lang="en-US" altLang="ko-KR" sz="1400" dirty="0" err="1">
+                <a:solidFill>
+                  <a:srgbClr val="000000"/>
+                </a:solidFill>
+                <a:highlight>
+                  <a:srgbClr val="FFFFFF"/>
+                </a:highlight>
+                <a:latin typeface="돋움체" panose="020B0609000101010101" pitchFamily="49" charset="-127"/>
+                <a:ea typeface="돋움체" panose="020B0609000101010101" pitchFamily="49" charset="-127"/>
+              </a:rPr>
+              <a:t>startRot</a:t>
+            </a:r>
+            <a:r>
+              <a:rPr lang="en-US" altLang="ko-KR" sz="1400" dirty="0">
+                <a:solidFill>
+                  <a:srgbClr val="000000"/>
+                </a:solidFill>
+                <a:highlight>
+                  <a:srgbClr val="FFFFFF"/>
+                </a:highlight>
+                <a:latin typeface="돋움체" panose="020B0609000101010101" pitchFamily="49" charset="-127"/>
+                <a:ea typeface="돋움체" panose="020B0609000101010101" pitchFamily="49" charset="-127"/>
+              </a:rPr>
+              <a:t>[</a:t>
+            </a:r>
+            <a:r>
+              <a:rPr lang="en-US" altLang="ko-KR" sz="1400" dirty="0" err="1">
+                <a:solidFill>
+                  <a:srgbClr val="000000"/>
+                </a:solidFill>
+                <a:highlight>
+                  <a:srgbClr val="FFFFFF"/>
+                </a:highlight>
+                <a:latin typeface="돋움체" panose="020B0609000101010101" pitchFamily="49" charset="-127"/>
+                <a:ea typeface="돋움체" panose="020B0609000101010101" pitchFamily="49" charset="-127"/>
+              </a:rPr>
+              <a:t>i</a:t>
+            </a:r>
+            <a:r>
+              <a:rPr lang="en-US" altLang="ko-KR" sz="1400" dirty="0">
+                <a:solidFill>
+                  <a:srgbClr val="000000"/>
+                </a:solidFill>
+                <a:highlight>
+                  <a:srgbClr val="FFFFFF"/>
+                </a:highlight>
+                <a:latin typeface="돋움체" panose="020B0609000101010101" pitchFamily="49" charset="-127"/>
+                <a:ea typeface="돋움체" panose="020B0609000101010101" pitchFamily="49" charset="-127"/>
+              </a:rPr>
+              <a:t>]);</a:t>
+            </a:r>
+          </a:p>
+          <a:p>
+            <a:r>
+              <a:rPr lang="en-US" altLang="ko-KR" sz="1400" dirty="0">
+                <a:solidFill>
+                  <a:srgbClr val="000000"/>
+                </a:solidFill>
+                <a:highlight>
+                  <a:srgbClr val="FFFFFF"/>
+                </a:highlight>
+                <a:latin typeface="돋움체" panose="020B0609000101010101" pitchFamily="49" charset="-127"/>
+                <a:ea typeface="돋움체" panose="020B0609000101010101" pitchFamily="49" charset="-127"/>
+              </a:rPr>
+              <a:t>        </a:t>
+            </a:r>
+            <a:r>
+              <a:rPr lang="en-US" altLang="ko-KR" sz="1400" dirty="0">
+                <a:solidFill>
+                  <a:srgbClr val="2B91AF"/>
+                </a:solidFill>
+                <a:highlight>
+                  <a:srgbClr val="FFFFFF"/>
+                </a:highlight>
+                <a:latin typeface="돋움체" panose="020B0609000101010101" pitchFamily="49" charset="-127"/>
+                <a:ea typeface="돋움체" panose="020B0609000101010101" pitchFamily="49" charset="-127"/>
+              </a:rPr>
+              <a:t>Card</a:t>
+            </a:r>
+            <a:r>
+              <a:rPr lang="en-US" altLang="ko-KR" sz="1400" dirty="0">
+                <a:solidFill>
+                  <a:srgbClr val="000000"/>
+                </a:solidFill>
+                <a:highlight>
+                  <a:srgbClr val="FFFFFF"/>
+                </a:highlight>
+                <a:latin typeface="돋움체" panose="020B0609000101010101" pitchFamily="49" charset="-127"/>
+                <a:ea typeface="돋움체" panose="020B0609000101010101" pitchFamily="49" charset="-127"/>
+              </a:rPr>
+              <a:t> </a:t>
+            </a:r>
+            <a:r>
+              <a:rPr lang="en-US" altLang="ko-KR" sz="1400" dirty="0" err="1">
+                <a:solidFill>
+                  <a:srgbClr val="000000"/>
+                </a:solidFill>
+                <a:highlight>
+                  <a:srgbClr val="FFFFFF"/>
+                </a:highlight>
+                <a:latin typeface="돋움체" panose="020B0609000101010101" pitchFamily="49" charset="-127"/>
+                <a:ea typeface="돋움체" panose="020B0609000101010101" pitchFamily="49" charset="-127"/>
+              </a:rPr>
+              <a:t>tmpCard</a:t>
+            </a:r>
+            <a:r>
+              <a:rPr lang="en-US" altLang="ko-KR" sz="1400" dirty="0">
+                <a:solidFill>
+                  <a:srgbClr val="000000"/>
+                </a:solidFill>
+                <a:highlight>
+                  <a:srgbClr val="FFFFFF"/>
+                </a:highlight>
+                <a:latin typeface="돋움체" panose="020B0609000101010101" pitchFamily="49" charset="-127"/>
+                <a:ea typeface="돋움체" panose="020B0609000101010101" pitchFamily="49" charset="-127"/>
+              </a:rPr>
+              <a:t> = </a:t>
+            </a:r>
+            <a:r>
+              <a:rPr lang="en-US" altLang="ko-KR" sz="1400" dirty="0" err="1">
+                <a:solidFill>
+                  <a:srgbClr val="000000"/>
+                </a:solidFill>
+                <a:highlight>
+                  <a:srgbClr val="FFFFFF"/>
+                </a:highlight>
+                <a:latin typeface="돋움체" panose="020B0609000101010101" pitchFamily="49" charset="-127"/>
+                <a:ea typeface="돋움체" panose="020B0609000101010101" pitchFamily="49" charset="-127"/>
+              </a:rPr>
+              <a:t>cardGO</a:t>
+            </a:r>
+            <a:r>
+              <a:rPr lang="en-US" altLang="ko-KR" sz="1400" dirty="0">
+                <a:solidFill>
+                  <a:srgbClr val="000000"/>
+                </a:solidFill>
+                <a:highlight>
+                  <a:srgbClr val="FFFFFF"/>
+                </a:highlight>
+                <a:latin typeface="돋움체" panose="020B0609000101010101" pitchFamily="49" charset="-127"/>
+                <a:ea typeface="돋움체" panose="020B0609000101010101" pitchFamily="49" charset="-127"/>
+              </a:rPr>
+              <a:t>[</a:t>
+            </a:r>
+            <a:r>
+              <a:rPr lang="en-US" altLang="ko-KR" sz="1400" dirty="0" err="1">
+                <a:solidFill>
+                  <a:srgbClr val="000000"/>
+                </a:solidFill>
+                <a:highlight>
+                  <a:srgbClr val="FFFFFF"/>
+                </a:highlight>
+                <a:latin typeface="돋움체" panose="020B0609000101010101" pitchFamily="49" charset="-127"/>
+                <a:ea typeface="돋움체" panose="020B0609000101010101" pitchFamily="49" charset="-127"/>
+              </a:rPr>
+              <a:t>i</a:t>
+            </a:r>
+            <a:r>
+              <a:rPr lang="en-US" altLang="ko-KR" sz="1400" dirty="0">
+                <a:solidFill>
+                  <a:srgbClr val="000000"/>
+                </a:solidFill>
+                <a:highlight>
+                  <a:srgbClr val="FFFFFF"/>
+                </a:highlight>
+                <a:latin typeface="돋움체" panose="020B0609000101010101" pitchFamily="49" charset="-127"/>
+                <a:ea typeface="돋움체" panose="020B0609000101010101" pitchFamily="49" charset="-127"/>
+              </a:rPr>
+              <a:t>].</a:t>
+            </a:r>
+            <a:r>
+              <a:rPr lang="en-US" altLang="ko-KR" sz="1400" dirty="0" err="1">
+                <a:solidFill>
+                  <a:srgbClr val="000000"/>
+                </a:solidFill>
+                <a:highlight>
+                  <a:srgbClr val="FFFFFF"/>
+                </a:highlight>
+                <a:latin typeface="돋움체" panose="020B0609000101010101" pitchFamily="49" charset="-127"/>
+                <a:ea typeface="돋움체" panose="020B0609000101010101" pitchFamily="49" charset="-127"/>
+              </a:rPr>
+              <a:t>GetComponent</a:t>
+            </a:r>
+            <a:r>
+              <a:rPr lang="en-US" altLang="ko-KR" sz="1400" dirty="0">
+                <a:solidFill>
+                  <a:srgbClr val="000000"/>
+                </a:solidFill>
+                <a:highlight>
+                  <a:srgbClr val="FFFFFF"/>
+                </a:highlight>
+                <a:latin typeface="돋움체" panose="020B0609000101010101" pitchFamily="49" charset="-127"/>
+                <a:ea typeface="돋움체" panose="020B0609000101010101" pitchFamily="49" charset="-127"/>
+              </a:rPr>
+              <a:t>&lt;</a:t>
+            </a:r>
+            <a:r>
+              <a:rPr lang="en-US" altLang="ko-KR" sz="1400" dirty="0">
+                <a:solidFill>
+                  <a:srgbClr val="2B91AF"/>
+                </a:solidFill>
+                <a:highlight>
+                  <a:srgbClr val="FFFFFF"/>
+                </a:highlight>
+                <a:latin typeface="돋움체" panose="020B0609000101010101" pitchFamily="49" charset="-127"/>
+                <a:ea typeface="돋움체" panose="020B0609000101010101" pitchFamily="49" charset="-127"/>
+              </a:rPr>
+              <a:t>Card</a:t>
+            </a:r>
+            <a:r>
+              <a:rPr lang="en-US" altLang="ko-KR" sz="1400" dirty="0">
+                <a:solidFill>
+                  <a:srgbClr val="000000"/>
+                </a:solidFill>
+                <a:highlight>
+                  <a:srgbClr val="FFFFFF"/>
+                </a:highlight>
+                <a:latin typeface="돋움체" panose="020B0609000101010101" pitchFamily="49" charset="-127"/>
+                <a:ea typeface="돋움체" panose="020B0609000101010101" pitchFamily="49" charset="-127"/>
+              </a:rPr>
+              <a:t>&gt;();</a:t>
+            </a:r>
+          </a:p>
+          <a:p>
+            <a:r>
+              <a:rPr lang="en-US" altLang="ko-KR" sz="1400" dirty="0">
+                <a:solidFill>
+                  <a:srgbClr val="000000"/>
+                </a:solidFill>
+                <a:highlight>
+                  <a:srgbClr val="FFFFFF"/>
+                </a:highlight>
+                <a:latin typeface="돋움체" panose="020B0609000101010101" pitchFamily="49" charset="-127"/>
+                <a:ea typeface="돋움체" panose="020B0609000101010101" pitchFamily="49" charset="-127"/>
+              </a:rPr>
+              <a:t>        </a:t>
+            </a:r>
+            <a:r>
+              <a:rPr lang="en-US" altLang="ko-KR" sz="1400" dirty="0" err="1">
+                <a:solidFill>
+                  <a:srgbClr val="000000"/>
+                </a:solidFill>
+                <a:highlight>
+                  <a:srgbClr val="FFFFFF"/>
+                </a:highlight>
+                <a:latin typeface="돋움체" panose="020B0609000101010101" pitchFamily="49" charset="-127"/>
+                <a:ea typeface="돋움체" panose="020B0609000101010101" pitchFamily="49" charset="-127"/>
+              </a:rPr>
+              <a:t>tmpCard.Setting</a:t>
+            </a:r>
+            <a:r>
+              <a:rPr lang="en-US" altLang="ko-KR" sz="1400" dirty="0">
+                <a:solidFill>
+                  <a:srgbClr val="000000"/>
+                </a:solidFill>
+                <a:highlight>
+                  <a:srgbClr val="FFFFFF"/>
+                </a:highlight>
+                <a:latin typeface="돋움체" panose="020B0609000101010101" pitchFamily="49" charset="-127"/>
+                <a:ea typeface="돋움체" panose="020B0609000101010101" pitchFamily="49" charset="-127"/>
+              </a:rPr>
+              <a:t>(</a:t>
+            </a:r>
+            <a:r>
+              <a:rPr lang="en-US" altLang="ko-KR" sz="1400" dirty="0" err="1">
+                <a:solidFill>
+                  <a:srgbClr val="000000"/>
+                </a:solidFill>
+                <a:highlight>
+                  <a:srgbClr val="FFFFFF"/>
+                </a:highlight>
+                <a:latin typeface="돋움체" panose="020B0609000101010101" pitchFamily="49" charset="-127"/>
+                <a:ea typeface="돋움체" panose="020B0609000101010101" pitchFamily="49" charset="-127"/>
+              </a:rPr>
+              <a:t>arr</a:t>
+            </a:r>
+            <a:r>
+              <a:rPr lang="en-US" altLang="ko-KR" sz="1400" dirty="0">
+                <a:solidFill>
+                  <a:srgbClr val="000000"/>
+                </a:solidFill>
+                <a:highlight>
+                  <a:srgbClr val="FFFFFF"/>
+                </a:highlight>
+                <a:latin typeface="돋움체" panose="020B0609000101010101" pitchFamily="49" charset="-127"/>
+                <a:ea typeface="돋움체" panose="020B0609000101010101" pitchFamily="49" charset="-127"/>
+              </a:rPr>
+              <a:t>[</a:t>
+            </a:r>
+            <a:r>
+              <a:rPr lang="en-US" altLang="ko-KR" sz="1400" dirty="0" err="1">
+                <a:solidFill>
+                  <a:srgbClr val="000000"/>
+                </a:solidFill>
+                <a:highlight>
+                  <a:srgbClr val="FFFFFF"/>
+                </a:highlight>
+                <a:latin typeface="돋움체" panose="020B0609000101010101" pitchFamily="49" charset="-127"/>
+                <a:ea typeface="돋움체" panose="020B0609000101010101" pitchFamily="49" charset="-127"/>
+              </a:rPr>
+              <a:t>i</a:t>
+            </a:r>
+            <a:r>
+              <a:rPr lang="en-US" altLang="ko-KR" sz="1400" dirty="0">
+                <a:solidFill>
+                  <a:srgbClr val="000000"/>
+                </a:solidFill>
+                <a:highlight>
+                  <a:srgbClr val="FFFFFF"/>
+                </a:highlight>
+                <a:latin typeface="돋움체" panose="020B0609000101010101" pitchFamily="49" charset="-127"/>
+                <a:ea typeface="돋움체" panose="020B0609000101010101" pitchFamily="49" charset="-127"/>
+              </a:rPr>
+              <a:t>]);</a:t>
+            </a:r>
+          </a:p>
+          <a:p>
+            <a:r>
+              <a:rPr lang="en-US" altLang="ko-KR" sz="1400" dirty="0">
+                <a:solidFill>
+                  <a:srgbClr val="000000"/>
+                </a:solidFill>
+                <a:highlight>
+                  <a:srgbClr val="FFFFFF"/>
+                </a:highlight>
+                <a:latin typeface="돋움체" panose="020B0609000101010101" pitchFamily="49" charset="-127"/>
+                <a:ea typeface="돋움체" panose="020B0609000101010101" pitchFamily="49" charset="-127"/>
+              </a:rPr>
+              <a:t>        </a:t>
+            </a:r>
+            <a:r>
+              <a:rPr lang="en-US" altLang="ko-KR" sz="1400" dirty="0" err="1">
+                <a:solidFill>
+                  <a:srgbClr val="000000"/>
+                </a:solidFill>
+                <a:highlight>
+                  <a:srgbClr val="FFFFFF"/>
+                </a:highlight>
+                <a:latin typeface="돋움체" panose="020B0609000101010101" pitchFamily="49" charset="-127"/>
+                <a:ea typeface="돋움체" panose="020B0609000101010101" pitchFamily="49" charset="-127"/>
+              </a:rPr>
+              <a:t>tmpCard.anim.speed</a:t>
+            </a:r>
+            <a:r>
+              <a:rPr lang="en-US" altLang="ko-KR" sz="1400" dirty="0">
+                <a:solidFill>
+                  <a:srgbClr val="000000"/>
+                </a:solidFill>
+                <a:highlight>
+                  <a:srgbClr val="FFFFFF"/>
+                </a:highlight>
+                <a:latin typeface="돋움체" panose="020B0609000101010101" pitchFamily="49" charset="-127"/>
+                <a:ea typeface="돋움체" panose="020B0609000101010101" pitchFamily="49" charset="-127"/>
+              </a:rPr>
+              <a:t> = 0f;</a:t>
+            </a:r>
+          </a:p>
+          <a:p>
+            <a:r>
+              <a:rPr lang="sv-SE" altLang="ko-KR" sz="1400" dirty="0">
+                <a:solidFill>
+                  <a:srgbClr val="000000"/>
+                </a:solidFill>
+                <a:highlight>
+                  <a:srgbClr val="FFFFFF"/>
+                </a:highlight>
+                <a:latin typeface="돋움체" panose="020B0609000101010101" pitchFamily="49" charset="-127"/>
+                <a:ea typeface="돋움체" panose="020B0609000101010101" pitchFamily="49" charset="-127"/>
+              </a:rPr>
+              <a:t>        tmpCard.backSprite.sortingOrder = 20 - i;</a:t>
+            </a:r>
+          </a:p>
+          <a:p>
+            <a:r>
+              <a:rPr lang="en-US" altLang="ko-KR" sz="1400" dirty="0">
+                <a:solidFill>
+                  <a:srgbClr val="000000"/>
+                </a:solidFill>
+                <a:highlight>
+                  <a:srgbClr val="FFFFFF"/>
+                </a:highlight>
+                <a:latin typeface="돋움체" panose="020B0609000101010101" pitchFamily="49" charset="-127"/>
+                <a:ea typeface="돋움체" panose="020B0609000101010101" pitchFamily="49" charset="-127"/>
+              </a:rPr>
+              <a:t>        </a:t>
+            </a:r>
+            <a:r>
+              <a:rPr lang="en-US" altLang="ko-KR" sz="1400" dirty="0" err="1">
+                <a:solidFill>
+                  <a:srgbClr val="000000"/>
+                </a:solidFill>
+                <a:highlight>
+                  <a:srgbClr val="FFFFFF"/>
+                </a:highlight>
+                <a:latin typeface="돋움체" panose="020B0609000101010101" pitchFamily="49" charset="-127"/>
+                <a:ea typeface="돋움체" panose="020B0609000101010101" pitchFamily="49" charset="-127"/>
+              </a:rPr>
+              <a:t>tmpCard.backCanvas.sortingOrder</a:t>
+            </a:r>
+            <a:r>
+              <a:rPr lang="en-US" altLang="ko-KR" sz="1400" dirty="0">
+                <a:solidFill>
+                  <a:srgbClr val="000000"/>
+                </a:solidFill>
+                <a:highlight>
+                  <a:srgbClr val="FFFFFF"/>
+                </a:highlight>
+                <a:latin typeface="돋움체" panose="020B0609000101010101" pitchFamily="49" charset="-127"/>
+                <a:ea typeface="돋움체" panose="020B0609000101010101" pitchFamily="49" charset="-127"/>
+              </a:rPr>
+              <a:t> = 20 - </a:t>
+            </a:r>
+            <a:r>
+              <a:rPr lang="en-US" altLang="ko-KR" sz="1400" dirty="0" err="1">
+                <a:solidFill>
+                  <a:srgbClr val="000000"/>
+                </a:solidFill>
+                <a:highlight>
+                  <a:srgbClr val="FFFFFF"/>
+                </a:highlight>
+                <a:latin typeface="돋움체" panose="020B0609000101010101" pitchFamily="49" charset="-127"/>
+                <a:ea typeface="돋움체" panose="020B0609000101010101" pitchFamily="49" charset="-127"/>
+              </a:rPr>
+              <a:t>i</a:t>
+            </a:r>
+            <a:r>
+              <a:rPr lang="en-US" altLang="ko-KR" sz="1400" dirty="0">
+                <a:solidFill>
+                  <a:srgbClr val="000000"/>
+                </a:solidFill>
+                <a:highlight>
+                  <a:srgbClr val="FFFFFF"/>
+                </a:highlight>
+                <a:latin typeface="돋움체" panose="020B0609000101010101" pitchFamily="49" charset="-127"/>
+                <a:ea typeface="돋움체" panose="020B0609000101010101" pitchFamily="49" charset="-127"/>
+              </a:rPr>
+              <a:t>;</a:t>
+            </a:r>
+          </a:p>
+          <a:p>
+            <a:r>
+              <a:rPr lang="ko-KR" altLang="en-US" sz="1400" dirty="0">
+                <a:solidFill>
+                  <a:srgbClr val="000000"/>
+                </a:solidFill>
+                <a:highlight>
+                  <a:srgbClr val="FFFFFF"/>
+                </a:highlight>
+                <a:latin typeface="돋움체" panose="020B0609000101010101" pitchFamily="49" charset="-127"/>
+                <a:ea typeface="돋움체" panose="020B0609000101010101" pitchFamily="49" charset="-127"/>
+              </a:rPr>
+              <a:t>    </a:t>
+            </a:r>
+            <a:r>
+              <a:rPr lang="en-US" altLang="ko-KR" sz="1400" dirty="0">
+                <a:solidFill>
+                  <a:srgbClr val="000000"/>
+                </a:solidFill>
+                <a:highlight>
+                  <a:srgbClr val="FFFFFF"/>
+                </a:highlight>
+                <a:latin typeface="돋움체" panose="020B0609000101010101" pitchFamily="49" charset="-127"/>
+                <a:ea typeface="돋움체" panose="020B0609000101010101" pitchFamily="49" charset="-127"/>
+              </a:rPr>
+              <a:t>}</a:t>
+            </a:r>
+          </a:p>
+          <a:p>
+            <a:r>
+              <a:rPr lang="en-US" altLang="ko-KR" sz="1400" dirty="0">
+                <a:solidFill>
+                  <a:srgbClr val="000000"/>
+                </a:solidFill>
+                <a:highlight>
+                  <a:srgbClr val="FFFFFF"/>
+                </a:highlight>
+                <a:latin typeface="돋움체" panose="020B0609000101010101" pitchFamily="49" charset="-127"/>
+                <a:ea typeface="돋움체" panose="020B0609000101010101" pitchFamily="49" charset="-127"/>
+              </a:rPr>
+              <a:t>    endV2.Reverse();</a:t>
+            </a:r>
+          </a:p>
+          <a:p>
+            <a:r>
+              <a:rPr lang="en-US" altLang="ko-KR" sz="1400" dirty="0">
+                <a:solidFill>
+                  <a:srgbClr val="000000"/>
+                </a:solidFill>
+                <a:highlight>
+                  <a:srgbClr val="FFFFFF"/>
+                </a:highlight>
+                <a:latin typeface="돋움체" panose="020B0609000101010101" pitchFamily="49" charset="-127"/>
+                <a:ea typeface="돋움체" panose="020B0609000101010101" pitchFamily="49" charset="-127"/>
+              </a:rPr>
+              <a:t>    startV2.Reverse();</a:t>
+            </a:r>
+          </a:p>
+          <a:p>
+            <a:r>
+              <a:rPr lang="en-US" altLang="ko-KR" sz="1400" dirty="0">
+                <a:solidFill>
+                  <a:srgbClr val="000000"/>
+                </a:solidFill>
+                <a:highlight>
+                  <a:srgbClr val="FFFFFF"/>
+                </a:highlight>
+                <a:latin typeface="돋움체" panose="020B0609000101010101" pitchFamily="49" charset="-127"/>
+                <a:ea typeface="돋움체" panose="020B0609000101010101" pitchFamily="49" charset="-127"/>
+              </a:rPr>
+              <a:t>}</a:t>
+            </a:r>
+            <a:endParaRPr lang="ko-KR" altLang="en-US" sz="1400" dirty="0"/>
+          </a:p>
+        </p:txBody>
+      </p:sp>
+      <p:sp>
+        <p:nvSpPr>
+          <p:cNvPr id="8" name="TextBox 7">
+            <a:extLst>
+              <a:ext uri="{FF2B5EF4-FFF2-40B4-BE49-F238E27FC236}">
+                <a16:creationId xmlns:a16="http://schemas.microsoft.com/office/drawing/2014/main" id="{F7187387-3234-12AE-19C1-DEB75F1072FE}"/>
+              </a:ext>
+            </a:extLst>
+          </p:cNvPr>
+          <p:cNvSpPr txBox="1"/>
+          <p:nvPr/>
+        </p:nvSpPr>
+        <p:spPr>
+          <a:xfrm>
+            <a:off x="7315200" y="2858266"/>
+            <a:ext cx="6128569" cy="2957861"/>
+          </a:xfrm>
+          <a:prstGeom prst="rect">
+            <a:avLst/>
+          </a:prstGeom>
+          <a:noFill/>
+        </p:spPr>
+        <p:txBody>
+          <a:bodyPr wrap="square" rtlCol="0">
+            <a:spAutoFit/>
+          </a:bodyPr>
+          <a:lstStyle/>
+          <a:p>
+            <a:pPr marL="285750" indent="-285750">
+              <a:lnSpc>
+                <a:spcPct val="150000"/>
+              </a:lnSpc>
+              <a:buFont typeface="Arial" panose="020B0604020202020204" pitchFamily="34" charset="0"/>
+              <a:buChar char="•"/>
+            </a:pPr>
+            <a:r>
+              <a:rPr lang="en-US" altLang="ko-KR" dirty="0">
+                <a:latin typeface="Inter"/>
+              </a:rPr>
+              <a:t> </a:t>
+            </a:r>
+            <a:r>
+              <a:rPr lang="ko-KR" altLang="en-US" dirty="0">
+                <a:latin typeface="Inter"/>
+              </a:rPr>
+              <a:t>카드 배치 시간을 계산하여</a:t>
+            </a:r>
+            <a:r>
+              <a:rPr lang="en-US" altLang="ko-KR" dirty="0">
+                <a:latin typeface="Inter"/>
+              </a:rPr>
+              <a:t>, </a:t>
+            </a:r>
+            <a:r>
+              <a:rPr lang="ko-KR" altLang="en-US" dirty="0">
+                <a:latin typeface="Inter"/>
+              </a:rPr>
+              <a:t>카드가 모두 배치 된 후 게임이 시작되도록 설정했습니다</a:t>
+            </a:r>
+            <a:r>
+              <a:rPr lang="en-US" altLang="ko-KR" dirty="0">
+                <a:latin typeface="Inter"/>
+              </a:rPr>
+              <a:t>.</a:t>
+            </a:r>
+          </a:p>
+          <a:p>
+            <a:pPr marL="285750" indent="-285750">
+              <a:lnSpc>
+                <a:spcPct val="150000"/>
+              </a:lnSpc>
+              <a:buFont typeface="Arial" panose="020B0604020202020204" pitchFamily="34" charset="0"/>
+              <a:buChar char="•"/>
+            </a:pPr>
+            <a:r>
+              <a:rPr lang="ko-KR" altLang="en-US" dirty="0">
+                <a:latin typeface="Inter"/>
+              </a:rPr>
+              <a:t>해당 인덱스의 카드의 시작 위치와</a:t>
+            </a:r>
+            <a:r>
+              <a:rPr lang="en-US" altLang="ko-KR" dirty="0">
+                <a:latin typeface="Inter"/>
+              </a:rPr>
+              <a:t> </a:t>
+            </a:r>
+            <a:r>
+              <a:rPr lang="ko-KR" altLang="en-US" dirty="0">
+                <a:latin typeface="Inter"/>
+              </a:rPr>
+              <a:t>시작 회전 값</a:t>
+            </a:r>
+            <a:r>
+              <a:rPr lang="en-US" altLang="ko-KR" dirty="0">
+                <a:latin typeface="Inter"/>
+              </a:rPr>
+              <a:t>. </a:t>
+            </a:r>
+            <a:r>
+              <a:rPr lang="ko-KR" altLang="en-US" dirty="0" err="1">
+                <a:latin typeface="Inter"/>
+              </a:rPr>
+              <a:t>렌더</a:t>
+            </a:r>
+            <a:r>
+              <a:rPr lang="ko-KR" altLang="en-US" dirty="0">
+                <a:latin typeface="Inter"/>
+              </a:rPr>
+              <a:t> 순서를 설정하고</a:t>
+            </a:r>
+            <a:r>
+              <a:rPr lang="en-US" altLang="ko-KR" dirty="0">
+                <a:latin typeface="Inter"/>
+              </a:rPr>
+              <a:t>, </a:t>
+            </a:r>
+            <a:r>
+              <a:rPr lang="ko-KR" altLang="en-US" dirty="0">
+                <a:latin typeface="Inter"/>
+              </a:rPr>
+              <a:t>배치 위치와</a:t>
+            </a:r>
+            <a:r>
+              <a:rPr lang="en-US" altLang="ko-KR" dirty="0">
+                <a:latin typeface="Inter"/>
+              </a:rPr>
+              <a:t> </a:t>
+            </a:r>
+            <a:r>
+              <a:rPr lang="ko-KR" altLang="en-US" dirty="0">
+                <a:latin typeface="Inter"/>
+              </a:rPr>
+              <a:t>시작 위치</a:t>
+            </a:r>
+            <a:r>
+              <a:rPr lang="en-US" altLang="ko-KR" dirty="0">
+                <a:latin typeface="Inter"/>
+              </a:rPr>
+              <a:t>, </a:t>
+            </a:r>
+            <a:r>
+              <a:rPr lang="ko-KR" altLang="en-US" dirty="0">
+                <a:latin typeface="Inter"/>
+              </a:rPr>
+              <a:t>시작 회전 각도의 값들을 각 배열에 저장했습니다</a:t>
+            </a:r>
+            <a:r>
+              <a:rPr lang="en-US" altLang="ko-KR" dirty="0">
+                <a:latin typeface="Inter"/>
+              </a:rPr>
+              <a:t>.</a:t>
+            </a:r>
+          </a:p>
+          <a:p>
+            <a:pPr marL="285750" indent="-285750">
+              <a:lnSpc>
+                <a:spcPct val="150000"/>
+              </a:lnSpc>
+              <a:buFont typeface="Arial" panose="020B0604020202020204" pitchFamily="34" charset="0"/>
+              <a:buChar char="•"/>
+            </a:pPr>
+            <a:r>
+              <a:rPr lang="ko-KR" altLang="en-US" dirty="0">
+                <a:latin typeface="Inter"/>
+              </a:rPr>
+              <a:t>배열에 저장된 값들은 카드 </a:t>
+            </a:r>
+            <a:r>
+              <a:rPr lang="ko-KR" altLang="en-US" dirty="0" err="1">
+                <a:latin typeface="Inter"/>
+              </a:rPr>
+              <a:t>배치시</a:t>
+            </a:r>
+            <a:r>
+              <a:rPr lang="ko-KR" altLang="en-US" dirty="0">
+                <a:latin typeface="Inter"/>
+              </a:rPr>
+              <a:t> 사용됩니다</a:t>
+            </a:r>
+            <a:r>
+              <a:rPr lang="en-US" altLang="ko-KR" dirty="0">
+                <a:latin typeface="Inter"/>
+              </a:rPr>
+              <a:t>.</a:t>
+            </a:r>
+            <a:endParaRPr lang="ko-KR" altLang="en-US" dirty="0">
+              <a:latin typeface="Inter"/>
+            </a:endParaRPr>
+          </a:p>
+          <a:p>
+            <a:pPr marL="285750" indent="-285750">
+              <a:lnSpc>
+                <a:spcPct val="150000"/>
+              </a:lnSpc>
+              <a:buFont typeface="Arial" panose="020B0604020202020204" pitchFamily="34" charset="0"/>
+              <a:buChar char="•"/>
+            </a:pPr>
+            <a:endParaRPr lang="ko-KR" altLang="en-US" dirty="0">
+              <a:latin typeface="Inter"/>
+            </a:endParaRPr>
+          </a:p>
+        </p:txBody>
+      </p:sp>
+    </p:spTree>
+    <p:extLst>
+      <p:ext uri="{BB962C8B-B14F-4D97-AF65-F5344CB8AC3E}">
+        <p14:creationId xmlns:p14="http://schemas.microsoft.com/office/powerpoint/2010/main" val="1974805578"/>
+      </p:ext>
+    </p:extLst>
+  </p:cSld>
+  <p:clrMapOvr>
+    <a:masterClrMapping/>
+  </p:clrMapOvr>
+</p:sld>
+</file>
+
+<file path=ppt/slides/slide11.xml><?xml version="1.0" encoding="utf-8"?>
+<p:sld xmlns:a="http://schemas.openxmlformats.org/drawingml/2006/main" xmlns:r="http://schemas.openxmlformats.org/officeDocument/2006/relationships" xmlns:p="http://schemas.openxmlformats.org/presentationml/2006/main">
+  <p:cSld>
+    <p:spTree>
+      <p:nvGrpSpPr>
+        <p:cNvPr id="1" name="">
+          <a:extLst>
+            <a:ext uri="{FF2B5EF4-FFF2-40B4-BE49-F238E27FC236}">
+              <a16:creationId xmlns:a16="http://schemas.microsoft.com/office/drawing/2014/main" id="{DB4E350F-3664-4F00-CC57-3D85F9696606}"/>
+            </a:ext>
+          </a:extLst>
+        </p:cNvPr>
+        <p:cNvGrpSpPr/>
+        <p:nvPr/>
+      </p:nvGrpSpPr>
+      <p:grpSpPr>
+        <a:xfrm>
+          <a:off x="0" y="0"/>
+          <a:ext cx="0" cy="0"/>
+          <a:chOff x="0" y="0"/>
+          <a:chExt cx="0" cy="0"/>
+        </a:xfrm>
+      </p:grpSpPr>
+      <p:sp>
+        <p:nvSpPr>
+          <p:cNvPr id="2" name="Text 0">
+            <a:extLst>
+              <a:ext uri="{FF2B5EF4-FFF2-40B4-BE49-F238E27FC236}">
+                <a16:creationId xmlns:a16="http://schemas.microsoft.com/office/drawing/2014/main" id="{D799BBA6-6BC7-A563-BCAD-84E3A9E740AF}"/>
+              </a:ext>
+            </a:extLst>
+          </p:cNvPr>
+          <p:cNvSpPr/>
+          <p:nvPr/>
+        </p:nvSpPr>
+        <p:spPr>
+          <a:xfrm>
+            <a:off x="793790" y="614054"/>
+            <a:ext cx="7825502" cy="978218"/>
+          </a:xfrm>
+          <a:prstGeom prst="rect">
+            <a:avLst/>
+          </a:prstGeom>
+          <a:noFill/>
+          <a:ln/>
+        </p:spPr>
+        <p:txBody>
+          <a:bodyPr wrap="none" lIns="0" tIns="0" rIns="0" bIns="0" rtlCol="0" anchor="t"/>
+          <a:lstStyle/>
+          <a:p>
+            <a:pPr marL="0" indent="0" algn="l">
+              <a:lnSpc>
+                <a:spcPts val="7700"/>
+              </a:lnSpc>
+              <a:buNone/>
+            </a:pPr>
+            <a:r>
+              <a:rPr lang="en-US" sz="6150" b="1" dirty="0" err="1">
+                <a:solidFill>
+                  <a:srgbClr val="000000"/>
+                </a:solidFill>
+                <a:latin typeface="Inter Bold" pitchFamily="34" charset="0"/>
+                <a:ea typeface="Inter Bold" pitchFamily="34" charset="-122"/>
+                <a:cs typeface="Inter Bold" pitchFamily="34" charset="-120"/>
+              </a:rPr>
+              <a:t>스크립트</a:t>
+            </a:r>
+            <a:r>
+              <a:rPr lang="en-US" sz="6150" b="1" dirty="0">
+                <a:solidFill>
+                  <a:srgbClr val="000000"/>
+                </a:solidFill>
+                <a:latin typeface="Inter Bold" pitchFamily="34" charset="0"/>
+                <a:ea typeface="Inter Bold" pitchFamily="34" charset="-122"/>
+                <a:cs typeface="Inter Bold" pitchFamily="34" charset="-120"/>
+              </a:rPr>
+              <a:t> - </a:t>
+            </a:r>
+            <a:r>
+              <a:rPr lang="en-US" sz="4800" b="1" dirty="0">
+                <a:solidFill>
+                  <a:srgbClr val="000000"/>
+                </a:solidFill>
+                <a:latin typeface="Inter Bold" pitchFamily="34" charset="0"/>
+                <a:ea typeface="Inter Bold" pitchFamily="34" charset="-122"/>
+                <a:cs typeface="Inter Bold" pitchFamily="34" charset="-120"/>
+              </a:rPr>
+              <a:t>Board</a:t>
+            </a:r>
+            <a:endParaRPr lang="en-US" sz="6150" dirty="0"/>
+          </a:p>
+        </p:txBody>
+      </p:sp>
+      <p:sp>
+        <p:nvSpPr>
+          <p:cNvPr id="5" name="Text 2">
+            <a:extLst>
+              <a:ext uri="{FF2B5EF4-FFF2-40B4-BE49-F238E27FC236}">
+                <a16:creationId xmlns:a16="http://schemas.microsoft.com/office/drawing/2014/main" id="{90C394C4-0CBC-666B-CBB8-306A35C0FC73}"/>
+              </a:ext>
+            </a:extLst>
+          </p:cNvPr>
+          <p:cNvSpPr/>
+          <p:nvPr/>
+        </p:nvSpPr>
+        <p:spPr>
+          <a:xfrm>
+            <a:off x="7599521" y="5071705"/>
+            <a:ext cx="6244709" cy="362903"/>
+          </a:xfrm>
+          <a:prstGeom prst="rect">
+            <a:avLst/>
+          </a:prstGeom>
+          <a:noFill/>
+          <a:ln/>
+        </p:spPr>
+        <p:txBody>
+          <a:bodyPr wrap="none" lIns="0" tIns="0" rIns="0" bIns="0" rtlCol="0" anchor="t"/>
+          <a:lstStyle/>
+          <a:p>
+            <a:pPr marL="0" indent="0" algn="l">
+              <a:lnSpc>
+                <a:spcPts val="2850"/>
+              </a:lnSpc>
+              <a:buNone/>
+            </a:pPr>
+            <a:endParaRPr lang="en-US" sz="1750" dirty="0"/>
+          </a:p>
+        </p:txBody>
+      </p:sp>
+      <p:sp>
+        <p:nvSpPr>
+          <p:cNvPr id="6" name="직사각형 5">
+            <a:extLst>
+              <a:ext uri="{FF2B5EF4-FFF2-40B4-BE49-F238E27FC236}">
+                <a16:creationId xmlns:a16="http://schemas.microsoft.com/office/drawing/2014/main" id="{6FC0180F-8FF5-35DC-273C-C26E7AF0BB86}"/>
+              </a:ext>
+            </a:extLst>
+          </p:cNvPr>
+          <p:cNvSpPr/>
+          <p:nvPr/>
+        </p:nvSpPr>
+        <p:spPr>
+          <a:xfrm>
+            <a:off x="12851296" y="7722704"/>
+            <a:ext cx="1779104" cy="462295"/>
+          </a:xfrm>
+          <a:prstGeom prst="rect">
+            <a:avLst/>
+          </a:prstGeom>
+          <a:solidFill>
+            <a:schemeClr val="bg1"/>
+          </a:solidFill>
+          <a:ln>
+            <a:solidFill>
+              <a:schemeClr val="bg1"/>
+            </a:solidFill>
+          </a:ln>
+        </p:spPr>
+        <p:style>
+          <a:lnRef idx="2">
+            <a:schemeClr val="accent1">
+              <a:shade val="15000"/>
+            </a:schemeClr>
+          </a:lnRef>
+          <a:fillRef idx="1">
+            <a:schemeClr val="accent1"/>
+          </a:fillRef>
+          <a:effectRef idx="0">
+            <a:schemeClr val="accent1"/>
+          </a:effectRef>
+          <a:fontRef idx="minor">
+            <a:schemeClr val="lt1"/>
+          </a:fontRef>
+        </p:style>
+        <p:txBody>
+          <a:bodyPr rtlCol="0" anchor="ctr"/>
+          <a:lstStyle/>
+          <a:p>
+            <a:pPr algn="ctr"/>
+            <a:endParaRPr lang="ko-KR" altLang="en-US"/>
+          </a:p>
+        </p:txBody>
+      </p:sp>
+      <p:sp>
+        <p:nvSpPr>
+          <p:cNvPr id="7" name="TextBox 6">
+            <a:extLst>
+              <a:ext uri="{FF2B5EF4-FFF2-40B4-BE49-F238E27FC236}">
+                <a16:creationId xmlns:a16="http://schemas.microsoft.com/office/drawing/2014/main" id="{B74EF754-D883-372F-4E70-AAC1A03523EC}"/>
+              </a:ext>
+            </a:extLst>
+          </p:cNvPr>
+          <p:cNvSpPr txBox="1"/>
+          <p:nvPr/>
+        </p:nvSpPr>
+        <p:spPr>
+          <a:xfrm>
+            <a:off x="793790" y="1811166"/>
+            <a:ext cx="7996744" cy="6340197"/>
+          </a:xfrm>
+          <a:prstGeom prst="rect">
+            <a:avLst/>
+          </a:prstGeom>
+          <a:noFill/>
+        </p:spPr>
+        <p:txBody>
+          <a:bodyPr wrap="square">
+            <a:spAutoFit/>
+          </a:bodyPr>
+          <a:lstStyle/>
+          <a:p>
+            <a:r>
+              <a:rPr lang="en-US" altLang="ko-KR" sz="1400" dirty="0">
+                <a:solidFill>
+                  <a:srgbClr val="0000FF"/>
+                </a:solidFill>
+                <a:highlight>
+                  <a:srgbClr val="FFFFFF"/>
+                </a:highlight>
+                <a:latin typeface="돋움체" panose="020B0609000101010101" pitchFamily="49" charset="-127"/>
+                <a:ea typeface="돋움체" panose="020B0609000101010101" pitchFamily="49" charset="-127"/>
+              </a:rPr>
+              <a:t>void</a:t>
+            </a:r>
+            <a:r>
+              <a:rPr lang="en-US" altLang="ko-KR" sz="1400" dirty="0">
+                <a:solidFill>
+                  <a:srgbClr val="000000"/>
+                </a:solidFill>
+                <a:highlight>
+                  <a:srgbClr val="FFFFFF"/>
+                </a:highlight>
+                <a:latin typeface="돋움체" panose="020B0609000101010101" pitchFamily="49" charset="-127"/>
+                <a:ea typeface="돋움체" panose="020B0609000101010101" pitchFamily="49" charset="-127"/>
+              </a:rPr>
+              <a:t> </a:t>
+            </a:r>
+            <a:r>
+              <a:rPr lang="en-US" altLang="ko-KR" sz="1400" dirty="0">
+                <a:solidFill>
+                  <a:srgbClr val="0000FF"/>
+                </a:solidFill>
+                <a:highlight>
+                  <a:srgbClr val="FFFFFF"/>
+                </a:highlight>
+                <a:latin typeface="돋움체" panose="020B0609000101010101" pitchFamily="49" charset="-127"/>
+                <a:ea typeface="돋움체" panose="020B0609000101010101" pitchFamily="49" charset="-127"/>
+              </a:rPr>
+              <a:t>Update</a:t>
+            </a:r>
+            <a:r>
+              <a:rPr lang="en-US" altLang="ko-KR" sz="1400" dirty="0">
+                <a:solidFill>
+                  <a:srgbClr val="000000"/>
+                </a:solidFill>
+                <a:highlight>
+                  <a:srgbClr val="FFFFFF"/>
+                </a:highlight>
+                <a:latin typeface="돋움체" panose="020B0609000101010101" pitchFamily="49" charset="-127"/>
+                <a:ea typeface="돋움체" panose="020B0609000101010101" pitchFamily="49" charset="-127"/>
+              </a:rPr>
+              <a:t>()</a:t>
+            </a:r>
+          </a:p>
+          <a:p>
+            <a:r>
+              <a:rPr lang="en-US" altLang="ko-KR" sz="1400" dirty="0">
+                <a:solidFill>
+                  <a:srgbClr val="000000"/>
+                </a:solidFill>
+                <a:highlight>
+                  <a:srgbClr val="FFFFFF"/>
+                </a:highlight>
+                <a:latin typeface="돋움체" panose="020B0609000101010101" pitchFamily="49" charset="-127"/>
+                <a:ea typeface="돋움체" panose="020B0609000101010101" pitchFamily="49" charset="-127"/>
+              </a:rPr>
+              <a:t>{</a:t>
+            </a:r>
+          </a:p>
+          <a:p>
+            <a:r>
+              <a:rPr lang="en-US" altLang="ko-KR" sz="1400" dirty="0">
+                <a:solidFill>
+                  <a:srgbClr val="000000"/>
+                </a:solidFill>
+                <a:highlight>
+                  <a:srgbClr val="FFFFFF"/>
+                </a:highlight>
+                <a:latin typeface="돋움체" panose="020B0609000101010101" pitchFamily="49" charset="-127"/>
+                <a:ea typeface="돋움체" panose="020B0609000101010101" pitchFamily="49" charset="-127"/>
+              </a:rPr>
+              <a:t>    </a:t>
+            </a:r>
+            <a:r>
+              <a:rPr lang="en-US" altLang="ko-KR" sz="1400" dirty="0">
+                <a:solidFill>
+                  <a:srgbClr val="0000FF"/>
+                </a:solidFill>
+                <a:highlight>
+                  <a:srgbClr val="FFFFFF"/>
+                </a:highlight>
+                <a:latin typeface="돋움체" panose="020B0609000101010101" pitchFamily="49" charset="-127"/>
+                <a:ea typeface="돋움체" panose="020B0609000101010101" pitchFamily="49" charset="-127"/>
+              </a:rPr>
+              <a:t>if</a:t>
+            </a:r>
+            <a:r>
+              <a:rPr lang="en-US" altLang="ko-KR" sz="1400" dirty="0">
+                <a:solidFill>
+                  <a:srgbClr val="000000"/>
+                </a:solidFill>
+                <a:highlight>
+                  <a:srgbClr val="FFFFFF"/>
+                </a:highlight>
+                <a:latin typeface="돋움체" panose="020B0609000101010101" pitchFamily="49" charset="-127"/>
+                <a:ea typeface="돋움체" panose="020B0609000101010101" pitchFamily="49" charset="-127"/>
+              </a:rPr>
+              <a:t> (</a:t>
+            </a:r>
+            <a:r>
+              <a:rPr lang="en-US" altLang="ko-KR" sz="1400" dirty="0" err="1">
+                <a:solidFill>
+                  <a:srgbClr val="000000"/>
+                </a:solidFill>
+                <a:highlight>
+                  <a:srgbClr val="FFFFFF"/>
+                </a:highlight>
+                <a:latin typeface="돋움체" panose="020B0609000101010101" pitchFamily="49" charset="-127"/>
+                <a:ea typeface="돋움체" panose="020B0609000101010101" pitchFamily="49" charset="-127"/>
+              </a:rPr>
+              <a:t>lerpTime</a:t>
+            </a:r>
+            <a:r>
+              <a:rPr lang="en-US" altLang="ko-KR" sz="1400" dirty="0">
+                <a:solidFill>
+                  <a:srgbClr val="000000"/>
+                </a:solidFill>
+                <a:highlight>
+                  <a:srgbClr val="FFFFFF"/>
+                </a:highlight>
+                <a:latin typeface="돋움체" panose="020B0609000101010101" pitchFamily="49" charset="-127"/>
+                <a:ea typeface="돋움체" panose="020B0609000101010101" pitchFamily="49" charset="-127"/>
+              </a:rPr>
+              <a:t> &gt;= 0.0f)</a:t>
+            </a:r>
+          </a:p>
+          <a:p>
+            <a:r>
+              <a:rPr lang="ko-KR" altLang="en-US" sz="1400" dirty="0">
+                <a:solidFill>
+                  <a:srgbClr val="000000"/>
+                </a:solidFill>
+                <a:highlight>
+                  <a:srgbClr val="FFFFFF"/>
+                </a:highlight>
+                <a:latin typeface="돋움체" panose="020B0609000101010101" pitchFamily="49" charset="-127"/>
+                <a:ea typeface="돋움체" panose="020B0609000101010101" pitchFamily="49" charset="-127"/>
+              </a:rPr>
+              <a:t>    </a:t>
+            </a:r>
+            <a:r>
+              <a:rPr lang="en-US" altLang="ko-KR" sz="1400" dirty="0">
+                <a:solidFill>
+                  <a:srgbClr val="000000"/>
+                </a:solidFill>
+                <a:highlight>
+                  <a:srgbClr val="FFFFFF"/>
+                </a:highlight>
+                <a:latin typeface="돋움체" panose="020B0609000101010101" pitchFamily="49" charset="-127"/>
+                <a:ea typeface="돋움체" panose="020B0609000101010101" pitchFamily="49" charset="-127"/>
+              </a:rPr>
+              <a:t>{</a:t>
+            </a:r>
+          </a:p>
+          <a:p>
+            <a:r>
+              <a:rPr lang="en-US" altLang="ko-KR" sz="1400" dirty="0">
+                <a:solidFill>
+                  <a:srgbClr val="000000"/>
+                </a:solidFill>
+                <a:highlight>
+                  <a:srgbClr val="FFFFFF"/>
+                </a:highlight>
+                <a:latin typeface="돋움체" panose="020B0609000101010101" pitchFamily="49" charset="-127"/>
+                <a:ea typeface="돋움체" panose="020B0609000101010101" pitchFamily="49" charset="-127"/>
+              </a:rPr>
+              <a:t>        </a:t>
+            </a:r>
+            <a:r>
+              <a:rPr lang="en-US" altLang="ko-KR" sz="1400" dirty="0" err="1">
+                <a:solidFill>
+                  <a:srgbClr val="000000"/>
+                </a:solidFill>
+                <a:highlight>
+                  <a:srgbClr val="FFFFFF"/>
+                </a:highlight>
+                <a:latin typeface="돋움체" panose="020B0609000101010101" pitchFamily="49" charset="-127"/>
+                <a:ea typeface="돋움체" panose="020B0609000101010101" pitchFamily="49" charset="-127"/>
+              </a:rPr>
+              <a:t>lerpTime</a:t>
+            </a:r>
+            <a:r>
+              <a:rPr lang="en-US" altLang="ko-KR" sz="1400" dirty="0">
+                <a:solidFill>
+                  <a:srgbClr val="000000"/>
+                </a:solidFill>
+                <a:highlight>
+                  <a:srgbClr val="FFFFFF"/>
+                </a:highlight>
+                <a:latin typeface="돋움체" panose="020B0609000101010101" pitchFamily="49" charset="-127"/>
+                <a:ea typeface="돋움체" panose="020B0609000101010101" pitchFamily="49" charset="-127"/>
+              </a:rPr>
+              <a:t> += </a:t>
+            </a:r>
+            <a:r>
+              <a:rPr lang="en-US" altLang="ko-KR" sz="1400" dirty="0" err="1">
+                <a:solidFill>
+                  <a:srgbClr val="2B91AF"/>
+                </a:solidFill>
+                <a:highlight>
+                  <a:srgbClr val="FFFFFF"/>
+                </a:highlight>
+                <a:latin typeface="돋움체" panose="020B0609000101010101" pitchFamily="49" charset="-127"/>
+                <a:ea typeface="돋움체" panose="020B0609000101010101" pitchFamily="49" charset="-127"/>
+              </a:rPr>
+              <a:t>Time</a:t>
+            </a:r>
+            <a:r>
+              <a:rPr lang="en-US" altLang="ko-KR" sz="1400" dirty="0" err="1">
+                <a:solidFill>
+                  <a:srgbClr val="000000"/>
+                </a:solidFill>
+                <a:highlight>
+                  <a:srgbClr val="FFFFFF"/>
+                </a:highlight>
+                <a:latin typeface="돋움체" panose="020B0609000101010101" pitchFamily="49" charset="-127"/>
+                <a:ea typeface="돋움체" panose="020B0609000101010101" pitchFamily="49" charset="-127"/>
+              </a:rPr>
+              <a:t>.deltaTime</a:t>
+            </a:r>
+            <a:r>
+              <a:rPr lang="en-US" altLang="ko-KR" sz="1400" dirty="0">
+                <a:solidFill>
+                  <a:srgbClr val="000000"/>
+                </a:solidFill>
+                <a:highlight>
+                  <a:srgbClr val="FFFFFF"/>
+                </a:highlight>
+                <a:latin typeface="돋움체" panose="020B0609000101010101" pitchFamily="49" charset="-127"/>
+                <a:ea typeface="돋움체" panose="020B0609000101010101" pitchFamily="49" charset="-127"/>
+              </a:rPr>
+              <a:t>;</a:t>
+            </a:r>
+          </a:p>
+          <a:p>
+            <a:r>
+              <a:rPr lang="nn-NO" altLang="ko-KR" sz="1400" dirty="0">
+                <a:solidFill>
+                  <a:srgbClr val="000000"/>
+                </a:solidFill>
+                <a:highlight>
+                  <a:srgbClr val="FFFFFF"/>
+                </a:highlight>
+                <a:latin typeface="돋움체" panose="020B0609000101010101" pitchFamily="49" charset="-127"/>
+                <a:ea typeface="돋움체" panose="020B0609000101010101" pitchFamily="49" charset="-127"/>
+              </a:rPr>
+              <a:t>        </a:t>
+            </a:r>
+            <a:r>
+              <a:rPr lang="nn-NO" altLang="ko-KR" sz="1400" dirty="0">
+                <a:solidFill>
+                  <a:srgbClr val="0000FF"/>
+                </a:solidFill>
+                <a:highlight>
+                  <a:srgbClr val="FFFFFF"/>
+                </a:highlight>
+                <a:latin typeface="돋움체" panose="020B0609000101010101" pitchFamily="49" charset="-127"/>
+                <a:ea typeface="돋움체" panose="020B0609000101010101" pitchFamily="49" charset="-127"/>
+              </a:rPr>
+              <a:t>for</a:t>
+            </a:r>
+            <a:r>
+              <a:rPr lang="nn-NO" altLang="ko-KR" sz="1400" dirty="0">
+                <a:solidFill>
+                  <a:srgbClr val="000000"/>
+                </a:solidFill>
+                <a:highlight>
+                  <a:srgbClr val="FFFFFF"/>
+                </a:highlight>
+                <a:latin typeface="돋움체" panose="020B0609000101010101" pitchFamily="49" charset="-127"/>
+                <a:ea typeface="돋움체" panose="020B0609000101010101" pitchFamily="49" charset="-127"/>
+              </a:rPr>
+              <a:t> (</a:t>
+            </a:r>
+            <a:r>
+              <a:rPr lang="nn-NO" altLang="ko-KR" sz="1400" dirty="0">
+                <a:solidFill>
+                  <a:srgbClr val="0000FF"/>
+                </a:solidFill>
+                <a:highlight>
+                  <a:srgbClr val="FFFFFF"/>
+                </a:highlight>
+                <a:latin typeface="돋움체" panose="020B0609000101010101" pitchFamily="49" charset="-127"/>
+                <a:ea typeface="돋움체" panose="020B0609000101010101" pitchFamily="49" charset="-127"/>
+              </a:rPr>
+              <a:t>int</a:t>
+            </a:r>
+            <a:r>
+              <a:rPr lang="nn-NO" altLang="ko-KR" sz="1400" dirty="0">
+                <a:solidFill>
+                  <a:srgbClr val="000000"/>
+                </a:solidFill>
+                <a:highlight>
+                  <a:srgbClr val="FFFFFF"/>
+                </a:highlight>
+                <a:latin typeface="돋움체" panose="020B0609000101010101" pitchFamily="49" charset="-127"/>
+                <a:ea typeface="돋움체" panose="020B0609000101010101" pitchFamily="49" charset="-127"/>
+              </a:rPr>
+              <a:t> i = 0; i &lt; cardCnt; i++) </a:t>
+            </a:r>
+          </a:p>
+          <a:p>
+            <a:r>
+              <a:rPr lang="ko-KR" altLang="en-US" sz="1400" dirty="0">
+                <a:solidFill>
+                  <a:srgbClr val="000000"/>
+                </a:solidFill>
+                <a:highlight>
+                  <a:srgbClr val="FFFFFF"/>
+                </a:highlight>
+                <a:latin typeface="돋움체" panose="020B0609000101010101" pitchFamily="49" charset="-127"/>
+                <a:ea typeface="돋움체" panose="020B0609000101010101" pitchFamily="49" charset="-127"/>
+              </a:rPr>
+              <a:t>        </a:t>
+            </a:r>
+            <a:r>
+              <a:rPr lang="en-US" altLang="ko-KR" sz="1400" dirty="0">
+                <a:solidFill>
+                  <a:srgbClr val="000000"/>
+                </a:solidFill>
+                <a:highlight>
+                  <a:srgbClr val="FFFFFF"/>
+                </a:highlight>
+                <a:latin typeface="돋움체" panose="020B0609000101010101" pitchFamily="49" charset="-127"/>
+                <a:ea typeface="돋움체" panose="020B0609000101010101" pitchFamily="49" charset="-127"/>
+              </a:rPr>
+              <a:t>{</a:t>
+            </a:r>
+          </a:p>
+          <a:p>
+            <a:r>
+              <a:rPr lang="en-US" altLang="ko-KR" sz="1400" dirty="0">
+                <a:solidFill>
+                  <a:srgbClr val="000000"/>
+                </a:solidFill>
+                <a:highlight>
+                  <a:srgbClr val="FFFFFF"/>
+                </a:highlight>
+                <a:latin typeface="돋움체" panose="020B0609000101010101" pitchFamily="49" charset="-127"/>
+                <a:ea typeface="돋움체" panose="020B0609000101010101" pitchFamily="49" charset="-127"/>
+              </a:rPr>
+              <a:t>            </a:t>
+            </a:r>
+            <a:r>
+              <a:rPr lang="en-US" altLang="ko-KR" sz="1400" dirty="0">
+                <a:solidFill>
+                  <a:srgbClr val="0000FF"/>
+                </a:solidFill>
+                <a:highlight>
+                  <a:srgbClr val="FFFFFF"/>
+                </a:highlight>
+                <a:latin typeface="돋움체" panose="020B0609000101010101" pitchFamily="49" charset="-127"/>
+                <a:ea typeface="돋움체" panose="020B0609000101010101" pitchFamily="49" charset="-127"/>
+              </a:rPr>
+              <a:t>int</a:t>
+            </a:r>
+            <a:r>
+              <a:rPr lang="en-US" altLang="ko-KR" sz="1400" dirty="0">
+                <a:solidFill>
+                  <a:srgbClr val="000000"/>
+                </a:solidFill>
+                <a:highlight>
+                  <a:srgbClr val="FFFFFF"/>
+                </a:highlight>
+                <a:latin typeface="돋움체" panose="020B0609000101010101" pitchFamily="49" charset="-127"/>
+                <a:ea typeface="돋움체" panose="020B0609000101010101" pitchFamily="49" charset="-127"/>
+              </a:rPr>
+              <a:t> </a:t>
+            </a:r>
+            <a:r>
+              <a:rPr lang="en-US" altLang="ko-KR" sz="1400" dirty="0" err="1">
+                <a:solidFill>
+                  <a:srgbClr val="000000"/>
+                </a:solidFill>
+                <a:highlight>
+                  <a:srgbClr val="FFFFFF"/>
+                </a:highlight>
+                <a:latin typeface="돋움체" panose="020B0609000101010101" pitchFamily="49" charset="-127"/>
+                <a:ea typeface="돋움체" panose="020B0609000101010101" pitchFamily="49" charset="-127"/>
+              </a:rPr>
+              <a:t>tmpI</a:t>
+            </a:r>
+            <a:r>
+              <a:rPr lang="en-US" altLang="ko-KR" sz="1400" dirty="0">
+                <a:solidFill>
+                  <a:srgbClr val="000000"/>
+                </a:solidFill>
+                <a:highlight>
+                  <a:srgbClr val="FFFFFF"/>
+                </a:highlight>
+                <a:latin typeface="돋움체" panose="020B0609000101010101" pitchFamily="49" charset="-127"/>
+                <a:ea typeface="돋움체" panose="020B0609000101010101" pitchFamily="49" charset="-127"/>
+              </a:rPr>
+              <a:t> = </a:t>
+            </a:r>
+            <a:r>
+              <a:rPr lang="en-US" altLang="ko-KR" sz="1400" dirty="0" err="1">
+                <a:solidFill>
+                  <a:srgbClr val="000000"/>
+                </a:solidFill>
+                <a:highlight>
+                  <a:srgbClr val="FFFFFF"/>
+                </a:highlight>
+                <a:latin typeface="돋움체" panose="020B0609000101010101" pitchFamily="49" charset="-127"/>
+                <a:ea typeface="돋움체" panose="020B0609000101010101" pitchFamily="49" charset="-127"/>
+              </a:rPr>
+              <a:t>cardTime</a:t>
+            </a:r>
+            <a:r>
+              <a:rPr lang="en-US" altLang="ko-KR" sz="1400" dirty="0">
+                <a:solidFill>
+                  <a:srgbClr val="000000"/>
+                </a:solidFill>
+                <a:highlight>
+                  <a:srgbClr val="FFFFFF"/>
+                </a:highlight>
+                <a:latin typeface="돋움체" panose="020B0609000101010101" pitchFamily="49" charset="-127"/>
+                <a:ea typeface="돋움체" panose="020B0609000101010101" pitchFamily="49" charset="-127"/>
+              </a:rPr>
+              <a:t> == 0.0f ? </a:t>
+            </a:r>
+            <a:r>
+              <a:rPr lang="en-US" altLang="ko-KR" sz="1400" dirty="0" err="1">
+                <a:solidFill>
+                  <a:srgbClr val="000000"/>
+                </a:solidFill>
+                <a:highlight>
+                  <a:srgbClr val="FFFFFF"/>
+                </a:highlight>
+                <a:latin typeface="돋움체" panose="020B0609000101010101" pitchFamily="49" charset="-127"/>
+                <a:ea typeface="돋움체" panose="020B0609000101010101" pitchFamily="49" charset="-127"/>
+              </a:rPr>
+              <a:t>cardCnt</a:t>
+            </a:r>
+            <a:r>
+              <a:rPr lang="en-US" altLang="ko-KR" sz="1400" dirty="0">
+                <a:solidFill>
+                  <a:srgbClr val="000000"/>
+                </a:solidFill>
+                <a:highlight>
+                  <a:srgbClr val="FFFFFF"/>
+                </a:highlight>
+                <a:latin typeface="돋움체" panose="020B0609000101010101" pitchFamily="49" charset="-127"/>
+                <a:ea typeface="돋움체" panose="020B0609000101010101" pitchFamily="49" charset="-127"/>
+              </a:rPr>
+              <a:t> : (</a:t>
+            </a:r>
+            <a:r>
+              <a:rPr lang="en-US" altLang="ko-KR" sz="1400" dirty="0">
+                <a:solidFill>
+                  <a:srgbClr val="0000FF"/>
+                </a:solidFill>
+                <a:highlight>
+                  <a:srgbClr val="FFFFFF"/>
+                </a:highlight>
+                <a:latin typeface="돋움체" panose="020B0609000101010101" pitchFamily="49" charset="-127"/>
+                <a:ea typeface="돋움체" panose="020B0609000101010101" pitchFamily="49" charset="-127"/>
+              </a:rPr>
+              <a:t>int</a:t>
+            </a:r>
+            <a:r>
+              <a:rPr lang="en-US" altLang="ko-KR" sz="1400" dirty="0">
+                <a:solidFill>
+                  <a:srgbClr val="000000"/>
+                </a:solidFill>
+                <a:highlight>
+                  <a:srgbClr val="FFFFFF"/>
+                </a:highlight>
+                <a:latin typeface="돋움체" panose="020B0609000101010101" pitchFamily="49" charset="-127"/>
+                <a:ea typeface="돋움체" panose="020B0609000101010101" pitchFamily="49" charset="-127"/>
+              </a:rPr>
+              <a:t>)(</a:t>
+            </a:r>
+            <a:r>
+              <a:rPr lang="en-US" altLang="ko-KR" sz="1400" dirty="0" err="1">
+                <a:solidFill>
+                  <a:srgbClr val="000000"/>
+                </a:solidFill>
+                <a:highlight>
+                  <a:srgbClr val="FFFFFF"/>
+                </a:highlight>
+                <a:latin typeface="돋움체" panose="020B0609000101010101" pitchFamily="49" charset="-127"/>
+                <a:ea typeface="돋움체" panose="020B0609000101010101" pitchFamily="49" charset="-127"/>
+              </a:rPr>
+              <a:t>lerpTime</a:t>
+            </a:r>
+            <a:r>
+              <a:rPr lang="en-US" altLang="ko-KR" sz="1400" dirty="0">
+                <a:solidFill>
+                  <a:srgbClr val="000000"/>
+                </a:solidFill>
+                <a:highlight>
+                  <a:srgbClr val="FFFFFF"/>
+                </a:highlight>
+                <a:latin typeface="돋움체" panose="020B0609000101010101" pitchFamily="49" charset="-127"/>
+                <a:ea typeface="돋움체" panose="020B0609000101010101" pitchFamily="49" charset="-127"/>
+              </a:rPr>
+              <a:t> / </a:t>
+            </a:r>
+            <a:r>
+              <a:rPr lang="en-US" altLang="ko-KR" sz="1400" dirty="0" err="1">
+                <a:solidFill>
+                  <a:srgbClr val="000000"/>
+                </a:solidFill>
+                <a:highlight>
+                  <a:srgbClr val="FFFFFF"/>
+                </a:highlight>
+                <a:latin typeface="돋움체" panose="020B0609000101010101" pitchFamily="49" charset="-127"/>
+                <a:ea typeface="돋움체" panose="020B0609000101010101" pitchFamily="49" charset="-127"/>
+              </a:rPr>
+              <a:t>cardTime</a:t>
+            </a:r>
+            <a:r>
+              <a:rPr lang="en-US" altLang="ko-KR" sz="1400" dirty="0">
+                <a:solidFill>
+                  <a:srgbClr val="000000"/>
+                </a:solidFill>
+                <a:highlight>
+                  <a:srgbClr val="FFFFFF"/>
+                </a:highlight>
+                <a:latin typeface="돋움체" panose="020B0609000101010101" pitchFamily="49" charset="-127"/>
+                <a:ea typeface="돋움체" panose="020B0609000101010101" pitchFamily="49" charset="-127"/>
+              </a:rPr>
+              <a:t>);</a:t>
+            </a:r>
+          </a:p>
+          <a:p>
+            <a:r>
+              <a:rPr lang="en-US" altLang="ko-KR" sz="1400" dirty="0">
+                <a:solidFill>
+                  <a:srgbClr val="000000"/>
+                </a:solidFill>
+                <a:highlight>
+                  <a:srgbClr val="FFFFFF"/>
+                </a:highlight>
+                <a:latin typeface="돋움체" panose="020B0609000101010101" pitchFamily="49" charset="-127"/>
+                <a:ea typeface="돋움체" panose="020B0609000101010101" pitchFamily="49" charset="-127"/>
+              </a:rPr>
+              <a:t>            </a:t>
+            </a:r>
+            <a:r>
+              <a:rPr lang="en-US" altLang="ko-KR" sz="1400" dirty="0">
+                <a:solidFill>
+                  <a:srgbClr val="0000FF"/>
+                </a:solidFill>
+                <a:highlight>
+                  <a:srgbClr val="FFFFFF"/>
+                </a:highlight>
+                <a:latin typeface="돋움체" panose="020B0609000101010101" pitchFamily="49" charset="-127"/>
+                <a:ea typeface="돋움체" panose="020B0609000101010101" pitchFamily="49" charset="-127"/>
+              </a:rPr>
+              <a:t>if</a:t>
+            </a:r>
+            <a:r>
+              <a:rPr lang="en-US" altLang="ko-KR" sz="1400" dirty="0">
+                <a:solidFill>
+                  <a:srgbClr val="000000"/>
+                </a:solidFill>
+                <a:highlight>
+                  <a:srgbClr val="FFFFFF"/>
+                </a:highlight>
+                <a:latin typeface="돋움체" panose="020B0609000101010101" pitchFamily="49" charset="-127"/>
+                <a:ea typeface="돋움체" panose="020B0609000101010101" pitchFamily="49" charset="-127"/>
+              </a:rPr>
+              <a:t> (</a:t>
+            </a:r>
+            <a:r>
+              <a:rPr lang="en-US" altLang="ko-KR" sz="1400" dirty="0" err="1">
+                <a:solidFill>
+                  <a:srgbClr val="000000"/>
+                </a:solidFill>
+                <a:highlight>
+                  <a:srgbClr val="FFFFFF"/>
+                </a:highlight>
+                <a:latin typeface="돋움체" panose="020B0609000101010101" pitchFamily="49" charset="-127"/>
+                <a:ea typeface="돋움체" panose="020B0609000101010101" pitchFamily="49" charset="-127"/>
+              </a:rPr>
+              <a:t>tmpI</a:t>
+            </a:r>
+            <a:r>
+              <a:rPr lang="en-US" altLang="ko-KR" sz="1400" dirty="0">
+                <a:solidFill>
+                  <a:srgbClr val="000000"/>
+                </a:solidFill>
+                <a:highlight>
+                  <a:srgbClr val="FFFFFF"/>
+                </a:highlight>
+                <a:latin typeface="돋움체" panose="020B0609000101010101" pitchFamily="49" charset="-127"/>
+                <a:ea typeface="돋움체" panose="020B0609000101010101" pitchFamily="49" charset="-127"/>
+              </a:rPr>
+              <a:t> &lt; </a:t>
+            </a:r>
+            <a:r>
+              <a:rPr lang="en-US" altLang="ko-KR" sz="1400" dirty="0" err="1">
+                <a:solidFill>
+                  <a:srgbClr val="000000"/>
+                </a:solidFill>
+                <a:highlight>
+                  <a:srgbClr val="FFFFFF"/>
+                </a:highlight>
+                <a:latin typeface="돋움체" panose="020B0609000101010101" pitchFamily="49" charset="-127"/>
+                <a:ea typeface="돋움체" panose="020B0609000101010101" pitchFamily="49" charset="-127"/>
+              </a:rPr>
+              <a:t>i</a:t>
+            </a:r>
+            <a:r>
+              <a:rPr lang="en-US" altLang="ko-KR" sz="1400" dirty="0">
+                <a:solidFill>
+                  <a:srgbClr val="000000"/>
+                </a:solidFill>
+                <a:highlight>
+                  <a:srgbClr val="FFFFFF"/>
+                </a:highlight>
+                <a:latin typeface="돋움체" panose="020B0609000101010101" pitchFamily="49" charset="-127"/>
+                <a:ea typeface="돋움체" panose="020B0609000101010101" pitchFamily="49" charset="-127"/>
+              </a:rPr>
+              <a:t>) </a:t>
+            </a:r>
+            <a:r>
+              <a:rPr lang="en-US" altLang="ko-KR" sz="1400" dirty="0">
+                <a:solidFill>
+                  <a:srgbClr val="0000FF"/>
+                </a:solidFill>
+                <a:highlight>
+                  <a:srgbClr val="FFFFFF"/>
+                </a:highlight>
+                <a:latin typeface="돋움체" panose="020B0609000101010101" pitchFamily="49" charset="-127"/>
+                <a:ea typeface="돋움체" panose="020B0609000101010101" pitchFamily="49" charset="-127"/>
+              </a:rPr>
+              <a:t>return</a:t>
+            </a:r>
+            <a:r>
+              <a:rPr lang="en-US" altLang="ko-KR" sz="1400" dirty="0">
+                <a:solidFill>
+                  <a:srgbClr val="000000"/>
+                </a:solidFill>
+                <a:highlight>
+                  <a:srgbClr val="FFFFFF"/>
+                </a:highlight>
+                <a:latin typeface="돋움체" panose="020B0609000101010101" pitchFamily="49" charset="-127"/>
+                <a:ea typeface="돋움체" panose="020B0609000101010101" pitchFamily="49" charset="-127"/>
+              </a:rPr>
+              <a:t>;</a:t>
+            </a:r>
+          </a:p>
+          <a:p>
+            <a:r>
+              <a:rPr lang="en-US" altLang="ko-KR" sz="1400" dirty="0">
+                <a:solidFill>
+                  <a:srgbClr val="000000"/>
+                </a:solidFill>
+                <a:highlight>
+                  <a:srgbClr val="FFFFFF"/>
+                </a:highlight>
+                <a:latin typeface="돋움체" panose="020B0609000101010101" pitchFamily="49" charset="-127"/>
+                <a:ea typeface="돋움체" panose="020B0609000101010101" pitchFamily="49" charset="-127"/>
+              </a:rPr>
+              <a:t>            </a:t>
+            </a:r>
+            <a:r>
+              <a:rPr lang="en-US" altLang="ko-KR" sz="1400" dirty="0">
+                <a:solidFill>
+                  <a:srgbClr val="0000FF"/>
+                </a:solidFill>
+                <a:highlight>
+                  <a:srgbClr val="FFFFFF"/>
+                </a:highlight>
+                <a:latin typeface="돋움체" panose="020B0609000101010101" pitchFamily="49" charset="-127"/>
+                <a:ea typeface="돋움체" panose="020B0609000101010101" pitchFamily="49" charset="-127"/>
+              </a:rPr>
+              <a:t>float</a:t>
+            </a:r>
+            <a:r>
+              <a:rPr lang="en-US" altLang="ko-KR" sz="1400" dirty="0">
+                <a:solidFill>
+                  <a:srgbClr val="000000"/>
+                </a:solidFill>
+                <a:highlight>
+                  <a:srgbClr val="FFFFFF"/>
+                </a:highlight>
+                <a:latin typeface="돋움체" panose="020B0609000101010101" pitchFamily="49" charset="-127"/>
+                <a:ea typeface="돋움체" panose="020B0609000101010101" pitchFamily="49" charset="-127"/>
+              </a:rPr>
+              <a:t> </a:t>
+            </a:r>
+            <a:r>
+              <a:rPr lang="en-US" altLang="ko-KR" sz="1400" dirty="0" err="1">
+                <a:solidFill>
+                  <a:srgbClr val="000000"/>
+                </a:solidFill>
+                <a:highlight>
+                  <a:srgbClr val="FFFFFF"/>
+                </a:highlight>
+                <a:latin typeface="돋움체" panose="020B0609000101010101" pitchFamily="49" charset="-127"/>
+                <a:ea typeface="돋움체" panose="020B0609000101010101" pitchFamily="49" charset="-127"/>
+              </a:rPr>
+              <a:t>tmpLerpTime</a:t>
+            </a:r>
+            <a:r>
+              <a:rPr lang="en-US" altLang="ko-KR" sz="1400" dirty="0">
+                <a:solidFill>
+                  <a:srgbClr val="000000"/>
+                </a:solidFill>
+                <a:highlight>
+                  <a:srgbClr val="FFFFFF"/>
+                </a:highlight>
+                <a:latin typeface="돋움체" panose="020B0609000101010101" pitchFamily="49" charset="-127"/>
+                <a:ea typeface="돋움체" panose="020B0609000101010101" pitchFamily="49" charset="-127"/>
+              </a:rPr>
+              <a:t> = </a:t>
+            </a:r>
+            <a:r>
+              <a:rPr lang="en-US" altLang="ko-KR" sz="1400" dirty="0" err="1">
+                <a:solidFill>
+                  <a:srgbClr val="000000"/>
+                </a:solidFill>
+                <a:highlight>
+                  <a:srgbClr val="FFFFFF"/>
+                </a:highlight>
+                <a:latin typeface="돋움체" panose="020B0609000101010101" pitchFamily="49" charset="-127"/>
+                <a:ea typeface="돋움체" panose="020B0609000101010101" pitchFamily="49" charset="-127"/>
+              </a:rPr>
+              <a:t>lerpTime</a:t>
+            </a:r>
+            <a:r>
+              <a:rPr lang="en-US" altLang="ko-KR" sz="1400" dirty="0">
+                <a:solidFill>
+                  <a:srgbClr val="000000"/>
+                </a:solidFill>
+                <a:highlight>
+                  <a:srgbClr val="FFFFFF"/>
+                </a:highlight>
+                <a:latin typeface="돋움체" panose="020B0609000101010101" pitchFamily="49" charset="-127"/>
+                <a:ea typeface="돋움체" panose="020B0609000101010101" pitchFamily="49" charset="-127"/>
+              </a:rPr>
+              <a:t> - </a:t>
+            </a:r>
+            <a:r>
+              <a:rPr lang="en-US" altLang="ko-KR" sz="1400" dirty="0" err="1">
+                <a:solidFill>
+                  <a:srgbClr val="000000"/>
+                </a:solidFill>
+                <a:highlight>
+                  <a:srgbClr val="FFFFFF"/>
+                </a:highlight>
+                <a:latin typeface="돋움체" panose="020B0609000101010101" pitchFamily="49" charset="-127"/>
+                <a:ea typeface="돋움체" panose="020B0609000101010101" pitchFamily="49" charset="-127"/>
+              </a:rPr>
+              <a:t>cardTime</a:t>
+            </a:r>
+            <a:r>
+              <a:rPr lang="en-US" altLang="ko-KR" sz="1400" dirty="0">
+                <a:solidFill>
+                  <a:srgbClr val="000000"/>
+                </a:solidFill>
+                <a:highlight>
+                  <a:srgbClr val="FFFFFF"/>
+                </a:highlight>
+                <a:latin typeface="돋움체" panose="020B0609000101010101" pitchFamily="49" charset="-127"/>
+                <a:ea typeface="돋움체" panose="020B0609000101010101" pitchFamily="49" charset="-127"/>
+              </a:rPr>
+              <a:t> * </a:t>
+            </a:r>
+            <a:r>
+              <a:rPr lang="en-US" altLang="ko-KR" sz="1400" dirty="0" err="1">
+                <a:solidFill>
+                  <a:srgbClr val="000000"/>
+                </a:solidFill>
+                <a:highlight>
+                  <a:srgbClr val="FFFFFF"/>
+                </a:highlight>
+                <a:latin typeface="돋움체" panose="020B0609000101010101" pitchFamily="49" charset="-127"/>
+                <a:ea typeface="돋움체" panose="020B0609000101010101" pitchFamily="49" charset="-127"/>
+              </a:rPr>
+              <a:t>i</a:t>
+            </a:r>
+            <a:r>
+              <a:rPr lang="en-US" altLang="ko-KR" sz="1400" dirty="0">
+                <a:solidFill>
+                  <a:srgbClr val="000000"/>
+                </a:solidFill>
+                <a:highlight>
+                  <a:srgbClr val="FFFFFF"/>
+                </a:highlight>
+                <a:latin typeface="돋움체" panose="020B0609000101010101" pitchFamily="49" charset="-127"/>
+                <a:ea typeface="돋움체" panose="020B0609000101010101" pitchFamily="49" charset="-127"/>
+              </a:rPr>
+              <a:t>;</a:t>
+            </a:r>
+          </a:p>
+          <a:p>
+            <a:r>
+              <a:rPr lang="en-US" altLang="ko-KR" sz="1400" dirty="0">
+                <a:solidFill>
+                  <a:srgbClr val="000000"/>
+                </a:solidFill>
+                <a:highlight>
+                  <a:srgbClr val="FFFFFF"/>
+                </a:highlight>
+                <a:latin typeface="돋움체" panose="020B0609000101010101" pitchFamily="49" charset="-127"/>
+                <a:ea typeface="돋움체" panose="020B0609000101010101" pitchFamily="49" charset="-127"/>
+              </a:rPr>
+              <a:t>            </a:t>
+            </a:r>
+            <a:r>
+              <a:rPr lang="en-US" altLang="ko-KR" sz="1400" dirty="0">
+                <a:solidFill>
+                  <a:srgbClr val="0000FF"/>
+                </a:solidFill>
+                <a:highlight>
+                  <a:srgbClr val="FFFFFF"/>
+                </a:highlight>
+                <a:latin typeface="돋움체" panose="020B0609000101010101" pitchFamily="49" charset="-127"/>
+                <a:ea typeface="돋움체" panose="020B0609000101010101" pitchFamily="49" charset="-127"/>
+              </a:rPr>
+              <a:t>float</a:t>
+            </a:r>
+            <a:r>
+              <a:rPr lang="en-US" altLang="ko-KR" sz="1400" dirty="0">
+                <a:solidFill>
+                  <a:srgbClr val="000000"/>
+                </a:solidFill>
+                <a:highlight>
+                  <a:srgbClr val="FFFFFF"/>
+                </a:highlight>
+                <a:latin typeface="돋움체" panose="020B0609000101010101" pitchFamily="49" charset="-127"/>
+                <a:ea typeface="돋움체" panose="020B0609000101010101" pitchFamily="49" charset="-127"/>
+              </a:rPr>
+              <a:t> t = </a:t>
+            </a:r>
+            <a:r>
+              <a:rPr lang="en-US" altLang="ko-KR" sz="1400" dirty="0">
+                <a:solidFill>
+                  <a:srgbClr val="2B91AF"/>
+                </a:solidFill>
+                <a:highlight>
+                  <a:srgbClr val="FFFFFF"/>
+                </a:highlight>
+                <a:latin typeface="돋움체" panose="020B0609000101010101" pitchFamily="49" charset="-127"/>
+                <a:ea typeface="돋움체" panose="020B0609000101010101" pitchFamily="49" charset="-127"/>
+              </a:rPr>
+              <a:t>Mathf</a:t>
+            </a:r>
+            <a:r>
+              <a:rPr lang="en-US" altLang="ko-KR" sz="1400" dirty="0">
+                <a:solidFill>
+                  <a:srgbClr val="000000"/>
+                </a:solidFill>
+                <a:highlight>
+                  <a:srgbClr val="FFFFFF"/>
+                </a:highlight>
+                <a:latin typeface="돋움체" panose="020B0609000101010101" pitchFamily="49" charset="-127"/>
+                <a:ea typeface="돋움체" panose="020B0609000101010101" pitchFamily="49" charset="-127"/>
+              </a:rPr>
+              <a:t>.Clamp01(</a:t>
+            </a:r>
+            <a:r>
+              <a:rPr lang="en-US" altLang="ko-KR" sz="1400" dirty="0" err="1">
+                <a:solidFill>
+                  <a:srgbClr val="000000"/>
+                </a:solidFill>
+                <a:highlight>
+                  <a:srgbClr val="FFFFFF"/>
+                </a:highlight>
+                <a:latin typeface="돋움체" panose="020B0609000101010101" pitchFamily="49" charset="-127"/>
+                <a:ea typeface="돋움체" panose="020B0609000101010101" pitchFamily="49" charset="-127"/>
+              </a:rPr>
+              <a:t>tmpLerpTime</a:t>
+            </a:r>
+            <a:r>
+              <a:rPr lang="en-US" altLang="ko-KR" sz="1400" dirty="0">
+                <a:solidFill>
+                  <a:srgbClr val="000000"/>
+                </a:solidFill>
+                <a:highlight>
+                  <a:srgbClr val="FFFFFF"/>
+                </a:highlight>
+                <a:latin typeface="돋움체" panose="020B0609000101010101" pitchFamily="49" charset="-127"/>
+                <a:ea typeface="돋움체" panose="020B0609000101010101" pitchFamily="49" charset="-127"/>
+              </a:rPr>
+              <a:t>);</a:t>
+            </a:r>
+          </a:p>
+          <a:p>
+            <a:r>
+              <a:rPr lang="en-US" altLang="ko-KR" sz="1400" dirty="0">
+                <a:solidFill>
+                  <a:srgbClr val="000000"/>
+                </a:solidFill>
+                <a:highlight>
+                  <a:srgbClr val="FFFFFF"/>
+                </a:highlight>
+                <a:latin typeface="돋움체" panose="020B0609000101010101" pitchFamily="49" charset="-127"/>
+                <a:ea typeface="돋움체" panose="020B0609000101010101" pitchFamily="49" charset="-127"/>
+              </a:rPr>
+              <a:t>            </a:t>
+            </a:r>
+            <a:r>
+              <a:rPr lang="en-US" altLang="ko-KR" sz="1400" dirty="0">
+                <a:solidFill>
+                  <a:srgbClr val="0000FF"/>
+                </a:solidFill>
+                <a:highlight>
+                  <a:srgbClr val="FFFFFF"/>
+                </a:highlight>
+                <a:latin typeface="돋움체" panose="020B0609000101010101" pitchFamily="49" charset="-127"/>
+                <a:ea typeface="돋움체" panose="020B0609000101010101" pitchFamily="49" charset="-127"/>
+              </a:rPr>
+              <a:t>float</a:t>
+            </a:r>
+            <a:r>
+              <a:rPr lang="en-US" altLang="ko-KR" sz="1400" dirty="0">
+                <a:solidFill>
+                  <a:srgbClr val="000000"/>
+                </a:solidFill>
+                <a:highlight>
+                  <a:srgbClr val="FFFFFF"/>
+                </a:highlight>
+                <a:latin typeface="돋움체" panose="020B0609000101010101" pitchFamily="49" charset="-127"/>
+                <a:ea typeface="돋움체" panose="020B0609000101010101" pitchFamily="49" charset="-127"/>
+              </a:rPr>
+              <a:t> </a:t>
+            </a:r>
+            <a:r>
+              <a:rPr lang="en-US" altLang="ko-KR" sz="1400" dirty="0" err="1">
+                <a:solidFill>
+                  <a:srgbClr val="000000"/>
+                </a:solidFill>
+                <a:highlight>
+                  <a:srgbClr val="FFFFFF"/>
+                </a:highlight>
+                <a:latin typeface="돋움체" panose="020B0609000101010101" pitchFamily="49" charset="-127"/>
+                <a:ea typeface="돋움체" panose="020B0609000101010101" pitchFamily="49" charset="-127"/>
+              </a:rPr>
+              <a:t>easedOut</a:t>
+            </a:r>
+            <a:r>
+              <a:rPr lang="en-US" altLang="ko-KR" sz="1400" dirty="0">
+                <a:solidFill>
+                  <a:srgbClr val="000000"/>
+                </a:solidFill>
+                <a:highlight>
+                  <a:srgbClr val="FFFFFF"/>
+                </a:highlight>
+                <a:latin typeface="돋움체" panose="020B0609000101010101" pitchFamily="49" charset="-127"/>
+                <a:ea typeface="돋움체" panose="020B0609000101010101" pitchFamily="49" charset="-127"/>
+              </a:rPr>
+              <a:t> = 1 - </a:t>
+            </a:r>
+            <a:r>
+              <a:rPr lang="en-US" altLang="ko-KR" sz="1400" dirty="0" err="1">
+                <a:solidFill>
+                  <a:srgbClr val="2B91AF"/>
+                </a:solidFill>
+                <a:highlight>
+                  <a:srgbClr val="FFFFFF"/>
+                </a:highlight>
+                <a:latin typeface="돋움체" panose="020B0609000101010101" pitchFamily="49" charset="-127"/>
+                <a:ea typeface="돋움체" panose="020B0609000101010101" pitchFamily="49" charset="-127"/>
+              </a:rPr>
+              <a:t>Mathf</a:t>
+            </a:r>
+            <a:r>
+              <a:rPr lang="en-US" altLang="ko-KR" sz="1400" dirty="0" err="1">
+                <a:solidFill>
+                  <a:srgbClr val="000000"/>
+                </a:solidFill>
+                <a:highlight>
+                  <a:srgbClr val="FFFFFF"/>
+                </a:highlight>
+                <a:latin typeface="돋움체" panose="020B0609000101010101" pitchFamily="49" charset="-127"/>
+                <a:ea typeface="돋움체" panose="020B0609000101010101" pitchFamily="49" charset="-127"/>
+              </a:rPr>
+              <a:t>.Pow</a:t>
+            </a:r>
+            <a:r>
+              <a:rPr lang="en-US" altLang="ko-KR" sz="1400" dirty="0">
+                <a:solidFill>
+                  <a:srgbClr val="000000"/>
+                </a:solidFill>
+                <a:highlight>
+                  <a:srgbClr val="FFFFFF"/>
+                </a:highlight>
+                <a:latin typeface="돋움체" panose="020B0609000101010101" pitchFamily="49" charset="-127"/>
+                <a:ea typeface="돋움체" panose="020B0609000101010101" pitchFamily="49" charset="-127"/>
+              </a:rPr>
+              <a:t>(1 - t, 2);</a:t>
+            </a:r>
+          </a:p>
+          <a:p>
+            <a:r>
+              <a:rPr lang="en-US" altLang="ko-KR" sz="1400" dirty="0">
+                <a:solidFill>
+                  <a:srgbClr val="000000"/>
+                </a:solidFill>
+                <a:highlight>
+                  <a:srgbClr val="FFFFFF"/>
+                </a:highlight>
+                <a:latin typeface="돋움체" panose="020B0609000101010101" pitchFamily="49" charset="-127"/>
+                <a:ea typeface="돋움체" panose="020B0609000101010101" pitchFamily="49" charset="-127"/>
+              </a:rPr>
+              <a:t>            </a:t>
+            </a:r>
+            <a:r>
+              <a:rPr lang="en-US" altLang="ko-KR" sz="1400" dirty="0" err="1">
+                <a:solidFill>
+                  <a:srgbClr val="000000"/>
+                </a:solidFill>
+                <a:highlight>
+                  <a:srgbClr val="FFFFFF"/>
+                </a:highlight>
+                <a:latin typeface="돋움체" panose="020B0609000101010101" pitchFamily="49" charset="-127"/>
+                <a:ea typeface="돋움체" panose="020B0609000101010101" pitchFamily="49" charset="-127"/>
+              </a:rPr>
+              <a:t>cardGO</a:t>
+            </a:r>
+            <a:r>
+              <a:rPr lang="en-US" altLang="ko-KR" sz="1400" dirty="0">
+                <a:solidFill>
+                  <a:srgbClr val="000000"/>
+                </a:solidFill>
+                <a:highlight>
+                  <a:srgbClr val="FFFFFF"/>
+                </a:highlight>
+                <a:latin typeface="돋움체" panose="020B0609000101010101" pitchFamily="49" charset="-127"/>
+                <a:ea typeface="돋움체" panose="020B0609000101010101" pitchFamily="49" charset="-127"/>
+              </a:rPr>
+              <a:t>[</a:t>
+            </a:r>
+            <a:r>
+              <a:rPr lang="en-US" altLang="ko-KR" sz="1400" dirty="0" err="1">
+                <a:solidFill>
+                  <a:srgbClr val="000000"/>
+                </a:solidFill>
+                <a:highlight>
+                  <a:srgbClr val="FFFFFF"/>
+                </a:highlight>
+                <a:latin typeface="돋움체" panose="020B0609000101010101" pitchFamily="49" charset="-127"/>
+                <a:ea typeface="돋움체" panose="020B0609000101010101" pitchFamily="49" charset="-127"/>
+              </a:rPr>
+              <a:t>i</a:t>
+            </a:r>
+            <a:r>
+              <a:rPr lang="en-US" altLang="ko-KR" sz="1400" dirty="0">
+                <a:solidFill>
+                  <a:srgbClr val="000000"/>
+                </a:solidFill>
+                <a:highlight>
+                  <a:srgbClr val="FFFFFF"/>
+                </a:highlight>
+                <a:latin typeface="돋움체" panose="020B0609000101010101" pitchFamily="49" charset="-127"/>
+                <a:ea typeface="돋움체" panose="020B0609000101010101" pitchFamily="49" charset="-127"/>
+              </a:rPr>
+              <a:t>].</a:t>
+            </a:r>
+            <a:r>
+              <a:rPr lang="en-US" altLang="ko-KR" sz="1400" dirty="0" err="1">
+                <a:solidFill>
+                  <a:srgbClr val="000000"/>
+                </a:solidFill>
+                <a:highlight>
+                  <a:srgbClr val="FFFFFF"/>
+                </a:highlight>
+                <a:latin typeface="돋움체" panose="020B0609000101010101" pitchFamily="49" charset="-127"/>
+                <a:ea typeface="돋움체" panose="020B0609000101010101" pitchFamily="49" charset="-127"/>
+              </a:rPr>
+              <a:t>transform.position</a:t>
+            </a:r>
+            <a:r>
+              <a:rPr lang="en-US" altLang="ko-KR" sz="1400" dirty="0">
+                <a:solidFill>
+                  <a:srgbClr val="000000"/>
+                </a:solidFill>
+                <a:highlight>
+                  <a:srgbClr val="FFFFFF"/>
+                </a:highlight>
+                <a:latin typeface="돋움체" panose="020B0609000101010101" pitchFamily="49" charset="-127"/>
+                <a:ea typeface="돋움체" panose="020B0609000101010101" pitchFamily="49" charset="-127"/>
+              </a:rPr>
+              <a:t> = </a:t>
+            </a:r>
+            <a:r>
+              <a:rPr lang="en-US" altLang="ko-KR" sz="1400" dirty="0">
+                <a:solidFill>
+                  <a:srgbClr val="2B91AF"/>
+                </a:solidFill>
+                <a:highlight>
+                  <a:srgbClr val="FFFFFF"/>
+                </a:highlight>
+                <a:latin typeface="돋움체" panose="020B0609000101010101" pitchFamily="49" charset="-127"/>
+                <a:ea typeface="돋움체" panose="020B0609000101010101" pitchFamily="49" charset="-127"/>
+              </a:rPr>
+              <a:t>Vector2</a:t>
+            </a:r>
+            <a:r>
+              <a:rPr lang="en-US" altLang="ko-KR" sz="1400" dirty="0">
+                <a:solidFill>
+                  <a:srgbClr val="000000"/>
+                </a:solidFill>
+                <a:highlight>
+                  <a:srgbClr val="FFFFFF"/>
+                </a:highlight>
+                <a:latin typeface="돋움체" panose="020B0609000101010101" pitchFamily="49" charset="-127"/>
+                <a:ea typeface="돋움체" panose="020B0609000101010101" pitchFamily="49" charset="-127"/>
+              </a:rPr>
+              <a:t>.Lerp(startV2[</a:t>
+            </a:r>
+            <a:r>
+              <a:rPr lang="en-US" altLang="ko-KR" sz="1400" dirty="0" err="1">
+                <a:solidFill>
+                  <a:srgbClr val="000000"/>
+                </a:solidFill>
+                <a:highlight>
+                  <a:srgbClr val="FFFFFF"/>
+                </a:highlight>
+                <a:latin typeface="돋움체" panose="020B0609000101010101" pitchFamily="49" charset="-127"/>
+                <a:ea typeface="돋움체" panose="020B0609000101010101" pitchFamily="49" charset="-127"/>
+              </a:rPr>
+              <a:t>i</a:t>
+            </a:r>
+            <a:r>
+              <a:rPr lang="en-US" altLang="ko-KR" sz="1400" dirty="0">
+                <a:solidFill>
+                  <a:srgbClr val="000000"/>
+                </a:solidFill>
+                <a:highlight>
+                  <a:srgbClr val="FFFFFF"/>
+                </a:highlight>
+                <a:latin typeface="돋움체" panose="020B0609000101010101" pitchFamily="49" charset="-127"/>
+                <a:ea typeface="돋움체" panose="020B0609000101010101" pitchFamily="49" charset="-127"/>
+              </a:rPr>
+              <a:t>], endV2[</a:t>
+            </a:r>
+            <a:r>
+              <a:rPr lang="en-US" altLang="ko-KR" sz="1400" dirty="0" err="1">
+                <a:solidFill>
+                  <a:srgbClr val="000000"/>
+                </a:solidFill>
+                <a:highlight>
+                  <a:srgbClr val="FFFFFF"/>
+                </a:highlight>
+                <a:latin typeface="돋움체" panose="020B0609000101010101" pitchFamily="49" charset="-127"/>
+                <a:ea typeface="돋움체" panose="020B0609000101010101" pitchFamily="49" charset="-127"/>
+              </a:rPr>
+              <a:t>i</a:t>
+            </a:r>
+            <a:r>
+              <a:rPr lang="en-US" altLang="ko-KR" sz="1400" dirty="0">
+                <a:solidFill>
+                  <a:srgbClr val="000000"/>
+                </a:solidFill>
+                <a:highlight>
+                  <a:srgbClr val="FFFFFF"/>
+                </a:highlight>
+                <a:latin typeface="돋움체" panose="020B0609000101010101" pitchFamily="49" charset="-127"/>
+                <a:ea typeface="돋움체" panose="020B0609000101010101" pitchFamily="49" charset="-127"/>
+              </a:rPr>
+              <a:t>], </a:t>
+            </a:r>
+            <a:r>
+              <a:rPr lang="en-US" altLang="ko-KR" sz="1400" dirty="0" err="1">
+                <a:solidFill>
+                  <a:srgbClr val="000000"/>
+                </a:solidFill>
+                <a:highlight>
+                  <a:srgbClr val="FFFFFF"/>
+                </a:highlight>
+                <a:latin typeface="돋움체" panose="020B0609000101010101" pitchFamily="49" charset="-127"/>
+                <a:ea typeface="돋움체" panose="020B0609000101010101" pitchFamily="49" charset="-127"/>
+              </a:rPr>
+              <a:t>easedOut</a:t>
+            </a:r>
+            <a:r>
+              <a:rPr lang="en-US" altLang="ko-KR" sz="1400" dirty="0">
+                <a:solidFill>
+                  <a:srgbClr val="000000"/>
+                </a:solidFill>
+                <a:highlight>
+                  <a:srgbClr val="FFFFFF"/>
+                </a:highlight>
+                <a:latin typeface="돋움체" panose="020B0609000101010101" pitchFamily="49" charset="-127"/>
+                <a:ea typeface="돋움체" panose="020B0609000101010101" pitchFamily="49" charset="-127"/>
+              </a:rPr>
+              <a:t>);</a:t>
+            </a:r>
+          </a:p>
+          <a:p>
+            <a:r>
+              <a:rPr lang="en-US" altLang="ko-KR" sz="1400" dirty="0">
+                <a:solidFill>
+                  <a:srgbClr val="000000"/>
+                </a:solidFill>
+                <a:highlight>
+                  <a:srgbClr val="FFFFFF"/>
+                </a:highlight>
+                <a:latin typeface="돋움체" panose="020B0609000101010101" pitchFamily="49" charset="-127"/>
+                <a:ea typeface="돋움체" panose="020B0609000101010101" pitchFamily="49" charset="-127"/>
+              </a:rPr>
+              <a:t>            </a:t>
+            </a:r>
+            <a:r>
+              <a:rPr lang="en-US" altLang="ko-KR" sz="1400" dirty="0">
+                <a:solidFill>
+                  <a:srgbClr val="0000FF"/>
+                </a:solidFill>
+                <a:highlight>
+                  <a:srgbClr val="FFFFFF"/>
+                </a:highlight>
+                <a:latin typeface="돋움체" panose="020B0609000101010101" pitchFamily="49" charset="-127"/>
+                <a:ea typeface="돋움체" panose="020B0609000101010101" pitchFamily="49" charset="-127"/>
+              </a:rPr>
+              <a:t>float</a:t>
+            </a:r>
+            <a:r>
+              <a:rPr lang="en-US" altLang="ko-KR" sz="1400" dirty="0">
+                <a:solidFill>
+                  <a:srgbClr val="000000"/>
+                </a:solidFill>
+                <a:highlight>
+                  <a:srgbClr val="FFFFFF"/>
+                </a:highlight>
+                <a:latin typeface="돋움체" panose="020B0609000101010101" pitchFamily="49" charset="-127"/>
+                <a:ea typeface="돋움체" panose="020B0609000101010101" pitchFamily="49" charset="-127"/>
+              </a:rPr>
+              <a:t> </a:t>
+            </a:r>
+            <a:r>
+              <a:rPr lang="en-US" altLang="ko-KR" sz="1400" dirty="0" err="1">
+                <a:solidFill>
+                  <a:srgbClr val="000000"/>
+                </a:solidFill>
+                <a:highlight>
+                  <a:srgbClr val="FFFFFF"/>
+                </a:highlight>
+                <a:latin typeface="돋움체" panose="020B0609000101010101" pitchFamily="49" charset="-127"/>
+                <a:ea typeface="돋움체" panose="020B0609000101010101" pitchFamily="49" charset="-127"/>
+              </a:rPr>
+              <a:t>angleOffset</a:t>
+            </a:r>
+            <a:r>
+              <a:rPr lang="en-US" altLang="ko-KR" sz="1400" dirty="0">
+                <a:solidFill>
+                  <a:srgbClr val="000000"/>
+                </a:solidFill>
+                <a:highlight>
+                  <a:srgbClr val="FFFFFF"/>
+                </a:highlight>
+                <a:latin typeface="돋움체" panose="020B0609000101010101" pitchFamily="49" charset="-127"/>
+                <a:ea typeface="돋움체" panose="020B0609000101010101" pitchFamily="49" charset="-127"/>
+              </a:rPr>
+              <a:t> = </a:t>
+            </a:r>
+            <a:r>
+              <a:rPr lang="en-US" altLang="ko-KR" sz="1400" dirty="0" err="1">
+                <a:solidFill>
+                  <a:srgbClr val="2B91AF"/>
+                </a:solidFill>
+                <a:highlight>
+                  <a:srgbClr val="FFFFFF"/>
+                </a:highlight>
+                <a:latin typeface="돋움체" panose="020B0609000101010101" pitchFamily="49" charset="-127"/>
+                <a:ea typeface="돋움체" panose="020B0609000101010101" pitchFamily="49" charset="-127"/>
+              </a:rPr>
+              <a:t>Mathf</a:t>
+            </a:r>
+            <a:r>
+              <a:rPr lang="en-US" altLang="ko-KR" sz="1400" dirty="0" err="1">
+                <a:solidFill>
+                  <a:srgbClr val="000000"/>
+                </a:solidFill>
+                <a:highlight>
+                  <a:srgbClr val="FFFFFF"/>
+                </a:highlight>
+                <a:latin typeface="돋움체" panose="020B0609000101010101" pitchFamily="49" charset="-127"/>
+                <a:ea typeface="돋움체" panose="020B0609000101010101" pitchFamily="49" charset="-127"/>
+              </a:rPr>
+              <a:t>.Lerp</a:t>
+            </a:r>
+            <a:r>
+              <a:rPr lang="en-US" altLang="ko-KR" sz="1400" dirty="0">
+                <a:solidFill>
+                  <a:srgbClr val="000000"/>
+                </a:solidFill>
+                <a:highlight>
+                  <a:srgbClr val="FFFFFF"/>
+                </a:highlight>
+                <a:latin typeface="돋움체" panose="020B0609000101010101" pitchFamily="49" charset="-127"/>
+                <a:ea typeface="돋움체" panose="020B0609000101010101" pitchFamily="49" charset="-127"/>
+              </a:rPr>
+              <a:t>(0f, 720f - </a:t>
+            </a:r>
+            <a:r>
+              <a:rPr lang="en-US" altLang="ko-KR" sz="1400" dirty="0" err="1">
+                <a:solidFill>
+                  <a:srgbClr val="000000"/>
+                </a:solidFill>
+                <a:highlight>
+                  <a:srgbClr val="FFFFFF"/>
+                </a:highlight>
+                <a:latin typeface="돋움체" panose="020B0609000101010101" pitchFamily="49" charset="-127"/>
+                <a:ea typeface="돋움체" panose="020B0609000101010101" pitchFamily="49" charset="-127"/>
+              </a:rPr>
+              <a:t>startRot</a:t>
+            </a:r>
+            <a:r>
+              <a:rPr lang="en-US" altLang="ko-KR" sz="1400" dirty="0">
+                <a:solidFill>
+                  <a:srgbClr val="000000"/>
+                </a:solidFill>
+                <a:highlight>
+                  <a:srgbClr val="FFFFFF"/>
+                </a:highlight>
+                <a:latin typeface="돋움체" panose="020B0609000101010101" pitchFamily="49" charset="-127"/>
+                <a:ea typeface="돋움체" panose="020B0609000101010101" pitchFamily="49" charset="-127"/>
+              </a:rPr>
+              <a:t>[</a:t>
+            </a:r>
+            <a:r>
+              <a:rPr lang="en-US" altLang="ko-KR" sz="1400" dirty="0" err="1">
+                <a:solidFill>
+                  <a:srgbClr val="000000"/>
+                </a:solidFill>
+                <a:highlight>
+                  <a:srgbClr val="FFFFFF"/>
+                </a:highlight>
+                <a:latin typeface="돋움체" panose="020B0609000101010101" pitchFamily="49" charset="-127"/>
+                <a:ea typeface="돋움체" panose="020B0609000101010101" pitchFamily="49" charset="-127"/>
+              </a:rPr>
+              <a:t>i</a:t>
+            </a:r>
+            <a:r>
+              <a:rPr lang="en-US" altLang="ko-KR" sz="1400" dirty="0">
+                <a:solidFill>
+                  <a:srgbClr val="000000"/>
+                </a:solidFill>
+                <a:highlight>
+                  <a:srgbClr val="FFFFFF"/>
+                </a:highlight>
+                <a:latin typeface="돋움체" panose="020B0609000101010101" pitchFamily="49" charset="-127"/>
+                <a:ea typeface="돋움체" panose="020B0609000101010101" pitchFamily="49" charset="-127"/>
+              </a:rPr>
+              <a:t>], </a:t>
+            </a:r>
+            <a:r>
+              <a:rPr lang="en-US" altLang="ko-KR" sz="1400" dirty="0" err="1">
+                <a:solidFill>
+                  <a:srgbClr val="000000"/>
+                </a:solidFill>
+                <a:highlight>
+                  <a:srgbClr val="FFFFFF"/>
+                </a:highlight>
+                <a:latin typeface="돋움체" panose="020B0609000101010101" pitchFamily="49" charset="-127"/>
+                <a:ea typeface="돋움체" panose="020B0609000101010101" pitchFamily="49" charset="-127"/>
+              </a:rPr>
+              <a:t>easedOut</a:t>
+            </a:r>
+            <a:r>
+              <a:rPr lang="en-US" altLang="ko-KR" sz="1400" dirty="0">
+                <a:solidFill>
+                  <a:srgbClr val="000000"/>
+                </a:solidFill>
+                <a:highlight>
+                  <a:srgbClr val="FFFFFF"/>
+                </a:highlight>
+                <a:latin typeface="돋움체" panose="020B0609000101010101" pitchFamily="49" charset="-127"/>
+                <a:ea typeface="돋움체" panose="020B0609000101010101" pitchFamily="49" charset="-127"/>
+              </a:rPr>
+              <a:t>);</a:t>
+            </a:r>
+          </a:p>
+          <a:p>
+            <a:r>
+              <a:rPr lang="en-US" altLang="ko-KR" sz="1400" dirty="0">
+                <a:solidFill>
+                  <a:srgbClr val="000000"/>
+                </a:solidFill>
+                <a:highlight>
+                  <a:srgbClr val="FFFFFF"/>
+                </a:highlight>
+                <a:latin typeface="돋움체" panose="020B0609000101010101" pitchFamily="49" charset="-127"/>
+                <a:ea typeface="돋움체" panose="020B0609000101010101" pitchFamily="49" charset="-127"/>
+              </a:rPr>
+              <a:t>            </a:t>
+            </a:r>
+            <a:r>
+              <a:rPr lang="en-US" altLang="ko-KR" sz="1400" dirty="0">
+                <a:solidFill>
+                  <a:srgbClr val="0000FF"/>
+                </a:solidFill>
+                <a:highlight>
+                  <a:srgbClr val="FFFFFF"/>
+                </a:highlight>
+                <a:latin typeface="돋움체" panose="020B0609000101010101" pitchFamily="49" charset="-127"/>
+                <a:ea typeface="돋움체" panose="020B0609000101010101" pitchFamily="49" charset="-127"/>
+              </a:rPr>
+              <a:t>float</a:t>
+            </a:r>
+            <a:r>
+              <a:rPr lang="en-US" altLang="ko-KR" sz="1400" dirty="0">
+                <a:solidFill>
+                  <a:srgbClr val="000000"/>
+                </a:solidFill>
+                <a:highlight>
+                  <a:srgbClr val="FFFFFF"/>
+                </a:highlight>
+                <a:latin typeface="돋움체" panose="020B0609000101010101" pitchFamily="49" charset="-127"/>
+                <a:ea typeface="돋움체" panose="020B0609000101010101" pitchFamily="49" charset="-127"/>
+              </a:rPr>
+              <a:t> </a:t>
+            </a:r>
+            <a:r>
+              <a:rPr lang="en-US" altLang="ko-KR" sz="1400" dirty="0" err="1">
+                <a:solidFill>
+                  <a:srgbClr val="000000"/>
+                </a:solidFill>
+                <a:highlight>
+                  <a:srgbClr val="FFFFFF"/>
+                </a:highlight>
+                <a:latin typeface="돋움체" panose="020B0609000101010101" pitchFamily="49" charset="-127"/>
+                <a:ea typeface="돋움체" panose="020B0609000101010101" pitchFamily="49" charset="-127"/>
+              </a:rPr>
+              <a:t>nextZ</a:t>
+            </a:r>
+            <a:r>
+              <a:rPr lang="en-US" altLang="ko-KR" sz="1400" dirty="0">
+                <a:solidFill>
+                  <a:srgbClr val="000000"/>
+                </a:solidFill>
+                <a:highlight>
+                  <a:srgbClr val="FFFFFF"/>
+                </a:highlight>
+                <a:latin typeface="돋움체" panose="020B0609000101010101" pitchFamily="49" charset="-127"/>
+                <a:ea typeface="돋움체" panose="020B0609000101010101" pitchFamily="49" charset="-127"/>
+              </a:rPr>
+              <a:t> = </a:t>
+            </a:r>
+            <a:r>
+              <a:rPr lang="en-US" altLang="ko-KR" sz="1400" dirty="0" err="1">
+                <a:solidFill>
+                  <a:srgbClr val="000000"/>
+                </a:solidFill>
+                <a:highlight>
+                  <a:srgbClr val="FFFFFF"/>
+                </a:highlight>
+                <a:latin typeface="돋움체" panose="020B0609000101010101" pitchFamily="49" charset="-127"/>
+                <a:ea typeface="돋움체" panose="020B0609000101010101" pitchFamily="49" charset="-127"/>
+              </a:rPr>
+              <a:t>startRot</a:t>
+            </a:r>
+            <a:r>
+              <a:rPr lang="en-US" altLang="ko-KR" sz="1400" dirty="0">
+                <a:solidFill>
+                  <a:srgbClr val="000000"/>
+                </a:solidFill>
+                <a:highlight>
+                  <a:srgbClr val="FFFFFF"/>
+                </a:highlight>
+                <a:latin typeface="돋움체" panose="020B0609000101010101" pitchFamily="49" charset="-127"/>
+                <a:ea typeface="돋움체" panose="020B0609000101010101" pitchFamily="49" charset="-127"/>
+              </a:rPr>
+              <a:t>[</a:t>
+            </a:r>
+            <a:r>
+              <a:rPr lang="en-US" altLang="ko-KR" sz="1400" dirty="0" err="1">
+                <a:solidFill>
+                  <a:srgbClr val="000000"/>
+                </a:solidFill>
+                <a:highlight>
+                  <a:srgbClr val="FFFFFF"/>
+                </a:highlight>
+                <a:latin typeface="돋움체" panose="020B0609000101010101" pitchFamily="49" charset="-127"/>
+                <a:ea typeface="돋움체" panose="020B0609000101010101" pitchFamily="49" charset="-127"/>
+              </a:rPr>
+              <a:t>i</a:t>
+            </a:r>
+            <a:r>
+              <a:rPr lang="en-US" altLang="ko-KR" sz="1400" dirty="0">
+                <a:solidFill>
+                  <a:srgbClr val="000000"/>
+                </a:solidFill>
+                <a:highlight>
+                  <a:srgbClr val="FFFFFF"/>
+                </a:highlight>
+                <a:latin typeface="돋움체" panose="020B0609000101010101" pitchFamily="49" charset="-127"/>
+                <a:ea typeface="돋움체" panose="020B0609000101010101" pitchFamily="49" charset="-127"/>
+              </a:rPr>
+              <a:t>] + </a:t>
+            </a:r>
+            <a:r>
+              <a:rPr lang="en-US" altLang="ko-KR" sz="1400" dirty="0" err="1">
+                <a:solidFill>
+                  <a:srgbClr val="000000"/>
+                </a:solidFill>
+                <a:highlight>
+                  <a:srgbClr val="FFFFFF"/>
+                </a:highlight>
+                <a:latin typeface="돋움체" panose="020B0609000101010101" pitchFamily="49" charset="-127"/>
+                <a:ea typeface="돋움체" panose="020B0609000101010101" pitchFamily="49" charset="-127"/>
+              </a:rPr>
+              <a:t>angleOffset</a:t>
+            </a:r>
+            <a:r>
+              <a:rPr lang="en-US" altLang="ko-KR" sz="1400" dirty="0">
+                <a:solidFill>
+                  <a:srgbClr val="000000"/>
+                </a:solidFill>
+                <a:highlight>
+                  <a:srgbClr val="FFFFFF"/>
+                </a:highlight>
+                <a:latin typeface="돋움체" panose="020B0609000101010101" pitchFamily="49" charset="-127"/>
+                <a:ea typeface="돋움체" panose="020B0609000101010101" pitchFamily="49" charset="-127"/>
+              </a:rPr>
+              <a:t>;</a:t>
+            </a:r>
+          </a:p>
+          <a:p>
+            <a:r>
+              <a:rPr lang="en-US" altLang="ko-KR" sz="1400" dirty="0">
+                <a:solidFill>
+                  <a:srgbClr val="000000"/>
+                </a:solidFill>
+                <a:highlight>
+                  <a:srgbClr val="FFFFFF"/>
+                </a:highlight>
+                <a:latin typeface="돋움체" panose="020B0609000101010101" pitchFamily="49" charset="-127"/>
+                <a:ea typeface="돋움체" panose="020B0609000101010101" pitchFamily="49" charset="-127"/>
+              </a:rPr>
+              <a:t>            </a:t>
+            </a:r>
+            <a:r>
+              <a:rPr lang="en-US" altLang="ko-KR" sz="1400" dirty="0" err="1">
+                <a:solidFill>
+                  <a:srgbClr val="000000"/>
+                </a:solidFill>
+                <a:highlight>
+                  <a:srgbClr val="FFFFFF"/>
+                </a:highlight>
+                <a:latin typeface="돋움체" panose="020B0609000101010101" pitchFamily="49" charset="-127"/>
+                <a:ea typeface="돋움체" panose="020B0609000101010101" pitchFamily="49" charset="-127"/>
+              </a:rPr>
+              <a:t>cardGO</a:t>
+            </a:r>
+            <a:r>
+              <a:rPr lang="en-US" altLang="ko-KR" sz="1400" dirty="0">
+                <a:solidFill>
+                  <a:srgbClr val="000000"/>
+                </a:solidFill>
+                <a:highlight>
+                  <a:srgbClr val="FFFFFF"/>
+                </a:highlight>
+                <a:latin typeface="돋움체" panose="020B0609000101010101" pitchFamily="49" charset="-127"/>
+                <a:ea typeface="돋움체" panose="020B0609000101010101" pitchFamily="49" charset="-127"/>
+              </a:rPr>
+              <a:t>[</a:t>
+            </a:r>
+            <a:r>
+              <a:rPr lang="en-US" altLang="ko-KR" sz="1400" dirty="0" err="1">
+                <a:solidFill>
+                  <a:srgbClr val="000000"/>
+                </a:solidFill>
+                <a:highlight>
+                  <a:srgbClr val="FFFFFF"/>
+                </a:highlight>
+                <a:latin typeface="돋움체" panose="020B0609000101010101" pitchFamily="49" charset="-127"/>
+                <a:ea typeface="돋움체" panose="020B0609000101010101" pitchFamily="49" charset="-127"/>
+              </a:rPr>
+              <a:t>i</a:t>
+            </a:r>
+            <a:r>
+              <a:rPr lang="en-US" altLang="ko-KR" sz="1400" dirty="0">
+                <a:solidFill>
+                  <a:srgbClr val="000000"/>
+                </a:solidFill>
+                <a:highlight>
+                  <a:srgbClr val="FFFFFF"/>
+                </a:highlight>
+                <a:latin typeface="돋움체" panose="020B0609000101010101" pitchFamily="49" charset="-127"/>
+                <a:ea typeface="돋움체" panose="020B0609000101010101" pitchFamily="49" charset="-127"/>
+              </a:rPr>
+              <a:t>].</a:t>
+            </a:r>
+            <a:r>
+              <a:rPr lang="en-US" altLang="ko-KR" sz="1400" dirty="0" err="1">
+                <a:solidFill>
+                  <a:srgbClr val="000000"/>
+                </a:solidFill>
+                <a:highlight>
+                  <a:srgbClr val="FFFFFF"/>
+                </a:highlight>
+                <a:latin typeface="돋움체" panose="020B0609000101010101" pitchFamily="49" charset="-127"/>
+                <a:ea typeface="돋움체" panose="020B0609000101010101" pitchFamily="49" charset="-127"/>
+              </a:rPr>
+              <a:t>transform.rotation</a:t>
+            </a:r>
+            <a:r>
+              <a:rPr lang="en-US" altLang="ko-KR" sz="1400" dirty="0">
+                <a:solidFill>
+                  <a:srgbClr val="000000"/>
+                </a:solidFill>
+                <a:highlight>
+                  <a:srgbClr val="FFFFFF"/>
+                </a:highlight>
+                <a:latin typeface="돋움체" panose="020B0609000101010101" pitchFamily="49" charset="-127"/>
+                <a:ea typeface="돋움체" panose="020B0609000101010101" pitchFamily="49" charset="-127"/>
+              </a:rPr>
+              <a:t> = </a:t>
+            </a:r>
+            <a:r>
+              <a:rPr lang="en-US" altLang="ko-KR" sz="1400" dirty="0" err="1">
+                <a:solidFill>
+                  <a:srgbClr val="2B91AF"/>
+                </a:solidFill>
+                <a:highlight>
+                  <a:srgbClr val="FFFFFF"/>
+                </a:highlight>
+                <a:latin typeface="돋움체" panose="020B0609000101010101" pitchFamily="49" charset="-127"/>
+                <a:ea typeface="돋움체" panose="020B0609000101010101" pitchFamily="49" charset="-127"/>
+              </a:rPr>
+              <a:t>Quaternion</a:t>
+            </a:r>
+            <a:r>
+              <a:rPr lang="en-US" altLang="ko-KR" sz="1400" dirty="0" err="1">
+                <a:solidFill>
+                  <a:srgbClr val="000000"/>
+                </a:solidFill>
+                <a:highlight>
+                  <a:srgbClr val="FFFFFF"/>
+                </a:highlight>
+                <a:latin typeface="돋움체" panose="020B0609000101010101" pitchFamily="49" charset="-127"/>
+                <a:ea typeface="돋움체" panose="020B0609000101010101" pitchFamily="49" charset="-127"/>
+              </a:rPr>
+              <a:t>.Euler</a:t>
+            </a:r>
+            <a:r>
+              <a:rPr lang="en-US" altLang="ko-KR" sz="1400" dirty="0">
+                <a:solidFill>
+                  <a:srgbClr val="000000"/>
+                </a:solidFill>
+                <a:highlight>
+                  <a:srgbClr val="FFFFFF"/>
+                </a:highlight>
+                <a:latin typeface="돋움체" panose="020B0609000101010101" pitchFamily="49" charset="-127"/>
+                <a:ea typeface="돋움체" panose="020B0609000101010101" pitchFamily="49" charset="-127"/>
+              </a:rPr>
+              <a:t>(0f, 0f, </a:t>
+            </a:r>
+            <a:r>
+              <a:rPr lang="en-US" altLang="ko-KR" sz="1400" dirty="0" err="1">
+                <a:solidFill>
+                  <a:srgbClr val="000000"/>
+                </a:solidFill>
+                <a:highlight>
+                  <a:srgbClr val="FFFFFF"/>
+                </a:highlight>
+                <a:latin typeface="돋움체" panose="020B0609000101010101" pitchFamily="49" charset="-127"/>
+                <a:ea typeface="돋움체" panose="020B0609000101010101" pitchFamily="49" charset="-127"/>
+              </a:rPr>
+              <a:t>nextZ</a:t>
+            </a:r>
+            <a:r>
+              <a:rPr lang="en-US" altLang="ko-KR" sz="1400" dirty="0">
+                <a:solidFill>
+                  <a:srgbClr val="000000"/>
+                </a:solidFill>
+                <a:highlight>
+                  <a:srgbClr val="FFFFFF"/>
+                </a:highlight>
+                <a:latin typeface="돋움체" panose="020B0609000101010101" pitchFamily="49" charset="-127"/>
+                <a:ea typeface="돋움체" panose="020B0609000101010101" pitchFamily="49" charset="-127"/>
+              </a:rPr>
+              <a:t>);</a:t>
+            </a:r>
+          </a:p>
+          <a:p>
+            <a:r>
+              <a:rPr lang="ko-KR" altLang="en-US" sz="1400" dirty="0">
+                <a:solidFill>
+                  <a:srgbClr val="000000"/>
+                </a:solidFill>
+                <a:highlight>
+                  <a:srgbClr val="FFFFFF"/>
+                </a:highlight>
+                <a:latin typeface="돋움체" panose="020B0609000101010101" pitchFamily="49" charset="-127"/>
+                <a:ea typeface="돋움체" panose="020B0609000101010101" pitchFamily="49" charset="-127"/>
+              </a:rPr>
+              <a:t>        </a:t>
+            </a:r>
+            <a:r>
+              <a:rPr lang="en-US" altLang="ko-KR" sz="1400" dirty="0">
+                <a:solidFill>
+                  <a:srgbClr val="000000"/>
+                </a:solidFill>
+                <a:highlight>
+                  <a:srgbClr val="FFFFFF"/>
+                </a:highlight>
+                <a:latin typeface="돋움체" panose="020B0609000101010101" pitchFamily="49" charset="-127"/>
+                <a:ea typeface="돋움체" panose="020B0609000101010101" pitchFamily="49" charset="-127"/>
+              </a:rPr>
+              <a:t>}</a:t>
+            </a:r>
+          </a:p>
+          <a:p>
+            <a:r>
+              <a:rPr lang="en-US" altLang="ko-KR" sz="1400" dirty="0">
+                <a:solidFill>
+                  <a:srgbClr val="000000"/>
+                </a:solidFill>
+                <a:highlight>
+                  <a:srgbClr val="FFFFFF"/>
+                </a:highlight>
+                <a:latin typeface="돋움체" panose="020B0609000101010101" pitchFamily="49" charset="-127"/>
+                <a:ea typeface="돋움체" panose="020B0609000101010101" pitchFamily="49" charset="-127"/>
+              </a:rPr>
+              <a:t>        </a:t>
+            </a:r>
+            <a:r>
+              <a:rPr lang="en-US" altLang="ko-KR" sz="1400" dirty="0">
+                <a:solidFill>
+                  <a:srgbClr val="0000FF"/>
+                </a:solidFill>
+                <a:highlight>
+                  <a:srgbClr val="FFFFFF"/>
+                </a:highlight>
+                <a:latin typeface="돋움체" panose="020B0609000101010101" pitchFamily="49" charset="-127"/>
+                <a:ea typeface="돋움체" panose="020B0609000101010101" pitchFamily="49" charset="-127"/>
+              </a:rPr>
+              <a:t>if</a:t>
+            </a:r>
+            <a:r>
+              <a:rPr lang="en-US" altLang="ko-KR" sz="1400" dirty="0">
+                <a:solidFill>
+                  <a:srgbClr val="000000"/>
+                </a:solidFill>
+                <a:highlight>
+                  <a:srgbClr val="FFFFFF"/>
+                </a:highlight>
+                <a:latin typeface="돋움체" panose="020B0609000101010101" pitchFamily="49" charset="-127"/>
+                <a:ea typeface="돋움체" panose="020B0609000101010101" pitchFamily="49" charset="-127"/>
+              </a:rPr>
+              <a:t> (</a:t>
+            </a:r>
+            <a:r>
+              <a:rPr lang="en-US" altLang="ko-KR" sz="1400" dirty="0" err="1">
+                <a:solidFill>
+                  <a:srgbClr val="000000"/>
+                </a:solidFill>
+                <a:highlight>
+                  <a:srgbClr val="FFFFFF"/>
+                </a:highlight>
+                <a:latin typeface="돋움체" panose="020B0609000101010101" pitchFamily="49" charset="-127"/>
+                <a:ea typeface="돋움체" panose="020B0609000101010101" pitchFamily="49" charset="-127"/>
+              </a:rPr>
+              <a:t>lerpTime</a:t>
+            </a:r>
+            <a:r>
+              <a:rPr lang="en-US" altLang="ko-KR" sz="1400" dirty="0">
+                <a:solidFill>
+                  <a:srgbClr val="000000"/>
+                </a:solidFill>
+                <a:highlight>
+                  <a:srgbClr val="FFFFFF"/>
+                </a:highlight>
+                <a:latin typeface="돋움체" panose="020B0609000101010101" pitchFamily="49" charset="-127"/>
+                <a:ea typeface="돋움체" panose="020B0609000101010101" pitchFamily="49" charset="-127"/>
+              </a:rPr>
+              <a:t> &gt; </a:t>
+            </a:r>
+            <a:r>
+              <a:rPr lang="en-US" altLang="ko-KR" sz="1400" dirty="0" err="1">
+                <a:solidFill>
+                  <a:srgbClr val="000000"/>
+                </a:solidFill>
+                <a:highlight>
+                  <a:srgbClr val="FFFFFF"/>
+                </a:highlight>
+                <a:latin typeface="돋움체" panose="020B0609000101010101" pitchFamily="49" charset="-127"/>
+                <a:ea typeface="돋움체" panose="020B0609000101010101" pitchFamily="49" charset="-127"/>
+              </a:rPr>
+              <a:t>cardTotalTime</a:t>
+            </a:r>
+            <a:r>
+              <a:rPr lang="en-US" altLang="ko-KR" sz="1400" dirty="0">
+                <a:solidFill>
+                  <a:srgbClr val="000000"/>
+                </a:solidFill>
+                <a:highlight>
+                  <a:srgbClr val="FFFFFF"/>
+                </a:highlight>
+                <a:latin typeface="돋움체" panose="020B0609000101010101" pitchFamily="49" charset="-127"/>
+                <a:ea typeface="돋움체" panose="020B0609000101010101" pitchFamily="49" charset="-127"/>
+              </a:rPr>
+              <a:t>)</a:t>
+            </a:r>
+          </a:p>
+          <a:p>
+            <a:r>
+              <a:rPr lang="ko-KR" altLang="en-US" sz="1400" dirty="0">
+                <a:solidFill>
+                  <a:srgbClr val="000000"/>
+                </a:solidFill>
+                <a:highlight>
+                  <a:srgbClr val="FFFFFF"/>
+                </a:highlight>
+                <a:latin typeface="돋움체" panose="020B0609000101010101" pitchFamily="49" charset="-127"/>
+                <a:ea typeface="돋움체" panose="020B0609000101010101" pitchFamily="49" charset="-127"/>
+              </a:rPr>
+              <a:t>        </a:t>
+            </a:r>
+            <a:r>
+              <a:rPr lang="en-US" altLang="ko-KR" sz="1400" dirty="0">
+                <a:solidFill>
+                  <a:srgbClr val="000000"/>
+                </a:solidFill>
+                <a:highlight>
+                  <a:srgbClr val="FFFFFF"/>
+                </a:highlight>
+                <a:latin typeface="돋움체" panose="020B0609000101010101" pitchFamily="49" charset="-127"/>
+                <a:ea typeface="돋움체" panose="020B0609000101010101" pitchFamily="49" charset="-127"/>
+              </a:rPr>
+              <a:t>{</a:t>
+            </a:r>
+          </a:p>
+          <a:p>
+            <a:r>
+              <a:rPr lang="en-US" altLang="ko-KR" sz="1400" dirty="0">
+                <a:solidFill>
+                  <a:srgbClr val="000000"/>
+                </a:solidFill>
+                <a:highlight>
+                  <a:srgbClr val="FFFFFF"/>
+                </a:highlight>
+                <a:latin typeface="돋움체" panose="020B0609000101010101" pitchFamily="49" charset="-127"/>
+                <a:ea typeface="돋움체" panose="020B0609000101010101" pitchFamily="49" charset="-127"/>
+              </a:rPr>
+              <a:t>            </a:t>
+            </a:r>
+            <a:r>
+              <a:rPr lang="en-US" altLang="ko-KR" sz="1400" dirty="0" err="1">
+                <a:solidFill>
+                  <a:srgbClr val="000000"/>
+                </a:solidFill>
+                <a:highlight>
+                  <a:srgbClr val="FFFFFF"/>
+                </a:highlight>
+                <a:latin typeface="돋움체" panose="020B0609000101010101" pitchFamily="49" charset="-127"/>
+                <a:ea typeface="돋움체" panose="020B0609000101010101" pitchFamily="49" charset="-127"/>
+              </a:rPr>
+              <a:t>lerpTime</a:t>
+            </a:r>
+            <a:r>
+              <a:rPr lang="en-US" altLang="ko-KR" sz="1400" dirty="0">
+                <a:solidFill>
+                  <a:srgbClr val="000000"/>
+                </a:solidFill>
+                <a:highlight>
+                  <a:srgbClr val="FFFFFF"/>
+                </a:highlight>
+                <a:latin typeface="돋움체" panose="020B0609000101010101" pitchFamily="49" charset="-127"/>
+                <a:ea typeface="돋움체" panose="020B0609000101010101" pitchFamily="49" charset="-127"/>
+              </a:rPr>
+              <a:t> = -1f;</a:t>
+            </a:r>
+          </a:p>
+          <a:p>
+            <a:r>
+              <a:rPr lang="nn-NO" altLang="ko-KR" sz="1400" dirty="0">
+                <a:solidFill>
+                  <a:srgbClr val="000000"/>
+                </a:solidFill>
+                <a:highlight>
+                  <a:srgbClr val="FFFFFF"/>
+                </a:highlight>
+                <a:latin typeface="돋움체" panose="020B0609000101010101" pitchFamily="49" charset="-127"/>
+                <a:ea typeface="돋움체" panose="020B0609000101010101" pitchFamily="49" charset="-127"/>
+              </a:rPr>
+              <a:t>            </a:t>
+            </a:r>
+            <a:r>
+              <a:rPr lang="nn-NO" altLang="ko-KR" sz="1400" dirty="0">
+                <a:solidFill>
+                  <a:srgbClr val="0000FF"/>
+                </a:solidFill>
+                <a:highlight>
+                  <a:srgbClr val="FFFFFF"/>
+                </a:highlight>
+                <a:latin typeface="돋움체" panose="020B0609000101010101" pitchFamily="49" charset="-127"/>
+                <a:ea typeface="돋움체" panose="020B0609000101010101" pitchFamily="49" charset="-127"/>
+              </a:rPr>
+              <a:t>for</a:t>
+            </a:r>
+            <a:r>
+              <a:rPr lang="nn-NO" altLang="ko-KR" sz="1400" dirty="0">
+                <a:solidFill>
+                  <a:srgbClr val="000000"/>
+                </a:solidFill>
+                <a:highlight>
+                  <a:srgbClr val="FFFFFF"/>
+                </a:highlight>
+                <a:latin typeface="돋움체" panose="020B0609000101010101" pitchFamily="49" charset="-127"/>
+                <a:ea typeface="돋움체" panose="020B0609000101010101" pitchFamily="49" charset="-127"/>
+              </a:rPr>
+              <a:t> (</a:t>
+            </a:r>
+            <a:r>
+              <a:rPr lang="nn-NO" altLang="ko-KR" sz="1400" dirty="0">
+                <a:solidFill>
+                  <a:srgbClr val="0000FF"/>
+                </a:solidFill>
+                <a:highlight>
+                  <a:srgbClr val="FFFFFF"/>
+                </a:highlight>
+                <a:latin typeface="돋움체" panose="020B0609000101010101" pitchFamily="49" charset="-127"/>
+                <a:ea typeface="돋움체" panose="020B0609000101010101" pitchFamily="49" charset="-127"/>
+              </a:rPr>
+              <a:t>int</a:t>
+            </a:r>
+            <a:r>
+              <a:rPr lang="nn-NO" altLang="ko-KR" sz="1400" dirty="0">
+                <a:solidFill>
+                  <a:srgbClr val="000000"/>
+                </a:solidFill>
+                <a:highlight>
+                  <a:srgbClr val="FFFFFF"/>
+                </a:highlight>
+                <a:latin typeface="돋움체" panose="020B0609000101010101" pitchFamily="49" charset="-127"/>
+                <a:ea typeface="돋움체" panose="020B0609000101010101" pitchFamily="49" charset="-127"/>
+              </a:rPr>
+              <a:t> i = 0; i &lt; cardCnt; i++)</a:t>
+            </a:r>
+          </a:p>
+          <a:p>
+            <a:r>
+              <a:rPr lang="ko-KR" altLang="en-US" sz="1400" dirty="0">
+                <a:solidFill>
+                  <a:srgbClr val="000000"/>
+                </a:solidFill>
+                <a:highlight>
+                  <a:srgbClr val="FFFFFF"/>
+                </a:highlight>
+                <a:latin typeface="돋움체" panose="020B0609000101010101" pitchFamily="49" charset="-127"/>
+                <a:ea typeface="돋움체" panose="020B0609000101010101" pitchFamily="49" charset="-127"/>
+              </a:rPr>
+              <a:t>            </a:t>
+            </a:r>
+            <a:r>
+              <a:rPr lang="en-US" altLang="ko-KR" sz="1400" dirty="0">
+                <a:solidFill>
+                  <a:srgbClr val="000000"/>
+                </a:solidFill>
+                <a:highlight>
+                  <a:srgbClr val="FFFFFF"/>
+                </a:highlight>
+                <a:latin typeface="돋움체" panose="020B0609000101010101" pitchFamily="49" charset="-127"/>
+                <a:ea typeface="돋움체" panose="020B0609000101010101" pitchFamily="49" charset="-127"/>
+              </a:rPr>
+              <a:t>{</a:t>
+            </a:r>
+          </a:p>
+          <a:p>
+            <a:r>
+              <a:rPr lang="en-US" altLang="ko-KR" sz="1400" dirty="0">
+                <a:solidFill>
+                  <a:srgbClr val="000000"/>
+                </a:solidFill>
+                <a:highlight>
+                  <a:srgbClr val="FFFFFF"/>
+                </a:highlight>
+                <a:latin typeface="돋움체" panose="020B0609000101010101" pitchFamily="49" charset="-127"/>
+                <a:ea typeface="돋움체" panose="020B0609000101010101" pitchFamily="49" charset="-127"/>
+              </a:rPr>
+              <a:t>                </a:t>
+            </a:r>
+            <a:r>
+              <a:rPr lang="en-US" altLang="ko-KR" sz="1400" dirty="0" err="1">
+                <a:solidFill>
+                  <a:srgbClr val="000000"/>
+                </a:solidFill>
+                <a:highlight>
+                  <a:srgbClr val="FFFFFF"/>
+                </a:highlight>
+                <a:latin typeface="돋움체" panose="020B0609000101010101" pitchFamily="49" charset="-127"/>
+                <a:ea typeface="돋움체" panose="020B0609000101010101" pitchFamily="49" charset="-127"/>
+              </a:rPr>
+              <a:t>cardGO</a:t>
+            </a:r>
+            <a:r>
+              <a:rPr lang="en-US" altLang="ko-KR" sz="1400" dirty="0">
+                <a:solidFill>
+                  <a:srgbClr val="000000"/>
+                </a:solidFill>
+                <a:highlight>
+                  <a:srgbClr val="FFFFFF"/>
+                </a:highlight>
+                <a:latin typeface="돋움체" panose="020B0609000101010101" pitchFamily="49" charset="-127"/>
+                <a:ea typeface="돋움체" panose="020B0609000101010101" pitchFamily="49" charset="-127"/>
+              </a:rPr>
+              <a:t>[</a:t>
+            </a:r>
+            <a:r>
+              <a:rPr lang="en-US" altLang="ko-KR" sz="1400" dirty="0" err="1">
+                <a:solidFill>
+                  <a:srgbClr val="000000"/>
+                </a:solidFill>
+                <a:highlight>
+                  <a:srgbClr val="FFFFFF"/>
+                </a:highlight>
+                <a:latin typeface="돋움체" panose="020B0609000101010101" pitchFamily="49" charset="-127"/>
+                <a:ea typeface="돋움체" panose="020B0609000101010101" pitchFamily="49" charset="-127"/>
+              </a:rPr>
+              <a:t>i</a:t>
+            </a:r>
+            <a:r>
+              <a:rPr lang="en-US" altLang="ko-KR" sz="1400" dirty="0">
+                <a:solidFill>
+                  <a:srgbClr val="000000"/>
+                </a:solidFill>
+                <a:highlight>
+                  <a:srgbClr val="FFFFFF"/>
+                </a:highlight>
+                <a:latin typeface="돋움체" panose="020B0609000101010101" pitchFamily="49" charset="-127"/>
+                <a:ea typeface="돋움체" panose="020B0609000101010101" pitchFamily="49" charset="-127"/>
+              </a:rPr>
+              <a:t>].</a:t>
+            </a:r>
+            <a:r>
+              <a:rPr lang="en-US" altLang="ko-KR" sz="1400" dirty="0" err="1">
+                <a:solidFill>
+                  <a:srgbClr val="000000"/>
+                </a:solidFill>
+                <a:highlight>
+                  <a:srgbClr val="FFFFFF"/>
+                </a:highlight>
+                <a:latin typeface="돋움체" panose="020B0609000101010101" pitchFamily="49" charset="-127"/>
+                <a:ea typeface="돋움체" panose="020B0609000101010101" pitchFamily="49" charset="-127"/>
+              </a:rPr>
+              <a:t>GetComponent</a:t>
+            </a:r>
+            <a:r>
+              <a:rPr lang="en-US" altLang="ko-KR" sz="1400" dirty="0">
+                <a:solidFill>
+                  <a:srgbClr val="000000"/>
+                </a:solidFill>
+                <a:highlight>
+                  <a:srgbClr val="FFFFFF"/>
+                </a:highlight>
+                <a:latin typeface="돋움체" panose="020B0609000101010101" pitchFamily="49" charset="-127"/>
+                <a:ea typeface="돋움체" panose="020B0609000101010101" pitchFamily="49" charset="-127"/>
+              </a:rPr>
+              <a:t>&lt;</a:t>
+            </a:r>
+            <a:r>
+              <a:rPr lang="en-US" altLang="ko-KR" sz="1400" dirty="0">
+                <a:solidFill>
+                  <a:srgbClr val="2B91AF"/>
+                </a:solidFill>
+                <a:highlight>
+                  <a:srgbClr val="FFFFFF"/>
+                </a:highlight>
+                <a:latin typeface="돋움체" panose="020B0609000101010101" pitchFamily="49" charset="-127"/>
+                <a:ea typeface="돋움체" panose="020B0609000101010101" pitchFamily="49" charset="-127"/>
+              </a:rPr>
+              <a:t>Card</a:t>
+            </a:r>
+            <a:r>
+              <a:rPr lang="en-US" altLang="ko-KR" sz="1400" dirty="0">
+                <a:solidFill>
+                  <a:srgbClr val="000000"/>
+                </a:solidFill>
+                <a:highlight>
+                  <a:srgbClr val="FFFFFF"/>
+                </a:highlight>
+                <a:latin typeface="돋움체" panose="020B0609000101010101" pitchFamily="49" charset="-127"/>
+                <a:ea typeface="돋움체" panose="020B0609000101010101" pitchFamily="49" charset="-127"/>
+              </a:rPr>
+              <a:t>&gt;().</a:t>
+            </a:r>
+            <a:r>
+              <a:rPr lang="en-US" altLang="ko-KR" sz="1400" dirty="0" err="1">
+                <a:solidFill>
+                  <a:srgbClr val="000000"/>
+                </a:solidFill>
+                <a:highlight>
+                  <a:srgbClr val="FFFFFF"/>
+                </a:highlight>
+                <a:latin typeface="돋움체" panose="020B0609000101010101" pitchFamily="49" charset="-127"/>
+                <a:ea typeface="돋움체" panose="020B0609000101010101" pitchFamily="49" charset="-127"/>
+              </a:rPr>
+              <a:t>anim.speed</a:t>
+            </a:r>
+            <a:r>
+              <a:rPr lang="en-US" altLang="ko-KR" sz="1400" dirty="0">
+                <a:solidFill>
+                  <a:srgbClr val="000000"/>
+                </a:solidFill>
+                <a:highlight>
+                  <a:srgbClr val="FFFFFF"/>
+                </a:highlight>
+                <a:latin typeface="돋움체" panose="020B0609000101010101" pitchFamily="49" charset="-127"/>
+                <a:ea typeface="돋움체" panose="020B0609000101010101" pitchFamily="49" charset="-127"/>
+              </a:rPr>
+              <a:t> = 1.0f;</a:t>
+            </a:r>
+          </a:p>
+          <a:p>
+            <a:r>
+              <a:rPr lang="en-US" altLang="ko-KR" sz="1400" dirty="0">
+                <a:solidFill>
+                  <a:srgbClr val="000000"/>
+                </a:solidFill>
+                <a:highlight>
+                  <a:srgbClr val="FFFFFF"/>
+                </a:highlight>
+                <a:latin typeface="돋움체" panose="020B0609000101010101" pitchFamily="49" charset="-127"/>
+                <a:ea typeface="돋움체" panose="020B0609000101010101" pitchFamily="49" charset="-127"/>
+              </a:rPr>
+              <a:t>                </a:t>
+            </a:r>
+            <a:r>
+              <a:rPr lang="en-US" altLang="ko-KR" sz="1400" dirty="0" err="1">
+                <a:solidFill>
+                  <a:srgbClr val="000000"/>
+                </a:solidFill>
+                <a:highlight>
+                  <a:srgbClr val="FFFFFF"/>
+                </a:highlight>
+                <a:latin typeface="돋움체" panose="020B0609000101010101" pitchFamily="49" charset="-127"/>
+                <a:ea typeface="돋움체" panose="020B0609000101010101" pitchFamily="49" charset="-127"/>
+              </a:rPr>
+              <a:t>cardGO</a:t>
+            </a:r>
+            <a:r>
+              <a:rPr lang="en-US" altLang="ko-KR" sz="1400" dirty="0">
+                <a:solidFill>
+                  <a:srgbClr val="000000"/>
+                </a:solidFill>
+                <a:highlight>
+                  <a:srgbClr val="FFFFFF"/>
+                </a:highlight>
+                <a:latin typeface="돋움체" panose="020B0609000101010101" pitchFamily="49" charset="-127"/>
+                <a:ea typeface="돋움체" panose="020B0609000101010101" pitchFamily="49" charset="-127"/>
+              </a:rPr>
+              <a:t>[</a:t>
+            </a:r>
+            <a:r>
+              <a:rPr lang="en-US" altLang="ko-KR" sz="1400" dirty="0" err="1">
+                <a:solidFill>
+                  <a:srgbClr val="000000"/>
+                </a:solidFill>
+                <a:highlight>
+                  <a:srgbClr val="FFFFFF"/>
+                </a:highlight>
+                <a:latin typeface="돋움체" panose="020B0609000101010101" pitchFamily="49" charset="-127"/>
+                <a:ea typeface="돋움체" panose="020B0609000101010101" pitchFamily="49" charset="-127"/>
+              </a:rPr>
+              <a:t>i</a:t>
+            </a:r>
+            <a:r>
+              <a:rPr lang="en-US" altLang="ko-KR" sz="1400" dirty="0">
+                <a:solidFill>
+                  <a:srgbClr val="000000"/>
+                </a:solidFill>
+                <a:highlight>
+                  <a:srgbClr val="FFFFFF"/>
+                </a:highlight>
+                <a:latin typeface="돋움체" panose="020B0609000101010101" pitchFamily="49" charset="-127"/>
+                <a:ea typeface="돋움체" panose="020B0609000101010101" pitchFamily="49" charset="-127"/>
+              </a:rPr>
+              <a:t>].</a:t>
+            </a:r>
+            <a:r>
+              <a:rPr lang="en-US" altLang="ko-KR" sz="1400" dirty="0" err="1">
+                <a:solidFill>
+                  <a:srgbClr val="000000"/>
+                </a:solidFill>
+                <a:highlight>
+                  <a:srgbClr val="FFFFFF"/>
+                </a:highlight>
+                <a:latin typeface="돋움체" panose="020B0609000101010101" pitchFamily="49" charset="-127"/>
+                <a:ea typeface="돋움체" panose="020B0609000101010101" pitchFamily="49" charset="-127"/>
+              </a:rPr>
+              <a:t>GetComponent</a:t>
+            </a:r>
+            <a:r>
+              <a:rPr lang="en-US" altLang="ko-KR" sz="1400" dirty="0">
+                <a:solidFill>
+                  <a:srgbClr val="000000"/>
+                </a:solidFill>
+                <a:highlight>
+                  <a:srgbClr val="FFFFFF"/>
+                </a:highlight>
+                <a:latin typeface="돋움체" panose="020B0609000101010101" pitchFamily="49" charset="-127"/>
+                <a:ea typeface="돋움체" panose="020B0609000101010101" pitchFamily="49" charset="-127"/>
+              </a:rPr>
+              <a:t>&lt;</a:t>
+            </a:r>
+            <a:r>
+              <a:rPr lang="en-US" altLang="ko-KR" sz="1400" dirty="0">
+                <a:solidFill>
+                  <a:srgbClr val="2B91AF"/>
+                </a:solidFill>
+                <a:highlight>
+                  <a:srgbClr val="FFFFFF"/>
+                </a:highlight>
+                <a:latin typeface="돋움체" panose="020B0609000101010101" pitchFamily="49" charset="-127"/>
+                <a:ea typeface="돋움체" panose="020B0609000101010101" pitchFamily="49" charset="-127"/>
+              </a:rPr>
+              <a:t>Card</a:t>
+            </a:r>
+            <a:r>
+              <a:rPr lang="en-US" altLang="ko-KR" sz="1400" dirty="0">
+                <a:solidFill>
+                  <a:srgbClr val="000000"/>
+                </a:solidFill>
+                <a:highlight>
+                  <a:srgbClr val="FFFFFF"/>
+                </a:highlight>
+                <a:latin typeface="돋움체" panose="020B0609000101010101" pitchFamily="49" charset="-127"/>
+                <a:ea typeface="돋움체" panose="020B0609000101010101" pitchFamily="49" charset="-127"/>
+              </a:rPr>
+              <a:t>&gt;().</a:t>
+            </a:r>
+            <a:r>
+              <a:rPr lang="en-US" altLang="ko-KR" sz="1400" dirty="0" err="1">
+                <a:solidFill>
+                  <a:srgbClr val="000000"/>
+                </a:solidFill>
+                <a:highlight>
+                  <a:srgbClr val="FFFFFF"/>
+                </a:highlight>
+                <a:latin typeface="돋움체" panose="020B0609000101010101" pitchFamily="49" charset="-127"/>
+                <a:ea typeface="돋움체" panose="020B0609000101010101" pitchFamily="49" charset="-127"/>
+              </a:rPr>
+              <a:t>cardState</a:t>
+            </a:r>
+            <a:r>
+              <a:rPr lang="en-US" altLang="ko-KR" sz="1400" dirty="0">
+                <a:solidFill>
+                  <a:srgbClr val="000000"/>
+                </a:solidFill>
+                <a:highlight>
+                  <a:srgbClr val="FFFFFF"/>
+                </a:highlight>
+                <a:latin typeface="돋움체" panose="020B0609000101010101" pitchFamily="49" charset="-127"/>
+                <a:ea typeface="돋움체" panose="020B0609000101010101" pitchFamily="49" charset="-127"/>
+              </a:rPr>
+              <a:t> = </a:t>
+            </a:r>
+            <a:r>
+              <a:rPr lang="en-US" altLang="ko-KR" sz="1400" dirty="0" err="1">
+                <a:solidFill>
+                  <a:srgbClr val="2B91AF"/>
+                </a:solidFill>
+                <a:highlight>
+                  <a:srgbClr val="FFFFFF"/>
+                </a:highlight>
+                <a:latin typeface="돋움체" panose="020B0609000101010101" pitchFamily="49" charset="-127"/>
+                <a:ea typeface="돋움체" panose="020B0609000101010101" pitchFamily="49" charset="-127"/>
+              </a:rPr>
+              <a:t>Card</a:t>
+            </a:r>
+            <a:r>
+              <a:rPr lang="en-US" altLang="ko-KR" sz="1400" dirty="0" err="1">
+                <a:solidFill>
+                  <a:srgbClr val="000000"/>
+                </a:solidFill>
+                <a:highlight>
+                  <a:srgbClr val="FFFFFF"/>
+                </a:highlight>
+                <a:latin typeface="돋움체" panose="020B0609000101010101" pitchFamily="49" charset="-127"/>
+                <a:ea typeface="돋움체" panose="020B0609000101010101" pitchFamily="49" charset="-127"/>
+              </a:rPr>
+              <a:t>.</a:t>
+            </a:r>
+            <a:r>
+              <a:rPr lang="en-US" altLang="ko-KR" sz="1400" dirty="0" err="1">
+                <a:solidFill>
+                  <a:srgbClr val="2B91AF"/>
+                </a:solidFill>
+                <a:highlight>
+                  <a:srgbClr val="FFFFFF"/>
+                </a:highlight>
+                <a:latin typeface="돋움체" panose="020B0609000101010101" pitchFamily="49" charset="-127"/>
+                <a:ea typeface="돋움체" panose="020B0609000101010101" pitchFamily="49" charset="-127"/>
+              </a:rPr>
+              <a:t>CardState</a:t>
+            </a:r>
+            <a:r>
+              <a:rPr lang="en-US" altLang="ko-KR" sz="1400" dirty="0" err="1">
+                <a:solidFill>
+                  <a:srgbClr val="000000"/>
+                </a:solidFill>
+                <a:highlight>
+                  <a:srgbClr val="FFFFFF"/>
+                </a:highlight>
+                <a:latin typeface="돋움체" panose="020B0609000101010101" pitchFamily="49" charset="-127"/>
+                <a:ea typeface="돋움체" panose="020B0609000101010101" pitchFamily="49" charset="-127"/>
+              </a:rPr>
+              <a:t>.Ready</a:t>
+            </a:r>
+            <a:r>
+              <a:rPr lang="en-US" altLang="ko-KR" sz="1400" dirty="0">
+                <a:solidFill>
+                  <a:srgbClr val="000000"/>
+                </a:solidFill>
+                <a:highlight>
+                  <a:srgbClr val="FFFFFF"/>
+                </a:highlight>
+                <a:latin typeface="돋움체" panose="020B0609000101010101" pitchFamily="49" charset="-127"/>
+                <a:ea typeface="돋움체" panose="020B0609000101010101" pitchFamily="49" charset="-127"/>
+              </a:rPr>
+              <a:t>;</a:t>
+            </a:r>
+          </a:p>
+          <a:p>
+            <a:r>
+              <a:rPr lang="ko-KR" altLang="en-US" sz="1400" dirty="0">
+                <a:solidFill>
+                  <a:srgbClr val="000000"/>
+                </a:solidFill>
+                <a:highlight>
+                  <a:srgbClr val="FFFFFF"/>
+                </a:highlight>
+                <a:latin typeface="돋움체" panose="020B0609000101010101" pitchFamily="49" charset="-127"/>
+                <a:ea typeface="돋움체" panose="020B0609000101010101" pitchFamily="49" charset="-127"/>
+              </a:rPr>
+              <a:t>            </a:t>
+            </a:r>
+            <a:r>
+              <a:rPr lang="en-US" altLang="ko-KR" sz="1400" dirty="0">
+                <a:solidFill>
+                  <a:srgbClr val="000000"/>
+                </a:solidFill>
+                <a:highlight>
+                  <a:srgbClr val="FFFFFF"/>
+                </a:highlight>
+                <a:latin typeface="돋움체" panose="020B0609000101010101" pitchFamily="49" charset="-127"/>
+                <a:ea typeface="돋움체" panose="020B0609000101010101" pitchFamily="49" charset="-127"/>
+              </a:rPr>
+              <a:t>}</a:t>
+            </a:r>
+          </a:p>
+          <a:p>
+            <a:r>
+              <a:rPr lang="ko-KR" altLang="en-US" sz="1400" dirty="0">
+                <a:solidFill>
+                  <a:srgbClr val="000000"/>
+                </a:solidFill>
+                <a:highlight>
+                  <a:srgbClr val="FFFFFF"/>
+                </a:highlight>
+                <a:latin typeface="돋움체" panose="020B0609000101010101" pitchFamily="49" charset="-127"/>
+                <a:ea typeface="돋움체" panose="020B0609000101010101" pitchFamily="49" charset="-127"/>
+              </a:rPr>
+              <a:t>        </a:t>
+            </a:r>
+            <a:r>
+              <a:rPr lang="en-US" altLang="ko-KR" sz="1400" dirty="0">
+                <a:solidFill>
+                  <a:srgbClr val="000000"/>
+                </a:solidFill>
+                <a:highlight>
+                  <a:srgbClr val="FFFFFF"/>
+                </a:highlight>
+                <a:latin typeface="돋움체" panose="020B0609000101010101" pitchFamily="49" charset="-127"/>
+                <a:ea typeface="돋움체" panose="020B0609000101010101" pitchFamily="49" charset="-127"/>
+              </a:rPr>
+              <a:t>}</a:t>
+            </a:r>
+          </a:p>
+          <a:p>
+            <a:r>
+              <a:rPr lang="ko-KR" altLang="en-US" sz="1400" dirty="0">
+                <a:solidFill>
+                  <a:srgbClr val="000000"/>
+                </a:solidFill>
+                <a:highlight>
+                  <a:srgbClr val="FFFFFF"/>
+                </a:highlight>
+                <a:latin typeface="돋움체" panose="020B0609000101010101" pitchFamily="49" charset="-127"/>
+                <a:ea typeface="돋움체" panose="020B0609000101010101" pitchFamily="49" charset="-127"/>
+              </a:rPr>
+              <a:t>    </a:t>
+            </a:r>
+            <a:r>
+              <a:rPr lang="en-US" altLang="ko-KR" sz="1400" dirty="0">
+                <a:solidFill>
+                  <a:srgbClr val="000000"/>
+                </a:solidFill>
+                <a:highlight>
+                  <a:srgbClr val="FFFFFF"/>
+                </a:highlight>
+                <a:latin typeface="돋움체" panose="020B0609000101010101" pitchFamily="49" charset="-127"/>
+                <a:ea typeface="돋움체" panose="020B0609000101010101" pitchFamily="49" charset="-127"/>
+              </a:rPr>
+              <a:t>}</a:t>
+            </a:r>
+          </a:p>
+          <a:p>
+            <a:r>
+              <a:rPr lang="en-US" altLang="ko-KR" sz="1400" dirty="0">
+                <a:solidFill>
+                  <a:srgbClr val="000000"/>
+                </a:solidFill>
+                <a:highlight>
+                  <a:srgbClr val="FFFFFF"/>
+                </a:highlight>
+                <a:latin typeface="돋움체" panose="020B0609000101010101" pitchFamily="49" charset="-127"/>
+                <a:ea typeface="돋움체" panose="020B0609000101010101" pitchFamily="49" charset="-127"/>
+              </a:rPr>
+              <a:t>}</a:t>
+            </a:r>
+            <a:endParaRPr lang="ko-KR" altLang="en-US" sz="1400" dirty="0"/>
+          </a:p>
+        </p:txBody>
+      </p:sp>
+      <p:sp>
+        <p:nvSpPr>
+          <p:cNvPr id="8" name="TextBox 7">
+            <a:extLst>
+              <a:ext uri="{FF2B5EF4-FFF2-40B4-BE49-F238E27FC236}">
+                <a16:creationId xmlns:a16="http://schemas.microsoft.com/office/drawing/2014/main" id="{41D7161E-1D4B-F35C-4DEF-68A4F1452D5A}"/>
+              </a:ext>
+            </a:extLst>
+          </p:cNvPr>
+          <p:cNvSpPr txBox="1"/>
+          <p:nvPr/>
+        </p:nvSpPr>
+        <p:spPr>
+          <a:xfrm>
+            <a:off x="8790534" y="2100398"/>
+            <a:ext cx="5053696" cy="5033109"/>
+          </a:xfrm>
+          <a:prstGeom prst="rect">
+            <a:avLst/>
+          </a:prstGeom>
+          <a:noFill/>
+        </p:spPr>
+        <p:txBody>
+          <a:bodyPr wrap="square" rtlCol="0">
+            <a:spAutoFit/>
+          </a:bodyPr>
+          <a:lstStyle/>
+          <a:p>
+            <a:pPr marL="285750" indent="-285750">
+              <a:lnSpc>
+                <a:spcPct val="150000"/>
+              </a:lnSpc>
+              <a:buFont typeface="Arial" panose="020B0604020202020204" pitchFamily="34" charset="0"/>
+              <a:buChar char="•"/>
+            </a:pPr>
+            <a:r>
+              <a:rPr lang="ko-KR" altLang="en-US" dirty="0">
+                <a:latin typeface="Inter"/>
+              </a:rPr>
+              <a:t>카드는 일정 시간</a:t>
+            </a:r>
+            <a:r>
+              <a:rPr lang="en-US" altLang="ko-KR" dirty="0">
+                <a:latin typeface="Inter"/>
+              </a:rPr>
+              <a:t>(</a:t>
+            </a:r>
+            <a:r>
+              <a:rPr lang="en-US" altLang="ko-KR" dirty="0" err="1">
+                <a:latin typeface="Inter"/>
+              </a:rPr>
+              <a:t>cardTime</a:t>
+            </a:r>
+            <a:r>
+              <a:rPr lang="en-US" altLang="ko-KR" dirty="0">
+                <a:latin typeface="Inter"/>
+              </a:rPr>
+              <a:t>) </a:t>
+            </a:r>
+            <a:r>
+              <a:rPr lang="ko-KR" altLang="en-US" dirty="0">
+                <a:latin typeface="Inter"/>
+              </a:rPr>
+              <a:t>간격으로 차례대로 날아갑니다</a:t>
+            </a:r>
+            <a:r>
+              <a:rPr lang="en-US" altLang="ko-KR" dirty="0">
+                <a:latin typeface="Inter"/>
+              </a:rPr>
+              <a:t>.</a:t>
+            </a:r>
+          </a:p>
+          <a:p>
+            <a:pPr marL="285750" indent="-285750">
+              <a:lnSpc>
+                <a:spcPct val="150000"/>
+              </a:lnSpc>
+              <a:buFont typeface="Arial" panose="020B0604020202020204" pitchFamily="34" charset="0"/>
+              <a:buChar char="•"/>
+            </a:pPr>
+            <a:r>
+              <a:rPr lang="en-US" altLang="ko-KR" dirty="0"/>
+              <a:t>0</a:t>
+            </a:r>
+            <a:r>
+              <a:rPr lang="ko-KR" altLang="en-US" dirty="0"/>
+              <a:t>번 카드는 </a:t>
+            </a:r>
+            <a:r>
+              <a:rPr lang="en-US" altLang="ko-KR" dirty="0"/>
+              <a:t>0</a:t>
+            </a:r>
+            <a:r>
+              <a:rPr lang="ko-KR" altLang="en-US" dirty="0"/>
+              <a:t>초</a:t>
+            </a:r>
+            <a:r>
+              <a:rPr lang="en-US" altLang="ko-KR" dirty="0"/>
+              <a:t>, 1</a:t>
+            </a:r>
+            <a:r>
+              <a:rPr lang="ko-KR" altLang="en-US" dirty="0"/>
+              <a:t>번 카드는 </a:t>
+            </a:r>
+            <a:r>
+              <a:rPr lang="en-US" altLang="ko-KR" dirty="0" err="1"/>
+              <a:t>cardTime</a:t>
+            </a:r>
+            <a:r>
+              <a:rPr lang="ko-KR" altLang="en-US" dirty="0"/>
+              <a:t>초 후에 날아가며</a:t>
+            </a:r>
+            <a:r>
+              <a:rPr lang="en-US" altLang="ko-KR" dirty="0"/>
+              <a:t>, </a:t>
+            </a:r>
+            <a:r>
+              <a:rPr lang="ko-KR" altLang="en-US" dirty="0"/>
+              <a:t>출발 시간이 되지 않은 카드는 </a:t>
+            </a:r>
+            <a:r>
+              <a:rPr lang="ko-KR" altLang="en-US" dirty="0" err="1"/>
+              <a:t>스킵됩니다</a:t>
+            </a:r>
+            <a:r>
+              <a:rPr lang="en-US" altLang="ko-KR" dirty="0"/>
+              <a:t>.</a:t>
+            </a:r>
+          </a:p>
+          <a:p>
+            <a:pPr marL="285750" indent="-285750">
+              <a:lnSpc>
+                <a:spcPct val="150000"/>
+              </a:lnSpc>
+              <a:buFont typeface="Arial" panose="020B0604020202020204" pitchFamily="34" charset="0"/>
+              <a:buChar char="•"/>
+            </a:pPr>
+            <a:r>
+              <a:rPr lang="ko-KR" altLang="en-US" dirty="0">
+                <a:latin typeface="Inter"/>
+              </a:rPr>
+              <a:t>이동 및 회전은 </a:t>
+            </a:r>
+            <a:r>
+              <a:rPr lang="ko-KR" altLang="en-US" dirty="0" err="1">
+                <a:latin typeface="Inter"/>
+              </a:rPr>
+              <a:t>보간을</a:t>
+            </a:r>
+            <a:r>
+              <a:rPr lang="ko-KR" altLang="en-US" dirty="0">
+                <a:latin typeface="Inter"/>
+              </a:rPr>
+              <a:t> 사용해 카드가 지정된 위치와 각도로 이동하며 회전하도록 구현했습니다</a:t>
+            </a:r>
+            <a:r>
+              <a:rPr lang="en-US" altLang="ko-KR" dirty="0">
+                <a:latin typeface="Inter"/>
+              </a:rPr>
+              <a:t>.</a:t>
+            </a:r>
+          </a:p>
+          <a:p>
+            <a:pPr marL="285750" indent="-285750">
+              <a:lnSpc>
+                <a:spcPct val="150000"/>
+              </a:lnSpc>
+              <a:buFont typeface="Arial" panose="020B0604020202020204" pitchFamily="34" charset="0"/>
+              <a:buChar char="•"/>
+            </a:pPr>
+            <a:r>
+              <a:rPr lang="ko-KR" altLang="en-US" dirty="0">
+                <a:latin typeface="Inter"/>
+              </a:rPr>
+              <a:t>카드 배치가 끝나면 카드 애니메이션이 재생되고</a:t>
+            </a:r>
+            <a:r>
+              <a:rPr lang="en-US" altLang="ko-KR" dirty="0">
+                <a:latin typeface="Inter"/>
+              </a:rPr>
+              <a:t>, </a:t>
+            </a:r>
+            <a:r>
+              <a:rPr lang="ko-KR" altLang="en-US" dirty="0">
+                <a:latin typeface="Inter"/>
+              </a:rPr>
+              <a:t>카드 상태가 클릭 가능으로 변경됩니다</a:t>
+            </a:r>
+            <a:r>
+              <a:rPr lang="en-US" altLang="ko-KR" dirty="0">
+                <a:latin typeface="Inter"/>
+              </a:rPr>
+              <a:t>.</a:t>
+            </a:r>
+          </a:p>
+          <a:p>
+            <a:pPr marL="285750" indent="-285750">
+              <a:lnSpc>
+                <a:spcPct val="150000"/>
+              </a:lnSpc>
+              <a:buFont typeface="Arial" panose="020B0604020202020204" pitchFamily="34" charset="0"/>
+              <a:buChar char="•"/>
+            </a:pPr>
+            <a:r>
+              <a:rPr lang="ko-KR" altLang="en-US" dirty="0">
+                <a:latin typeface="Inter"/>
+              </a:rPr>
+              <a:t>카드가 배치된 후에는 </a:t>
+            </a:r>
+            <a:r>
+              <a:rPr lang="en-US" altLang="ko-KR" dirty="0">
+                <a:latin typeface="Inter"/>
+              </a:rPr>
+              <a:t>Update()</a:t>
+            </a:r>
+            <a:r>
+              <a:rPr lang="ko-KR" altLang="en-US" dirty="0">
+                <a:latin typeface="Inter"/>
+              </a:rPr>
+              <a:t>의 내용이 실행되지 않습니다</a:t>
+            </a:r>
+            <a:r>
+              <a:rPr lang="en-US" altLang="ko-KR" dirty="0">
+                <a:latin typeface="Inter"/>
+              </a:rPr>
+              <a:t>.</a:t>
+            </a:r>
+          </a:p>
+        </p:txBody>
+      </p:sp>
+    </p:spTree>
+    <p:extLst>
+      <p:ext uri="{BB962C8B-B14F-4D97-AF65-F5344CB8AC3E}">
+        <p14:creationId xmlns:p14="http://schemas.microsoft.com/office/powerpoint/2010/main" val="556805119"/>
+      </p:ext>
+    </p:extLst>
+  </p:cSld>
+  <p:clrMapOvr>
+    <a:masterClrMapping/>
+  </p:clrMapOvr>
+</p:sld>
+</file>
+
+<file path=ppt/slides/slide12.xml><?xml version="1.0" encoding="utf-8"?>
 <p:sld xmlns:a="http://schemas.openxmlformats.org/drawingml/2006/main" xmlns:r="http://schemas.openxmlformats.org/officeDocument/2006/relationships" xmlns:p="http://schemas.openxmlformats.org/presentationml/2006/main">
   <p:cSld name="Slide 8">
     <p:spTree>
@@ -2763,6 +8378,13 @@
             <a:prstDash val="solid"/>
           </a:ln>
         </p:spPr>
+        <p:txBody>
+          <a:bodyPr/>
+          <a:lstStyle/>
+          <a:p>
+            <a:endParaRPr lang="ko-KR" altLang="en-US"/>
+          </a:p>
+        </p:txBody>
       </p:sp>
       <p:sp>
         <p:nvSpPr>
@@ -2785,6 +8407,13 @@
           </a:solidFill>
           <a:ln/>
         </p:spPr>
+        <p:txBody>
+          <a:bodyPr/>
+          <a:lstStyle/>
+          <a:p>
+            <a:endParaRPr lang="ko-KR" altLang="en-US"/>
+          </a:p>
+        </p:txBody>
       </p:sp>
       <p:sp>
         <p:nvSpPr>
@@ -2891,6 +8520,13 @@
           </a:solidFill>
           <a:ln/>
         </p:spPr>
+        <p:txBody>
+          <a:bodyPr/>
+          <a:lstStyle/>
+          <a:p>
+            <a:endParaRPr lang="ko-KR" altLang="en-US"/>
+          </a:p>
+        </p:txBody>
       </p:sp>
       <p:sp>
         <p:nvSpPr>
@@ -2997,6 +8633,13 @@
           </a:solidFill>
           <a:ln/>
         </p:spPr>
+        <p:txBody>
+          <a:bodyPr/>
+          <a:lstStyle/>
+          <a:p>
+            <a:endParaRPr lang="ko-KR" altLang="en-US"/>
+          </a:p>
+        </p:txBody>
       </p:sp>
       <p:sp>
         <p:nvSpPr>
@@ -3103,6 +8746,13 @@
           </a:solidFill>
           <a:ln/>
         </p:spPr>
+        <p:txBody>
+          <a:bodyPr/>
+          <a:lstStyle/>
+          <a:p>
+            <a:endParaRPr lang="ko-KR" altLang="en-US"/>
+          </a:p>
+        </p:txBody>
       </p:sp>
       <p:sp>
         <p:nvSpPr>
@@ -3209,6 +8859,13 @@
           </a:solidFill>
           <a:ln/>
         </p:spPr>
+        <p:txBody>
+          <a:bodyPr/>
+          <a:lstStyle/>
+          <a:p>
+            <a:endParaRPr lang="ko-KR" altLang="en-US"/>
+          </a:p>
+        </p:txBody>
       </p:sp>
       <p:sp>
         <p:nvSpPr>
@@ -3356,7 +9013,7 @@
 </p:sld>
 </file>
 
-<file path=ppt/slides/slide11.xml><?xml version="1.0" encoding="utf-8"?>
+<file path=ppt/slides/slide13.xml><?xml version="1.0" encoding="utf-8"?>
 <p:sld xmlns:a="http://schemas.openxmlformats.org/drawingml/2006/main" xmlns:r="http://schemas.openxmlformats.org/officeDocument/2006/relationships" xmlns:p="http://schemas.openxmlformats.org/presentationml/2006/main">
   <p:cSld name="Slide 9">
     <p:spTree>
@@ -3586,6 +9243,13 @@
             <a:prstDash val="solid"/>
           </a:ln>
         </p:spPr>
+        <p:txBody>
+          <a:bodyPr/>
+          <a:lstStyle/>
+          <a:p>
+            <a:endParaRPr lang="ko-KR" altLang="en-US"/>
+          </a:p>
+        </p:txBody>
       </p:sp>
       <p:sp>
         <p:nvSpPr>
@@ -3655,6 +9319,13 @@
             <a:prstDash val="solid"/>
           </a:ln>
         </p:spPr>
+        <p:txBody>
+          <a:bodyPr/>
+          <a:lstStyle/>
+          <a:p>
+            <a:endParaRPr lang="ko-KR" altLang="en-US"/>
+          </a:p>
+        </p:txBody>
       </p:sp>
       <p:sp>
         <p:nvSpPr>
@@ -3724,6 +9395,13 @@
             <a:prstDash val="solid"/>
           </a:ln>
         </p:spPr>
+        <p:txBody>
+          <a:bodyPr/>
+          <a:lstStyle/>
+          <a:p>
+            <a:endParaRPr lang="ko-KR" altLang="en-US"/>
+          </a:p>
+        </p:txBody>
       </p:sp>
       <p:sp>
         <p:nvSpPr>
@@ -3793,6 +9471,13 @@
             <a:prstDash val="solid"/>
           </a:ln>
         </p:spPr>
+        <p:txBody>
+          <a:bodyPr/>
+          <a:lstStyle/>
+          <a:p>
+            <a:endParaRPr lang="ko-KR" altLang="en-US"/>
+          </a:p>
+        </p:txBody>
       </p:sp>
       <p:sp>
         <p:nvSpPr>
@@ -3934,6 +9619,13 @@
           </a:solidFill>
           <a:ln/>
         </p:spPr>
+        <p:txBody>
+          <a:bodyPr/>
+          <a:lstStyle/>
+          <a:p>
+            <a:endParaRPr lang="ko-KR" altLang="en-US"/>
+          </a:p>
+        </p:txBody>
       </p:sp>
       <p:pic>
         <p:nvPicPr>
@@ -4245,6 +9937,13 @@
             <a:prstDash val="solid"/>
           </a:ln>
         </p:spPr>
+        <p:txBody>
+          <a:bodyPr/>
+          <a:lstStyle/>
+          <a:p>
+            <a:endParaRPr lang="ko-KR" altLang="en-US"/>
+          </a:p>
+        </p:txBody>
       </p:sp>
       <p:sp>
         <p:nvSpPr>
@@ -4314,6 +10013,13 @@
             <a:prstDash val="solid"/>
           </a:ln>
         </p:spPr>
+        <p:txBody>
+          <a:bodyPr/>
+          <a:lstStyle/>
+          <a:p>
+            <a:endParaRPr lang="ko-KR" altLang="en-US"/>
+          </a:p>
+        </p:txBody>
       </p:sp>
       <p:sp>
         <p:nvSpPr>
@@ -4383,6 +10089,13 @@
             <a:prstDash val="solid"/>
           </a:ln>
         </p:spPr>
+        <p:txBody>
+          <a:bodyPr/>
+          <a:lstStyle/>
+          <a:p>
+            <a:endParaRPr lang="ko-KR" altLang="en-US"/>
+          </a:p>
+        </p:txBody>
       </p:sp>
       <p:sp>
         <p:nvSpPr>
@@ -8791,7 +14504,7 @@
 
 <file path=ppt/slides/slide9.xml><?xml version="1.0" encoding="utf-8"?>
 <p:sld xmlns:a="http://schemas.openxmlformats.org/drawingml/2006/main" xmlns:r="http://schemas.openxmlformats.org/officeDocument/2006/relationships" xmlns:p="http://schemas.openxmlformats.org/presentationml/2006/main">
-  <p:cSld name="Slide 7">
+  <p:cSld>
     <p:spTree>
       <p:nvGrpSpPr>
         <p:cNvPr id="1" name=""/>
@@ -8814,7 +14527,7 @@
         </p:nvSpPr>
         <p:spPr>
           <a:xfrm>
-            <a:off x="793790" y="2066330"/>
+            <a:off x="793790" y="614054"/>
             <a:ext cx="7825502" cy="978218"/>
           </a:xfrm>
           <a:prstGeom prst="rect">
@@ -8834,7 +14547,7 @@
               <a:buNone/>
             </a:pPr>
             <a:r>
-              <a:rPr lang="en-US" sz="6150" b="1" dirty="0">
+              <a:rPr lang="en-US" sz="6150" b="1" dirty="0" err="1">
                 <a:solidFill>
                   <a:srgbClr val="000000"/>
                 </a:solidFill>
@@ -8844,63 +14557,8 @@
               </a:rPr>
               <a:t>스크립트</a:t>
             </a:r>
-            <a:endParaRPr lang="en-US" sz="6150" dirty="0"/>
-          </a:p>
-        </p:txBody>
-      </p:sp>
-      <p:pic>
-        <p:nvPicPr>
-          <p:cNvPr id="3" name="Image 0" descr="preencoded.png"/>
-          <p:cNvPicPr>
-            <a:picLocks noChangeAspect="1"/>
-          </p:cNvPicPr>
-          <p:nvPr/>
-        </p:nvPicPr>
-        <p:blipFill>
-          <a:blip r:embed="rId3"/>
-          <a:stretch>
-            <a:fillRect/>
-          </a:stretch>
-        </p:blipFill>
-        <p:spPr>
-          <a:xfrm>
-            <a:off x="793790" y="3639860"/>
-            <a:ext cx="4082891" cy="2268260"/>
-          </a:xfrm>
-          <a:prstGeom prst="rect">
-            <a:avLst/>
-          </a:prstGeom>
-        </p:spPr>
-      </p:pic>
-      <p:sp>
-        <p:nvSpPr>
-          <p:cNvPr id="4" name="Text 1"/>
-          <p:cNvSpPr/>
-          <p:nvPr/>
-        </p:nvSpPr>
-        <p:spPr>
-          <a:xfrm>
-            <a:off x="7599521" y="4136112"/>
-            <a:ext cx="5670590" cy="708779"/>
-          </a:xfrm>
-          <a:prstGeom prst="rect">
-            <a:avLst/>
-          </a:prstGeom>
-          <a:noFill/>
-          <a:ln/>
-        </p:spPr>
-        <p:txBody>
-          <a:bodyPr wrap="none" lIns="0" tIns="0" rIns="0" bIns="0" rtlCol="0" anchor="t"/>
-          <a:lstStyle/>
-          <a:p>
-            <a:pPr marL="0" indent="0" algn="l">
-              <a:lnSpc>
-                <a:spcPts val="5550"/>
-              </a:lnSpc>
-              <a:buNone/>
-            </a:pPr>
-            <a:r>
-              <a:rPr lang="en-US" sz="4450" b="1" dirty="0">
+            <a:r>
+              <a:rPr lang="en-US" sz="6150" b="1" dirty="0">
                 <a:solidFill>
                   <a:srgbClr val="000000"/>
                 </a:solidFill>
@@ -8908,9 +14566,20 @@
                 <a:ea typeface="Inter Bold" pitchFamily="34" charset="-122"/>
                 <a:cs typeface="Inter Bold" pitchFamily="34" charset="-120"/>
               </a:rPr>
+              <a:t> - </a:t>
+            </a:r>
+            <a:r>
+              <a:rPr lang="en-US" sz="4800" b="1" dirty="0">
+                <a:solidFill>
+                  <a:srgbClr val="000000"/>
+                </a:solidFill>
+                <a:latin typeface="Inter Bold" pitchFamily="34" charset="0"/>
+                <a:ea typeface="Inter Bold" pitchFamily="34" charset="-122"/>
+                <a:cs typeface="Inter Bold" pitchFamily="34" charset="-120"/>
+              </a:rPr>
               <a:t>Board</a:t>
             </a:r>
-            <a:endParaRPr lang="en-US" sz="4450" dirty="0"/>
+            <a:endParaRPr lang="en-US" sz="6150" dirty="0"/>
           </a:p>
         </p:txBody>
       </p:sp>
@@ -8996,6 +14665,265 @@
           <a:p>
             <a:pPr algn="ctr"/>
             <a:endParaRPr lang="ko-KR" altLang="en-US"/>
+          </a:p>
+        </p:txBody>
+      </p:sp>
+      <p:sp>
+        <p:nvSpPr>
+          <p:cNvPr id="10" name="직사각형 9">
+            <a:extLst>
+              <a:ext uri="{FF2B5EF4-FFF2-40B4-BE49-F238E27FC236}">
+                <a16:creationId xmlns:a16="http://schemas.microsoft.com/office/drawing/2014/main" id="{5E17A770-4528-BFC9-54FF-65E95ECC6E5E}"/>
+              </a:ext>
+            </a:extLst>
+          </p:cNvPr>
+          <p:cNvSpPr/>
+          <p:nvPr/>
+        </p:nvSpPr>
+        <p:spPr>
+          <a:xfrm>
+            <a:off x="1552575" y="2638425"/>
+            <a:ext cx="4114800" cy="4171950"/>
+          </a:xfrm>
+          <a:prstGeom prst="rect">
+            <a:avLst/>
+          </a:prstGeom>
+          <a:solidFill>
+            <a:schemeClr val="bg1"/>
+          </a:solidFill>
+          <a:ln w="76200">
+            <a:solidFill>
+              <a:schemeClr val="tx1"/>
+            </a:solidFill>
+          </a:ln>
+        </p:spPr>
+        <p:style>
+          <a:lnRef idx="2">
+            <a:schemeClr val="accent1">
+              <a:shade val="15000"/>
+            </a:schemeClr>
+          </a:lnRef>
+          <a:fillRef idx="1">
+            <a:schemeClr val="accent1"/>
+          </a:fillRef>
+          <a:effectRef idx="0">
+            <a:schemeClr val="accent1"/>
+          </a:effectRef>
+          <a:fontRef idx="minor">
+            <a:schemeClr val="lt1"/>
+          </a:fontRef>
+        </p:style>
+        <p:txBody>
+          <a:bodyPr rtlCol="0" anchor="ctr"/>
+          <a:lstStyle/>
+          <a:p>
+            <a:pPr algn="ctr"/>
+            <a:r>
+              <a:rPr lang="ko-KR" altLang="en-US" dirty="0">
+                <a:solidFill>
+                  <a:schemeClr val="tx1"/>
+                </a:solidFill>
+              </a:rPr>
+              <a:t>움짤</a:t>
+            </a:r>
+          </a:p>
+        </p:txBody>
+      </p:sp>
+      <p:sp>
+        <p:nvSpPr>
+          <p:cNvPr id="14" name="TextBox 13">
+            <a:extLst>
+              <a:ext uri="{FF2B5EF4-FFF2-40B4-BE49-F238E27FC236}">
+                <a16:creationId xmlns:a16="http://schemas.microsoft.com/office/drawing/2014/main" id="{44684E96-61D8-C988-DE21-3FF5332E9EE9}"/>
+              </a:ext>
+            </a:extLst>
+          </p:cNvPr>
+          <p:cNvSpPr txBox="1"/>
+          <p:nvPr/>
+        </p:nvSpPr>
+        <p:spPr>
+          <a:xfrm>
+            <a:off x="7030880" y="2638425"/>
+            <a:ext cx="6128569" cy="3786614"/>
+          </a:xfrm>
+          <a:prstGeom prst="rect">
+            <a:avLst/>
+          </a:prstGeom>
+          <a:noFill/>
+        </p:spPr>
+        <p:txBody>
+          <a:bodyPr wrap="square" rtlCol="0">
+            <a:spAutoFit/>
+          </a:bodyPr>
+          <a:lstStyle/>
+          <a:p>
+            <a:pPr marL="285750" indent="-285750">
+              <a:lnSpc>
+                <a:spcPct val="150000"/>
+              </a:lnSpc>
+              <a:buFont typeface="Arial" panose="020B0604020202020204" pitchFamily="34" charset="0"/>
+              <a:buChar char="•"/>
+            </a:pPr>
+            <a:r>
+              <a:rPr lang="ko-KR" altLang="en-US" dirty="0">
+                <a:latin typeface="Inter"/>
+              </a:rPr>
+              <a:t>카지노 딜러가 카드를 나눠주듯</a:t>
+            </a:r>
+            <a:r>
+              <a:rPr lang="en-US" altLang="ko-KR" dirty="0">
+                <a:latin typeface="Inter"/>
+              </a:rPr>
+              <a:t>, </a:t>
+            </a:r>
+            <a:r>
+              <a:rPr lang="ko-KR" altLang="en-US" dirty="0">
+                <a:latin typeface="Inter"/>
+              </a:rPr>
+              <a:t>카드가 화면 아래에서 회전하며 하나씩 순서대로 날아가</a:t>
+            </a:r>
+            <a:r>
+              <a:rPr lang="en-US" altLang="ko-KR" dirty="0">
+                <a:latin typeface="Inter"/>
+              </a:rPr>
+              <a:t> </a:t>
+            </a:r>
+            <a:r>
+              <a:rPr lang="ko-KR" altLang="en-US" dirty="0">
+                <a:latin typeface="Inter"/>
+              </a:rPr>
+              <a:t>지정된 위치에 배치됩니다</a:t>
+            </a:r>
+            <a:r>
+              <a:rPr lang="en-US" altLang="ko-KR" dirty="0">
+                <a:latin typeface="Inter"/>
+              </a:rPr>
+              <a:t>.</a:t>
+            </a:r>
+          </a:p>
+          <a:p>
+            <a:pPr marL="285750" indent="-285750">
+              <a:lnSpc>
+                <a:spcPct val="150000"/>
+              </a:lnSpc>
+              <a:buFont typeface="Arial" panose="020B0604020202020204" pitchFamily="34" charset="0"/>
+              <a:buChar char="•"/>
+            </a:pPr>
+            <a:r>
+              <a:rPr lang="ko-KR" altLang="en-US" dirty="0">
+                <a:latin typeface="Inter"/>
+              </a:rPr>
+              <a:t>각 카드는 빠르게 출발하여 도착 지점에서 부드럽게 멈추는 </a:t>
+            </a:r>
+            <a:r>
+              <a:rPr lang="en-US" altLang="ko-KR" dirty="0">
+                <a:latin typeface="Inter"/>
+              </a:rPr>
+              <a:t>Ease-Out</a:t>
+            </a:r>
+            <a:r>
+              <a:rPr lang="ko-KR" altLang="en-US" dirty="0">
+                <a:latin typeface="Inter"/>
+              </a:rPr>
+              <a:t> 움직임을 사용했습니다</a:t>
+            </a:r>
+            <a:r>
+              <a:rPr lang="en-US" altLang="ko-KR" dirty="0">
+                <a:latin typeface="Inter"/>
+              </a:rPr>
+              <a:t>.</a:t>
+            </a:r>
+          </a:p>
+          <a:p>
+            <a:pPr marL="285750" indent="-285750">
+              <a:lnSpc>
+                <a:spcPct val="150000"/>
+              </a:lnSpc>
+              <a:buFont typeface="Arial" panose="020B0604020202020204" pitchFamily="34" charset="0"/>
+              <a:buChar char="•"/>
+            </a:pPr>
+            <a:r>
+              <a:rPr lang="ko-KR" altLang="en-US" dirty="0"/>
+              <a:t>카드 배치 중에는 클릭이 불가능하며</a:t>
+            </a:r>
+            <a:r>
+              <a:rPr lang="en-US" altLang="ko-KR" dirty="0">
+                <a:latin typeface="Inter"/>
+              </a:rPr>
+              <a:t>, </a:t>
+            </a:r>
+            <a:r>
+              <a:rPr lang="ko-KR" altLang="en-US" dirty="0">
+                <a:latin typeface="Inter"/>
+              </a:rPr>
+              <a:t>모든 카드 배치가 완료된 이후에</a:t>
+            </a:r>
+            <a:r>
+              <a:rPr lang="en-US" altLang="ko-KR" dirty="0">
+                <a:latin typeface="Inter"/>
+              </a:rPr>
+              <a:t>, </a:t>
+            </a:r>
+            <a:r>
+              <a:rPr lang="ko-KR" altLang="en-US" dirty="0">
+                <a:latin typeface="Inter"/>
+              </a:rPr>
+              <a:t>플레이어가 짝을 맞추는 게임을 시작할 수 있도록 설계했습니다</a:t>
+            </a:r>
+            <a:r>
+              <a:rPr lang="en-US" altLang="ko-KR" dirty="0">
+                <a:latin typeface="Inter"/>
+              </a:rPr>
+              <a:t>.</a:t>
+            </a:r>
+          </a:p>
+          <a:p>
+            <a:pPr marL="285750" indent="-285750">
+              <a:lnSpc>
+                <a:spcPct val="150000"/>
+              </a:lnSpc>
+              <a:buFont typeface="Arial" panose="020B0604020202020204" pitchFamily="34" charset="0"/>
+              <a:buChar char="•"/>
+            </a:pPr>
+            <a:r>
+              <a:rPr lang="ko-KR" altLang="en-US" strike="sngStrike" dirty="0">
+                <a:latin typeface="Inter"/>
+              </a:rPr>
+              <a:t>카드는 맨 </a:t>
+            </a:r>
+            <a:r>
+              <a:rPr lang="ko-KR" altLang="en-US" strike="sngStrike" dirty="0" err="1">
+                <a:latin typeface="Inter"/>
+              </a:rPr>
+              <a:t>윗장</a:t>
+            </a:r>
+            <a:r>
+              <a:rPr lang="ko-KR" altLang="en-US" strike="sngStrike" dirty="0">
+                <a:latin typeface="Inter"/>
+              </a:rPr>
+              <a:t> </a:t>
+            </a:r>
+            <a:r>
+              <a:rPr lang="ko-KR" altLang="en-US" strike="sngStrike" dirty="0" err="1">
+                <a:latin typeface="Inter"/>
+              </a:rPr>
+              <a:t>부터</a:t>
+            </a:r>
+            <a:r>
+              <a:rPr lang="ko-KR" altLang="en-US" strike="sngStrike" dirty="0">
+                <a:latin typeface="Inter"/>
+              </a:rPr>
+              <a:t> 날아갑니다</a:t>
+            </a:r>
+            <a:r>
+              <a:rPr lang="en-US" altLang="ko-KR" strike="sngStrike" dirty="0">
+                <a:latin typeface="Inter"/>
+              </a:rPr>
+              <a:t>.</a:t>
+            </a:r>
+            <a:endParaRPr lang="ko-KR" altLang="en-US" dirty="0">
+              <a:latin typeface="Inter"/>
+            </a:endParaRPr>
           </a:p>
         </p:txBody>
       </p:sp>

--- a/tzjqc37h0bnimw7.pptx
+++ b/tzjqc37h0bnimw7.pptx
@@ -16,9 +16,9 @@
     <p:sldId id="261" r:id="rId7"/>
     <p:sldId id="265" r:id="rId8"/>
     <p:sldId id="266" r:id="rId9"/>
-    <p:sldId id="267" r:id="rId10"/>
-    <p:sldId id="269" r:id="rId11"/>
-    <p:sldId id="270" r:id="rId12"/>
+    <p:sldId id="271" r:id="rId10"/>
+    <p:sldId id="272" r:id="rId11"/>
+    <p:sldId id="273" r:id="rId12"/>
     <p:sldId id="263" r:id="rId13"/>
     <p:sldId id="264" r:id="rId14"/>
   </p:sldIdLst>
@@ -356,7 +356,7 @@
         <p:cNvPr id="1" name="">
           <a:extLst>
             <a:ext uri="{FF2B5EF4-FFF2-40B4-BE49-F238E27FC236}">
-              <a16:creationId xmlns:a16="http://schemas.microsoft.com/office/drawing/2014/main" id="{FF5B67CB-15DB-F97B-B3C6-D54ECB3ABC2E}"/>
+              <a16:creationId xmlns:a16="http://schemas.microsoft.com/office/drawing/2014/main" id="{4E4B004A-9B59-4904-F1F0-5B82A06F0165}"/>
             </a:ext>
           </a:extLst>
         </p:cNvPr>
@@ -376,7 +376,7 @@
           <p:cNvPr id="2" name="Slide Image Placeholder 1">
             <a:extLst>
               <a:ext uri="{FF2B5EF4-FFF2-40B4-BE49-F238E27FC236}">
-                <a16:creationId xmlns:a16="http://schemas.microsoft.com/office/drawing/2014/main" id="{35DD373A-4B0C-7D33-99AA-AD6E9D42CF4C}"/>
+                <a16:creationId xmlns:a16="http://schemas.microsoft.com/office/drawing/2014/main" id="{8B9F066D-266E-2FC7-27A5-EEAD1BC2532F}"/>
               </a:ext>
             </a:extLst>
           </p:cNvPr>
@@ -394,7 +394,7 @@
           <p:cNvPr id="3" name="Notes Placeholder 2">
             <a:extLst>
               <a:ext uri="{FF2B5EF4-FFF2-40B4-BE49-F238E27FC236}">
-                <a16:creationId xmlns:a16="http://schemas.microsoft.com/office/drawing/2014/main" id="{AD3F017E-5998-BA15-EB43-BBC2E8794D72}"/>
+                <a16:creationId xmlns:a16="http://schemas.microsoft.com/office/drawing/2014/main" id="{1FC061F5-DF3A-0855-4924-25C77C505E15}"/>
               </a:ext>
             </a:extLst>
           </p:cNvPr>
@@ -419,7 +419,7 @@
           <p:cNvPr id="4" name="Slide Number Placeholder 3">
             <a:extLst>
               <a:ext uri="{FF2B5EF4-FFF2-40B4-BE49-F238E27FC236}">
-                <a16:creationId xmlns:a16="http://schemas.microsoft.com/office/drawing/2014/main" id="{30F9FBA4-7CCC-6155-9BEE-AFEB7F95DC22}"/>
+                <a16:creationId xmlns:a16="http://schemas.microsoft.com/office/drawing/2014/main" id="{F02A2A90-A1DB-8E9B-EC99-886B2CBFDF77}"/>
               </a:ext>
             </a:extLst>
           </p:cNvPr>
@@ -446,7 +446,7 @@
     </p:spTree>
     <p:extLst>
       <p:ext uri="{BB962C8B-B14F-4D97-AF65-F5344CB8AC3E}">
-        <p14:creationId xmlns:p14="http://schemas.microsoft.com/office/powerpoint/2010/main" val="107768295"/>
+        <p14:creationId xmlns:p14="http://schemas.microsoft.com/office/powerpoint/2010/main" val="3085422110"/>
       </p:ext>
     </p:extLst>
   </p:cSld>
@@ -464,7 +464,7 @@
         <p:cNvPr id="1" name="">
           <a:extLst>
             <a:ext uri="{FF2B5EF4-FFF2-40B4-BE49-F238E27FC236}">
-              <a16:creationId xmlns:a16="http://schemas.microsoft.com/office/drawing/2014/main" id="{A47EA322-BDB7-EBF4-07A8-A64118E0BBB1}"/>
+              <a16:creationId xmlns:a16="http://schemas.microsoft.com/office/drawing/2014/main" id="{6DEB7F1B-80FC-084B-A0AD-68F39B219CBB}"/>
             </a:ext>
           </a:extLst>
         </p:cNvPr>
@@ -484,7 +484,7 @@
           <p:cNvPr id="2" name="Slide Image Placeholder 1">
             <a:extLst>
               <a:ext uri="{FF2B5EF4-FFF2-40B4-BE49-F238E27FC236}">
-                <a16:creationId xmlns:a16="http://schemas.microsoft.com/office/drawing/2014/main" id="{1F0391F8-7883-9195-E7A8-BA804CD52F9B}"/>
+                <a16:creationId xmlns:a16="http://schemas.microsoft.com/office/drawing/2014/main" id="{07E239AD-8AD4-E438-FF80-C891D7852D1D}"/>
               </a:ext>
             </a:extLst>
           </p:cNvPr>
@@ -502,7 +502,7 @@
           <p:cNvPr id="3" name="Notes Placeholder 2">
             <a:extLst>
               <a:ext uri="{FF2B5EF4-FFF2-40B4-BE49-F238E27FC236}">
-                <a16:creationId xmlns:a16="http://schemas.microsoft.com/office/drawing/2014/main" id="{64AF6C0F-686E-B1AB-8F06-D122E6D7FB13}"/>
+                <a16:creationId xmlns:a16="http://schemas.microsoft.com/office/drawing/2014/main" id="{CE8E7E6D-5B01-DCBA-5A20-3DC62A1D4C2D}"/>
               </a:ext>
             </a:extLst>
           </p:cNvPr>
@@ -527,7 +527,7 @@
           <p:cNvPr id="4" name="Slide Number Placeholder 3">
             <a:extLst>
               <a:ext uri="{FF2B5EF4-FFF2-40B4-BE49-F238E27FC236}">
-                <a16:creationId xmlns:a16="http://schemas.microsoft.com/office/drawing/2014/main" id="{FED29F48-482B-81EB-CD92-89CAE5A55642}"/>
+                <a16:creationId xmlns:a16="http://schemas.microsoft.com/office/drawing/2014/main" id="{ABAEE40E-9A2C-717A-72CA-7D0AB939D37A}"/>
               </a:ext>
             </a:extLst>
           </p:cNvPr>
@@ -554,7 +554,7 @@
     </p:spTree>
     <p:extLst>
       <p:ext uri="{BB962C8B-B14F-4D97-AF65-F5344CB8AC3E}">
-        <p14:creationId xmlns:p14="http://schemas.microsoft.com/office/powerpoint/2010/main" val="579624925"/>
+        <p14:creationId xmlns:p14="http://schemas.microsoft.com/office/powerpoint/2010/main" val="3272409718"/>
       </p:ext>
     </p:extLst>
   </p:cSld>
@@ -1373,7 +1373,13 @@
   <p:cSld>
     <p:spTree>
       <p:nvGrpSpPr>
-        <p:cNvPr id="1" name=""/>
+        <p:cNvPr id="1" name="">
+          <a:extLst>
+            <a:ext uri="{FF2B5EF4-FFF2-40B4-BE49-F238E27FC236}">
+              <a16:creationId xmlns:a16="http://schemas.microsoft.com/office/drawing/2014/main" id="{EE14F7D2-2BC6-3EEB-C7B9-EACEF68F0A9A}"/>
+            </a:ext>
+          </a:extLst>
+        </p:cNvPr>
         <p:cNvGrpSpPr/>
         <p:nvPr/>
       </p:nvGrpSpPr>
@@ -1387,7 +1393,13 @@
       </p:grpSpPr>
       <p:sp>
         <p:nvSpPr>
-          <p:cNvPr id="2" name="Slide Image Placeholder 1"/>
+          <p:cNvPr id="2" name="Slide Image Placeholder 1">
+            <a:extLst>
+              <a:ext uri="{FF2B5EF4-FFF2-40B4-BE49-F238E27FC236}">
+                <a16:creationId xmlns:a16="http://schemas.microsoft.com/office/drawing/2014/main" id="{99F4C859-DD5B-E5D9-AD37-1C2E06B2CB44}"/>
+              </a:ext>
+            </a:extLst>
+          </p:cNvPr>
           <p:cNvSpPr>
             <a:spLocks noGrp="1" noRot="1" noChangeAspect="1"/>
           </p:cNvSpPr>
@@ -1399,7 +1411,13 @@
       </p:sp>
       <p:sp>
         <p:nvSpPr>
-          <p:cNvPr id="3" name="Notes Placeholder 2"/>
+          <p:cNvPr id="3" name="Notes Placeholder 2">
+            <a:extLst>
+              <a:ext uri="{FF2B5EF4-FFF2-40B4-BE49-F238E27FC236}">
+                <a16:creationId xmlns:a16="http://schemas.microsoft.com/office/drawing/2014/main" id="{0FBA2A0B-B462-3429-43B6-3D16F1EB0044}"/>
+              </a:ext>
+            </a:extLst>
+          </p:cNvPr>
           <p:cNvSpPr>
             <a:spLocks noGrp="1"/>
           </p:cNvSpPr>
@@ -1418,7 +1436,13 @@
       </p:sp>
       <p:sp>
         <p:nvSpPr>
-          <p:cNvPr id="4" name="Slide Number Placeholder 3"/>
+          <p:cNvPr id="4" name="Slide Number Placeholder 3">
+            <a:extLst>
+              <a:ext uri="{FF2B5EF4-FFF2-40B4-BE49-F238E27FC236}">
+                <a16:creationId xmlns:a16="http://schemas.microsoft.com/office/drawing/2014/main" id="{139FD7FF-BAA1-C4AB-FE07-F0A834016523}"/>
+              </a:ext>
+            </a:extLst>
+          </p:cNvPr>
           <p:cNvSpPr>
             <a:spLocks noGrp="1"/>
           </p:cNvSpPr>
@@ -1442,7 +1466,7 @@
     </p:spTree>
     <p:extLst>
       <p:ext uri="{BB962C8B-B14F-4D97-AF65-F5344CB8AC3E}">
-        <p14:creationId xmlns:p14="http://schemas.microsoft.com/office/powerpoint/2010/main" val="1024086991"/>
+        <p14:creationId xmlns:p14="http://schemas.microsoft.com/office/powerpoint/2010/main" val="3793332312"/>
       </p:ext>
     </p:extLst>
   </p:cSld>
@@ -2887,7 +2911,7 @@
         <p:cNvPr id="1" name="">
           <a:extLst>
             <a:ext uri="{FF2B5EF4-FFF2-40B4-BE49-F238E27FC236}">
-              <a16:creationId xmlns:a16="http://schemas.microsoft.com/office/drawing/2014/main" id="{D305758B-686D-468D-4E1E-DFFE7F9D5810}"/>
+              <a16:creationId xmlns:a16="http://schemas.microsoft.com/office/drawing/2014/main" id="{3CDD468A-DEC9-AFA9-FD79-8376FC98F1FC}"/>
             </a:ext>
           </a:extLst>
         </p:cNvPr>
@@ -2907,7 +2931,7 @@
           <p:cNvPr id="2" name="Text 0">
             <a:extLst>
               <a:ext uri="{FF2B5EF4-FFF2-40B4-BE49-F238E27FC236}">
-                <a16:creationId xmlns:a16="http://schemas.microsoft.com/office/drawing/2014/main" id="{D2BB0C0D-7D0C-7253-A86C-389DFF101B6C}"/>
+                <a16:creationId xmlns:a16="http://schemas.microsoft.com/office/drawing/2014/main" id="{2DA1AA48-4533-E994-FB05-A36EE384EBBE}"/>
               </a:ext>
             </a:extLst>
           </p:cNvPr>
@@ -2977,7 +3001,7 @@
           <p:cNvPr id="5" name="Text 2">
             <a:extLst>
               <a:ext uri="{FF2B5EF4-FFF2-40B4-BE49-F238E27FC236}">
-                <a16:creationId xmlns:a16="http://schemas.microsoft.com/office/drawing/2014/main" id="{8CC51F0D-9850-F02F-B9BC-DAEBAE0A283B}"/>
+                <a16:creationId xmlns:a16="http://schemas.microsoft.com/office/drawing/2014/main" id="{ADF5FB15-7C4B-04ED-93D4-8B6408E1462B}"/>
               </a:ext>
             </a:extLst>
           </p:cNvPr>
@@ -3014,7 +3038,7 @@
           <p:cNvPr id="6" name="직사각형 5">
             <a:extLst>
               <a:ext uri="{FF2B5EF4-FFF2-40B4-BE49-F238E27FC236}">
-                <a16:creationId xmlns:a16="http://schemas.microsoft.com/office/drawing/2014/main" id="{657CA333-D46D-DDAD-6CF7-E2376932772B}"/>
+                <a16:creationId xmlns:a16="http://schemas.microsoft.com/office/drawing/2014/main" id="{654F59BB-C953-5B61-C3EB-76AB4E65DC99}"/>
               </a:ext>
             </a:extLst>
           </p:cNvPr>
@@ -3068,7 +3092,7 @@
           <p:cNvPr id="4" name="TextBox 3">
             <a:extLst>
               <a:ext uri="{FF2B5EF4-FFF2-40B4-BE49-F238E27FC236}">
-                <a16:creationId xmlns:a16="http://schemas.microsoft.com/office/drawing/2014/main" id="{F12E1B37-BBF0-FF0A-5F79-6BA93ECFD317}"/>
+                <a16:creationId xmlns:a16="http://schemas.microsoft.com/office/drawing/2014/main" id="{E09C0424-81E9-8C71-A7BF-D9D5B7856233}"/>
               </a:ext>
             </a:extLst>
           </p:cNvPr>
@@ -5176,10 +5200,10 @@
       </p:sp>
       <p:sp>
         <p:nvSpPr>
-          <p:cNvPr id="8" name="TextBox 7">
+          <p:cNvPr id="3" name="TextBox 2">
             <a:extLst>
               <a:ext uri="{FF2B5EF4-FFF2-40B4-BE49-F238E27FC236}">
-                <a16:creationId xmlns:a16="http://schemas.microsoft.com/office/drawing/2014/main" id="{F7187387-3234-12AE-19C1-DEB75F1072FE}"/>
+                <a16:creationId xmlns:a16="http://schemas.microsoft.com/office/drawing/2014/main" id="{D74F2B5B-B254-972E-3E0F-C6578A748280}"/>
               </a:ext>
             </a:extLst>
           </p:cNvPr>
@@ -5188,8 +5212,8 @@
         </p:nvSpPr>
         <p:spPr>
           <a:xfrm>
-            <a:off x="7315200" y="2858266"/>
-            <a:ext cx="6128569" cy="2957861"/>
+            <a:off x="6533535" y="2638425"/>
+            <a:ext cx="7310695" cy="2967159"/>
           </a:xfrm>
           <a:prstGeom prst="rect">
             <a:avLst/>
@@ -5202,176 +5226,113 @@
           </a:bodyPr>
           <a:lstStyle/>
           <a:p>
+            <a:pPr>
+              <a:lnSpc>
+                <a:spcPct val="200000"/>
+              </a:lnSpc>
+            </a:pPr>
+            <a:r>
+              <a:rPr lang="ko-KR" altLang="en-US" sz="2400" b="1" dirty="0">
+                <a:latin typeface="Inter"/>
+              </a:rPr>
+              <a:t>카드 초기 세팅</a:t>
+            </a:r>
+            <a:endParaRPr lang="en-US" altLang="ko-KR" sz="2400" b="1" dirty="0">
+              <a:latin typeface="Inter"/>
+            </a:endParaRPr>
+          </a:p>
+          <a:p>
             <a:pPr marL="285750" indent="-285750">
               <a:lnSpc>
-                <a:spcPct val="150000"/>
+                <a:spcPct val="200000"/>
               </a:lnSpc>
               <a:buFont typeface="Arial" panose="020B0604020202020204" pitchFamily="34" charset="0"/>
               <a:buChar char="•"/>
             </a:pPr>
             <a:r>
-              <a:rPr lang="en-US" altLang="ko-KR" dirty="0">
-                <a:latin typeface="Inter"/>
-              </a:rPr>
-              <a:t> </a:t>
-            </a:r>
-            <a:r>
-              <a:rPr lang="ko-KR" altLang="en-US" dirty="0">
-                <a:latin typeface="Inter"/>
-              </a:rPr>
-              <a:t>카드 배치 시간을 계산하여</a:t>
-            </a:r>
-            <a:r>
-              <a:rPr lang="en-US" altLang="ko-KR" dirty="0">
-                <a:latin typeface="Inter"/>
-              </a:rPr>
-              <a:t>, </a:t>
-            </a:r>
-            <a:r>
-              <a:rPr lang="ko-KR" altLang="en-US" dirty="0">
-                <a:latin typeface="Inter"/>
-              </a:rPr>
-              <a:t>카드가 모두 배치 된 후 게임이 시작되도록 설정했습니다</a:t>
-            </a:r>
-            <a:r>
-              <a:rPr lang="en-US" altLang="ko-KR" dirty="0">
-                <a:latin typeface="Inter"/>
-              </a:rPr>
+              <a:rPr lang="ko-KR" altLang="en-US" dirty="0"/>
+              <a:t>카드 짝 배열을 무작위로 섞어 저장합니다</a:t>
+            </a:r>
+            <a:r>
+              <a:rPr lang="en-US" altLang="ko-KR" dirty="0"/>
               <a:t>.</a:t>
             </a:r>
           </a:p>
           <a:p>
             <a:pPr marL="285750" indent="-285750">
               <a:lnSpc>
-                <a:spcPct val="150000"/>
+                <a:spcPct val="200000"/>
               </a:lnSpc>
               <a:buFont typeface="Arial" panose="020B0604020202020204" pitchFamily="34" charset="0"/>
               <a:buChar char="•"/>
             </a:pPr>
             <a:r>
-              <a:rPr lang="ko-KR" altLang="en-US" dirty="0">
-                <a:latin typeface="Inter"/>
-              </a:rPr>
-              <a:t>해당 인덱스의 카드의 시작 위치와</a:t>
-            </a:r>
-            <a:r>
-              <a:rPr lang="en-US" altLang="ko-KR" dirty="0">
-                <a:latin typeface="Inter"/>
-              </a:rPr>
-              <a:t> </a:t>
-            </a:r>
-            <a:r>
-              <a:rPr lang="ko-KR" altLang="en-US" dirty="0">
-                <a:latin typeface="Inter"/>
-              </a:rPr>
-              <a:t>시작 회전 값</a:t>
-            </a:r>
-            <a:r>
-              <a:rPr lang="en-US" altLang="ko-KR" dirty="0">
-                <a:latin typeface="Inter"/>
-              </a:rPr>
-              <a:t>. </a:t>
-            </a:r>
-            <a:r>
-              <a:rPr lang="ko-KR" altLang="en-US" dirty="0" err="1">
-                <a:latin typeface="Inter"/>
-              </a:rPr>
-              <a:t>렌더</a:t>
-            </a:r>
-            <a:r>
-              <a:rPr lang="ko-KR" altLang="en-US" dirty="0">
-                <a:latin typeface="Inter"/>
-              </a:rPr>
-              <a:t> 순서를 설정하고</a:t>
-            </a:r>
-            <a:r>
-              <a:rPr lang="en-US" altLang="ko-KR" dirty="0">
-                <a:latin typeface="Inter"/>
-              </a:rPr>
+              <a:rPr lang="ko-KR" altLang="en-US" dirty="0"/>
+              <a:t>시작 위치는 아래</a:t>
+            </a:r>
+            <a:r>
+              <a:rPr lang="en-US" altLang="ko-KR" dirty="0"/>
               <a:t>, </a:t>
             </a:r>
             <a:r>
-              <a:rPr lang="ko-KR" altLang="en-US" dirty="0">
-                <a:latin typeface="Inter"/>
-              </a:rPr>
-              <a:t>배치 위치와</a:t>
-            </a:r>
-            <a:r>
-              <a:rPr lang="en-US" altLang="ko-KR" dirty="0">
-                <a:latin typeface="Inter"/>
-              </a:rPr>
-              <a:t> </a:t>
-            </a:r>
-            <a:r>
-              <a:rPr lang="ko-KR" altLang="en-US" dirty="0">
-                <a:latin typeface="Inter"/>
-              </a:rPr>
-              <a:t>시작 위치</a:t>
-            </a:r>
-            <a:r>
-              <a:rPr lang="en-US" altLang="ko-KR" dirty="0">
-                <a:latin typeface="Inter"/>
-              </a:rPr>
-              <a:t>, </a:t>
-            </a:r>
-            <a:r>
-              <a:rPr lang="ko-KR" altLang="en-US" dirty="0">
-                <a:latin typeface="Inter"/>
-              </a:rPr>
-              <a:t>시작 회전 각도의 값들을 각 배열에 저장했습니다</a:t>
-            </a:r>
-            <a:r>
-              <a:rPr lang="en-US" altLang="ko-KR" dirty="0">
-                <a:latin typeface="Inter"/>
-              </a:rPr>
+              <a:rPr lang="ko-KR" altLang="en-US" dirty="0"/>
+              <a:t>회전은 카드마다 다르게 설정합니다</a:t>
+            </a:r>
+            <a:r>
+              <a:rPr lang="en-US" altLang="ko-KR" dirty="0"/>
               <a:t>.</a:t>
             </a:r>
           </a:p>
           <a:p>
             <a:pPr marL="285750" indent="-285750">
               <a:lnSpc>
-                <a:spcPct val="150000"/>
+                <a:spcPct val="200000"/>
               </a:lnSpc>
               <a:buFont typeface="Arial" panose="020B0604020202020204" pitchFamily="34" charset="0"/>
               <a:buChar char="•"/>
             </a:pPr>
             <a:r>
-              <a:rPr lang="ko-KR" altLang="en-US" dirty="0">
-                <a:latin typeface="Inter"/>
-              </a:rPr>
-              <a:t>배열에 저장된 값들은 카드 </a:t>
-            </a:r>
-            <a:r>
-              <a:rPr lang="ko-KR" altLang="en-US" dirty="0" err="1">
-                <a:latin typeface="Inter"/>
-              </a:rPr>
-              <a:t>배치시</a:t>
-            </a:r>
-            <a:r>
-              <a:rPr lang="ko-KR" altLang="en-US" dirty="0">
-                <a:latin typeface="Inter"/>
-              </a:rPr>
-              <a:t> 사용됩니다</a:t>
-            </a:r>
-            <a:r>
-              <a:rPr lang="en-US" altLang="ko-KR" dirty="0">
-                <a:latin typeface="Inter"/>
-              </a:rPr>
+              <a:rPr lang="ko-KR" altLang="en-US" dirty="0"/>
+              <a:t>각 카드의 배치 위치</a:t>
+            </a:r>
+            <a:r>
+              <a:rPr lang="en-US" altLang="ko-KR" dirty="0"/>
+              <a:t>, </a:t>
+            </a:r>
+            <a:r>
+              <a:rPr lang="ko-KR" altLang="en-US" dirty="0"/>
+              <a:t>시작 위치</a:t>
+            </a:r>
+            <a:r>
+              <a:rPr lang="en-US" altLang="ko-KR" dirty="0"/>
+              <a:t>, </a:t>
+            </a:r>
+            <a:r>
+              <a:rPr lang="ko-KR" altLang="en-US" dirty="0"/>
+              <a:t>회전 각도를 배열에 저장합니다</a:t>
+            </a:r>
+            <a:r>
+              <a:rPr lang="en-US" altLang="ko-KR" dirty="0"/>
               <a:t>.</a:t>
             </a:r>
-            <a:endParaRPr lang="ko-KR" altLang="en-US" dirty="0">
-              <a:latin typeface="Inter"/>
-            </a:endParaRPr>
           </a:p>
           <a:p>
             <a:pPr marL="285750" indent="-285750">
               <a:lnSpc>
-                <a:spcPct val="150000"/>
+                <a:spcPct val="200000"/>
               </a:lnSpc>
               <a:buFont typeface="Arial" panose="020B0604020202020204" pitchFamily="34" charset="0"/>
               <a:buChar char="•"/>
             </a:pPr>
-            <a:endParaRPr lang="ko-KR" altLang="en-US" dirty="0">
+            <a:r>
+              <a:rPr lang="ko-KR" altLang="en-US" dirty="0"/>
+              <a:t>겹쳐지는 카드가 자연스럽게 보이도록 출력 순서를 조정했습니다</a:t>
+            </a:r>
+            <a:r>
+              <a:rPr lang="en-US" altLang="ko-KR" dirty="0"/>
+              <a:t>.</a:t>
+            </a:r>
+            <a:endParaRPr lang="en-US" altLang="ko-KR" dirty="0">
               <a:latin typeface="Inter"/>
             </a:endParaRPr>
           </a:p>
@@ -5380,7 +5341,7 @@
     </p:spTree>
     <p:extLst>
       <p:ext uri="{BB962C8B-B14F-4D97-AF65-F5344CB8AC3E}">
-        <p14:creationId xmlns:p14="http://schemas.microsoft.com/office/powerpoint/2010/main" val="1974805578"/>
+        <p14:creationId xmlns:p14="http://schemas.microsoft.com/office/powerpoint/2010/main" val="119674067"/>
       </p:ext>
     </p:extLst>
   </p:cSld>
@@ -5398,7 +5359,7 @@
         <p:cNvPr id="1" name="">
           <a:extLst>
             <a:ext uri="{FF2B5EF4-FFF2-40B4-BE49-F238E27FC236}">
-              <a16:creationId xmlns:a16="http://schemas.microsoft.com/office/drawing/2014/main" id="{DB4E350F-3664-4F00-CC57-3D85F9696606}"/>
+              <a16:creationId xmlns:a16="http://schemas.microsoft.com/office/drawing/2014/main" id="{709A2BCD-D323-A9BD-E0D9-058B0E2B96A5}"/>
             </a:ext>
           </a:extLst>
         </p:cNvPr>
@@ -5418,7 +5379,7 @@
           <p:cNvPr id="2" name="Text 0">
             <a:extLst>
               <a:ext uri="{FF2B5EF4-FFF2-40B4-BE49-F238E27FC236}">
-                <a16:creationId xmlns:a16="http://schemas.microsoft.com/office/drawing/2014/main" id="{D799BBA6-6BC7-A563-BCAD-84E3A9E740AF}"/>
+                <a16:creationId xmlns:a16="http://schemas.microsoft.com/office/drawing/2014/main" id="{E7825B5F-12A4-E9E4-3590-F4AE85B5BD03}"/>
               </a:ext>
             </a:extLst>
           </p:cNvPr>
@@ -5488,7 +5449,7 @@
           <p:cNvPr id="5" name="Text 2">
             <a:extLst>
               <a:ext uri="{FF2B5EF4-FFF2-40B4-BE49-F238E27FC236}">
-                <a16:creationId xmlns:a16="http://schemas.microsoft.com/office/drawing/2014/main" id="{90C394C4-0CBC-666B-CBB8-306A35C0FC73}"/>
+                <a16:creationId xmlns:a16="http://schemas.microsoft.com/office/drawing/2014/main" id="{857A73FF-4A39-9B5B-6FFE-ACF2A6AB83BC}"/>
               </a:ext>
             </a:extLst>
           </p:cNvPr>
@@ -5525,7 +5486,7 @@
           <p:cNvPr id="6" name="직사각형 5">
             <a:extLst>
               <a:ext uri="{FF2B5EF4-FFF2-40B4-BE49-F238E27FC236}">
-                <a16:creationId xmlns:a16="http://schemas.microsoft.com/office/drawing/2014/main" id="{6FC0180F-8FF5-35DC-273C-C26E7AF0BB86}"/>
+                <a16:creationId xmlns:a16="http://schemas.microsoft.com/office/drawing/2014/main" id="{A05C1833-FE0B-C4DA-C21D-496E80B35FC2}"/>
               </a:ext>
             </a:extLst>
           </p:cNvPr>
@@ -5579,7 +5540,7 @@
           <p:cNvPr id="7" name="TextBox 6">
             <a:extLst>
               <a:ext uri="{FF2B5EF4-FFF2-40B4-BE49-F238E27FC236}">
-                <a16:creationId xmlns:a16="http://schemas.microsoft.com/office/drawing/2014/main" id="{B74EF754-D883-372F-4E70-AAC1A03523EC}"/>
+                <a16:creationId xmlns:a16="http://schemas.microsoft.com/office/drawing/2014/main" id="{00768078-1573-CBDC-CCF2-9E03BCA8385B}"/>
               </a:ext>
             </a:extLst>
           </p:cNvPr>
@@ -8028,10 +7989,10 @@
       </p:sp>
       <p:sp>
         <p:nvSpPr>
-          <p:cNvPr id="8" name="TextBox 7">
+          <p:cNvPr id="3" name="TextBox 2">
             <a:extLst>
               <a:ext uri="{FF2B5EF4-FFF2-40B4-BE49-F238E27FC236}">
-                <a16:creationId xmlns:a16="http://schemas.microsoft.com/office/drawing/2014/main" id="{41D7161E-1D4B-F35C-4DEF-68A4F1452D5A}"/>
+                <a16:creationId xmlns:a16="http://schemas.microsoft.com/office/drawing/2014/main" id="{DDCBE279-C16A-C2E8-C2B9-73949D67A7E0}"/>
               </a:ext>
             </a:extLst>
           </p:cNvPr>
@@ -8040,8 +8001,8 @@
         </p:nvSpPr>
         <p:spPr>
           <a:xfrm>
-            <a:off x="8790534" y="2100398"/>
-            <a:ext cx="5053696" cy="5033109"/>
+            <a:off x="8790533" y="2328708"/>
+            <a:ext cx="5707132" cy="4629152"/>
           </a:xfrm>
           <a:prstGeom prst="rect">
             <a:avLst/>
@@ -8054,101 +8015,95 @@
           </a:bodyPr>
           <a:lstStyle/>
           <a:p>
+            <a:pPr>
+              <a:lnSpc>
+                <a:spcPct val="200000"/>
+              </a:lnSpc>
+            </a:pPr>
+            <a:r>
+              <a:rPr lang="ko-KR" altLang="en-US" sz="2400" b="1" dirty="0">
+                <a:latin typeface="Inter"/>
+              </a:rPr>
+              <a:t>카드 이동 및 회전</a:t>
+            </a:r>
+            <a:endParaRPr lang="en-US" altLang="ko-KR" sz="2400" b="1" dirty="0">
+              <a:latin typeface="Inter"/>
+            </a:endParaRPr>
+          </a:p>
+          <a:p>
             <a:pPr marL="285750" indent="-285750">
               <a:lnSpc>
-                <a:spcPct val="150000"/>
+                <a:spcPct val="200000"/>
               </a:lnSpc>
               <a:buFont typeface="Arial" panose="020B0604020202020204" pitchFamily="34" charset="0"/>
               <a:buChar char="•"/>
             </a:pPr>
             <a:r>
-              <a:rPr lang="ko-KR" altLang="en-US" dirty="0">
-                <a:latin typeface="Inter"/>
-              </a:rPr>
-              <a:t>카드는 일정 시간</a:t>
-            </a:r>
-            <a:r>
-              <a:rPr lang="en-US" altLang="ko-KR" dirty="0">
-                <a:latin typeface="Inter"/>
-              </a:rPr>
+              <a:rPr lang="ko-KR" altLang="en-US" dirty="0"/>
+              <a:t>각 카드는 일정 시간 간격</a:t>
+            </a:r>
+            <a:r>
+              <a:rPr lang="en-US" altLang="ko-KR" dirty="0"/>
               <a:t>(</a:t>
             </a:r>
             <a:r>
-              <a:rPr lang="en-US" altLang="ko-KR" dirty="0" err="1">
-                <a:latin typeface="Inter"/>
-              </a:rPr>
+              <a:rPr lang="en-US" altLang="ko-KR" dirty="0" err="1"/>
               <a:t>cardTime</a:t>
             </a:r>
             <a:r>
-              <a:rPr lang="en-US" altLang="ko-KR" dirty="0">
-                <a:latin typeface="Inter"/>
-              </a:rPr>
-              <a:t>) </a:t>
-            </a:r>
-            <a:r>
-              <a:rPr lang="ko-KR" altLang="en-US" dirty="0">
-                <a:latin typeface="Inter"/>
-              </a:rPr>
-              <a:t>간격으로 차례대로 날아갑니다</a:t>
-            </a:r>
-            <a:r>
-              <a:rPr lang="en-US" altLang="ko-KR" dirty="0">
-                <a:latin typeface="Inter"/>
-              </a:rPr>
+              <a:rPr lang="en-US" altLang="ko-KR" dirty="0"/>
+              <a:t>)</a:t>
+            </a:r>
+            <a:r>
+              <a:rPr lang="ko-KR" altLang="en-US" dirty="0"/>
+              <a:t>으로 </a:t>
+            </a:r>
+            <a:br>
+              <a:rPr lang="en-US" altLang="ko-KR" dirty="0"/>
+            </a:br>
+            <a:r>
+              <a:rPr lang="ko-KR" altLang="en-US" dirty="0"/>
+              <a:t>차례대로 이동합니다</a:t>
+            </a:r>
+            <a:r>
+              <a:rPr lang="en-US" altLang="ko-KR" dirty="0"/>
               <a:t>.</a:t>
             </a:r>
           </a:p>
           <a:p>
             <a:pPr marL="285750" indent="-285750">
               <a:lnSpc>
-                <a:spcPct val="150000"/>
+                <a:spcPct val="200000"/>
               </a:lnSpc>
               <a:buFont typeface="Arial" panose="020B0604020202020204" pitchFamily="34" charset="0"/>
               <a:buChar char="•"/>
             </a:pPr>
             <a:r>
-              <a:rPr lang="en-US" altLang="ko-KR" dirty="0"/>
-              <a:t>0</a:t>
-            </a:r>
-            <a:r>
               <a:rPr lang="ko-KR" altLang="en-US" dirty="0"/>
-              <a:t>번 카드는 </a:t>
-            </a:r>
-            <a:r>
-              <a:rPr lang="en-US" altLang="ko-KR" dirty="0"/>
-              <a:t>0</a:t>
+              <a:t>위치와 회전은 </a:t>
+            </a:r>
+            <a:r>
+              <a:rPr lang="ko-KR" altLang="en-US" dirty="0" err="1"/>
+              <a:t>보간을</a:t>
             </a:r>
             <a:r>
               <a:rPr lang="ko-KR" altLang="en-US" dirty="0"/>
-              <a:t>초</a:t>
-            </a:r>
-            <a:r>
-              <a:rPr lang="en-US" altLang="ko-KR" dirty="0"/>
-              <a:t>, 1</a:t>
-            </a:r>
-            <a:r>
-              <a:rPr lang="ko-KR" altLang="en-US" dirty="0"/>
-              <a:t>번 카드는 </a:t>
-            </a:r>
-            <a:r>
-              <a:rPr lang="en-US" altLang="ko-KR" dirty="0" err="1"/>
-              <a:t>cardTime</a:t>
-            </a:r>
-            <a:r>
-              <a:rPr lang="ko-KR" altLang="en-US" dirty="0"/>
-              <a:t>초 후에 날아가며</a:t>
+              <a:t> 사용하고</a:t>
             </a:r>
             <a:r>
               <a:rPr lang="en-US" altLang="ko-KR" dirty="0"/>
               <a:t>, </a:t>
             </a:r>
+            <a:br>
+              <a:rPr lang="en-US" altLang="ko-KR" dirty="0"/>
+            </a:br>
+            <a:r>
+              <a:rPr lang="en-US" altLang="ko-KR" dirty="0"/>
+              <a:t>Ease-out</a:t>
+            </a:r>
             <a:r>
               <a:rPr lang="ko-KR" altLang="en-US" dirty="0"/>
-              <a:t>출발 시간이 되지 않은 카드는 </a:t>
-            </a:r>
-            <a:r>
-              <a:rPr lang="ko-KR" altLang="en-US" dirty="0" err="1"/>
-              <a:t>스킵됩니다</a:t>
+              <a:t> 곡선을 적용했습니다</a:t>
             </a:r>
             <a:r>
               <a:rPr lang="en-US" altLang="ko-KR" dirty="0"/>
@@ -8158,99 +8113,53 @@
           <a:p>
             <a:pPr marL="285750" indent="-285750">
               <a:lnSpc>
-                <a:spcPct val="150000"/>
+                <a:spcPct val="200000"/>
               </a:lnSpc>
               <a:buFont typeface="Arial" panose="020B0604020202020204" pitchFamily="34" charset="0"/>
               <a:buChar char="•"/>
             </a:pPr>
             <a:r>
-              <a:rPr lang="ko-KR" altLang="en-US" dirty="0">
-                <a:latin typeface="Inter"/>
-              </a:rPr>
-              <a:t>이동 및 회전은 </a:t>
-            </a:r>
-            <a:r>
-              <a:rPr lang="ko-KR" altLang="en-US" dirty="0" err="1">
-                <a:latin typeface="Inter"/>
-              </a:rPr>
-              <a:t>보간을</a:t>
-            </a:r>
-            <a:r>
-              <a:rPr lang="ko-KR" altLang="en-US" dirty="0">
-                <a:latin typeface="Inter"/>
-              </a:rPr>
-              <a:t> 사용해 카드가 지정된 위치와 각도로 이동하며 회전하도록 구현했습니다</a:t>
-            </a:r>
-            <a:r>
-              <a:rPr lang="en-US" altLang="ko-KR" dirty="0">
-                <a:latin typeface="Inter"/>
-              </a:rPr>
+              <a:rPr lang="ko-KR" altLang="en-US" dirty="0"/>
+              <a:t>카드 배치가 끝나면 애니메이션이 실행되고</a:t>
+            </a:r>
+            <a:r>
+              <a:rPr lang="en-US" altLang="ko-KR" dirty="0"/>
+              <a:t>,</a:t>
+            </a:r>
+            <a:br>
+              <a:rPr lang="en-US" altLang="ko-KR" dirty="0"/>
+            </a:br>
+            <a:r>
+              <a:rPr lang="ko-KR" altLang="en-US" dirty="0"/>
+              <a:t>클릭 가능 상태로 변경됩니다</a:t>
+            </a:r>
+            <a:r>
+              <a:rPr lang="en-US" altLang="ko-KR" dirty="0"/>
               <a:t>.</a:t>
             </a:r>
           </a:p>
           <a:p>
             <a:pPr marL="285750" indent="-285750">
               <a:lnSpc>
-                <a:spcPct val="150000"/>
+                <a:spcPct val="200000"/>
               </a:lnSpc>
               <a:buFont typeface="Arial" panose="020B0604020202020204" pitchFamily="34" charset="0"/>
               <a:buChar char="•"/>
             </a:pPr>
             <a:r>
-              <a:rPr lang="ko-KR" altLang="en-US" dirty="0">
-                <a:latin typeface="Inter"/>
-              </a:rPr>
-              <a:t>카드 배치가 끝나면 카드 애니메이션이 재생되고</a:t>
-            </a:r>
-            <a:r>
-              <a:rPr lang="en-US" altLang="ko-KR" dirty="0">
-                <a:latin typeface="Inter"/>
-              </a:rPr>
-              <a:t>, </a:t>
-            </a:r>
-            <a:r>
-              <a:rPr lang="ko-KR" altLang="en-US" dirty="0">
-                <a:latin typeface="Inter"/>
-              </a:rPr>
-              <a:t>카드 상태가 클릭 가능으로 변경됩니다</a:t>
-            </a:r>
-            <a:r>
-              <a:rPr lang="en-US" altLang="ko-KR" dirty="0">
-                <a:latin typeface="Inter"/>
-              </a:rPr>
-              <a:t>.</a:t>
-            </a:r>
-          </a:p>
-          <a:p>
-            <a:pPr marL="285750" indent="-285750">
-              <a:lnSpc>
-                <a:spcPct val="150000"/>
-              </a:lnSpc>
-              <a:buFont typeface="Arial" panose="020B0604020202020204" pitchFamily="34" charset="0"/>
-              <a:buChar char="•"/>
-            </a:pPr>
-            <a:r>
-              <a:rPr lang="ko-KR" altLang="en-US" dirty="0">
-                <a:latin typeface="Inter"/>
-              </a:rPr>
-              <a:t>카드가 배치된 후에는 </a:t>
-            </a:r>
-            <a:r>
-              <a:rPr lang="en-US" altLang="ko-KR" dirty="0">
-                <a:latin typeface="Inter"/>
-              </a:rPr>
-              <a:t>Update()</a:t>
-            </a:r>
-            <a:r>
-              <a:rPr lang="ko-KR" altLang="en-US" dirty="0">
-                <a:latin typeface="Inter"/>
-              </a:rPr>
-              <a:t>의 내용이 실행되지 않습니다</a:t>
-            </a:r>
-            <a:r>
-              <a:rPr lang="en-US" altLang="ko-KR" dirty="0">
-                <a:latin typeface="Inter"/>
-              </a:rPr>
+              <a:rPr lang="ko-KR" altLang="en-US" dirty="0"/>
+              <a:t>이후</a:t>
+            </a:r>
+            <a:r>
+              <a:rPr lang="en-US" altLang="ko-KR" dirty="0"/>
+              <a:t> Update()</a:t>
+            </a:r>
+            <a:r>
+              <a:rPr lang="ko-KR" altLang="en-US" dirty="0"/>
+              <a:t> 내용은 실행되지 않습니다</a:t>
+            </a:r>
+            <a:r>
+              <a:rPr lang="en-US" altLang="ko-KR" dirty="0"/>
               <a:t>.</a:t>
             </a:r>
           </a:p>
@@ -8259,7 +8168,7 @@
     </p:spTree>
     <p:extLst>
       <p:ext uri="{BB962C8B-B14F-4D97-AF65-F5344CB8AC3E}">
-        <p14:creationId xmlns:p14="http://schemas.microsoft.com/office/powerpoint/2010/main" val="556805119"/>
+        <p14:creationId xmlns:p14="http://schemas.microsoft.com/office/powerpoint/2010/main" val="2607484024"/>
       </p:ext>
     </p:extLst>
   </p:cSld>
@@ -14507,7 +14416,13 @@
   <p:cSld>
     <p:spTree>
       <p:nvGrpSpPr>
-        <p:cNvPr id="1" name=""/>
+        <p:cNvPr id="1" name="">
+          <a:extLst>
+            <a:ext uri="{FF2B5EF4-FFF2-40B4-BE49-F238E27FC236}">
+              <a16:creationId xmlns:a16="http://schemas.microsoft.com/office/drawing/2014/main" id="{7225B0A6-C967-13B2-3DA2-86167D96D2E5}"/>
+            </a:ext>
+          </a:extLst>
+        </p:cNvPr>
         <p:cNvGrpSpPr/>
         <p:nvPr/>
       </p:nvGrpSpPr>
@@ -14521,7 +14436,13 @@
       </p:grpSpPr>
       <p:sp>
         <p:nvSpPr>
-          <p:cNvPr id="2" name="Text 0"/>
+          <p:cNvPr id="2" name="Text 0">
+            <a:extLst>
+              <a:ext uri="{FF2B5EF4-FFF2-40B4-BE49-F238E27FC236}">
+                <a16:creationId xmlns:a16="http://schemas.microsoft.com/office/drawing/2014/main" id="{F9A0619B-EA00-2788-CF47-3D5D77CE3AEE}"/>
+              </a:ext>
+            </a:extLst>
+          </p:cNvPr>
           <p:cNvSpPr/>
           <p:nvPr/>
         </p:nvSpPr>
@@ -14585,7 +14506,13 @@
       </p:sp>
       <p:sp>
         <p:nvSpPr>
-          <p:cNvPr id="5" name="Text 2"/>
+          <p:cNvPr id="5" name="Text 2">
+            <a:extLst>
+              <a:ext uri="{FF2B5EF4-FFF2-40B4-BE49-F238E27FC236}">
+                <a16:creationId xmlns:a16="http://schemas.microsoft.com/office/drawing/2014/main" id="{A16C0CA7-342D-75DF-DB7D-273BDC10F730}"/>
+              </a:ext>
+            </a:extLst>
+          </p:cNvPr>
           <p:cNvSpPr/>
           <p:nvPr/>
         </p:nvSpPr>
@@ -14619,7 +14546,7 @@
           <p:cNvPr id="6" name="직사각형 5">
             <a:extLst>
               <a:ext uri="{FF2B5EF4-FFF2-40B4-BE49-F238E27FC236}">
-                <a16:creationId xmlns:a16="http://schemas.microsoft.com/office/drawing/2014/main" id="{94D0CF56-C81D-E759-8B17-EC29D090C49C}"/>
+                <a16:creationId xmlns:a16="http://schemas.microsoft.com/office/drawing/2014/main" id="{329632B0-242E-3900-888B-F4D7F8F07CFA}"/>
               </a:ext>
             </a:extLst>
           </p:cNvPr>
@@ -14673,7 +14600,7 @@
           <p:cNvPr id="10" name="직사각형 9">
             <a:extLst>
               <a:ext uri="{FF2B5EF4-FFF2-40B4-BE49-F238E27FC236}">
-                <a16:creationId xmlns:a16="http://schemas.microsoft.com/office/drawing/2014/main" id="{5E17A770-4528-BFC9-54FF-65E95ECC6E5E}"/>
+                <a16:creationId xmlns:a16="http://schemas.microsoft.com/office/drawing/2014/main" id="{DC3EE844-FF1D-278B-2F40-886B9ACA428E}"/>
               </a:ext>
             </a:extLst>
           </p:cNvPr>
@@ -14734,7 +14661,7 @@
           <p:cNvPr id="14" name="TextBox 13">
             <a:extLst>
               <a:ext uri="{FF2B5EF4-FFF2-40B4-BE49-F238E27FC236}">
-                <a16:creationId xmlns:a16="http://schemas.microsoft.com/office/drawing/2014/main" id="{44684E96-61D8-C988-DE21-3FF5332E9EE9}"/>
+                <a16:creationId xmlns:a16="http://schemas.microsoft.com/office/drawing/2014/main" id="{500A7C82-3A8A-9EEF-D2D5-E2A1F31D6C70}"/>
               </a:ext>
             </a:extLst>
           </p:cNvPr>
@@ -14743,8 +14670,8 @@
         </p:nvSpPr>
         <p:spPr>
           <a:xfrm>
-            <a:off x="7030880" y="2638425"/>
-            <a:ext cx="6128569" cy="3786614"/>
+            <a:off x="6533535" y="2638425"/>
+            <a:ext cx="7639665" cy="3521157"/>
           </a:xfrm>
           <a:prstGeom prst="rect">
             <a:avLst/>
@@ -14757,9 +14684,25 @@
           </a:bodyPr>
           <a:lstStyle/>
           <a:p>
+            <a:pPr>
+              <a:lnSpc>
+                <a:spcPct val="200000"/>
+              </a:lnSpc>
+            </a:pPr>
+            <a:r>
+              <a:rPr lang="ko-KR" altLang="en-US" sz="2400" b="1" dirty="0">
+                <a:latin typeface="Inter"/>
+              </a:rPr>
+              <a:t>카드 배치 연출 설명</a:t>
+            </a:r>
+            <a:endParaRPr lang="en-US" altLang="ko-KR" sz="2400" b="1" dirty="0">
+              <a:latin typeface="Inter"/>
+            </a:endParaRPr>
+          </a:p>
+          <a:p>
             <a:pPr marL="285750" indent="-285750">
               <a:lnSpc>
-                <a:spcPct val="150000"/>
+                <a:spcPct val="200000"/>
               </a:lnSpc>
               <a:buFont typeface="Arial" panose="020B0604020202020204" pitchFamily="34" charset="0"/>
               <a:buChar char="•"/>
@@ -14768,64 +14711,55 @@
               <a:rPr lang="ko-KR" altLang="en-US" dirty="0">
                 <a:latin typeface="Inter"/>
               </a:rPr>
-              <a:t>카지노 딜러가 카드를 나눠주듯</a:t>
+              <a:t>카드가 한 장씩 순서대로 배치됩니다</a:t>
             </a:r>
             <a:r>
               <a:rPr lang="en-US" altLang="ko-KR" dirty="0">
                 <a:latin typeface="Inter"/>
               </a:rPr>
-              <a:t>, </a:t>
-            </a:r>
-            <a:r>
-              <a:rPr lang="ko-KR" altLang="en-US" dirty="0">
-                <a:latin typeface="Inter"/>
-              </a:rPr>
-              <a:t>카드가 화면 아래에서 회전하며 하나씩 순서대로 날아가</a:t>
-            </a:r>
-            <a:r>
-              <a:rPr lang="en-US" altLang="ko-KR" dirty="0">
-                <a:latin typeface="Inter"/>
-              </a:rPr>
-              <a:t> </a:t>
-            </a:r>
-            <a:r>
-              <a:rPr lang="ko-KR" altLang="en-US" dirty="0">
-                <a:latin typeface="Inter"/>
-              </a:rPr>
-              <a:t>지정된 위치에 배치됩니다</a:t>
-            </a:r>
-            <a:r>
-              <a:rPr lang="en-US" altLang="ko-KR" dirty="0">
-                <a:latin typeface="Inter"/>
-              </a:rPr>
               <a:t>.</a:t>
             </a:r>
           </a:p>
           <a:p>
             <a:pPr marL="285750" indent="-285750">
               <a:lnSpc>
-                <a:spcPct val="150000"/>
+                <a:spcPct val="200000"/>
               </a:lnSpc>
               <a:buFont typeface="Arial" panose="020B0604020202020204" pitchFamily="34" charset="0"/>
               <a:buChar char="•"/>
             </a:pPr>
             <a:r>
+              <a:rPr lang="ko-KR" altLang="en-US" dirty="0"/>
+              <a:t>화면 </a:t>
+            </a:r>
+            <a:r>
               <a:rPr lang="ko-KR" altLang="en-US" dirty="0">
                 <a:latin typeface="Inter"/>
               </a:rPr>
-              <a:t>각 카드는 빠르게 출발하여 도착 지점에서 부드럽게 멈추는 </a:t>
+              <a:t>아래에서 빠르게 날아 올라와</a:t>
             </a:r>
             <a:r>
               <a:rPr lang="en-US" altLang="ko-KR" dirty="0">
                 <a:latin typeface="Inter"/>
               </a:rPr>
-              <a:t>Ease-Out</a:t>
+              <a:t>,</a:t>
+            </a:r>
+            <a:br>
+              <a:rPr lang="en-US" altLang="ko-KR" dirty="0">
+                <a:latin typeface="Inter"/>
+              </a:rPr>
+            </a:br>
+            <a:r>
+              <a:rPr lang="en-US" altLang="ko-KR" dirty="0">
+                <a:latin typeface="Inter"/>
+              </a:rPr>
+              <a:t> </a:t>
             </a:r>
             <a:r>
               <a:rPr lang="ko-KR" altLang="en-US" dirty="0">
                 <a:latin typeface="Inter"/>
               </a:rPr>
-              <a:t> 움직임을 사용했습니다</a:t>
+              <a:t>지정된 위치에 부드럽게 착지합니다</a:t>
             </a:r>
             <a:r>
               <a:rPr lang="en-US" altLang="ko-KR" dirty="0">
@@ -14837,97 +14771,49 @@
           <a:p>
             <a:pPr marL="285750" indent="-285750">
               <a:lnSpc>
-                <a:spcPct val="150000"/>
+                <a:spcPct val="200000"/>
               </a:lnSpc>
               <a:buFont typeface="Arial" panose="020B0604020202020204" pitchFamily="34" charset="0"/>
               <a:buChar char="•"/>
             </a:pPr>
             <a:r>
-              <a:rPr lang="ko-KR" altLang="en-US" dirty="0"/>
-              <a:t>카드 배치 중에는 클릭이 불가능하며</a:t>
+              <a:rPr lang="ko-KR" altLang="en-US" dirty="0">
+                <a:latin typeface="Inter"/>
+              </a:rPr>
+              <a:t>배치 도중에는 카드를 클릭할 수 없으며</a:t>
             </a:r>
             <a:r>
               <a:rPr lang="en-US" altLang="ko-KR" dirty="0">
                 <a:latin typeface="Inter"/>
               </a:rPr>
-              <a:t>, </a:t>
-            </a:r>
+              <a:t>,</a:t>
+            </a:r>
+            <a:br>
+              <a:rPr lang="en-US" altLang="ko-KR" dirty="0">
+                <a:latin typeface="Inter"/>
+              </a:rPr>
+            </a:br>
             <a:r>
               <a:rPr lang="ko-KR" altLang="en-US" dirty="0">
                 <a:latin typeface="Inter"/>
               </a:rPr>
-              <a:t>모든 카드 배치가 완료된 이후에</a:t>
+              <a:t>모든 카드가 자리 잡은 후 게임이 시작됩니다</a:t>
             </a:r>
             <a:r>
               <a:rPr lang="en-US" altLang="ko-KR" dirty="0">
                 <a:latin typeface="Inter"/>
               </a:rPr>
-              <a:t>, </a:t>
-            </a:r>
-            <a:r>
-              <a:rPr lang="ko-KR" altLang="en-US" dirty="0">
-                <a:latin typeface="Inter"/>
-              </a:rPr>
-              <a:t>플레이어가 짝을 맞추는 게임을 시작할 수 있도록 설계했습니다</a:t>
-            </a:r>
-            <a:r>
-              <a:rPr lang="en-US" altLang="ko-KR" dirty="0">
-                <a:latin typeface="Inter"/>
-              </a:rPr>
               <a:t>.</a:t>
             </a:r>
-          </a:p>
-          <a:p>
-            <a:pPr marL="285750" indent="-285750">
-              <a:lnSpc>
-                <a:spcPct val="150000"/>
-              </a:lnSpc>
-              <a:buFont typeface="Arial" panose="020B0604020202020204" pitchFamily="34" charset="0"/>
-              <a:buChar char="•"/>
-            </a:pPr>
-            <a:r>
-              <a:rPr lang="ko-KR" altLang="en-US" strike="sngStrike" dirty="0">
-                <a:latin typeface="Inter"/>
-              </a:rPr>
-              <a:t>카드는 맨 </a:t>
-            </a:r>
-            <a:r>
-              <a:rPr lang="ko-KR" altLang="en-US" strike="sngStrike" dirty="0" err="1">
-                <a:latin typeface="Inter"/>
-              </a:rPr>
-              <a:t>윗장</a:t>
-            </a:r>
-            <a:r>
-              <a:rPr lang="ko-KR" altLang="en-US" strike="sngStrike" dirty="0">
-                <a:latin typeface="Inter"/>
-              </a:rPr>
-              <a:t> </a:t>
-            </a:r>
-            <a:r>
-              <a:rPr lang="ko-KR" altLang="en-US" strike="sngStrike" dirty="0" err="1">
-                <a:latin typeface="Inter"/>
-              </a:rPr>
-              <a:t>부터</a:t>
-            </a:r>
-            <a:r>
-              <a:rPr lang="ko-KR" altLang="en-US" strike="sngStrike" dirty="0">
-                <a:latin typeface="Inter"/>
-              </a:rPr>
-              <a:t> 날아갑니다</a:t>
-            </a:r>
-            <a:r>
-              <a:rPr lang="en-US" altLang="ko-KR" strike="sngStrike" dirty="0">
-                <a:latin typeface="Inter"/>
-              </a:rPr>
-              <a:t>.</a:t>
-            </a:r>
-            <a:endParaRPr lang="ko-KR" altLang="en-US" dirty="0">
-              <a:latin typeface="Inter"/>
-            </a:endParaRPr>
           </a:p>
         </p:txBody>
       </p:sp>
     </p:spTree>
+    <p:extLst>
+      <p:ext uri="{BB962C8B-B14F-4D97-AF65-F5344CB8AC3E}">
+        <p14:creationId xmlns:p14="http://schemas.microsoft.com/office/powerpoint/2010/main" val="426977772"/>
+      </p:ext>
+    </p:extLst>
   </p:cSld>
   <p:clrMapOvr>
     <a:masterClrMapping/>
